--- a/Vas-Data/FinalPresentation.pptx
+++ b/Vas-Data/FinalPresentation.pptx
@@ -8,11 +8,12 @@
     <p:sldId id="256" r:id="rId2"/>
     <p:sldId id="272" r:id="rId3"/>
     <p:sldId id="273" r:id="rId4"/>
-    <p:sldId id="259" r:id="rId5"/>
-    <p:sldId id="257" r:id="rId6"/>
-    <p:sldId id="260" r:id="rId7"/>
-    <p:sldId id="258" r:id="rId8"/>
-    <p:sldId id="271" r:id="rId9"/>
+    <p:sldId id="274" r:id="rId5"/>
+    <p:sldId id="259" r:id="rId6"/>
+    <p:sldId id="257" r:id="rId7"/>
+    <p:sldId id="260" r:id="rId8"/>
+    <p:sldId id="258" r:id="rId9"/>
+    <p:sldId id="271" r:id="rId10"/>
   </p:sldIdLst>
   <p:sldSz cx="12192000" cy="6858000"/>
   <p:notesSz cx="6858000" cy="9144000"/>
@@ -111,6 +112,11 @@
       </a:defRPr>
     </a:lvl9pPr>
   </p:defaultTextStyle>
+  <p:extLst>
+    <p:ext uri="{EFAFB233-063F-42B5-8137-9DF3F51BA10A}">
+      <p15:sldGuideLst xmlns:p15="http://schemas.microsoft.com/office/powerpoint/2012/main"/>
+    </p:ext>
+  </p:extLst>
 </p:presentation>
 </file>
 
@@ -2591,7 +2597,7 @@
           <a:noFill/>
           <a:extLst>
             <a:ext uri="{909E8E84-426E-40dd-AFC4-6F175D3DCCD1}">
-              <a14:hiddenFill xmlns:a14="http://schemas.microsoft.com/office/drawing/2010/main" xmlns="">
+              <a14:hiddenFill xmlns="" xmlns:a14="http://schemas.microsoft.com/office/drawing/2010/main">
                 <a:solidFill>
                   <a:srgbClr val="FFFFFF"/>
                 </a:solidFill>
@@ -2650,7 +2656,7 @@
             </a:ln>
             <a:extLst>
               <a:ext uri="{91240B29-F687-4f45-9708-019B960494DF}">
-                <a14:hiddenLine xmlns:a14="http://schemas.microsoft.com/office/drawing/2010/main" xmlns="" w="9525">
+                <a14:hiddenLine xmlns="" xmlns:a14="http://schemas.microsoft.com/office/drawing/2010/main" w="9525">
                   <a:solidFill>
                     <a:srgbClr val="000000"/>
                   </a:solidFill>
@@ -2740,7 +2746,7 @@
             </a:ln>
             <a:extLst>
               <a:ext uri="{91240B29-F687-4f45-9708-019B960494DF}">
-                <a14:hiddenLine xmlns:a14="http://schemas.microsoft.com/office/drawing/2010/main" xmlns="" w="9525">
+                <a14:hiddenLine xmlns="" xmlns:a14="http://schemas.microsoft.com/office/drawing/2010/main" w="9525">
                   <a:solidFill>
                     <a:srgbClr val="000000"/>
                   </a:solidFill>
@@ -2830,7 +2836,7 @@
             </a:ln>
             <a:extLst>
               <a:ext uri="{91240B29-F687-4f45-9708-019B960494DF}">
-                <a14:hiddenLine xmlns:a14="http://schemas.microsoft.com/office/drawing/2010/main" xmlns="" w="9525">
+                <a14:hiddenLine xmlns="" xmlns:a14="http://schemas.microsoft.com/office/drawing/2010/main" w="9525">
                   <a:solidFill>
                     <a:srgbClr val="000000"/>
                   </a:solidFill>
@@ -2864,7 +2870,7 @@
             </a:ln>
             <a:extLst>
               <a:ext uri="{91240B29-F687-4f45-9708-019B960494DF}">
-                <a14:hiddenLine xmlns:a14="http://schemas.microsoft.com/office/drawing/2010/main" xmlns="" w="9525">
+                <a14:hiddenLine xmlns="" xmlns:a14="http://schemas.microsoft.com/office/drawing/2010/main" w="9525">
                   <a:solidFill>
                     <a:srgbClr val="000000"/>
                   </a:solidFill>
@@ -2954,7 +2960,7 @@
             </a:ln>
             <a:extLst>
               <a:ext uri="{91240B29-F687-4f45-9708-019B960494DF}">
-                <a14:hiddenLine xmlns:a14="http://schemas.microsoft.com/office/drawing/2010/main" xmlns="" w="9525">
+                <a14:hiddenLine xmlns="" xmlns:a14="http://schemas.microsoft.com/office/drawing/2010/main" w="9525">
                   <a:solidFill>
                     <a:srgbClr val="000000"/>
                   </a:solidFill>
@@ -3016,7 +3022,7 @@
             </a:ln>
             <a:extLst>
               <a:ext uri="{91240B29-F687-4f45-9708-019B960494DF}">
-                <a14:hiddenLine xmlns:a14="http://schemas.microsoft.com/office/drawing/2010/main" xmlns="" w="9525">
+                <a14:hiddenLine xmlns="" xmlns:a14="http://schemas.microsoft.com/office/drawing/2010/main" w="9525">
                   <a:solidFill>
                     <a:srgbClr val="000000"/>
                   </a:solidFill>
@@ -3078,7 +3084,7 @@
             </a:ln>
             <a:extLst>
               <a:ext uri="{91240B29-F687-4f45-9708-019B960494DF}">
-                <a14:hiddenLine xmlns:a14="http://schemas.microsoft.com/office/drawing/2010/main" xmlns="" w="9525">
+                <a14:hiddenLine xmlns="" xmlns:a14="http://schemas.microsoft.com/office/drawing/2010/main" w="9525">
                   <a:solidFill>
                     <a:srgbClr val="000000"/>
                   </a:solidFill>
@@ -3168,7 +3174,7 @@
             </a:ln>
             <a:extLst>
               <a:ext uri="{91240B29-F687-4f45-9708-019B960494DF}">
-                <a14:hiddenLine xmlns:a14="http://schemas.microsoft.com/office/drawing/2010/main" xmlns="" w="9525">
+                <a14:hiddenLine xmlns="" xmlns:a14="http://schemas.microsoft.com/office/drawing/2010/main" w="9525">
                   <a:solidFill>
                     <a:srgbClr val="000000"/>
                   </a:solidFill>
@@ -3230,7 +3236,7 @@
             </a:ln>
             <a:extLst>
               <a:ext uri="{91240B29-F687-4f45-9708-019B960494DF}">
-                <a14:hiddenLine xmlns:a14="http://schemas.microsoft.com/office/drawing/2010/main" xmlns="" w="9525">
+                <a14:hiddenLine xmlns="" xmlns:a14="http://schemas.microsoft.com/office/drawing/2010/main" w="9525">
                   <a:solidFill>
                     <a:srgbClr val="000000"/>
                   </a:solidFill>
@@ -3292,7 +3298,7 @@
             </a:ln>
             <a:extLst>
               <a:ext uri="{91240B29-F687-4f45-9708-019B960494DF}">
-                <a14:hiddenLine xmlns:a14="http://schemas.microsoft.com/office/drawing/2010/main" xmlns="" w="9525">
+                <a14:hiddenLine xmlns="" xmlns:a14="http://schemas.microsoft.com/office/drawing/2010/main" w="9525">
                   <a:solidFill>
                     <a:srgbClr val="000000"/>
                   </a:solidFill>
@@ -3382,7 +3388,7 @@
             </a:ln>
             <a:extLst>
               <a:ext uri="{91240B29-F687-4f45-9708-019B960494DF}">
-                <a14:hiddenLine xmlns:a14="http://schemas.microsoft.com/office/drawing/2010/main" xmlns="" w="9525">
+                <a14:hiddenLine xmlns="" xmlns:a14="http://schemas.microsoft.com/office/drawing/2010/main" w="9525">
                   <a:solidFill>
                     <a:srgbClr val="000000"/>
                   </a:solidFill>
@@ -3472,7 +3478,7 @@
             </a:ln>
             <a:extLst>
               <a:ext uri="{91240B29-F687-4f45-9708-019B960494DF}">
-                <a14:hiddenLine xmlns:a14="http://schemas.microsoft.com/office/drawing/2010/main" xmlns="" w="9525">
+                <a14:hiddenLine xmlns="" xmlns:a14="http://schemas.microsoft.com/office/drawing/2010/main" w="9525">
                   <a:solidFill>
                     <a:srgbClr val="000000"/>
                   </a:solidFill>
@@ -3534,7 +3540,7 @@
             </a:ln>
             <a:extLst>
               <a:ext uri="{91240B29-F687-4f45-9708-019B960494DF}">
-                <a14:hiddenLine xmlns:a14="http://schemas.microsoft.com/office/drawing/2010/main" xmlns="" w="9525">
+                <a14:hiddenLine xmlns="" xmlns:a14="http://schemas.microsoft.com/office/drawing/2010/main" w="9525">
                   <a:solidFill>
                     <a:srgbClr val="000000"/>
                   </a:solidFill>
@@ -3644,7 +3650,7 @@
             </a:ln>
             <a:extLst>
               <a:ext uri="{91240B29-F687-4f45-9708-019B960494DF}">
-                <a14:hiddenLine xmlns:a14="http://schemas.microsoft.com/office/drawing/2010/main" xmlns="" w="9525">
+                <a14:hiddenLine xmlns="" xmlns:a14="http://schemas.microsoft.com/office/drawing/2010/main" w="9525">
                   <a:solidFill>
                     <a:srgbClr val="000000"/>
                   </a:solidFill>
@@ -3706,7 +3712,7 @@
             </a:ln>
             <a:extLst>
               <a:ext uri="{91240B29-F687-4f45-9708-019B960494DF}">
-                <a14:hiddenLine xmlns:a14="http://schemas.microsoft.com/office/drawing/2010/main" xmlns="" w="9525">
+                <a14:hiddenLine xmlns="" xmlns:a14="http://schemas.microsoft.com/office/drawing/2010/main" w="9525">
                   <a:solidFill>
                     <a:srgbClr val="000000"/>
                   </a:solidFill>
@@ -3796,7 +3802,7 @@
             </a:ln>
             <a:extLst>
               <a:ext uri="{91240B29-F687-4f45-9708-019B960494DF}">
-                <a14:hiddenLine xmlns:a14="http://schemas.microsoft.com/office/drawing/2010/main" xmlns="" w="9525">
+                <a14:hiddenLine xmlns="" xmlns:a14="http://schemas.microsoft.com/office/drawing/2010/main" w="9525">
                   <a:solidFill>
                     <a:srgbClr val="000000"/>
                   </a:solidFill>
@@ -3886,7 +3892,7 @@
             </a:ln>
             <a:extLst>
               <a:ext uri="{91240B29-F687-4f45-9708-019B960494DF}">
-                <a14:hiddenLine xmlns:a14="http://schemas.microsoft.com/office/drawing/2010/main" xmlns="" w="9525">
+                <a14:hiddenLine xmlns="" xmlns:a14="http://schemas.microsoft.com/office/drawing/2010/main" w="9525">
                   <a:solidFill>
                     <a:srgbClr val="000000"/>
                   </a:solidFill>
@@ -3948,7 +3954,7 @@
             </a:ln>
             <a:extLst>
               <a:ext uri="{91240B29-F687-4f45-9708-019B960494DF}">
-                <a14:hiddenLine xmlns:a14="http://schemas.microsoft.com/office/drawing/2010/main" xmlns="" w="9525">
+                <a14:hiddenLine xmlns="" xmlns:a14="http://schemas.microsoft.com/office/drawing/2010/main" w="9525">
                   <a:solidFill>
                     <a:srgbClr val="000000"/>
                   </a:solidFill>
@@ -4038,7 +4044,7 @@
             </a:ln>
             <a:extLst>
               <a:ext uri="{91240B29-F687-4f45-9708-019B960494DF}">
-                <a14:hiddenLine xmlns:a14="http://schemas.microsoft.com/office/drawing/2010/main" xmlns="" w="9525">
+                <a14:hiddenLine xmlns="" xmlns:a14="http://schemas.microsoft.com/office/drawing/2010/main" w="9525">
                   <a:solidFill>
                     <a:srgbClr val="000000"/>
                   </a:solidFill>
@@ -4128,7 +4134,7 @@
             </a:ln>
             <a:extLst>
               <a:ext uri="{91240B29-F687-4f45-9708-019B960494DF}">
-                <a14:hiddenLine xmlns:a14="http://schemas.microsoft.com/office/drawing/2010/main" xmlns="" w="9525">
+                <a14:hiddenLine xmlns="" xmlns:a14="http://schemas.microsoft.com/office/drawing/2010/main" w="9525">
                   <a:solidFill>
                     <a:srgbClr val="000000"/>
                   </a:solidFill>
@@ -4184,7 +4190,7 @@
             </a:ln>
             <a:extLst>
               <a:ext uri="{91240B29-F687-4f45-9708-019B960494DF}">
-                <a14:hiddenLine xmlns:a14="http://schemas.microsoft.com/office/drawing/2010/main" xmlns="" w="9525">
+                <a14:hiddenLine xmlns="" xmlns:a14="http://schemas.microsoft.com/office/drawing/2010/main" w="9525">
                   <a:solidFill>
                     <a:srgbClr val="000000"/>
                   </a:solidFill>
@@ -4274,7 +4280,7 @@
             </a:ln>
             <a:extLst>
               <a:ext uri="{91240B29-F687-4f45-9708-019B960494DF}">
-                <a14:hiddenLine xmlns:a14="http://schemas.microsoft.com/office/drawing/2010/main" xmlns="" w="9525">
+                <a14:hiddenLine xmlns="" xmlns:a14="http://schemas.microsoft.com/office/drawing/2010/main" w="9525">
                   <a:solidFill>
                     <a:srgbClr val="000000"/>
                   </a:solidFill>
@@ -4330,7 +4336,7 @@
             </a:ln>
             <a:extLst>
               <a:ext uri="{91240B29-F687-4f45-9708-019B960494DF}">
-                <a14:hiddenLine xmlns:a14="http://schemas.microsoft.com/office/drawing/2010/main" xmlns="" w="9525">
+                <a14:hiddenLine xmlns="" xmlns:a14="http://schemas.microsoft.com/office/drawing/2010/main" w="9525">
                   <a:solidFill>
                     <a:srgbClr val="000000"/>
                   </a:solidFill>
@@ -4420,7 +4426,7 @@
             </a:ln>
             <a:extLst>
               <a:ext uri="{91240B29-F687-4f45-9708-019B960494DF}">
-                <a14:hiddenLine xmlns:a14="http://schemas.microsoft.com/office/drawing/2010/main" xmlns="" w="9525">
+                <a14:hiddenLine xmlns="" xmlns:a14="http://schemas.microsoft.com/office/drawing/2010/main" w="9525">
                   <a:solidFill>
                     <a:srgbClr val="000000"/>
                   </a:solidFill>
@@ -4488,7 +4494,7 @@
             </a:ln>
             <a:extLst>
               <a:ext uri="{91240B29-F687-4f45-9708-019B960494DF}">
-                <a14:hiddenLine xmlns:a14="http://schemas.microsoft.com/office/drawing/2010/main" xmlns="" w="9525">
+                <a14:hiddenLine xmlns="" xmlns:a14="http://schemas.microsoft.com/office/drawing/2010/main" w="9525">
                   <a:solidFill>
                     <a:srgbClr val="000000"/>
                   </a:solidFill>
@@ -4578,7 +4584,7 @@
             </a:ln>
             <a:extLst>
               <a:ext uri="{91240B29-F687-4f45-9708-019B960494DF}">
-                <a14:hiddenLine xmlns:a14="http://schemas.microsoft.com/office/drawing/2010/main" xmlns="" w="9525">
+                <a14:hiddenLine xmlns="" xmlns:a14="http://schemas.microsoft.com/office/drawing/2010/main" w="9525">
                   <a:solidFill>
                     <a:srgbClr val="000000"/>
                   </a:solidFill>
@@ -4646,7 +4652,7 @@
             </a:ln>
             <a:extLst>
               <a:ext uri="{91240B29-F687-4f45-9708-019B960494DF}">
-                <a14:hiddenLine xmlns:a14="http://schemas.microsoft.com/office/drawing/2010/main" xmlns="" w="9525">
+                <a14:hiddenLine xmlns="" xmlns:a14="http://schemas.microsoft.com/office/drawing/2010/main" w="9525">
                   <a:solidFill>
                     <a:srgbClr val="000000"/>
                   </a:solidFill>
@@ -4736,7 +4742,7 @@
             </a:ln>
             <a:extLst>
               <a:ext uri="{91240B29-F687-4f45-9708-019B960494DF}">
-                <a14:hiddenLine xmlns:a14="http://schemas.microsoft.com/office/drawing/2010/main" xmlns="" w="9525">
+                <a14:hiddenLine xmlns="" xmlns:a14="http://schemas.microsoft.com/office/drawing/2010/main" w="9525">
                   <a:solidFill>
                     <a:srgbClr val="000000"/>
                   </a:solidFill>
@@ -4770,7 +4776,7 @@
             </a:ln>
             <a:extLst>
               <a:ext uri="{91240B29-F687-4f45-9708-019B960494DF}">
-                <a14:hiddenLine xmlns:a14="http://schemas.microsoft.com/office/drawing/2010/main" xmlns="" w="9525">
+                <a14:hiddenLine xmlns="" xmlns:a14="http://schemas.microsoft.com/office/drawing/2010/main" w="9525">
                   <a:solidFill>
                     <a:srgbClr val="000000"/>
                   </a:solidFill>
@@ -4860,7 +4866,7 @@
             </a:ln>
             <a:extLst>
               <a:ext uri="{91240B29-F687-4f45-9708-019B960494DF}">
-                <a14:hiddenLine xmlns:a14="http://schemas.microsoft.com/office/drawing/2010/main" xmlns="" w="9525">
+                <a14:hiddenLine xmlns="" xmlns:a14="http://schemas.microsoft.com/office/drawing/2010/main" w="9525">
                   <a:solidFill>
                     <a:srgbClr val="000000"/>
                   </a:solidFill>
@@ -4922,7 +4928,7 @@
             </a:ln>
             <a:extLst>
               <a:ext uri="{91240B29-F687-4f45-9708-019B960494DF}">
-                <a14:hiddenLine xmlns:a14="http://schemas.microsoft.com/office/drawing/2010/main" xmlns="" w="9525">
+                <a14:hiddenLine xmlns="" xmlns:a14="http://schemas.microsoft.com/office/drawing/2010/main" w="9525">
                   <a:solidFill>
                     <a:srgbClr val="000000"/>
                   </a:solidFill>
@@ -4984,7 +4990,7 @@
             </a:ln>
             <a:extLst>
               <a:ext uri="{91240B29-F687-4f45-9708-019B960494DF}">
-                <a14:hiddenLine xmlns:a14="http://schemas.microsoft.com/office/drawing/2010/main" xmlns="" w="9525">
+                <a14:hiddenLine xmlns="" xmlns:a14="http://schemas.microsoft.com/office/drawing/2010/main" w="9525">
                   <a:solidFill>
                     <a:srgbClr val="000000"/>
                   </a:solidFill>
@@ -5074,7 +5080,7 @@
             </a:ln>
             <a:extLst>
               <a:ext uri="{91240B29-F687-4f45-9708-019B960494DF}">
-                <a14:hiddenLine xmlns:a14="http://schemas.microsoft.com/office/drawing/2010/main" xmlns="" w="9525">
+                <a14:hiddenLine xmlns="" xmlns:a14="http://schemas.microsoft.com/office/drawing/2010/main" w="9525">
                   <a:solidFill>
                     <a:srgbClr val="000000"/>
                   </a:solidFill>
@@ -5142,7 +5148,7 @@
             </a:ln>
             <a:extLst>
               <a:ext uri="{91240B29-F687-4f45-9708-019B960494DF}">
-                <a14:hiddenLine xmlns:a14="http://schemas.microsoft.com/office/drawing/2010/main" xmlns="" w="9525">
+                <a14:hiddenLine xmlns="" xmlns:a14="http://schemas.microsoft.com/office/drawing/2010/main" w="9525">
                   <a:solidFill>
                     <a:srgbClr val="000000"/>
                   </a:solidFill>
@@ -5204,7 +5210,7 @@
             </a:ln>
             <a:extLst>
               <a:ext uri="{91240B29-F687-4f45-9708-019B960494DF}">
-                <a14:hiddenLine xmlns:a14="http://schemas.microsoft.com/office/drawing/2010/main" xmlns="" w="9525">
+                <a14:hiddenLine xmlns="" xmlns:a14="http://schemas.microsoft.com/office/drawing/2010/main" w="9525">
                   <a:solidFill>
                     <a:srgbClr val="000000"/>
                   </a:solidFill>
@@ -5294,7 +5300,7 @@
             </a:ln>
             <a:extLst>
               <a:ext uri="{91240B29-F687-4f45-9708-019B960494DF}">
-                <a14:hiddenLine xmlns:a14="http://schemas.microsoft.com/office/drawing/2010/main" xmlns="" w="9525">
+                <a14:hiddenLine xmlns="" xmlns:a14="http://schemas.microsoft.com/office/drawing/2010/main" w="9525">
                   <a:solidFill>
                     <a:srgbClr val="000000"/>
                   </a:solidFill>
@@ -5356,7 +5362,7 @@
             </a:ln>
             <a:extLst>
               <a:ext uri="{91240B29-F687-4f45-9708-019B960494DF}">
-                <a14:hiddenLine xmlns:a14="http://schemas.microsoft.com/office/drawing/2010/main" xmlns="" w="9525">
+                <a14:hiddenLine xmlns="" xmlns:a14="http://schemas.microsoft.com/office/drawing/2010/main" w="9525">
                   <a:solidFill>
                     <a:srgbClr val="000000"/>
                   </a:solidFill>
@@ -5446,7 +5452,7 @@
             </a:ln>
             <a:extLst>
               <a:ext uri="{91240B29-F687-4f45-9708-019B960494DF}">
-                <a14:hiddenLine xmlns:a14="http://schemas.microsoft.com/office/drawing/2010/main" xmlns="" w="9525">
+                <a14:hiddenLine xmlns="" xmlns:a14="http://schemas.microsoft.com/office/drawing/2010/main" w="9525">
                   <a:solidFill>
                     <a:srgbClr val="000000"/>
                   </a:solidFill>
@@ -5508,7 +5514,7 @@
             </a:ln>
             <a:extLst>
               <a:ext uri="{91240B29-F687-4f45-9708-019B960494DF}">
-                <a14:hiddenLine xmlns:a14="http://schemas.microsoft.com/office/drawing/2010/main" xmlns="" w="9525">
+                <a14:hiddenLine xmlns="" xmlns:a14="http://schemas.microsoft.com/office/drawing/2010/main" w="9525">
                   <a:solidFill>
                     <a:srgbClr val="000000"/>
                   </a:solidFill>
@@ -5598,7 +5604,7 @@
             </a:ln>
             <a:extLst>
               <a:ext uri="{91240B29-F687-4f45-9708-019B960494DF}">
-                <a14:hiddenLine xmlns:a14="http://schemas.microsoft.com/office/drawing/2010/main" xmlns="" w="9525">
+                <a14:hiddenLine xmlns="" xmlns:a14="http://schemas.microsoft.com/office/drawing/2010/main" w="9525">
                   <a:solidFill>
                     <a:srgbClr val="000000"/>
                   </a:solidFill>
@@ -5632,7 +5638,7 @@
             </a:ln>
             <a:extLst>
               <a:ext uri="{91240B29-F687-4f45-9708-019B960494DF}">
-                <a14:hiddenLine xmlns:a14="http://schemas.microsoft.com/office/drawing/2010/main" xmlns="" w="9525">
+                <a14:hiddenLine xmlns="" xmlns:a14="http://schemas.microsoft.com/office/drawing/2010/main" w="9525">
                   <a:solidFill>
                     <a:srgbClr val="000000"/>
                   </a:solidFill>
@@ -5697,7 +5703,7 @@
             </a:ln>
             <a:extLst>
               <a:ext uri="{91240B29-F687-4f45-9708-019B960494DF}">
-                <a14:hiddenLine xmlns:a14="http://schemas.microsoft.com/office/drawing/2010/main" xmlns="" w="9525">
+                <a14:hiddenLine xmlns="" xmlns:a14="http://schemas.microsoft.com/office/drawing/2010/main" w="9525">
                   <a:solidFill>
                     <a:srgbClr val="000000"/>
                   </a:solidFill>
@@ -5787,7 +5793,7 @@
             </a:ln>
             <a:extLst>
               <a:ext uri="{91240B29-F687-4f45-9708-019B960494DF}">
-                <a14:hiddenLine xmlns:a14="http://schemas.microsoft.com/office/drawing/2010/main" xmlns="" w="9525">
+                <a14:hiddenLine xmlns="" xmlns:a14="http://schemas.microsoft.com/office/drawing/2010/main" w="9525">
                   <a:solidFill>
                     <a:srgbClr val="000000"/>
                   </a:solidFill>
@@ -5849,7 +5855,7 @@
             </a:ln>
             <a:extLst>
               <a:ext uri="{91240B29-F687-4f45-9708-019B960494DF}">
-                <a14:hiddenLine xmlns:a14="http://schemas.microsoft.com/office/drawing/2010/main" xmlns="" w="9525">
+                <a14:hiddenLine xmlns="" xmlns:a14="http://schemas.microsoft.com/office/drawing/2010/main" w="9525">
                   <a:solidFill>
                     <a:srgbClr val="000000"/>
                   </a:solidFill>
@@ -5939,7 +5945,7 @@
             </a:ln>
             <a:extLst>
               <a:ext uri="{91240B29-F687-4f45-9708-019B960494DF}">
-                <a14:hiddenLine xmlns:a14="http://schemas.microsoft.com/office/drawing/2010/main" xmlns="" w="9525">
+                <a14:hiddenLine xmlns="" xmlns:a14="http://schemas.microsoft.com/office/drawing/2010/main" w="9525">
                   <a:solidFill>
                     <a:srgbClr val="000000"/>
                   </a:solidFill>
@@ -6029,7 +6035,7 @@
             </a:ln>
             <a:extLst>
               <a:ext uri="{91240B29-F687-4f45-9708-019B960494DF}">
-                <a14:hiddenLine xmlns:a14="http://schemas.microsoft.com/office/drawing/2010/main" xmlns="" w="9525">
+                <a14:hiddenLine xmlns="" xmlns:a14="http://schemas.microsoft.com/office/drawing/2010/main" w="9525">
                   <a:solidFill>
                     <a:srgbClr val="000000"/>
                   </a:solidFill>
@@ -6094,7 +6100,7 @@
             </a:ln>
             <a:extLst>
               <a:ext uri="{91240B29-F687-4f45-9708-019B960494DF}">
-                <a14:hiddenLine xmlns:a14="http://schemas.microsoft.com/office/drawing/2010/main" xmlns="" w="9525">
+                <a14:hiddenLine xmlns="" xmlns:a14="http://schemas.microsoft.com/office/drawing/2010/main" w="9525">
                   <a:solidFill>
                     <a:srgbClr val="000000"/>
                   </a:solidFill>
@@ -6156,7 +6162,7 @@
             </a:ln>
             <a:extLst>
               <a:ext uri="{91240B29-F687-4f45-9708-019B960494DF}">
-                <a14:hiddenLine xmlns:a14="http://schemas.microsoft.com/office/drawing/2010/main" xmlns="" w="9525">
+                <a14:hiddenLine xmlns="" xmlns:a14="http://schemas.microsoft.com/office/drawing/2010/main" w="9525">
                   <a:solidFill>
                     <a:srgbClr val="000000"/>
                   </a:solidFill>
@@ -6246,7 +6252,7 @@
             </a:ln>
             <a:extLst>
               <a:ext uri="{91240B29-F687-4f45-9708-019B960494DF}">
-                <a14:hiddenLine xmlns:a14="http://schemas.microsoft.com/office/drawing/2010/main" xmlns="" w="9525">
+                <a14:hiddenLine xmlns="" xmlns:a14="http://schemas.microsoft.com/office/drawing/2010/main" w="9525">
                   <a:solidFill>
                     <a:srgbClr val="000000"/>
                   </a:solidFill>
@@ -6336,7 +6342,7 @@
             </a:ln>
             <a:extLst>
               <a:ext uri="{91240B29-F687-4f45-9708-019B960494DF}">
-                <a14:hiddenLine xmlns:a14="http://schemas.microsoft.com/office/drawing/2010/main" xmlns="" w="9525">
+                <a14:hiddenLine xmlns="" xmlns:a14="http://schemas.microsoft.com/office/drawing/2010/main" w="9525">
                   <a:solidFill>
                     <a:srgbClr val="000000"/>
                   </a:solidFill>
@@ -6398,7 +6404,7 @@
             </a:ln>
             <a:extLst>
               <a:ext uri="{91240B29-F687-4f45-9708-019B960494DF}">
-                <a14:hiddenLine xmlns:a14="http://schemas.microsoft.com/office/drawing/2010/main" xmlns="" w="9525">
+                <a14:hiddenLine xmlns="" xmlns:a14="http://schemas.microsoft.com/office/drawing/2010/main" w="9525">
                   <a:solidFill>
                     <a:srgbClr val="000000"/>
                   </a:solidFill>
@@ -6518,7 +6524,7 @@
             </a:ln>
             <a:extLst>
               <a:ext uri="{91240B29-F687-4f45-9708-019B960494DF}">
-                <a14:hiddenLine xmlns:a14="http://schemas.microsoft.com/office/drawing/2010/main" xmlns="" w="9525">
+                <a14:hiddenLine xmlns="" xmlns:a14="http://schemas.microsoft.com/office/drawing/2010/main" w="9525">
                   <a:solidFill>
                     <a:srgbClr val="000000"/>
                   </a:solidFill>
@@ -6586,7 +6592,7 @@
             </a:ln>
             <a:extLst>
               <a:ext uri="{91240B29-F687-4f45-9708-019B960494DF}">
-                <a14:hiddenLine xmlns:a14="http://schemas.microsoft.com/office/drawing/2010/main" xmlns="" w="9525">
+                <a14:hiddenLine xmlns="" xmlns:a14="http://schemas.microsoft.com/office/drawing/2010/main" w="9525">
                   <a:solidFill>
                     <a:srgbClr val="000000"/>
                   </a:solidFill>
@@ -6676,7 +6682,7 @@
             </a:ln>
             <a:extLst>
               <a:ext uri="{91240B29-F687-4f45-9708-019B960494DF}">
-                <a14:hiddenLine xmlns:a14="http://schemas.microsoft.com/office/drawing/2010/main" xmlns="" w="9525">
+                <a14:hiddenLine xmlns="" xmlns:a14="http://schemas.microsoft.com/office/drawing/2010/main" w="9525">
                   <a:solidFill>
                     <a:srgbClr val="000000"/>
                   </a:solidFill>
@@ -11697,7 +11703,7 @@
           <a:noFill/>
           <a:extLst>
             <a:ext uri="{909E8E84-426E-40dd-AFC4-6F175D3DCCD1}">
-              <a14:hiddenFill xmlns:a14="http://schemas.microsoft.com/office/drawing/2010/main" xmlns="">
+              <a14:hiddenFill xmlns="" xmlns:a14="http://schemas.microsoft.com/office/drawing/2010/main">
                 <a:solidFill>
                   <a:srgbClr val="FFFFFF"/>
                 </a:solidFill>
@@ -11771,7 +11777,7 @@
               </a:ln>
               <a:extLst>
                 <a:ext uri="{91240B29-F687-4f45-9708-019B960494DF}">
-                  <a14:hiddenLine xmlns:a14="http://schemas.microsoft.com/office/drawing/2010/main" xmlns="" w="9525">
+                  <a14:hiddenLine xmlns="" xmlns:a14="http://schemas.microsoft.com/office/drawing/2010/main" w="9525">
                     <a:solidFill>
                       <a:srgbClr val="000000"/>
                     </a:solidFill>
@@ -11861,7 +11867,7 @@
               </a:ln>
               <a:extLst>
                 <a:ext uri="{91240B29-F687-4f45-9708-019B960494DF}">
-                  <a14:hiddenLine xmlns:a14="http://schemas.microsoft.com/office/drawing/2010/main" xmlns="" w="9525">
+                  <a14:hiddenLine xmlns="" xmlns:a14="http://schemas.microsoft.com/office/drawing/2010/main" w="9525">
                     <a:solidFill>
                       <a:srgbClr val="000000"/>
                     </a:solidFill>
@@ -11951,7 +11957,7 @@
               </a:ln>
               <a:extLst>
                 <a:ext uri="{91240B29-F687-4f45-9708-019B960494DF}">
-                  <a14:hiddenLine xmlns:a14="http://schemas.microsoft.com/office/drawing/2010/main" xmlns="" w="9525">
+                  <a14:hiddenLine xmlns="" xmlns:a14="http://schemas.microsoft.com/office/drawing/2010/main" w="9525">
                     <a:solidFill>
                       <a:srgbClr val="000000"/>
                     </a:solidFill>
@@ -12013,7 +12019,7 @@
               </a:ln>
               <a:extLst>
                 <a:ext uri="{91240B29-F687-4f45-9708-019B960494DF}">
-                  <a14:hiddenLine xmlns:a14="http://schemas.microsoft.com/office/drawing/2010/main" xmlns="" w="9525">
+                  <a14:hiddenLine xmlns="" xmlns:a14="http://schemas.microsoft.com/office/drawing/2010/main" w="9525">
                     <a:solidFill>
                       <a:srgbClr val="000000"/>
                     </a:solidFill>
@@ -12103,7 +12109,7 @@
               </a:ln>
               <a:extLst>
                 <a:ext uri="{91240B29-F687-4f45-9708-019B960494DF}">
-                  <a14:hiddenLine xmlns:a14="http://schemas.microsoft.com/office/drawing/2010/main" xmlns="" w="9525">
+                  <a14:hiddenLine xmlns="" xmlns:a14="http://schemas.microsoft.com/office/drawing/2010/main" w="9525">
                     <a:solidFill>
                       <a:srgbClr val="000000"/>
                     </a:solidFill>
@@ -12165,7 +12171,7 @@
               </a:ln>
               <a:extLst>
                 <a:ext uri="{91240B29-F687-4f45-9708-019B960494DF}">
-                  <a14:hiddenLine xmlns:a14="http://schemas.microsoft.com/office/drawing/2010/main" xmlns="" w="9525">
+                  <a14:hiddenLine xmlns="" xmlns:a14="http://schemas.microsoft.com/office/drawing/2010/main" w="9525">
                     <a:solidFill>
                       <a:srgbClr val="000000"/>
                     </a:solidFill>
@@ -12227,7 +12233,7 @@
               </a:ln>
               <a:extLst>
                 <a:ext uri="{91240B29-F687-4f45-9708-019B960494DF}">
-                  <a14:hiddenLine xmlns:a14="http://schemas.microsoft.com/office/drawing/2010/main" xmlns="" w="9525">
+                  <a14:hiddenLine xmlns="" xmlns:a14="http://schemas.microsoft.com/office/drawing/2010/main" w="9525">
                     <a:solidFill>
                       <a:srgbClr val="000000"/>
                     </a:solidFill>
@@ -12317,7 +12323,7 @@
               </a:ln>
               <a:extLst>
                 <a:ext uri="{91240B29-F687-4f45-9708-019B960494DF}">
-                  <a14:hiddenLine xmlns:a14="http://schemas.microsoft.com/office/drawing/2010/main" xmlns="" w="9525">
+                  <a14:hiddenLine xmlns="" xmlns:a14="http://schemas.microsoft.com/office/drawing/2010/main" w="9525">
                     <a:solidFill>
                       <a:srgbClr val="000000"/>
                     </a:solidFill>
@@ -12407,7 +12413,7 @@
               </a:ln>
               <a:extLst>
                 <a:ext uri="{91240B29-F687-4f45-9708-019B960494DF}">
-                  <a14:hiddenLine xmlns:a14="http://schemas.microsoft.com/office/drawing/2010/main" xmlns="" w="9525">
+                  <a14:hiddenLine xmlns="" xmlns:a14="http://schemas.microsoft.com/office/drawing/2010/main" w="9525">
                     <a:solidFill>
                       <a:srgbClr val="000000"/>
                     </a:solidFill>
@@ -12469,7 +12475,7 @@
               </a:ln>
               <a:extLst>
                 <a:ext uri="{91240B29-F687-4f45-9708-019B960494DF}">
-                  <a14:hiddenLine xmlns:a14="http://schemas.microsoft.com/office/drawing/2010/main" xmlns="" w="9525">
+                  <a14:hiddenLine xmlns="" xmlns:a14="http://schemas.microsoft.com/office/drawing/2010/main" w="9525">
                     <a:solidFill>
                       <a:srgbClr val="000000"/>
                     </a:solidFill>
@@ -12579,7 +12585,7 @@
               </a:ln>
               <a:extLst>
                 <a:ext uri="{91240B29-F687-4f45-9708-019B960494DF}">
-                  <a14:hiddenLine xmlns:a14="http://schemas.microsoft.com/office/drawing/2010/main" xmlns="" w="9525">
+                  <a14:hiddenLine xmlns="" xmlns:a14="http://schemas.microsoft.com/office/drawing/2010/main" w="9525">
                     <a:solidFill>
                       <a:srgbClr val="000000"/>
                     </a:solidFill>
@@ -12663,7 +12669,7 @@
               </a:ln>
               <a:extLst>
                 <a:ext uri="{91240B29-F687-4f45-9708-019B960494DF}">
-                  <a14:hiddenLine xmlns:a14="http://schemas.microsoft.com/office/drawing/2010/main" xmlns="" w="9525">
+                  <a14:hiddenLine xmlns="" xmlns:a14="http://schemas.microsoft.com/office/drawing/2010/main" w="9525">
                     <a:solidFill>
                       <a:srgbClr val="000000"/>
                     </a:solidFill>
@@ -12725,7 +12731,7 @@
               </a:ln>
               <a:extLst>
                 <a:ext uri="{91240B29-F687-4f45-9708-019B960494DF}">
-                  <a14:hiddenLine xmlns:a14="http://schemas.microsoft.com/office/drawing/2010/main" xmlns="" w="9525">
+                  <a14:hiddenLine xmlns="" xmlns:a14="http://schemas.microsoft.com/office/drawing/2010/main" w="9525">
                     <a:solidFill>
                       <a:srgbClr val="000000"/>
                     </a:solidFill>
@@ -12787,7 +12793,7 @@
               </a:ln>
               <a:extLst>
                 <a:ext uri="{91240B29-F687-4f45-9708-019B960494DF}">
-                  <a14:hiddenLine xmlns:a14="http://schemas.microsoft.com/office/drawing/2010/main" xmlns="" w="9525">
+                  <a14:hiddenLine xmlns="" xmlns:a14="http://schemas.microsoft.com/office/drawing/2010/main" w="9525">
                     <a:solidFill>
                       <a:srgbClr val="000000"/>
                     </a:solidFill>
@@ -12877,7 +12883,7 @@
               </a:ln>
               <a:extLst>
                 <a:ext uri="{91240B29-F687-4f45-9708-019B960494DF}">
-                  <a14:hiddenLine xmlns:a14="http://schemas.microsoft.com/office/drawing/2010/main" xmlns="" w="9525">
+                  <a14:hiddenLine xmlns="" xmlns:a14="http://schemas.microsoft.com/office/drawing/2010/main" w="9525">
                     <a:solidFill>
                       <a:srgbClr val="000000"/>
                     </a:solidFill>
@@ -12911,7 +12917,7 @@
               </a:ln>
               <a:extLst>
                 <a:ext uri="{91240B29-F687-4f45-9708-019B960494DF}">
-                  <a14:hiddenLine xmlns:a14="http://schemas.microsoft.com/office/drawing/2010/main" xmlns="" w="9525">
+                  <a14:hiddenLine xmlns="" xmlns:a14="http://schemas.microsoft.com/office/drawing/2010/main" w="9525">
                     <a:solidFill>
                       <a:srgbClr val="000000"/>
                     </a:solidFill>
@@ -12976,7 +12982,7 @@
               </a:ln>
               <a:extLst>
                 <a:ext uri="{91240B29-F687-4f45-9708-019B960494DF}">
-                  <a14:hiddenLine xmlns:a14="http://schemas.microsoft.com/office/drawing/2010/main" xmlns="" w="9525">
+                  <a14:hiddenLine xmlns="" xmlns:a14="http://schemas.microsoft.com/office/drawing/2010/main" w="9525">
                     <a:solidFill>
                       <a:srgbClr val="000000"/>
                     </a:solidFill>
@@ -13066,7 +13072,7 @@
               </a:ln>
               <a:extLst>
                 <a:ext uri="{91240B29-F687-4f45-9708-019B960494DF}">
-                  <a14:hiddenLine xmlns:a14="http://schemas.microsoft.com/office/drawing/2010/main" xmlns="" w="9525">
+                  <a14:hiddenLine xmlns="" xmlns:a14="http://schemas.microsoft.com/office/drawing/2010/main" w="9525">
                     <a:solidFill>
                       <a:srgbClr val="000000"/>
                     </a:solidFill>
@@ -13128,7 +13134,7 @@
               </a:ln>
               <a:extLst>
                 <a:ext uri="{91240B29-F687-4f45-9708-019B960494DF}">
-                  <a14:hiddenLine xmlns:a14="http://schemas.microsoft.com/office/drawing/2010/main" xmlns="" w="9525">
+                  <a14:hiddenLine xmlns="" xmlns:a14="http://schemas.microsoft.com/office/drawing/2010/main" w="9525">
                     <a:solidFill>
                       <a:srgbClr val="000000"/>
                     </a:solidFill>
@@ -13218,7 +13224,7 @@
               </a:ln>
               <a:extLst>
                 <a:ext uri="{91240B29-F687-4f45-9708-019B960494DF}">
-                  <a14:hiddenLine xmlns:a14="http://schemas.microsoft.com/office/drawing/2010/main" xmlns="" w="9525">
+                  <a14:hiddenLine xmlns="" xmlns:a14="http://schemas.microsoft.com/office/drawing/2010/main" w="9525">
                     <a:solidFill>
                       <a:srgbClr val="000000"/>
                     </a:solidFill>
@@ -13283,7 +13289,7 @@
               </a:ln>
               <a:extLst>
                 <a:ext uri="{91240B29-F687-4f45-9708-019B960494DF}">
-                  <a14:hiddenLine xmlns:a14="http://schemas.microsoft.com/office/drawing/2010/main" xmlns="" w="9525">
+                  <a14:hiddenLine xmlns="" xmlns:a14="http://schemas.microsoft.com/office/drawing/2010/main" w="9525">
                     <a:solidFill>
                       <a:srgbClr val="000000"/>
                     </a:solidFill>
@@ -13345,7 +13351,7 @@
               </a:ln>
               <a:extLst>
                 <a:ext uri="{91240B29-F687-4f45-9708-019B960494DF}">
-                  <a14:hiddenLine xmlns:a14="http://schemas.microsoft.com/office/drawing/2010/main" xmlns="" w="9525">
+                  <a14:hiddenLine xmlns="" xmlns:a14="http://schemas.microsoft.com/office/drawing/2010/main" w="9525">
                     <a:solidFill>
                       <a:srgbClr val="000000"/>
                     </a:solidFill>
@@ -13435,7 +13441,7 @@
               </a:ln>
               <a:extLst>
                 <a:ext uri="{91240B29-F687-4f45-9708-019B960494DF}">
-                  <a14:hiddenLine xmlns:a14="http://schemas.microsoft.com/office/drawing/2010/main" xmlns="" w="9525">
+                  <a14:hiddenLine xmlns="" xmlns:a14="http://schemas.microsoft.com/office/drawing/2010/main" w="9525">
                     <a:solidFill>
                       <a:srgbClr val="000000"/>
                     </a:solidFill>
@@ -13525,7 +13531,7 @@
               </a:ln>
               <a:extLst>
                 <a:ext uri="{91240B29-F687-4f45-9708-019B960494DF}">
-                  <a14:hiddenLine xmlns:a14="http://schemas.microsoft.com/office/drawing/2010/main" xmlns="" w="9525">
+                  <a14:hiddenLine xmlns="" xmlns:a14="http://schemas.microsoft.com/office/drawing/2010/main" w="9525">
                     <a:solidFill>
                       <a:srgbClr val="000000"/>
                     </a:solidFill>
@@ -13590,7 +13596,7 @@
               </a:ln>
               <a:extLst>
                 <a:ext uri="{91240B29-F687-4f45-9708-019B960494DF}">
-                  <a14:hiddenLine xmlns:a14="http://schemas.microsoft.com/office/drawing/2010/main" xmlns="" w="9525">
+                  <a14:hiddenLine xmlns="" xmlns:a14="http://schemas.microsoft.com/office/drawing/2010/main" w="9525">
                     <a:solidFill>
                       <a:srgbClr val="000000"/>
                     </a:solidFill>
@@ -13710,7 +13716,7 @@
               </a:ln>
               <a:extLst>
                 <a:ext uri="{91240B29-F687-4f45-9708-019B960494DF}">
-                  <a14:hiddenLine xmlns:a14="http://schemas.microsoft.com/office/drawing/2010/main" xmlns="" w="9525">
+                  <a14:hiddenLine xmlns="" xmlns:a14="http://schemas.microsoft.com/office/drawing/2010/main" w="9525">
                     <a:solidFill>
                       <a:srgbClr val="000000"/>
                     </a:solidFill>
@@ -13791,7 +13797,7 @@
               </a:ln>
               <a:extLst>
                 <a:ext uri="{91240B29-F687-4f45-9708-019B960494DF}">
-                  <a14:hiddenLine xmlns:a14="http://schemas.microsoft.com/office/drawing/2010/main" xmlns="" w="9525">
+                  <a14:hiddenLine xmlns="" xmlns:a14="http://schemas.microsoft.com/office/drawing/2010/main" w="9525">
                     <a:solidFill>
                       <a:srgbClr val="000000"/>
                     </a:solidFill>
@@ -13906,7 +13912,7 @@
               </a:ln>
               <a:extLst>
                 <a:ext uri="{91240B29-F687-4f45-9708-019B960494DF}">
-                  <a14:hiddenLine xmlns:a14="http://schemas.microsoft.com/office/drawing/2010/main" xmlns="" w="9525">
+                  <a14:hiddenLine xmlns="" xmlns:a14="http://schemas.microsoft.com/office/drawing/2010/main" w="9525">
                     <a:solidFill>
                       <a:srgbClr val="000000"/>
                     </a:solidFill>
@@ -13996,7 +14002,7 @@
               </a:ln>
               <a:extLst>
                 <a:ext uri="{91240B29-F687-4f45-9708-019B960494DF}">
-                  <a14:hiddenLine xmlns:a14="http://schemas.microsoft.com/office/drawing/2010/main" xmlns="" w="9525">
+                  <a14:hiddenLine xmlns="" xmlns:a14="http://schemas.microsoft.com/office/drawing/2010/main" w="9525">
                     <a:solidFill>
                       <a:srgbClr val="000000"/>
                     </a:solidFill>
@@ -14061,7 +14067,7 @@
               </a:ln>
               <a:extLst>
                 <a:ext uri="{91240B29-F687-4f45-9708-019B960494DF}">
-                  <a14:hiddenLine xmlns:a14="http://schemas.microsoft.com/office/drawing/2010/main" xmlns="" w="9525">
+                  <a14:hiddenLine xmlns="" xmlns:a14="http://schemas.microsoft.com/office/drawing/2010/main" w="9525">
                     <a:solidFill>
                       <a:srgbClr val="000000"/>
                     </a:solidFill>
@@ -14151,7 +14157,7 @@
               </a:ln>
               <a:extLst>
                 <a:ext uri="{91240B29-F687-4f45-9708-019B960494DF}">
-                  <a14:hiddenLine xmlns:a14="http://schemas.microsoft.com/office/drawing/2010/main" xmlns="" w="9525">
+                  <a14:hiddenLine xmlns="" xmlns:a14="http://schemas.microsoft.com/office/drawing/2010/main" w="9525">
                     <a:solidFill>
                       <a:srgbClr val="000000"/>
                     </a:solidFill>
@@ -14219,7 +14225,7 @@
               </a:ln>
               <a:extLst>
                 <a:ext uri="{91240B29-F687-4f45-9708-019B960494DF}">
-                  <a14:hiddenLine xmlns:a14="http://schemas.microsoft.com/office/drawing/2010/main" xmlns="" w="9525">
+                  <a14:hiddenLine xmlns="" xmlns:a14="http://schemas.microsoft.com/office/drawing/2010/main" w="9525">
                     <a:solidFill>
                       <a:srgbClr val="000000"/>
                     </a:solidFill>
@@ -14309,7 +14315,7 @@
               </a:ln>
               <a:extLst>
                 <a:ext uri="{91240B29-F687-4f45-9708-019B960494DF}">
-                  <a14:hiddenLine xmlns:a14="http://schemas.microsoft.com/office/drawing/2010/main" xmlns="" w="9525">
+                  <a14:hiddenLine xmlns="" xmlns:a14="http://schemas.microsoft.com/office/drawing/2010/main" w="9525">
                     <a:solidFill>
                       <a:srgbClr val="000000"/>
                     </a:solidFill>
@@ -14377,7 +14383,7 @@
               </a:ln>
               <a:extLst>
                 <a:ext uri="{91240B29-F687-4f45-9708-019B960494DF}">
-                  <a14:hiddenLine xmlns:a14="http://schemas.microsoft.com/office/drawing/2010/main" xmlns="" w="9525">
+                  <a14:hiddenLine xmlns="" xmlns:a14="http://schemas.microsoft.com/office/drawing/2010/main" w="9525">
                     <a:solidFill>
                       <a:srgbClr val="000000"/>
                     </a:solidFill>
@@ -14467,7 +14473,7 @@
               </a:ln>
               <a:extLst>
                 <a:ext uri="{91240B29-F687-4f45-9708-019B960494DF}">
-                  <a14:hiddenLine xmlns:a14="http://schemas.microsoft.com/office/drawing/2010/main" xmlns="" w="9525">
+                  <a14:hiddenLine xmlns="" xmlns:a14="http://schemas.microsoft.com/office/drawing/2010/main" w="9525">
                     <a:solidFill>
                       <a:srgbClr val="000000"/>
                     </a:solidFill>
@@ -14501,7 +14507,7 @@
               </a:ln>
               <a:extLst>
                 <a:ext uri="{91240B29-F687-4f45-9708-019B960494DF}">
-                  <a14:hiddenLine xmlns:a14="http://schemas.microsoft.com/office/drawing/2010/main" xmlns="" w="9525">
+                  <a14:hiddenLine xmlns="" xmlns:a14="http://schemas.microsoft.com/office/drawing/2010/main" w="9525">
                     <a:solidFill>
                       <a:srgbClr val="000000"/>
                     </a:solidFill>
@@ -15227,7 +15233,7 @@
             <a:noFill/>
             <a:extLst>
               <a:ext uri="{909E8E84-426E-40dd-AFC4-6F175D3DCCD1}">
-                <a14:hiddenFill xmlns="" xmlns:a16="http://schemas.microsoft.com/office/drawing/2014/main" xmlns:a14="http://schemas.microsoft.com/office/drawing/2010/main" xmlns:p14="http://schemas.microsoft.com/office/powerpoint/2010/main">
+                <a14:hiddenFill xmlns:p14="http://schemas.microsoft.com/office/powerpoint/2010/main" xmlns:a14="http://schemas.microsoft.com/office/drawing/2010/main" xmlns:a16="http://schemas.microsoft.com/office/drawing/2014/main" xmlns="">
                   <a:solidFill>
                     <a:srgbClr val="FFFFFF"/>
                   </a:solidFill>
@@ -15255,8 +15261,8 @@
         </p:nvSpPr>
         <p:spPr>
           <a:xfrm>
-            <a:off x="6600824" y="930806"/>
-            <a:ext cx="4749800" cy="2278061"/>
+            <a:off x="6600824" y="9526"/>
+            <a:ext cx="4749800" cy="3199342"/>
           </a:xfrm>
         </p:spPr>
         <p:txBody>
@@ -15384,7 +15390,7 @@
             </a:ln>
             <a:extLst>
               <a:ext uri="{91240B29-F687-4f45-9708-019B960494DF}">
-                <a14:hiddenLine xmlns="" xmlns:a16="http://schemas.microsoft.com/office/drawing/2014/main" xmlns:a14="http://schemas.microsoft.com/office/drawing/2010/main" xmlns:p14="http://schemas.microsoft.com/office/powerpoint/2010/main" w="9525">
+                <a14:hiddenLine xmlns:p14="http://schemas.microsoft.com/office/powerpoint/2010/main" xmlns:a14="http://schemas.microsoft.com/office/drawing/2010/main" xmlns:a16="http://schemas.microsoft.com/office/drawing/2014/main" xmlns="" w="9525">
                   <a:solidFill>
                     <a:srgbClr val="000000"/>
                   </a:solidFill>
@@ -15489,7 +15495,7 @@
             </a:ln>
             <a:extLst>
               <a:ext uri="{91240B29-F687-4f45-9708-019B960494DF}">
-                <a14:hiddenLine xmlns="" xmlns:a16="http://schemas.microsoft.com/office/drawing/2014/main" xmlns:a14="http://schemas.microsoft.com/office/drawing/2010/main" xmlns:p14="http://schemas.microsoft.com/office/powerpoint/2010/main" w="9525">
+                <a14:hiddenLine xmlns:p14="http://schemas.microsoft.com/office/powerpoint/2010/main" xmlns:a14="http://schemas.microsoft.com/office/drawing/2010/main" xmlns:a16="http://schemas.microsoft.com/office/drawing/2014/main" xmlns="" w="9525">
                   <a:solidFill>
                     <a:srgbClr val="000000"/>
                   </a:solidFill>
@@ -15594,7 +15600,7 @@
             </a:ln>
             <a:extLst>
               <a:ext uri="{91240B29-F687-4f45-9708-019B960494DF}">
-                <a14:hiddenLine xmlns="" xmlns:a16="http://schemas.microsoft.com/office/drawing/2014/main" xmlns:a14="http://schemas.microsoft.com/office/drawing/2010/main" xmlns:p14="http://schemas.microsoft.com/office/powerpoint/2010/main" w="9525">
+                <a14:hiddenLine xmlns:p14="http://schemas.microsoft.com/office/powerpoint/2010/main" xmlns:a14="http://schemas.microsoft.com/office/drawing/2010/main" xmlns:a16="http://schemas.microsoft.com/office/drawing/2014/main" xmlns="" w="9525">
                   <a:solidFill>
                     <a:srgbClr val="000000"/>
                   </a:solidFill>
@@ -15643,7 +15649,7 @@
             </a:ln>
             <a:extLst>
               <a:ext uri="{91240B29-F687-4f45-9708-019B960494DF}">
-                <a14:hiddenLine xmlns="" xmlns:a16="http://schemas.microsoft.com/office/drawing/2014/main" xmlns:a14="http://schemas.microsoft.com/office/drawing/2010/main" xmlns:p14="http://schemas.microsoft.com/office/powerpoint/2010/main" w="9525">
+                <a14:hiddenLine xmlns:p14="http://schemas.microsoft.com/office/powerpoint/2010/main" xmlns:a14="http://schemas.microsoft.com/office/drawing/2010/main" xmlns:a16="http://schemas.microsoft.com/office/drawing/2014/main" xmlns="" w="9525">
                   <a:solidFill>
                     <a:srgbClr val="000000"/>
                   </a:solidFill>
@@ -15748,7 +15754,7 @@
             </a:ln>
             <a:extLst>
               <a:ext uri="{91240B29-F687-4f45-9708-019B960494DF}">
-                <a14:hiddenLine xmlns="" xmlns:a16="http://schemas.microsoft.com/office/drawing/2014/main" xmlns:a14="http://schemas.microsoft.com/office/drawing/2010/main" xmlns:p14="http://schemas.microsoft.com/office/powerpoint/2010/main" w="9525">
+                <a14:hiddenLine xmlns:p14="http://schemas.microsoft.com/office/powerpoint/2010/main" xmlns:a14="http://schemas.microsoft.com/office/drawing/2010/main" xmlns:a16="http://schemas.microsoft.com/office/drawing/2014/main" xmlns="" w="9525">
                   <a:solidFill>
                     <a:srgbClr val="000000"/>
                   </a:solidFill>
@@ -15825,7 +15831,7 @@
             </a:ln>
             <a:extLst>
               <a:ext uri="{91240B29-F687-4f45-9708-019B960494DF}">
-                <a14:hiddenLine xmlns="" xmlns:a16="http://schemas.microsoft.com/office/drawing/2014/main" xmlns:a14="http://schemas.microsoft.com/office/drawing/2010/main" xmlns:p14="http://schemas.microsoft.com/office/powerpoint/2010/main" w="9525">
+                <a14:hiddenLine xmlns:p14="http://schemas.microsoft.com/office/powerpoint/2010/main" xmlns:a14="http://schemas.microsoft.com/office/drawing/2010/main" xmlns:a16="http://schemas.microsoft.com/office/drawing/2014/main" xmlns="" w="9525">
                   <a:solidFill>
                     <a:srgbClr val="000000"/>
                   </a:solidFill>
@@ -15902,7 +15908,7 @@
             </a:ln>
             <a:extLst>
               <a:ext uri="{91240B29-F687-4f45-9708-019B960494DF}">
-                <a14:hiddenLine xmlns="" xmlns:a16="http://schemas.microsoft.com/office/drawing/2014/main" xmlns:a14="http://schemas.microsoft.com/office/drawing/2010/main" xmlns:p14="http://schemas.microsoft.com/office/powerpoint/2010/main" w="9525">
+                <a14:hiddenLine xmlns:p14="http://schemas.microsoft.com/office/powerpoint/2010/main" xmlns:a14="http://schemas.microsoft.com/office/drawing/2010/main" xmlns:a16="http://schemas.microsoft.com/office/drawing/2014/main" xmlns="" w="9525">
                   <a:solidFill>
                     <a:srgbClr val="000000"/>
                   </a:solidFill>
@@ -16007,7 +16013,7 @@
             </a:ln>
             <a:extLst>
               <a:ext uri="{91240B29-F687-4f45-9708-019B960494DF}">
-                <a14:hiddenLine xmlns="" xmlns:a16="http://schemas.microsoft.com/office/drawing/2014/main" xmlns:a14="http://schemas.microsoft.com/office/drawing/2010/main" xmlns:p14="http://schemas.microsoft.com/office/powerpoint/2010/main" w="9525">
+                <a14:hiddenLine xmlns:p14="http://schemas.microsoft.com/office/powerpoint/2010/main" xmlns:a14="http://schemas.microsoft.com/office/drawing/2010/main" xmlns:a16="http://schemas.microsoft.com/office/drawing/2014/main" xmlns="" w="9525">
                   <a:solidFill>
                     <a:srgbClr val="000000"/>
                   </a:solidFill>
@@ -16084,7 +16090,7 @@
             </a:ln>
             <a:extLst>
               <a:ext uri="{91240B29-F687-4f45-9708-019B960494DF}">
-                <a14:hiddenLine xmlns="" xmlns:a16="http://schemas.microsoft.com/office/drawing/2014/main" xmlns:a14="http://schemas.microsoft.com/office/drawing/2010/main" xmlns:p14="http://schemas.microsoft.com/office/powerpoint/2010/main" w="9525">
+                <a14:hiddenLine xmlns:p14="http://schemas.microsoft.com/office/powerpoint/2010/main" xmlns:a14="http://schemas.microsoft.com/office/drawing/2010/main" xmlns:a16="http://schemas.microsoft.com/office/drawing/2014/main" xmlns="" w="9525">
                   <a:solidFill>
                     <a:srgbClr val="000000"/>
                   </a:solidFill>
@@ -16161,7 +16167,7 @@
             </a:ln>
             <a:extLst>
               <a:ext uri="{91240B29-F687-4f45-9708-019B960494DF}">
-                <a14:hiddenLine xmlns="" xmlns:a16="http://schemas.microsoft.com/office/drawing/2014/main" xmlns:a14="http://schemas.microsoft.com/office/drawing/2010/main" xmlns:p14="http://schemas.microsoft.com/office/powerpoint/2010/main" w="9525">
+                <a14:hiddenLine xmlns:p14="http://schemas.microsoft.com/office/powerpoint/2010/main" xmlns:a14="http://schemas.microsoft.com/office/drawing/2010/main" xmlns:a16="http://schemas.microsoft.com/office/drawing/2014/main" xmlns="" w="9525">
                   <a:solidFill>
                     <a:srgbClr val="000000"/>
                   </a:solidFill>
@@ -16266,7 +16272,7 @@
             </a:ln>
             <a:extLst>
               <a:ext uri="{91240B29-F687-4f45-9708-019B960494DF}">
-                <a14:hiddenLine xmlns="" xmlns:a16="http://schemas.microsoft.com/office/drawing/2014/main" xmlns:a14="http://schemas.microsoft.com/office/drawing/2010/main" xmlns:p14="http://schemas.microsoft.com/office/powerpoint/2010/main" w="9525">
+                <a14:hiddenLine xmlns:p14="http://schemas.microsoft.com/office/powerpoint/2010/main" xmlns:a14="http://schemas.microsoft.com/office/drawing/2010/main" xmlns:a16="http://schemas.microsoft.com/office/drawing/2014/main" xmlns="" w="9525">
                   <a:solidFill>
                     <a:srgbClr val="000000"/>
                   </a:solidFill>
@@ -16371,7 +16377,7 @@
             </a:ln>
             <a:extLst>
               <a:ext uri="{91240B29-F687-4f45-9708-019B960494DF}">
-                <a14:hiddenLine xmlns="" xmlns:a16="http://schemas.microsoft.com/office/drawing/2014/main" xmlns:a14="http://schemas.microsoft.com/office/drawing/2010/main" xmlns:p14="http://schemas.microsoft.com/office/powerpoint/2010/main" w="9525">
+                <a14:hiddenLine xmlns:p14="http://schemas.microsoft.com/office/powerpoint/2010/main" xmlns:a14="http://schemas.microsoft.com/office/drawing/2010/main" xmlns:a16="http://schemas.microsoft.com/office/drawing/2014/main" xmlns="" w="9525">
                   <a:solidFill>
                     <a:srgbClr val="000000"/>
                   </a:solidFill>
@@ -16448,7 +16454,7 @@
             </a:ln>
             <a:extLst>
               <a:ext uri="{91240B29-F687-4f45-9708-019B960494DF}">
-                <a14:hiddenLine xmlns="" xmlns:a16="http://schemas.microsoft.com/office/drawing/2014/main" xmlns:a14="http://schemas.microsoft.com/office/drawing/2010/main" xmlns:p14="http://schemas.microsoft.com/office/powerpoint/2010/main" w="9525">
+                <a14:hiddenLine xmlns:p14="http://schemas.microsoft.com/office/powerpoint/2010/main" xmlns:a14="http://schemas.microsoft.com/office/drawing/2010/main" xmlns:a16="http://schemas.microsoft.com/office/drawing/2014/main" xmlns="" w="9525">
                   <a:solidFill>
                     <a:srgbClr val="000000"/>
                   </a:solidFill>
@@ -16573,7 +16579,7 @@
             </a:ln>
             <a:extLst>
               <a:ext uri="{91240B29-F687-4f45-9708-019B960494DF}">
-                <a14:hiddenLine xmlns="" xmlns:a16="http://schemas.microsoft.com/office/drawing/2014/main" xmlns:a14="http://schemas.microsoft.com/office/drawing/2010/main" xmlns:p14="http://schemas.microsoft.com/office/powerpoint/2010/main" w="9525">
+                <a14:hiddenLine xmlns:p14="http://schemas.microsoft.com/office/powerpoint/2010/main" xmlns:a14="http://schemas.microsoft.com/office/drawing/2010/main" xmlns:a16="http://schemas.microsoft.com/office/drawing/2014/main" xmlns="" w="9525">
                   <a:solidFill>
                     <a:srgbClr val="000000"/>
                   </a:solidFill>
@@ -16650,7 +16656,7 @@
             </a:ln>
             <a:extLst>
               <a:ext uri="{91240B29-F687-4f45-9708-019B960494DF}">
-                <a14:hiddenLine xmlns="" xmlns:a16="http://schemas.microsoft.com/office/drawing/2014/main" xmlns:a14="http://schemas.microsoft.com/office/drawing/2010/main" xmlns:p14="http://schemas.microsoft.com/office/powerpoint/2010/main" w="9525">
+                <a14:hiddenLine xmlns:p14="http://schemas.microsoft.com/office/powerpoint/2010/main" xmlns:a14="http://schemas.microsoft.com/office/drawing/2010/main" xmlns:a16="http://schemas.microsoft.com/office/drawing/2014/main" xmlns="" w="9525">
                   <a:solidFill>
                     <a:srgbClr val="000000"/>
                   </a:solidFill>
@@ -16755,7 +16761,7 @@
             </a:ln>
             <a:extLst>
               <a:ext uri="{91240B29-F687-4f45-9708-019B960494DF}">
-                <a14:hiddenLine xmlns="" xmlns:a16="http://schemas.microsoft.com/office/drawing/2014/main" xmlns:a14="http://schemas.microsoft.com/office/drawing/2010/main" xmlns:p14="http://schemas.microsoft.com/office/powerpoint/2010/main" w="9525">
+                <a14:hiddenLine xmlns:p14="http://schemas.microsoft.com/office/powerpoint/2010/main" xmlns:a14="http://schemas.microsoft.com/office/drawing/2010/main" xmlns:a16="http://schemas.microsoft.com/office/drawing/2014/main" xmlns="" w="9525">
                   <a:solidFill>
                     <a:srgbClr val="000000"/>
                   </a:solidFill>
@@ -16860,7 +16866,7 @@
             </a:ln>
             <a:extLst>
               <a:ext uri="{91240B29-F687-4f45-9708-019B960494DF}">
-                <a14:hiddenLine xmlns="" xmlns:a16="http://schemas.microsoft.com/office/drawing/2014/main" xmlns:a14="http://schemas.microsoft.com/office/drawing/2010/main" xmlns:p14="http://schemas.microsoft.com/office/powerpoint/2010/main" w="9525">
+                <a14:hiddenLine xmlns:p14="http://schemas.microsoft.com/office/powerpoint/2010/main" xmlns:a14="http://schemas.microsoft.com/office/drawing/2010/main" xmlns:a16="http://schemas.microsoft.com/office/drawing/2014/main" xmlns="" w="9525">
                   <a:solidFill>
                     <a:srgbClr val="000000"/>
                   </a:solidFill>
@@ -16937,7 +16943,7 @@
             </a:ln>
             <a:extLst>
               <a:ext uri="{91240B29-F687-4f45-9708-019B960494DF}">
-                <a14:hiddenLine xmlns="" xmlns:a16="http://schemas.microsoft.com/office/drawing/2014/main" xmlns:a14="http://schemas.microsoft.com/office/drawing/2010/main" xmlns:p14="http://schemas.microsoft.com/office/powerpoint/2010/main" w="9525">
+                <a14:hiddenLine xmlns:p14="http://schemas.microsoft.com/office/powerpoint/2010/main" xmlns:a14="http://schemas.microsoft.com/office/drawing/2010/main" xmlns:a16="http://schemas.microsoft.com/office/drawing/2014/main" xmlns="" w="9525">
                   <a:solidFill>
                     <a:srgbClr val="000000"/>
                   </a:solidFill>
@@ -17042,7 +17048,7 @@
             </a:ln>
             <a:extLst>
               <a:ext uri="{91240B29-F687-4f45-9708-019B960494DF}">
-                <a14:hiddenLine xmlns="" xmlns:a16="http://schemas.microsoft.com/office/drawing/2014/main" xmlns:a14="http://schemas.microsoft.com/office/drawing/2010/main" xmlns:p14="http://schemas.microsoft.com/office/powerpoint/2010/main" w="9525">
+                <a14:hiddenLine xmlns:p14="http://schemas.microsoft.com/office/powerpoint/2010/main" xmlns:a14="http://schemas.microsoft.com/office/drawing/2010/main" xmlns:a16="http://schemas.microsoft.com/office/drawing/2014/main" xmlns="" w="9525">
                   <a:solidFill>
                     <a:srgbClr val="000000"/>
                   </a:solidFill>
@@ -17147,7 +17153,7 @@
             </a:ln>
             <a:extLst>
               <a:ext uri="{91240B29-F687-4f45-9708-019B960494DF}">
-                <a14:hiddenLine xmlns="" xmlns:a16="http://schemas.microsoft.com/office/drawing/2014/main" xmlns:a14="http://schemas.microsoft.com/office/drawing/2010/main" xmlns:p14="http://schemas.microsoft.com/office/powerpoint/2010/main" w="9525">
+                <a14:hiddenLine xmlns:p14="http://schemas.microsoft.com/office/powerpoint/2010/main" xmlns:a14="http://schemas.microsoft.com/office/drawing/2010/main" xmlns:a16="http://schemas.microsoft.com/office/drawing/2014/main" xmlns="" w="9525">
                   <a:solidFill>
                     <a:srgbClr val="000000"/>
                   </a:solidFill>
@@ -17218,7 +17224,7 @@
             </a:ln>
             <a:extLst>
               <a:ext uri="{91240B29-F687-4f45-9708-019B960494DF}">
-                <a14:hiddenLine xmlns="" xmlns:a16="http://schemas.microsoft.com/office/drawing/2014/main" xmlns:a14="http://schemas.microsoft.com/office/drawing/2010/main" xmlns:p14="http://schemas.microsoft.com/office/powerpoint/2010/main" w="9525">
+                <a14:hiddenLine xmlns:p14="http://schemas.microsoft.com/office/powerpoint/2010/main" xmlns:a14="http://schemas.microsoft.com/office/drawing/2010/main" xmlns:a16="http://schemas.microsoft.com/office/drawing/2014/main" xmlns="" w="9525">
                   <a:solidFill>
                     <a:srgbClr val="000000"/>
                   </a:solidFill>
@@ -17323,7 +17329,7 @@
             </a:ln>
             <a:extLst>
               <a:ext uri="{91240B29-F687-4f45-9708-019B960494DF}">
-                <a14:hiddenLine xmlns="" xmlns:a16="http://schemas.microsoft.com/office/drawing/2014/main" xmlns:a14="http://schemas.microsoft.com/office/drawing/2010/main" xmlns:p14="http://schemas.microsoft.com/office/powerpoint/2010/main" w="9525">
+                <a14:hiddenLine xmlns:p14="http://schemas.microsoft.com/office/powerpoint/2010/main" xmlns:a14="http://schemas.microsoft.com/office/drawing/2010/main" xmlns:a16="http://schemas.microsoft.com/office/drawing/2014/main" xmlns="" w="9525">
                   <a:solidFill>
                     <a:srgbClr val="000000"/>
                   </a:solidFill>
@@ -17394,7 +17400,7 @@
             </a:ln>
             <a:extLst>
               <a:ext uri="{91240B29-F687-4f45-9708-019B960494DF}">
-                <a14:hiddenLine xmlns="" xmlns:a16="http://schemas.microsoft.com/office/drawing/2014/main" xmlns:a14="http://schemas.microsoft.com/office/drawing/2010/main" xmlns:p14="http://schemas.microsoft.com/office/powerpoint/2010/main" w="9525">
+                <a14:hiddenLine xmlns:p14="http://schemas.microsoft.com/office/powerpoint/2010/main" xmlns:a14="http://schemas.microsoft.com/office/drawing/2010/main" xmlns:a16="http://schemas.microsoft.com/office/drawing/2014/main" xmlns="" w="9525">
                   <a:solidFill>
                     <a:srgbClr val="000000"/>
                   </a:solidFill>
@@ -17499,7 +17505,7 @@
             </a:ln>
             <a:extLst>
               <a:ext uri="{91240B29-F687-4f45-9708-019B960494DF}">
-                <a14:hiddenLine xmlns="" xmlns:a16="http://schemas.microsoft.com/office/drawing/2014/main" xmlns:a14="http://schemas.microsoft.com/office/drawing/2010/main" xmlns:p14="http://schemas.microsoft.com/office/powerpoint/2010/main" w="9525">
+                <a14:hiddenLine xmlns:p14="http://schemas.microsoft.com/office/powerpoint/2010/main" xmlns:a14="http://schemas.microsoft.com/office/drawing/2010/main" xmlns:a16="http://schemas.microsoft.com/office/drawing/2014/main" xmlns="" w="9525">
                   <a:solidFill>
                     <a:srgbClr val="000000"/>
                   </a:solidFill>
@@ -17582,7 +17588,7 @@
             </a:ln>
             <a:extLst>
               <a:ext uri="{91240B29-F687-4f45-9708-019B960494DF}">
-                <a14:hiddenLine xmlns="" xmlns:a16="http://schemas.microsoft.com/office/drawing/2014/main" xmlns:a14="http://schemas.microsoft.com/office/drawing/2010/main" xmlns:p14="http://schemas.microsoft.com/office/powerpoint/2010/main" w="9525">
+                <a14:hiddenLine xmlns:p14="http://schemas.microsoft.com/office/powerpoint/2010/main" xmlns:a14="http://schemas.microsoft.com/office/drawing/2010/main" xmlns:a16="http://schemas.microsoft.com/office/drawing/2014/main" xmlns="" w="9525">
                   <a:solidFill>
                     <a:srgbClr val="000000"/>
                   </a:solidFill>
@@ -17687,7 +17693,7 @@
             </a:ln>
             <a:extLst>
               <a:ext uri="{91240B29-F687-4f45-9708-019B960494DF}">
-                <a14:hiddenLine xmlns="" xmlns:a16="http://schemas.microsoft.com/office/drawing/2014/main" xmlns:a14="http://schemas.microsoft.com/office/drawing/2010/main" xmlns:p14="http://schemas.microsoft.com/office/powerpoint/2010/main" w="9525">
+                <a14:hiddenLine xmlns:p14="http://schemas.microsoft.com/office/powerpoint/2010/main" xmlns:a14="http://schemas.microsoft.com/office/drawing/2010/main" xmlns:a16="http://schemas.microsoft.com/office/drawing/2014/main" xmlns="" w="9525">
                   <a:solidFill>
                     <a:srgbClr val="000000"/>
                   </a:solidFill>
@@ -17770,7 +17776,7 @@
             </a:ln>
             <a:extLst>
               <a:ext uri="{91240B29-F687-4f45-9708-019B960494DF}">
-                <a14:hiddenLine xmlns="" xmlns:a16="http://schemas.microsoft.com/office/drawing/2014/main" xmlns:a14="http://schemas.microsoft.com/office/drawing/2010/main" xmlns:p14="http://schemas.microsoft.com/office/powerpoint/2010/main" w="9525">
+                <a14:hiddenLine xmlns:p14="http://schemas.microsoft.com/office/powerpoint/2010/main" xmlns:a14="http://schemas.microsoft.com/office/drawing/2010/main" xmlns:a16="http://schemas.microsoft.com/office/drawing/2014/main" xmlns="" w="9525">
                   <a:solidFill>
                     <a:srgbClr val="000000"/>
                   </a:solidFill>
@@ -17875,7 +17881,7 @@
             </a:ln>
             <a:extLst>
               <a:ext uri="{91240B29-F687-4f45-9708-019B960494DF}">
-                <a14:hiddenLine xmlns="" xmlns:a16="http://schemas.microsoft.com/office/drawing/2014/main" xmlns:a14="http://schemas.microsoft.com/office/drawing/2010/main" xmlns:p14="http://schemas.microsoft.com/office/powerpoint/2010/main" w="9525">
+                <a14:hiddenLine xmlns:p14="http://schemas.microsoft.com/office/powerpoint/2010/main" xmlns:a14="http://schemas.microsoft.com/office/drawing/2010/main" xmlns:a16="http://schemas.microsoft.com/office/drawing/2014/main" xmlns="" w="9525">
                   <a:solidFill>
                     <a:srgbClr val="000000"/>
                   </a:solidFill>
@@ -17924,7 +17930,7 @@
             </a:ln>
             <a:extLst>
               <a:ext uri="{91240B29-F687-4f45-9708-019B960494DF}">
-                <a14:hiddenLine xmlns="" xmlns:a16="http://schemas.microsoft.com/office/drawing/2014/main" xmlns:a14="http://schemas.microsoft.com/office/drawing/2010/main" xmlns:p14="http://schemas.microsoft.com/office/powerpoint/2010/main" w="9525">
+                <a14:hiddenLine xmlns:p14="http://schemas.microsoft.com/office/powerpoint/2010/main" xmlns:a14="http://schemas.microsoft.com/office/drawing/2010/main" xmlns:a16="http://schemas.microsoft.com/office/drawing/2014/main" xmlns="" w="9525">
                   <a:solidFill>
                     <a:srgbClr val="000000"/>
                   </a:solidFill>
@@ -18029,7 +18035,7 @@
             </a:ln>
             <a:extLst>
               <a:ext uri="{91240B29-F687-4f45-9708-019B960494DF}">
-                <a14:hiddenLine xmlns="" xmlns:a16="http://schemas.microsoft.com/office/drawing/2014/main" xmlns:a14="http://schemas.microsoft.com/office/drawing/2010/main" xmlns:p14="http://schemas.microsoft.com/office/powerpoint/2010/main" w="9525">
+                <a14:hiddenLine xmlns:p14="http://schemas.microsoft.com/office/powerpoint/2010/main" xmlns:a14="http://schemas.microsoft.com/office/drawing/2010/main" xmlns:a16="http://schemas.microsoft.com/office/drawing/2014/main" xmlns="" w="9525">
                   <a:solidFill>
                     <a:srgbClr val="000000"/>
                   </a:solidFill>
@@ -18106,7 +18112,7 @@
             </a:ln>
             <a:extLst>
               <a:ext uri="{91240B29-F687-4f45-9708-019B960494DF}">
-                <a14:hiddenLine xmlns="" xmlns:a16="http://schemas.microsoft.com/office/drawing/2014/main" xmlns:a14="http://schemas.microsoft.com/office/drawing/2010/main" xmlns:p14="http://schemas.microsoft.com/office/powerpoint/2010/main" w="9525">
+                <a14:hiddenLine xmlns:p14="http://schemas.microsoft.com/office/powerpoint/2010/main" xmlns:a14="http://schemas.microsoft.com/office/drawing/2010/main" xmlns:a16="http://schemas.microsoft.com/office/drawing/2014/main" xmlns="" w="9525">
                   <a:solidFill>
                     <a:srgbClr val="000000"/>
                   </a:solidFill>
@@ -18183,7 +18189,7 @@
             </a:ln>
             <a:extLst>
               <a:ext uri="{91240B29-F687-4f45-9708-019B960494DF}">
-                <a14:hiddenLine xmlns="" xmlns:a16="http://schemas.microsoft.com/office/drawing/2014/main" xmlns:a14="http://schemas.microsoft.com/office/drawing/2010/main" xmlns:p14="http://schemas.microsoft.com/office/powerpoint/2010/main" w="9525">
+                <a14:hiddenLine xmlns:p14="http://schemas.microsoft.com/office/powerpoint/2010/main" xmlns:a14="http://schemas.microsoft.com/office/drawing/2010/main" xmlns:a16="http://schemas.microsoft.com/office/drawing/2014/main" xmlns="" w="9525">
                   <a:solidFill>
                     <a:srgbClr val="000000"/>
                   </a:solidFill>
@@ -18288,7 +18294,7 @@
             </a:ln>
             <a:extLst>
               <a:ext uri="{91240B29-F687-4f45-9708-019B960494DF}">
-                <a14:hiddenLine xmlns="" xmlns:a16="http://schemas.microsoft.com/office/drawing/2014/main" xmlns:a14="http://schemas.microsoft.com/office/drawing/2010/main" xmlns:p14="http://schemas.microsoft.com/office/powerpoint/2010/main" w="9525">
+                <a14:hiddenLine xmlns:p14="http://schemas.microsoft.com/office/powerpoint/2010/main" xmlns:a14="http://schemas.microsoft.com/office/drawing/2010/main" xmlns:a16="http://schemas.microsoft.com/office/drawing/2014/main" xmlns="" w="9525">
                   <a:solidFill>
                     <a:srgbClr val="000000"/>
                   </a:solidFill>
@@ -18371,7 +18377,7 @@
             </a:ln>
             <a:extLst>
               <a:ext uri="{91240B29-F687-4f45-9708-019B960494DF}">
-                <a14:hiddenLine xmlns="" xmlns:a16="http://schemas.microsoft.com/office/drawing/2014/main" xmlns:a14="http://schemas.microsoft.com/office/drawing/2010/main" xmlns:p14="http://schemas.microsoft.com/office/powerpoint/2010/main" w="9525">
+                <a14:hiddenLine xmlns:p14="http://schemas.microsoft.com/office/powerpoint/2010/main" xmlns:a14="http://schemas.microsoft.com/office/drawing/2010/main" xmlns:a16="http://schemas.microsoft.com/office/drawing/2014/main" xmlns="" w="9525">
                   <a:solidFill>
                     <a:srgbClr val="000000"/>
                   </a:solidFill>
@@ -18448,7 +18454,7 @@
             </a:ln>
             <a:extLst>
               <a:ext uri="{91240B29-F687-4f45-9708-019B960494DF}">
-                <a14:hiddenLine xmlns="" xmlns:a16="http://schemas.microsoft.com/office/drawing/2014/main" xmlns:a14="http://schemas.microsoft.com/office/drawing/2010/main" xmlns:p14="http://schemas.microsoft.com/office/powerpoint/2010/main" w="9525">
+                <a14:hiddenLine xmlns:p14="http://schemas.microsoft.com/office/powerpoint/2010/main" xmlns:a14="http://schemas.microsoft.com/office/drawing/2010/main" xmlns:a16="http://schemas.microsoft.com/office/drawing/2014/main" xmlns="" w="9525">
                   <a:solidFill>
                     <a:srgbClr val="000000"/>
                   </a:solidFill>
@@ -18553,7 +18559,7 @@
             </a:ln>
             <a:extLst>
               <a:ext uri="{91240B29-F687-4f45-9708-019B960494DF}">
-                <a14:hiddenLine xmlns="" xmlns:a16="http://schemas.microsoft.com/office/drawing/2014/main" xmlns:a14="http://schemas.microsoft.com/office/drawing/2010/main" xmlns:p14="http://schemas.microsoft.com/office/powerpoint/2010/main" w="9525">
+                <a14:hiddenLine xmlns:p14="http://schemas.microsoft.com/office/powerpoint/2010/main" xmlns:a14="http://schemas.microsoft.com/office/drawing/2010/main" xmlns:a16="http://schemas.microsoft.com/office/drawing/2014/main" xmlns="" w="9525">
                   <a:solidFill>
                     <a:srgbClr val="000000"/>
                   </a:solidFill>
@@ -18630,7 +18636,7 @@
             </a:ln>
             <a:extLst>
               <a:ext uri="{91240B29-F687-4f45-9708-019B960494DF}">
-                <a14:hiddenLine xmlns="" xmlns:a16="http://schemas.microsoft.com/office/drawing/2014/main" xmlns:a14="http://schemas.microsoft.com/office/drawing/2010/main" xmlns:p14="http://schemas.microsoft.com/office/powerpoint/2010/main" w="9525">
+                <a14:hiddenLine xmlns:p14="http://schemas.microsoft.com/office/powerpoint/2010/main" xmlns:a14="http://schemas.microsoft.com/office/drawing/2010/main" xmlns:a16="http://schemas.microsoft.com/office/drawing/2014/main" xmlns="" w="9525">
                   <a:solidFill>
                     <a:srgbClr val="000000"/>
                   </a:solidFill>
@@ -18735,7 +18741,7 @@
             </a:ln>
             <a:extLst>
               <a:ext uri="{91240B29-F687-4f45-9708-019B960494DF}">
-                <a14:hiddenLine xmlns="" xmlns:a16="http://schemas.microsoft.com/office/drawing/2014/main" xmlns:a14="http://schemas.microsoft.com/office/drawing/2010/main" xmlns:p14="http://schemas.microsoft.com/office/powerpoint/2010/main" w="9525">
+                <a14:hiddenLine xmlns:p14="http://schemas.microsoft.com/office/powerpoint/2010/main" xmlns:a14="http://schemas.microsoft.com/office/drawing/2010/main" xmlns:a16="http://schemas.microsoft.com/office/drawing/2014/main" xmlns="" w="9525">
                   <a:solidFill>
                     <a:srgbClr val="000000"/>
                   </a:solidFill>
@@ -18812,7 +18818,7 @@
             </a:ln>
             <a:extLst>
               <a:ext uri="{91240B29-F687-4f45-9708-019B960494DF}">
-                <a14:hiddenLine xmlns="" xmlns:a16="http://schemas.microsoft.com/office/drawing/2014/main" xmlns:a14="http://schemas.microsoft.com/office/drawing/2010/main" xmlns:p14="http://schemas.microsoft.com/office/powerpoint/2010/main" w="9525">
+                <a14:hiddenLine xmlns:p14="http://schemas.microsoft.com/office/powerpoint/2010/main" xmlns:a14="http://schemas.microsoft.com/office/drawing/2010/main" xmlns:a16="http://schemas.microsoft.com/office/drawing/2014/main" xmlns="" w="9525">
                   <a:solidFill>
                     <a:srgbClr val="000000"/>
                   </a:solidFill>
@@ -18917,7 +18923,7 @@
             </a:ln>
             <a:extLst>
               <a:ext uri="{91240B29-F687-4f45-9708-019B960494DF}">
-                <a14:hiddenLine xmlns="" xmlns:a16="http://schemas.microsoft.com/office/drawing/2014/main" xmlns:a14="http://schemas.microsoft.com/office/drawing/2010/main" xmlns:p14="http://schemas.microsoft.com/office/powerpoint/2010/main" w="9525">
+                <a14:hiddenLine xmlns:p14="http://schemas.microsoft.com/office/powerpoint/2010/main" xmlns:a14="http://schemas.microsoft.com/office/drawing/2010/main" xmlns:a16="http://schemas.microsoft.com/office/drawing/2014/main" xmlns="" w="9525">
                   <a:solidFill>
                     <a:srgbClr val="000000"/>
                   </a:solidFill>
@@ -18966,7 +18972,7 @@
             </a:ln>
             <a:extLst>
               <a:ext uri="{91240B29-F687-4f45-9708-019B960494DF}">
-                <a14:hiddenLine xmlns="" xmlns:a16="http://schemas.microsoft.com/office/drawing/2014/main" xmlns:a14="http://schemas.microsoft.com/office/drawing/2010/main" xmlns:p14="http://schemas.microsoft.com/office/powerpoint/2010/main" w="9525">
+                <a14:hiddenLine xmlns:p14="http://schemas.microsoft.com/office/powerpoint/2010/main" xmlns:a14="http://schemas.microsoft.com/office/drawing/2010/main" xmlns:a16="http://schemas.microsoft.com/office/drawing/2014/main" xmlns="" w="9525">
                   <a:solidFill>
                     <a:srgbClr val="000000"/>
                   </a:solidFill>
@@ -19046,7 +19052,7 @@
             </a:ln>
             <a:extLst>
               <a:ext uri="{91240B29-F687-4f45-9708-019B960494DF}">
-                <a14:hiddenLine xmlns="" xmlns:a16="http://schemas.microsoft.com/office/drawing/2014/main" xmlns:a14="http://schemas.microsoft.com/office/drawing/2010/main" xmlns:p14="http://schemas.microsoft.com/office/powerpoint/2010/main" w="9525">
+                <a14:hiddenLine xmlns:p14="http://schemas.microsoft.com/office/powerpoint/2010/main" xmlns:a14="http://schemas.microsoft.com/office/drawing/2010/main" xmlns:a16="http://schemas.microsoft.com/office/drawing/2014/main" xmlns="" w="9525">
                   <a:solidFill>
                     <a:srgbClr val="000000"/>
                   </a:solidFill>
@@ -19151,7 +19157,7 @@
             </a:ln>
             <a:extLst>
               <a:ext uri="{91240B29-F687-4f45-9708-019B960494DF}">
-                <a14:hiddenLine xmlns="" xmlns:a16="http://schemas.microsoft.com/office/drawing/2014/main" xmlns:a14="http://schemas.microsoft.com/office/drawing/2010/main" xmlns:p14="http://schemas.microsoft.com/office/powerpoint/2010/main" w="9525">
+                <a14:hiddenLine xmlns:p14="http://schemas.microsoft.com/office/powerpoint/2010/main" xmlns:a14="http://schemas.microsoft.com/office/drawing/2010/main" xmlns:a16="http://schemas.microsoft.com/office/drawing/2014/main" xmlns="" w="9525">
                   <a:solidFill>
                     <a:srgbClr val="000000"/>
                   </a:solidFill>
@@ -19228,7 +19234,7 @@
             </a:ln>
             <a:extLst>
               <a:ext uri="{91240B29-F687-4f45-9708-019B960494DF}">
-                <a14:hiddenLine xmlns="" xmlns:a16="http://schemas.microsoft.com/office/drawing/2014/main" xmlns:a14="http://schemas.microsoft.com/office/drawing/2010/main" xmlns:p14="http://schemas.microsoft.com/office/powerpoint/2010/main" w="9525">
+                <a14:hiddenLine xmlns:p14="http://schemas.microsoft.com/office/powerpoint/2010/main" xmlns:a14="http://schemas.microsoft.com/office/drawing/2010/main" xmlns:a16="http://schemas.microsoft.com/office/drawing/2014/main" xmlns="" w="9525">
                   <a:solidFill>
                     <a:srgbClr val="000000"/>
                   </a:solidFill>
@@ -19333,7 +19339,7 @@
             </a:ln>
             <a:extLst>
               <a:ext uri="{91240B29-F687-4f45-9708-019B960494DF}">
-                <a14:hiddenLine xmlns="" xmlns:a16="http://schemas.microsoft.com/office/drawing/2014/main" xmlns:a14="http://schemas.microsoft.com/office/drawing/2010/main" xmlns:p14="http://schemas.microsoft.com/office/powerpoint/2010/main" w="9525">
+                <a14:hiddenLine xmlns:p14="http://schemas.microsoft.com/office/powerpoint/2010/main" xmlns:a14="http://schemas.microsoft.com/office/drawing/2010/main" xmlns:a16="http://schemas.microsoft.com/office/drawing/2014/main" xmlns="" w="9525">
                   <a:solidFill>
                     <a:srgbClr val="000000"/>
                   </a:solidFill>
@@ -19438,7 +19444,7 @@
             </a:ln>
             <a:extLst>
               <a:ext uri="{91240B29-F687-4f45-9708-019B960494DF}">
-                <a14:hiddenLine xmlns="" xmlns:a16="http://schemas.microsoft.com/office/drawing/2014/main" xmlns:a14="http://schemas.microsoft.com/office/drawing/2010/main" xmlns:p14="http://schemas.microsoft.com/office/powerpoint/2010/main" w="9525">
+                <a14:hiddenLine xmlns:p14="http://schemas.microsoft.com/office/powerpoint/2010/main" xmlns:a14="http://schemas.microsoft.com/office/drawing/2010/main" xmlns:a16="http://schemas.microsoft.com/office/drawing/2014/main" xmlns="" w="9525">
                   <a:solidFill>
                     <a:srgbClr val="000000"/>
                   </a:solidFill>
@@ -19518,7 +19524,7 @@
             </a:ln>
             <a:extLst>
               <a:ext uri="{91240B29-F687-4f45-9708-019B960494DF}">
-                <a14:hiddenLine xmlns="" xmlns:a16="http://schemas.microsoft.com/office/drawing/2014/main" xmlns:a14="http://schemas.microsoft.com/office/drawing/2010/main" xmlns:p14="http://schemas.microsoft.com/office/powerpoint/2010/main" w="9525">
+                <a14:hiddenLine xmlns:p14="http://schemas.microsoft.com/office/powerpoint/2010/main" xmlns:a14="http://schemas.microsoft.com/office/drawing/2010/main" xmlns:a16="http://schemas.microsoft.com/office/drawing/2014/main" xmlns="" w="9525">
                   <a:solidFill>
                     <a:srgbClr val="000000"/>
                   </a:solidFill>
@@ -19595,7 +19601,7 @@
             </a:ln>
             <a:extLst>
               <a:ext uri="{91240B29-F687-4f45-9708-019B960494DF}">
-                <a14:hiddenLine xmlns="" xmlns:a16="http://schemas.microsoft.com/office/drawing/2014/main" xmlns:a14="http://schemas.microsoft.com/office/drawing/2010/main" xmlns:p14="http://schemas.microsoft.com/office/powerpoint/2010/main" w="9525">
+                <a14:hiddenLine xmlns:p14="http://schemas.microsoft.com/office/powerpoint/2010/main" xmlns:a14="http://schemas.microsoft.com/office/drawing/2010/main" xmlns:a16="http://schemas.microsoft.com/office/drawing/2014/main" xmlns="" w="9525">
                   <a:solidFill>
                     <a:srgbClr val="000000"/>
                   </a:solidFill>
@@ -19700,7 +19706,7 @@
             </a:ln>
             <a:extLst>
               <a:ext uri="{91240B29-F687-4f45-9708-019B960494DF}">
-                <a14:hiddenLine xmlns="" xmlns:a16="http://schemas.microsoft.com/office/drawing/2014/main" xmlns:a14="http://schemas.microsoft.com/office/drawing/2010/main" xmlns:p14="http://schemas.microsoft.com/office/powerpoint/2010/main" w="9525">
+                <a14:hiddenLine xmlns:p14="http://schemas.microsoft.com/office/powerpoint/2010/main" xmlns:a14="http://schemas.microsoft.com/office/drawing/2010/main" xmlns:a16="http://schemas.microsoft.com/office/drawing/2014/main" xmlns="" w="9525">
                   <a:solidFill>
                     <a:srgbClr val="000000"/>
                   </a:solidFill>
@@ -19805,7 +19811,7 @@
             </a:ln>
             <a:extLst>
               <a:ext uri="{91240B29-F687-4f45-9708-019B960494DF}">
-                <a14:hiddenLine xmlns="" xmlns:a16="http://schemas.microsoft.com/office/drawing/2014/main" xmlns:a14="http://schemas.microsoft.com/office/drawing/2010/main" xmlns:p14="http://schemas.microsoft.com/office/powerpoint/2010/main" w="9525">
+                <a14:hiddenLine xmlns:p14="http://schemas.microsoft.com/office/powerpoint/2010/main" xmlns:a14="http://schemas.microsoft.com/office/drawing/2010/main" xmlns:a16="http://schemas.microsoft.com/office/drawing/2014/main" xmlns="" w="9525">
                   <a:solidFill>
                     <a:srgbClr val="000000"/>
                   </a:solidFill>
@@ -19882,7 +19888,7 @@
             </a:ln>
             <a:extLst>
               <a:ext uri="{91240B29-F687-4f45-9708-019B960494DF}">
-                <a14:hiddenLine xmlns="" xmlns:a16="http://schemas.microsoft.com/office/drawing/2014/main" xmlns:a14="http://schemas.microsoft.com/office/drawing/2010/main" xmlns:p14="http://schemas.microsoft.com/office/powerpoint/2010/main" w="9525">
+                <a14:hiddenLine xmlns:p14="http://schemas.microsoft.com/office/powerpoint/2010/main" xmlns:a14="http://schemas.microsoft.com/office/drawing/2010/main" xmlns:a16="http://schemas.microsoft.com/office/drawing/2014/main" xmlns="" w="9525">
                   <a:solidFill>
                     <a:srgbClr val="000000"/>
                   </a:solidFill>
@@ -20017,7 +20023,7 @@
             </a:ln>
             <a:extLst>
               <a:ext uri="{91240B29-F687-4f45-9708-019B960494DF}">
-                <a14:hiddenLine xmlns="" xmlns:a16="http://schemas.microsoft.com/office/drawing/2014/main" xmlns:a14="http://schemas.microsoft.com/office/drawing/2010/main" xmlns:p14="http://schemas.microsoft.com/office/powerpoint/2010/main" w="9525">
+                <a14:hiddenLine xmlns:p14="http://schemas.microsoft.com/office/powerpoint/2010/main" xmlns:a14="http://schemas.microsoft.com/office/drawing/2010/main" xmlns:a16="http://schemas.microsoft.com/office/drawing/2014/main" xmlns="" w="9525">
                   <a:solidFill>
                     <a:srgbClr val="000000"/>
                   </a:solidFill>
@@ -20100,7 +20106,7 @@
             </a:ln>
             <a:extLst>
               <a:ext uri="{91240B29-F687-4f45-9708-019B960494DF}">
-                <a14:hiddenLine xmlns="" xmlns:a16="http://schemas.microsoft.com/office/drawing/2014/main" xmlns:a14="http://schemas.microsoft.com/office/drawing/2010/main" xmlns:p14="http://schemas.microsoft.com/office/powerpoint/2010/main" w="9525">
+                <a14:hiddenLine xmlns:p14="http://schemas.microsoft.com/office/powerpoint/2010/main" xmlns:a14="http://schemas.microsoft.com/office/drawing/2010/main" xmlns:a16="http://schemas.microsoft.com/office/drawing/2014/main" xmlns="" w="9525">
                   <a:solidFill>
                     <a:srgbClr val="000000"/>
                   </a:solidFill>
@@ -20205,7 +20211,7 @@
             </a:ln>
             <a:extLst>
               <a:ext uri="{91240B29-F687-4f45-9708-019B960494DF}">
-                <a14:hiddenLine xmlns="" xmlns:a16="http://schemas.microsoft.com/office/drawing/2014/main" xmlns:a14="http://schemas.microsoft.com/office/drawing/2010/main" xmlns:p14="http://schemas.microsoft.com/office/powerpoint/2010/main" w="9525">
+                <a14:hiddenLine xmlns:p14="http://schemas.microsoft.com/office/powerpoint/2010/main" xmlns:a14="http://schemas.microsoft.com/office/drawing/2010/main" xmlns:a16="http://schemas.microsoft.com/office/drawing/2014/main" xmlns="" w="9525">
                   <a:solidFill>
                     <a:srgbClr val="000000"/>
                   </a:solidFill>
@@ -20335,7 +20341,7 @@
             </a:ln>
             <a:extLst>
               <a:ext uri="{91240B29-F687-4f45-9708-019B960494DF}">
-                <a14:hiddenLine xmlns="" xmlns:a16="http://schemas.microsoft.com/office/drawing/2014/main" xmlns:a14="http://schemas.microsoft.com/office/drawing/2010/main" xmlns:p14="http://schemas.microsoft.com/office/powerpoint/2010/main" w="9525">
+                <a14:hiddenLine xmlns:p14="http://schemas.microsoft.com/office/powerpoint/2010/main" xmlns:a14="http://schemas.microsoft.com/office/drawing/2010/main" xmlns:a16="http://schemas.microsoft.com/office/drawing/2014/main" xmlns="" w="9525">
                   <a:solidFill>
                     <a:srgbClr val="000000"/>
                   </a:solidFill>
@@ -20465,7 +20471,7 @@
             </a:ln>
             <a:extLst>
               <a:ext uri="{91240B29-F687-4f45-9708-019B960494DF}">
-                <a14:hiddenLine xmlns="" xmlns:a16="http://schemas.microsoft.com/office/drawing/2014/main" xmlns:a14="http://schemas.microsoft.com/office/drawing/2010/main" xmlns:p14="http://schemas.microsoft.com/office/powerpoint/2010/main" w="9525">
+                <a14:hiddenLine xmlns:p14="http://schemas.microsoft.com/office/powerpoint/2010/main" xmlns:a14="http://schemas.microsoft.com/office/drawing/2010/main" xmlns:a16="http://schemas.microsoft.com/office/drawing/2014/main" xmlns="" w="9525">
                   <a:solidFill>
                     <a:srgbClr val="000000"/>
                   </a:solidFill>
@@ -20570,7 +20576,7 @@
             </a:ln>
             <a:extLst>
               <a:ext uri="{91240B29-F687-4f45-9708-019B960494DF}">
-                <a14:hiddenLine xmlns="" xmlns:a16="http://schemas.microsoft.com/office/drawing/2014/main" xmlns:a14="http://schemas.microsoft.com/office/drawing/2010/main" xmlns:p14="http://schemas.microsoft.com/office/powerpoint/2010/main" w="9525">
+                <a14:hiddenLine xmlns:p14="http://schemas.microsoft.com/office/powerpoint/2010/main" xmlns:a14="http://schemas.microsoft.com/office/drawing/2010/main" xmlns:a16="http://schemas.microsoft.com/office/drawing/2014/main" xmlns="" w="9525">
                   <a:solidFill>
                     <a:srgbClr val="000000"/>
                   </a:solidFill>
@@ -20650,7 +20656,7 @@
             </a:ln>
             <a:extLst>
               <a:ext uri="{91240B29-F687-4f45-9708-019B960494DF}">
-                <a14:hiddenLine xmlns="" xmlns:a16="http://schemas.microsoft.com/office/drawing/2014/main" xmlns:a14="http://schemas.microsoft.com/office/drawing/2010/main" xmlns:p14="http://schemas.microsoft.com/office/powerpoint/2010/main" w="9525">
+                <a14:hiddenLine xmlns:p14="http://schemas.microsoft.com/office/powerpoint/2010/main" xmlns:a14="http://schemas.microsoft.com/office/drawing/2010/main" xmlns:a16="http://schemas.microsoft.com/office/drawing/2014/main" xmlns="" w="9525">
                   <a:solidFill>
                     <a:srgbClr val="000000"/>
                   </a:solidFill>
@@ -20755,7 +20761,7 @@
             </a:ln>
             <a:extLst>
               <a:ext uri="{91240B29-F687-4f45-9708-019B960494DF}">
-                <a14:hiddenLine xmlns="" xmlns:a16="http://schemas.microsoft.com/office/drawing/2014/main" xmlns:a14="http://schemas.microsoft.com/office/drawing/2010/main" xmlns:p14="http://schemas.microsoft.com/office/powerpoint/2010/main" w="9525">
+                <a14:hiddenLine xmlns:p14="http://schemas.microsoft.com/office/powerpoint/2010/main" xmlns:a14="http://schemas.microsoft.com/office/drawing/2010/main" xmlns:a16="http://schemas.microsoft.com/office/drawing/2014/main" xmlns="" w="9525">
                   <a:solidFill>
                     <a:srgbClr val="000000"/>
                   </a:solidFill>
@@ -20838,7 +20844,7 @@
             </a:ln>
             <a:extLst>
               <a:ext uri="{91240B29-F687-4f45-9708-019B960494DF}">
-                <a14:hiddenLine xmlns="" xmlns:a16="http://schemas.microsoft.com/office/drawing/2014/main" xmlns:a14="http://schemas.microsoft.com/office/drawing/2010/main" xmlns:p14="http://schemas.microsoft.com/office/powerpoint/2010/main" w="9525">
+                <a14:hiddenLine xmlns:p14="http://schemas.microsoft.com/office/powerpoint/2010/main" xmlns:a14="http://schemas.microsoft.com/office/drawing/2010/main" xmlns:a16="http://schemas.microsoft.com/office/drawing/2014/main" xmlns="" w="9525">
                   <a:solidFill>
                     <a:srgbClr val="000000"/>
                   </a:solidFill>
@@ -20943,7 +20949,7 @@
             </a:ln>
             <a:extLst>
               <a:ext uri="{91240B29-F687-4f45-9708-019B960494DF}">
-                <a14:hiddenLine xmlns="" xmlns:a16="http://schemas.microsoft.com/office/drawing/2014/main" xmlns:a14="http://schemas.microsoft.com/office/drawing/2010/main" xmlns:p14="http://schemas.microsoft.com/office/powerpoint/2010/main" w="9525">
+                <a14:hiddenLine xmlns:p14="http://schemas.microsoft.com/office/powerpoint/2010/main" xmlns:a14="http://schemas.microsoft.com/office/drawing/2010/main" xmlns:a16="http://schemas.microsoft.com/office/drawing/2014/main" xmlns="" w="9525">
                   <a:solidFill>
                     <a:srgbClr val="000000"/>
                   </a:solidFill>
@@ -21026,7 +21032,7 @@
             </a:ln>
             <a:extLst>
               <a:ext uri="{91240B29-F687-4f45-9708-019B960494DF}">
-                <a14:hiddenLine xmlns="" xmlns:a16="http://schemas.microsoft.com/office/drawing/2014/main" xmlns:a14="http://schemas.microsoft.com/office/drawing/2010/main" xmlns:p14="http://schemas.microsoft.com/office/powerpoint/2010/main" w="9525">
+                <a14:hiddenLine xmlns:p14="http://schemas.microsoft.com/office/powerpoint/2010/main" xmlns:a14="http://schemas.microsoft.com/office/drawing/2010/main" xmlns:a16="http://schemas.microsoft.com/office/drawing/2014/main" xmlns="" w="9525">
                   <a:solidFill>
                     <a:srgbClr val="000000"/>
                   </a:solidFill>
@@ -21131,7 +21137,7 @@
             </a:ln>
             <a:extLst>
               <a:ext uri="{91240B29-F687-4f45-9708-019B960494DF}">
-                <a14:hiddenLine xmlns="" xmlns:a16="http://schemas.microsoft.com/office/drawing/2014/main" xmlns:a14="http://schemas.microsoft.com/office/drawing/2010/main" xmlns:p14="http://schemas.microsoft.com/office/powerpoint/2010/main" w="9525">
+                <a14:hiddenLine xmlns:p14="http://schemas.microsoft.com/office/powerpoint/2010/main" xmlns:a14="http://schemas.microsoft.com/office/drawing/2010/main" xmlns:a16="http://schemas.microsoft.com/office/drawing/2014/main" xmlns="" w="9525">
                   <a:solidFill>
                     <a:srgbClr val="000000"/>
                   </a:solidFill>
@@ -21180,7 +21186,7 @@
             </a:ln>
             <a:extLst>
               <a:ext uri="{91240B29-F687-4f45-9708-019B960494DF}">
-                <a14:hiddenLine xmlns="" xmlns:a16="http://schemas.microsoft.com/office/drawing/2014/main" xmlns:a14="http://schemas.microsoft.com/office/drawing/2010/main" xmlns:p14="http://schemas.microsoft.com/office/powerpoint/2010/main" w="9525">
+                <a14:hiddenLine xmlns:p14="http://schemas.microsoft.com/office/powerpoint/2010/main" xmlns:a14="http://schemas.microsoft.com/office/drawing/2010/main" xmlns:a16="http://schemas.microsoft.com/office/drawing/2014/main" xmlns="" w="9525">
                   <a:solidFill>
                     <a:srgbClr val="000000"/>
                   </a:solidFill>
@@ -21522,6 +21528,101 @@
           <p:cNvPr id="2" name="Title 1">
             <a:extLst>
               <a:ext uri="{FF2B5EF4-FFF2-40B4-BE49-F238E27FC236}">
+                <a16:creationId xmlns:a16="http://schemas.microsoft.com/office/drawing/2014/main" id="{788D4D23-7D2E-48CD-98DA-4D2E949152C6}"/>
+              </a:ext>
+            </a:extLst>
+          </p:cNvPr>
+          <p:cNvSpPr>
+            <a:spLocks noGrp="1"/>
+          </p:cNvSpPr>
+          <p:nvPr>
+            <p:ph type="title"/>
+          </p:nvPr>
+        </p:nvSpPr>
+        <p:spPr/>
+        <p:txBody>
+          <a:bodyPr/>
+          <a:lstStyle/>
+          <a:p>
+            <a:pPr algn="ctr"/>
+            <a:r>
+              <a:rPr lang="en-US" dirty="0"/>
+              <a:t>Protein Structure and Domains</a:t>
+            </a:r>
+          </a:p>
+        </p:txBody>
+      </p:sp>
+      <p:sp>
+        <p:nvSpPr>
+          <p:cNvPr id="3" name="Content Placeholder 2">
+            <a:extLst>
+              <a:ext uri="{FF2B5EF4-FFF2-40B4-BE49-F238E27FC236}">
+                <a16:creationId xmlns:a16="http://schemas.microsoft.com/office/drawing/2014/main" id="{53274F13-FA89-4BB9-BE9D-33722F0F966D}"/>
+              </a:ext>
+            </a:extLst>
+          </p:cNvPr>
+          <p:cNvSpPr>
+            <a:spLocks noGrp="1"/>
+          </p:cNvSpPr>
+          <p:nvPr>
+            <p:ph idx="1"/>
+          </p:nvPr>
+        </p:nvSpPr>
+        <p:spPr/>
+        <p:txBody>
+          <a:bodyPr/>
+          <a:lstStyle/>
+          <a:p>
+            <a:r>
+              <a:rPr lang="en-US" dirty="0"/>
+              <a:t>Receptor Binding Domain (</a:t>
+            </a:r>
+            <a:r>
+              <a:rPr lang="en-US" u="sng" dirty="0"/>
+              <a:t>RBD</a:t>
+            </a:r>
+            <a:r>
+              <a:rPr lang="en-US" dirty="0"/>
+              <a:t>) is at amino acids 327-529</a:t>
+            </a:r>
+          </a:p>
+        </p:txBody>
+      </p:sp>
+    </p:spTree>
+    <p:extLst>
+      <p:ext uri="{BB962C8B-B14F-4D97-AF65-F5344CB8AC3E}">
+        <p14:creationId xmlns:p14="http://schemas.microsoft.com/office/powerpoint/2010/main" val="1711689920"/>
+      </p:ext>
+    </p:extLst>
+  </p:cSld>
+  <p:clrMapOvr>
+    <a:masterClrMapping/>
+  </p:clrMapOvr>
+</p:sld>
+</file>
+
+<file path=ppt/slides/slide5.xml><?xml version="1.0" encoding="utf-8"?>
+<p:sld xmlns:a="http://schemas.openxmlformats.org/drawingml/2006/main" xmlns:r="http://schemas.openxmlformats.org/officeDocument/2006/relationships" xmlns:p="http://schemas.openxmlformats.org/presentationml/2006/main">
+  <p:cSld>
+    <p:spTree>
+      <p:nvGrpSpPr>
+        <p:cNvPr id="1" name=""/>
+        <p:cNvGrpSpPr/>
+        <p:nvPr/>
+      </p:nvGrpSpPr>
+      <p:grpSpPr>
+        <a:xfrm>
+          <a:off x="0" y="0"/>
+          <a:ext cx="0" cy="0"/>
+          <a:chOff x="0" y="0"/>
+          <a:chExt cx="0" cy="0"/>
+        </a:xfrm>
+      </p:grpSpPr>
+      <p:sp>
+        <p:nvSpPr>
+          <p:cNvPr id="2" name="Title 1">
+            <a:extLst>
+              <a:ext uri="{FF2B5EF4-FFF2-40B4-BE49-F238E27FC236}">
                 <a16:creationId xmlns:a16="http://schemas.microsoft.com/office/drawing/2014/main" id="{930B5D7E-D893-4EA6-A007-907C2EE8E32B}"/>
               </a:ext>
             </a:extLst>
@@ -21593,7 +21694,7 @@
 </p:sld>
 </file>
 
-<file path=ppt/slides/slide5.xml><?xml version="1.0" encoding="utf-8"?>
+<file path=ppt/slides/slide6.xml><?xml version="1.0" encoding="utf-8"?>
 <p:sld xmlns:a="http://schemas.openxmlformats.org/drawingml/2006/main" xmlns:r="http://schemas.openxmlformats.org/officeDocument/2006/relationships" xmlns:p="http://schemas.openxmlformats.org/presentationml/2006/main">
   <p:cSld>
     <p:spTree>
@@ -21715,7 +21816,7 @@
 </p:sld>
 </file>
 
-<file path=ppt/slides/slide6.xml><?xml version="1.0" encoding="utf-8"?>
+<file path=ppt/slides/slide7.xml><?xml version="1.0" encoding="utf-8"?>
 <p:sld xmlns:a="http://schemas.openxmlformats.org/drawingml/2006/main" xmlns:r="http://schemas.openxmlformats.org/officeDocument/2006/relationships" xmlns:p="http://schemas.openxmlformats.org/presentationml/2006/main">
   <p:cSld>
     <p:spTree>
@@ -21807,7 +21908,7 @@
 </p:sld>
 </file>
 
-<file path=ppt/slides/slide7.xml><?xml version="1.0" encoding="utf-8"?>
+<file path=ppt/slides/slide8.xml><?xml version="1.0" encoding="utf-8"?>
 <p:sld xmlns:a="http://schemas.openxmlformats.org/drawingml/2006/main" xmlns:r="http://schemas.openxmlformats.org/officeDocument/2006/relationships" xmlns:p="http://schemas.openxmlformats.org/presentationml/2006/main">
   <p:cSld>
     <p:spTree>
@@ -21927,7 +22028,7 @@
 </p:sld>
 </file>
 
-<file path=ppt/slides/slide8.xml><?xml version="1.0" encoding="utf-8"?>
+<file path=ppt/slides/slide9.xml><?xml version="1.0" encoding="utf-8"?>
 <p:sld xmlns:a="http://schemas.openxmlformats.org/drawingml/2006/main" xmlns:r="http://schemas.openxmlformats.org/officeDocument/2006/relationships" xmlns:p="http://schemas.openxmlformats.org/presentationml/2006/main">
   <p:cSld>
     <p:spTree>

--- a/Vas-Data/FinalPresentation.pptx
+++ b/Vas-Data/FinalPresentation.pptx
@@ -6,14 +6,16 @@
   </p:sldMasterIdLst>
   <p:sldIdLst>
     <p:sldId id="256" r:id="rId2"/>
-    <p:sldId id="272" r:id="rId3"/>
-    <p:sldId id="273" r:id="rId4"/>
-    <p:sldId id="274" r:id="rId5"/>
-    <p:sldId id="259" r:id="rId6"/>
-    <p:sldId id="257" r:id="rId7"/>
-    <p:sldId id="260" r:id="rId8"/>
-    <p:sldId id="258" r:id="rId9"/>
-    <p:sldId id="271" r:id="rId10"/>
+    <p:sldId id="275" r:id="rId3"/>
+    <p:sldId id="276" r:id="rId4"/>
+    <p:sldId id="272" r:id="rId5"/>
+    <p:sldId id="273" r:id="rId6"/>
+    <p:sldId id="274" r:id="rId7"/>
+    <p:sldId id="259" r:id="rId8"/>
+    <p:sldId id="257" r:id="rId9"/>
+    <p:sldId id="260" r:id="rId10"/>
+    <p:sldId id="258" r:id="rId11"/>
+    <p:sldId id="271" r:id="rId12"/>
   </p:sldIdLst>
   <p:sldSz cx="12192000" cy="6858000"/>
   <p:notesSz cx="6858000" cy="9144000"/>
@@ -141,6 +143,560 @@
           <a:lstStyle/>
           <a:p>
             <a:pPr>
+              <a:defRPr sz="3200" b="1" i="0" u="none" strike="noStrike" kern="1200" spc="0" baseline="0">
+                <a:solidFill>
+                  <a:schemeClr val="tx1">
+                    <a:lumMod val="65000"/>
+                    <a:lumOff val="35000"/>
+                  </a:schemeClr>
+                </a:solidFill>
+                <a:latin typeface="+mn-lt"/>
+                <a:ea typeface="+mn-ea"/>
+                <a:cs typeface="+mn-cs"/>
+              </a:defRPr>
+            </a:pPr>
+            <a:r>
+              <a:rPr lang="en-US" sz="3200" b="1" dirty="0"/>
+              <a:t>Average Runtime For All Proteins</a:t>
+            </a:r>
+          </a:p>
+        </c:rich>
+      </c:tx>
+      <c:layout>
+        <c:manualLayout>
+          <c:xMode val="edge"/>
+          <c:yMode val="edge"/>
+          <c:x val="0.21898382778012249"/>
+          <c:y val="3.4825209386773068E-2"/>
+        </c:manualLayout>
+      </c:layout>
+      <c:overlay val="0"/>
+      <c:spPr>
+        <a:noFill/>
+        <a:ln>
+          <a:noFill/>
+        </a:ln>
+        <a:effectLst/>
+      </c:spPr>
+      <c:txPr>
+        <a:bodyPr rot="0" spcFirstLastPara="1" vertOverflow="ellipsis" vert="horz" wrap="square" anchor="ctr" anchorCtr="1"/>
+        <a:lstStyle/>
+        <a:p>
+          <a:pPr>
+            <a:defRPr sz="3200" b="1" i="0" u="none" strike="noStrike" kern="1200" spc="0" baseline="0">
+              <a:solidFill>
+                <a:schemeClr val="tx1">
+                  <a:lumMod val="65000"/>
+                  <a:lumOff val="35000"/>
+                </a:schemeClr>
+              </a:solidFill>
+              <a:latin typeface="+mn-lt"/>
+              <a:ea typeface="+mn-ea"/>
+              <a:cs typeface="+mn-cs"/>
+            </a:defRPr>
+          </a:pPr>
+          <a:endParaRPr lang="en-US"/>
+        </a:p>
+      </c:txPr>
+    </c:title>
+    <c:autoTitleDeleted val="0"/>
+    <c:view3D>
+      <c:rotX val="15"/>
+      <c:rotY val="20"/>
+      <c:depthPercent val="100"/>
+      <c:rAngAx val="1"/>
+    </c:view3D>
+    <c:floor>
+      <c:thickness val="0"/>
+      <c:spPr>
+        <a:noFill/>
+        <a:ln>
+          <a:noFill/>
+        </a:ln>
+        <a:effectLst/>
+        <a:sp3d/>
+      </c:spPr>
+    </c:floor>
+    <c:sideWall>
+      <c:thickness val="0"/>
+      <c:spPr>
+        <a:noFill/>
+        <a:ln>
+          <a:noFill/>
+        </a:ln>
+        <a:effectLst/>
+        <a:sp3d/>
+      </c:spPr>
+    </c:sideWall>
+    <c:backWall>
+      <c:thickness val="0"/>
+      <c:spPr>
+        <a:noFill/>
+        <a:ln>
+          <a:noFill/>
+        </a:ln>
+        <a:effectLst/>
+        <a:sp3d/>
+      </c:spPr>
+    </c:backWall>
+    <c:plotArea>
+      <c:layout>
+        <c:manualLayout>
+          <c:layoutTarget val="inner"/>
+          <c:xMode val="edge"/>
+          <c:yMode val="edge"/>
+          <c:x val="9.9652263964697119E-2"/>
+          <c:y val="0.14014912738574462"/>
+          <c:w val="0.87314343288706198"/>
+          <c:h val="0.68029006060457464"/>
+        </c:manualLayout>
+      </c:layout>
+      <c:bar3DChart>
+        <c:barDir val="col"/>
+        <c:grouping val="clustered"/>
+        <c:varyColors val="0"/>
+        <c:ser>
+          <c:idx val="0"/>
+          <c:order val="0"/>
+          <c:tx>
+            <c:strRef>
+              <c:f>ProteinVas!$Q$78</c:f>
+              <c:strCache>
+                <c:ptCount val="1"/>
+                <c:pt idx="0">
+                  <c:v>Runtime in Minutes</c:v>
+                </c:pt>
+              </c:strCache>
+            </c:strRef>
+          </c:tx>
+          <c:spPr>
+            <a:solidFill>
+              <a:schemeClr val="accent1">
+                <a:lumMod val="75000"/>
+              </a:schemeClr>
+            </a:solidFill>
+            <a:ln>
+              <a:noFill/>
+            </a:ln>
+            <a:effectLst/>
+            <a:scene3d>
+              <a:camera prst="orthographicFront"/>
+              <a:lightRig rig="threePt" dir="t"/>
+            </a:scene3d>
+            <a:sp3d>
+              <a:bevelT w="6350" h="88900"/>
+              <a:bevelB w="88900" h="6350"/>
+            </a:sp3d>
+          </c:spPr>
+          <c:invertIfNegative val="0"/>
+          <c:dLbls>
+            <c:numFmt formatCode="#,##0.00" sourceLinked="0"/>
+            <c:spPr>
+              <a:noFill/>
+              <a:ln>
+                <a:noFill/>
+              </a:ln>
+              <a:effectLst/>
+            </c:spPr>
+            <c:txPr>
+              <a:bodyPr rot="0" spcFirstLastPara="1" vertOverflow="ellipsis" vert="horz" wrap="square" lIns="38100" tIns="19050" rIns="38100" bIns="19050" anchor="ctr" anchorCtr="1">
+                <a:spAutoFit/>
+              </a:bodyPr>
+              <a:lstStyle/>
+              <a:p>
+                <a:pPr>
+                  <a:defRPr sz="2000" b="0" i="0" u="none" strike="noStrike" kern="1200" baseline="0">
+                    <a:solidFill>
+                      <a:schemeClr val="tx1">
+                        <a:lumMod val="75000"/>
+                        <a:lumOff val="25000"/>
+                      </a:schemeClr>
+                    </a:solidFill>
+                    <a:latin typeface="+mn-lt"/>
+                    <a:ea typeface="+mn-ea"/>
+                    <a:cs typeface="+mn-cs"/>
+                  </a:defRPr>
+                </a:pPr>
+                <a:endParaRPr lang="en-US"/>
+              </a:p>
+            </c:txPr>
+            <c:showLegendKey val="0"/>
+            <c:showVal val="1"/>
+            <c:showCatName val="0"/>
+            <c:showSerName val="0"/>
+            <c:showPercent val="0"/>
+            <c:showBubbleSize val="0"/>
+            <c:showLeaderLines val="0"/>
+            <c:extLst>
+              <c:ext xmlns:c15="http://schemas.microsoft.com/office/drawing/2012/chart" uri="{CE6537A1-D6FC-4f65-9D91-7224C49458BB}">
+                <c15:showLeaderLines val="1"/>
+                <c15:leaderLines>
+                  <c:spPr>
+                    <a:ln w="9525" cap="flat" cmpd="sng" algn="ctr">
+                      <a:solidFill>
+                        <a:schemeClr val="tx1">
+                          <a:lumMod val="35000"/>
+                          <a:lumOff val="65000"/>
+                        </a:schemeClr>
+                      </a:solidFill>
+                      <a:round/>
+                    </a:ln>
+                    <a:effectLst/>
+                  </c:spPr>
+                </c15:leaderLines>
+              </c:ext>
+            </c:extLst>
+          </c:dLbls>
+          <c:cat>
+            <c:strRef>
+              <c:f>ProteinVas!$P$79:$P$83</c:f>
+              <c:strCache>
+                <c:ptCount val="5"/>
+                <c:pt idx="0">
+                  <c:v>100 Projections</c:v>
+                </c:pt>
+                <c:pt idx="1">
+                  <c:v>1000 Projections</c:v>
+                </c:pt>
+                <c:pt idx="2">
+                  <c:v>2000 Projections</c:v>
+                </c:pt>
+                <c:pt idx="3">
+                  <c:v>600 Scanlength</c:v>
+                </c:pt>
+                <c:pt idx="4">
+                  <c:v>200, 400, 600 Scan</c:v>
+                </c:pt>
+              </c:strCache>
+            </c:strRef>
+          </c:cat>
+          <c:val>
+            <c:numRef>
+              <c:f>ProteinVas!$Q$79:$Q$83</c:f>
+              <c:numCache>
+                <c:formatCode>General</c:formatCode>
+                <c:ptCount val="5"/>
+                <c:pt idx="0">
+                  <c:v>45.389166666666668</c:v>
+                </c:pt>
+                <c:pt idx="1">
+                  <c:v>146.55070921985816</c:v>
+                </c:pt>
+                <c:pt idx="2">
+                  <c:v>267.57727272727271</c:v>
+                </c:pt>
+                <c:pt idx="3">
+                  <c:v>570.99763619506246</c:v>
+                </c:pt>
+                <c:pt idx="4">
+                  <c:v>1055.9942038605554</c:v>
+                </c:pt>
+              </c:numCache>
+            </c:numRef>
+          </c:val>
+          <c:extLst>
+            <c:ext xmlns:c16="http://schemas.microsoft.com/office/drawing/2014/chart" uri="{C3380CC4-5D6E-409C-BE32-E72D297353CC}">
+              <c16:uniqueId val="{00000000-E7CD-4DED-BF74-C458F3C77BB0}"/>
+            </c:ext>
+          </c:extLst>
+        </c:ser>
+        <c:dLbls>
+          <c:showLegendKey val="0"/>
+          <c:showVal val="0"/>
+          <c:showCatName val="0"/>
+          <c:showSerName val="0"/>
+          <c:showPercent val="0"/>
+          <c:showBubbleSize val="0"/>
+        </c:dLbls>
+        <c:gapWidth val="100"/>
+        <c:gapDepth val="70"/>
+        <c:shape val="box"/>
+        <c:axId val="1916327727"/>
+        <c:axId val="1916325231"/>
+        <c:axId val="0"/>
+      </c:bar3DChart>
+      <c:catAx>
+        <c:axId val="1916327727"/>
+        <c:scaling>
+          <c:orientation val="minMax"/>
+        </c:scaling>
+        <c:delete val="0"/>
+        <c:axPos val="b"/>
+        <c:title>
+          <c:tx>
+            <c:rich>
+              <a:bodyPr rot="0" spcFirstLastPara="1" vertOverflow="ellipsis" vert="horz" wrap="square" anchor="ctr" anchorCtr="1"/>
+              <a:lstStyle/>
+              <a:p>
+                <a:pPr>
+                  <a:defRPr sz="2000" b="1" i="0" u="none" strike="noStrike" kern="1200" baseline="0">
+                    <a:solidFill>
+                      <a:schemeClr val="tx1">
+                        <a:lumMod val="65000"/>
+                        <a:lumOff val="35000"/>
+                      </a:schemeClr>
+                    </a:solidFill>
+                    <a:latin typeface="+mn-lt"/>
+                    <a:ea typeface="+mn-ea"/>
+                    <a:cs typeface="+mn-cs"/>
+                  </a:defRPr>
+                </a:pPr>
+                <a:r>
+                  <a:rPr lang="en-US" b="1" dirty="0"/>
+                  <a:t>Number of Projections / Scan Type</a:t>
+                </a:r>
+              </a:p>
+            </c:rich>
+          </c:tx>
+          <c:layout>
+            <c:manualLayout>
+              <c:xMode val="edge"/>
+              <c:yMode val="edge"/>
+              <c:x val="0.32688074352744106"/>
+              <c:y val="0.93857423431317077"/>
+            </c:manualLayout>
+          </c:layout>
+          <c:overlay val="0"/>
+          <c:spPr>
+            <a:noFill/>
+            <a:ln>
+              <a:noFill/>
+            </a:ln>
+            <a:effectLst/>
+          </c:spPr>
+          <c:txPr>
+            <a:bodyPr rot="0" spcFirstLastPara="1" vertOverflow="ellipsis" vert="horz" wrap="square" anchor="ctr" anchorCtr="1"/>
+            <a:lstStyle/>
+            <a:p>
+              <a:pPr>
+                <a:defRPr sz="2000" b="1" i="0" u="none" strike="noStrike" kern="1200" baseline="0">
+                  <a:solidFill>
+                    <a:schemeClr val="tx1">
+                      <a:lumMod val="65000"/>
+                      <a:lumOff val="35000"/>
+                    </a:schemeClr>
+                  </a:solidFill>
+                  <a:latin typeface="+mn-lt"/>
+                  <a:ea typeface="+mn-ea"/>
+                  <a:cs typeface="+mn-cs"/>
+                </a:defRPr>
+              </a:pPr>
+              <a:endParaRPr lang="en-US"/>
+            </a:p>
+          </c:txPr>
+        </c:title>
+        <c:numFmt formatCode="General" sourceLinked="1"/>
+        <c:majorTickMark val="none"/>
+        <c:minorTickMark val="none"/>
+        <c:tickLblPos val="nextTo"/>
+        <c:spPr>
+          <a:noFill/>
+          <a:ln>
+            <a:noFill/>
+          </a:ln>
+          <a:effectLst/>
+        </c:spPr>
+        <c:txPr>
+          <a:bodyPr rot="0" spcFirstLastPara="1" vertOverflow="ellipsis" wrap="square" anchor="ctr" anchorCtr="1"/>
+          <a:lstStyle/>
+          <a:p>
+            <a:pPr>
+              <a:defRPr sz="2000" b="0" i="0" u="none" strike="noStrike" kern="1200" baseline="0">
+                <a:solidFill>
+                  <a:schemeClr val="tx1">
+                    <a:lumMod val="65000"/>
+                    <a:lumOff val="35000"/>
+                  </a:schemeClr>
+                </a:solidFill>
+                <a:latin typeface="+mn-lt"/>
+                <a:ea typeface="+mn-ea"/>
+                <a:cs typeface="+mn-cs"/>
+              </a:defRPr>
+            </a:pPr>
+            <a:endParaRPr lang="en-US"/>
+          </a:p>
+        </c:txPr>
+        <c:crossAx val="1916325231"/>
+        <c:crosses val="autoZero"/>
+        <c:auto val="1"/>
+        <c:lblAlgn val="ctr"/>
+        <c:lblOffset val="100"/>
+        <c:noMultiLvlLbl val="0"/>
+      </c:catAx>
+      <c:valAx>
+        <c:axId val="1916325231"/>
+        <c:scaling>
+          <c:orientation val="minMax"/>
+        </c:scaling>
+        <c:delete val="0"/>
+        <c:axPos val="l"/>
+        <c:majorGridlines>
+          <c:spPr>
+            <a:ln w="9525" cap="flat" cmpd="sng" algn="ctr">
+              <a:solidFill>
+                <a:schemeClr val="tx1">
+                  <a:lumMod val="15000"/>
+                  <a:lumOff val="85000"/>
+                </a:schemeClr>
+              </a:solidFill>
+              <a:round/>
+            </a:ln>
+            <a:effectLst/>
+          </c:spPr>
+        </c:majorGridlines>
+        <c:title>
+          <c:tx>
+            <c:rich>
+              <a:bodyPr rot="-5400000" spcFirstLastPara="1" vertOverflow="ellipsis" vert="horz" wrap="square" anchor="ctr" anchorCtr="1"/>
+              <a:lstStyle/>
+              <a:p>
+                <a:pPr>
+                  <a:defRPr sz="2000" b="1" i="0" u="none" strike="noStrike" kern="1200" baseline="0">
+                    <a:solidFill>
+                      <a:schemeClr val="tx1">
+                        <a:lumMod val="65000"/>
+                        <a:lumOff val="35000"/>
+                      </a:schemeClr>
+                    </a:solidFill>
+                    <a:latin typeface="+mn-lt"/>
+                    <a:ea typeface="+mn-ea"/>
+                    <a:cs typeface="+mn-cs"/>
+                  </a:defRPr>
+                </a:pPr>
+                <a:r>
+                  <a:rPr lang="en-US" b="1"/>
+                  <a:t>Runtime in Minutes</a:t>
+                </a:r>
+              </a:p>
+            </c:rich>
+          </c:tx>
+          <c:overlay val="0"/>
+          <c:spPr>
+            <a:noFill/>
+            <a:ln>
+              <a:noFill/>
+            </a:ln>
+            <a:effectLst/>
+          </c:spPr>
+          <c:txPr>
+            <a:bodyPr rot="-5400000" spcFirstLastPara="1" vertOverflow="ellipsis" vert="horz" wrap="square" anchor="ctr" anchorCtr="1"/>
+            <a:lstStyle/>
+            <a:p>
+              <a:pPr>
+                <a:defRPr sz="2000" b="1" i="0" u="none" strike="noStrike" kern="1200" baseline="0">
+                  <a:solidFill>
+                    <a:schemeClr val="tx1">
+                      <a:lumMod val="65000"/>
+                      <a:lumOff val="35000"/>
+                    </a:schemeClr>
+                  </a:solidFill>
+                  <a:latin typeface="+mn-lt"/>
+                  <a:ea typeface="+mn-ea"/>
+                  <a:cs typeface="+mn-cs"/>
+                </a:defRPr>
+              </a:pPr>
+              <a:endParaRPr lang="en-US"/>
+            </a:p>
+          </c:txPr>
+        </c:title>
+        <c:numFmt formatCode="General" sourceLinked="1"/>
+        <c:majorTickMark val="none"/>
+        <c:minorTickMark val="none"/>
+        <c:tickLblPos val="nextTo"/>
+        <c:spPr>
+          <a:noFill/>
+          <a:ln>
+            <a:noFill/>
+          </a:ln>
+          <a:effectLst/>
+        </c:spPr>
+        <c:txPr>
+          <a:bodyPr rot="-60000000" spcFirstLastPara="1" vertOverflow="ellipsis" vert="horz" wrap="square" anchor="ctr" anchorCtr="1"/>
+          <a:lstStyle/>
+          <a:p>
+            <a:pPr>
+              <a:defRPr sz="2000" b="0" i="0" u="none" strike="noStrike" kern="1200" baseline="0">
+                <a:solidFill>
+                  <a:schemeClr val="tx1">
+                    <a:lumMod val="65000"/>
+                    <a:lumOff val="35000"/>
+                  </a:schemeClr>
+                </a:solidFill>
+                <a:latin typeface="+mn-lt"/>
+                <a:ea typeface="+mn-ea"/>
+                <a:cs typeface="+mn-cs"/>
+              </a:defRPr>
+            </a:pPr>
+            <a:endParaRPr lang="en-US"/>
+          </a:p>
+        </c:txPr>
+        <c:crossAx val="1916327727"/>
+        <c:crosses val="autoZero"/>
+        <c:crossBetween val="between"/>
+      </c:valAx>
+      <c:spPr>
+        <a:noFill/>
+        <a:ln>
+          <a:noFill/>
+        </a:ln>
+        <a:effectLst/>
+      </c:spPr>
+    </c:plotArea>
+    <c:plotVisOnly val="1"/>
+    <c:dispBlanksAs val="gap"/>
+    <c:extLst>
+      <c:ext xmlns:c16r3="http://schemas.microsoft.com/office/drawing/2017/03/chart" uri="{56B9EC1D-385E-4148-901F-78D8002777C0}">
+        <c16r3:dataDisplayOptions16>
+          <c16r3:dispNaAsBlank val="1"/>
+        </c16r3:dataDisplayOptions16>
+      </c:ext>
+    </c:extLst>
+    <c:showDLblsOverMax val="0"/>
+  </c:chart>
+  <c:spPr>
+    <a:noFill/>
+    <a:ln>
+      <a:noFill/>
+    </a:ln>
+    <a:effectLst/>
+  </c:spPr>
+  <c:txPr>
+    <a:bodyPr/>
+    <a:lstStyle/>
+    <a:p>
+      <a:pPr>
+        <a:defRPr sz="2000"/>
+      </a:pPr>
+      <a:endParaRPr lang="en-US"/>
+    </a:p>
+  </c:txPr>
+  <c:externalData r:id="rId3">
+    <c:autoUpdate val="0"/>
+  </c:externalData>
+</c:chartSpace>
+</file>
+
+<file path=ppt/charts/chart2.xml><?xml version="1.0" encoding="utf-8"?>
+<c:chartSpace xmlns:c="http://schemas.openxmlformats.org/drawingml/2006/chart" xmlns:a="http://schemas.openxmlformats.org/drawingml/2006/main" xmlns:r="http://schemas.openxmlformats.org/officeDocument/2006/relationships" xmlns:c16r2="http://schemas.microsoft.com/office/drawing/2015/06/chart">
+  <c:date1904 val="0"/>
+  <c:lang val="en-US"/>
+  <c:roundedCorners val="0"/>
+  <mc:AlternateContent xmlns:mc="http://schemas.openxmlformats.org/markup-compatibility/2006">
+    <mc:Choice xmlns:c14="http://schemas.microsoft.com/office/drawing/2007/8/2/chart" Requires="c14">
+      <c14:style val="102"/>
+    </mc:Choice>
+    <mc:Fallback>
+      <c:style val="2"/>
+    </mc:Fallback>
+  </mc:AlternateContent>
+  <c:chart>
+    <c:title>
+      <c:tx>
+        <c:rich>
+          <a:bodyPr rot="0" spcFirstLastPara="1" vertOverflow="ellipsis" vert="horz" wrap="square" anchor="ctr" anchorCtr="1"/>
+          <a:lstStyle/>
+          <a:p>
+            <a:pPr>
               <a:defRPr sz="2000" b="0" i="0" u="none" strike="noStrike" kern="1200" cap="none" spc="50" normalizeH="0" baseline="0">
                 <a:solidFill>
                   <a:schemeClr val="tx1">
@@ -160,6 +716,14 @@
           </a:p>
         </c:rich>
       </c:tx>
+      <c:layout>
+        <c:manualLayout>
+          <c:xMode val="edge"/>
+          <c:yMode val="edge"/>
+          <c:x val="0.41199353926912979"/>
+          <c:y val="0.12386771413807737"/>
+        </c:manualLayout>
+      </c:layout>
       <c:overlay val="0"/>
       <c:spPr>
         <a:noFill/>
@@ -198,7 +762,7 @@
           <c:yMode val="edge"/>
           <c:x val="9.8534423581667682E-2"/>
           <c:y val="9.0883760386305301E-2"/>
-          <c:w val="0.87378184938421155"/>
+          <c:w val="0.89120916616192203"/>
           <c:h val="0.77394005307347624"/>
         </c:manualLayout>
       </c:layout>
@@ -495,7 +1059,7 @@
               <a:lstStyle/>
               <a:p>
                 <a:pPr>
-                  <a:defRPr sz="1600" b="0" i="0" u="none" strike="noStrike" kern="1200" cap="all" baseline="0">
+                  <a:defRPr sz="1600" b="1" i="0" u="none" strike="noStrike" kern="1200" cap="all" baseline="0">
                     <a:solidFill>
                       <a:schemeClr val="tx1">
                         <a:lumMod val="65000"/>
@@ -508,7 +1072,7 @@
                   </a:defRPr>
                 </a:pPr>
                 <a:r>
-                  <a:rPr lang="en-US" dirty="0"/>
+                  <a:rPr lang="en-US" b="1" dirty="0"/>
                   <a:t>Protein Name</a:t>
                 </a:r>
               </a:p>
@@ -535,7 +1099,7 @@
             <a:lstStyle/>
             <a:p>
               <a:pPr>
-                <a:defRPr sz="1600" b="0" i="0" u="none" strike="noStrike" kern="1200" cap="all" baseline="0">
+                <a:defRPr sz="1600" b="1" i="0" u="none" strike="noStrike" kern="1200" cap="all" baseline="0">
                   <a:solidFill>
                     <a:schemeClr val="tx1">
                       <a:lumMod val="65000"/>
@@ -573,7 +1137,7 @@
           <a:lstStyle/>
           <a:p>
             <a:pPr>
-              <a:defRPr sz="1500" b="0" i="0" u="none" strike="noStrike" kern="1200" cap="none" spc="20" normalizeH="0" baseline="0">
+              <a:defRPr sz="1600" b="0" i="0" u="none" strike="noStrike" kern="1200" cap="none" spc="20" normalizeH="0" baseline="0">
                 <a:solidFill>
                   <a:schemeClr val="tx1">
                     <a:lumMod val="65000"/>
@@ -623,7 +1187,7 @@
               <a:lstStyle/>
               <a:p>
                 <a:pPr>
-                  <a:defRPr sz="1600" b="0" i="0" u="none" strike="noStrike" kern="1200" cap="all" baseline="0">
+                  <a:defRPr sz="1600" b="1" i="0" u="none" strike="noStrike" kern="1200" cap="all" baseline="0">
                     <a:solidFill>
                       <a:schemeClr val="tx1">
                         <a:lumMod val="65000"/>
@@ -636,14 +1200,14 @@
                   </a:defRPr>
                 </a:pPr>
                 <a:r>
-                  <a:rPr lang="en-US" dirty="0" err="1"/>
+                  <a:rPr lang="en-US" b="1" dirty="0" err="1"/>
                   <a:t>AVerage</a:t>
                 </a:r>
                 <a:r>
-                  <a:rPr lang="en-US" baseline="0" dirty="0"/>
-                  <a:t> Vas (Abs. Value)</a:t>
+                  <a:rPr lang="en-US" b="1" baseline="0" dirty="0"/>
+                  <a:t> V2 (Abs. Value)</a:t>
                 </a:r>
-                <a:endParaRPr lang="en-US" dirty="0"/>
+                <a:endParaRPr lang="en-US" b="1" dirty="0"/>
               </a:p>
             </c:rich>
           </c:tx>
@@ -660,7 +1224,7 @@
             <a:lstStyle/>
             <a:p>
               <a:pPr>
-                <a:defRPr sz="1600" b="0" i="0" u="none" strike="noStrike" kern="1200" cap="all" baseline="0">
+                <a:defRPr sz="1600" b="1" i="0" u="none" strike="noStrike" kern="1200" cap="all" baseline="0">
                   <a:solidFill>
                     <a:schemeClr val="tx1">
                       <a:lumMod val="65000"/>
@@ -794,7 +1358,7 @@
 </c:chartSpace>
 </file>
 
-<file path=ppt/charts/chart2.xml><?xml version="1.0" encoding="utf-8"?>
+<file path=ppt/charts/chart3.xml><?xml version="1.0" encoding="utf-8"?>
 <c:chartSpace xmlns:c="http://schemas.openxmlformats.org/drawingml/2006/chart" xmlns:a="http://schemas.openxmlformats.org/drawingml/2006/main" xmlns:r="http://schemas.openxmlformats.org/officeDocument/2006/relationships" xmlns:c16r2="http://schemas.microsoft.com/office/drawing/2015/06/chart">
   <c:date1904 val="0"/>
   <c:lang val="en-US"/>
@@ -844,7 +1408,7 @@
           <c:xMode val="edge"/>
           <c:yMode val="edge"/>
           <c:x val="0.28563809812235008"/>
-          <c:y val="1.5847405083145017E-2"/>
+          <c:y val="7.1053438074321976E-2"/>
         </c:manualLayout>
       </c:layout>
       <c:overlay val="0"/>
@@ -884,9 +1448,9 @@
           <c:xMode val="edge"/>
           <c:yMode val="edge"/>
           <c:x val="0.10426226529376136"/>
-          <c:y val="8.8357635815589933E-2"/>
-          <c:w val="0.86919907126993745"/>
-          <c:h val="0.75640284691129822"/>
+          <c:y val="4.8565718834480714E-2"/>
+          <c:w val="0.8833016353725015"/>
+          <c:h val="0.79619470230967404"/>
         </c:manualLayout>
       </c:layout>
       <c:barChart>
@@ -1182,7 +1746,7 @@
               <a:lstStyle/>
               <a:p>
                 <a:pPr>
-                  <a:defRPr sz="1600" b="0" i="0" u="none" strike="noStrike" kern="1200" cap="all" baseline="0">
+                  <a:defRPr sz="1800" b="1" i="0" u="none" strike="noStrike" kern="1200" cap="all" baseline="0">
                     <a:solidFill>
                       <a:schemeClr val="tx1">
                         <a:lumMod val="65000"/>
@@ -1195,7 +1759,7 @@
                   </a:defRPr>
                 </a:pPr>
                 <a:r>
-                  <a:rPr lang="en-US"/>
+                  <a:rPr lang="en-US" sz="1800" b="1"/>
                   <a:t>Protein Name</a:t>
                 </a:r>
               </a:p>
@@ -1222,7 +1786,7 @@
             <a:lstStyle/>
             <a:p>
               <a:pPr>
-                <a:defRPr sz="1600" b="0" i="0" u="none" strike="noStrike" kern="1200" cap="all" baseline="0">
+                <a:defRPr sz="1800" b="1" i="0" u="none" strike="noStrike" kern="1200" cap="all" baseline="0">
                   <a:solidFill>
                     <a:schemeClr val="tx1">
                       <a:lumMod val="65000"/>
@@ -1310,7 +1874,7 @@
               <a:lstStyle/>
               <a:p>
                 <a:pPr>
-                  <a:defRPr sz="1600" b="0" i="0" u="none" strike="noStrike" kern="1200" cap="all" baseline="0">
+                  <a:defRPr sz="1800" b="1" i="0" u="none" strike="noStrike" kern="1200" cap="all" baseline="0">
                     <a:solidFill>
                       <a:schemeClr val="tx1">
                         <a:lumMod val="65000"/>
@@ -1323,8 +1887,8 @@
                   </a:defRPr>
                 </a:pPr>
                 <a:r>
-                  <a:rPr lang="en-US" dirty="0"/>
-                  <a:t>Average Vas (Abs. value)</a:t>
+                  <a:rPr lang="en-US" sz="1800" b="1" dirty="0"/>
+                  <a:t>Average V2 (Abs. value)</a:t>
                 </a:r>
               </a:p>
             </c:rich>
@@ -1342,7 +1906,7 @@
             <a:lstStyle/>
             <a:p>
               <a:pPr>
-                <a:defRPr sz="1600" b="0" i="0" u="none" strike="noStrike" kern="1200" cap="all" baseline="0">
+                <a:defRPr sz="1800" b="1" i="0" u="none" strike="noStrike" kern="1200" cap="all" baseline="0">
                   <a:solidFill>
                     <a:schemeClr val="tx1">
                       <a:lumMod val="65000"/>
@@ -1407,10 +1971,10 @@
         <c:manualLayout>
           <c:xMode val="edge"/>
           <c:yMode val="edge"/>
-          <c:x val="0.75677437916414292"/>
-          <c:y val="9.2256790910990163E-2"/>
+          <c:x val="0.74651796890773281"/>
+          <c:y val="4.7490827983194192E-2"/>
           <c:w val="0.19881000677777511"/>
-          <c:h val="0.14871682329010766"/>
+          <c:h val="0.1586647775951153"/>
         </c:manualLayout>
       </c:layout>
       <c:overlay val="0"/>
@@ -1556,7 +2120,541 @@
 </cs:colorStyle>
 </file>
 
+<file path=ppt/charts/colors3.xml><?xml version="1.0" encoding="utf-8"?>
+<cs:colorStyle xmlns:cs="http://schemas.microsoft.com/office/drawing/2012/chartStyle" xmlns:a="http://schemas.openxmlformats.org/drawingml/2006/main" meth="cycle" id="10">
+  <a:schemeClr val="accent1"/>
+  <a:schemeClr val="accent2"/>
+  <a:schemeClr val="accent3"/>
+  <a:schemeClr val="accent4"/>
+  <a:schemeClr val="accent5"/>
+  <a:schemeClr val="accent6"/>
+  <cs:variation/>
+  <cs:variation>
+    <a:lumMod val="60000"/>
+  </cs:variation>
+  <cs:variation>
+    <a:lumMod val="80000"/>
+    <a:lumOff val="20000"/>
+  </cs:variation>
+  <cs:variation>
+    <a:lumMod val="80000"/>
+  </cs:variation>
+  <cs:variation>
+    <a:lumMod val="60000"/>
+    <a:lumOff val="40000"/>
+  </cs:variation>
+  <cs:variation>
+    <a:lumMod val="50000"/>
+  </cs:variation>
+  <cs:variation>
+    <a:lumMod val="70000"/>
+    <a:lumOff val="30000"/>
+  </cs:variation>
+  <cs:variation>
+    <a:lumMod val="70000"/>
+  </cs:variation>
+  <cs:variation>
+    <a:lumMod val="50000"/>
+    <a:lumOff val="50000"/>
+  </cs:variation>
+</cs:colorStyle>
+</file>
+
 <file path=ppt/charts/style1.xml><?xml version="1.0" encoding="utf-8"?>
+<cs:chartStyle xmlns:cs="http://schemas.microsoft.com/office/drawing/2012/chartStyle" xmlns:a="http://schemas.openxmlformats.org/drawingml/2006/main" id="286">
+  <cs:axisTitle>
+    <cs:lnRef idx="0"/>
+    <cs:fillRef idx="0"/>
+    <cs:effectRef idx="0"/>
+    <cs:fontRef idx="minor">
+      <a:schemeClr val="tx1">
+        <a:lumMod val="65000"/>
+        <a:lumOff val="35000"/>
+      </a:schemeClr>
+    </cs:fontRef>
+    <cs:defRPr sz="1000" kern="1200"/>
+  </cs:axisTitle>
+  <cs:categoryAxis>
+    <cs:lnRef idx="0"/>
+    <cs:fillRef idx="0"/>
+    <cs:effectRef idx="0"/>
+    <cs:fontRef idx="minor">
+      <a:schemeClr val="tx1">
+        <a:lumMod val="65000"/>
+        <a:lumOff val="35000"/>
+      </a:schemeClr>
+    </cs:fontRef>
+    <cs:defRPr sz="900" kern="1200"/>
+  </cs:categoryAxis>
+  <cs:chartArea mods="allowNoFillOverride allowNoLineOverride">
+    <cs:lnRef idx="0"/>
+    <cs:fillRef idx="0"/>
+    <cs:effectRef idx="0"/>
+    <cs:fontRef idx="minor">
+      <a:schemeClr val="tx1"/>
+    </cs:fontRef>
+    <cs:spPr>
+      <a:solidFill>
+        <a:schemeClr val="bg1"/>
+      </a:solidFill>
+      <a:ln w="9525" cap="flat" cmpd="sng" algn="ctr">
+        <a:solidFill>
+          <a:schemeClr val="tx1">
+            <a:lumMod val="15000"/>
+            <a:lumOff val="85000"/>
+          </a:schemeClr>
+        </a:solidFill>
+        <a:round/>
+      </a:ln>
+    </cs:spPr>
+    <cs:defRPr sz="1000" kern="1200"/>
+  </cs:chartArea>
+  <cs:dataLabel>
+    <cs:lnRef idx="0"/>
+    <cs:fillRef idx="0"/>
+    <cs:effectRef idx="0"/>
+    <cs:fontRef idx="minor">
+      <a:schemeClr val="tx1">
+        <a:lumMod val="75000"/>
+        <a:lumOff val="25000"/>
+      </a:schemeClr>
+    </cs:fontRef>
+    <cs:defRPr sz="900" kern="1200"/>
+  </cs:dataLabel>
+  <cs:dataLabelCallout>
+    <cs:lnRef idx="0"/>
+    <cs:fillRef idx="0"/>
+    <cs:effectRef idx="0"/>
+    <cs:fontRef idx="minor">
+      <a:schemeClr val="dk1">
+        <a:lumMod val="65000"/>
+        <a:lumOff val="35000"/>
+      </a:schemeClr>
+    </cs:fontRef>
+    <cs:spPr>
+      <a:solidFill>
+        <a:schemeClr val="lt1"/>
+      </a:solidFill>
+      <a:ln>
+        <a:solidFill>
+          <a:schemeClr val="dk1">
+            <a:lumMod val="25000"/>
+            <a:lumOff val="75000"/>
+          </a:schemeClr>
+        </a:solidFill>
+      </a:ln>
+    </cs:spPr>
+    <cs:defRPr sz="900" kern="1200"/>
+    <cs:bodyPr rot="0" spcFirstLastPara="1" vertOverflow="clip" horzOverflow="clip" vert="horz" wrap="square" lIns="36576" tIns="18288" rIns="36576" bIns="18288" anchor="ctr" anchorCtr="1">
+      <a:spAutoFit/>
+    </cs:bodyPr>
+  </cs:dataLabelCallout>
+  <cs:dataPoint>
+    <cs:lnRef idx="0"/>
+    <cs:fillRef idx="1">
+      <cs:styleClr val="auto"/>
+    </cs:fillRef>
+    <cs:effectRef idx="0"/>
+    <cs:fontRef idx="minor">
+      <a:schemeClr val="tx1"/>
+    </cs:fontRef>
+  </cs:dataPoint>
+  <cs:dataPoint3D>
+    <cs:lnRef idx="0"/>
+    <cs:fillRef idx="1">
+      <cs:styleClr val="auto"/>
+    </cs:fillRef>
+    <cs:effectRef idx="0"/>
+    <cs:fontRef idx="minor">
+      <a:schemeClr val="tx1"/>
+    </cs:fontRef>
+  </cs:dataPoint3D>
+  <cs:dataPointLine>
+    <cs:lnRef idx="0">
+      <cs:styleClr val="auto"/>
+    </cs:lnRef>
+    <cs:fillRef idx="1"/>
+    <cs:effectRef idx="0"/>
+    <cs:fontRef idx="minor">
+      <a:schemeClr val="tx1"/>
+    </cs:fontRef>
+    <cs:spPr>
+      <a:ln w="28575" cap="rnd">
+        <a:solidFill>
+          <a:schemeClr val="phClr"/>
+        </a:solidFill>
+        <a:round/>
+      </a:ln>
+    </cs:spPr>
+  </cs:dataPointLine>
+  <cs:dataPointMarker>
+    <cs:lnRef idx="0">
+      <cs:styleClr val="auto"/>
+    </cs:lnRef>
+    <cs:fillRef idx="1">
+      <cs:styleClr val="auto"/>
+    </cs:fillRef>
+    <cs:effectRef idx="0"/>
+    <cs:fontRef idx="minor">
+      <a:schemeClr val="tx1"/>
+    </cs:fontRef>
+    <cs:spPr>
+      <a:ln w="9525">
+        <a:solidFill>
+          <a:schemeClr val="phClr"/>
+        </a:solidFill>
+      </a:ln>
+    </cs:spPr>
+  </cs:dataPointMarker>
+  <cs:dataPointMarkerLayout symbol="circle" size="5"/>
+  <cs:dataPointWireframe>
+    <cs:lnRef idx="0">
+      <cs:styleClr val="auto"/>
+    </cs:lnRef>
+    <cs:fillRef idx="1"/>
+    <cs:effectRef idx="0"/>
+    <cs:fontRef idx="minor">
+      <a:schemeClr val="tx1"/>
+    </cs:fontRef>
+    <cs:spPr>
+      <a:ln w="9525" cap="rnd">
+        <a:solidFill>
+          <a:schemeClr val="phClr"/>
+        </a:solidFill>
+        <a:round/>
+      </a:ln>
+    </cs:spPr>
+  </cs:dataPointWireframe>
+  <cs:dataTable>
+    <cs:lnRef idx="0"/>
+    <cs:fillRef idx="0"/>
+    <cs:effectRef idx="0"/>
+    <cs:fontRef idx="minor">
+      <a:schemeClr val="tx1">
+        <a:lumMod val="65000"/>
+        <a:lumOff val="35000"/>
+      </a:schemeClr>
+    </cs:fontRef>
+    <cs:spPr>
+      <a:noFill/>
+      <a:ln w="9525" cap="flat" cmpd="sng" algn="ctr">
+        <a:solidFill>
+          <a:schemeClr val="tx1">
+            <a:lumMod val="15000"/>
+            <a:lumOff val="85000"/>
+          </a:schemeClr>
+        </a:solidFill>
+        <a:round/>
+      </a:ln>
+    </cs:spPr>
+    <cs:defRPr sz="900" kern="1200"/>
+  </cs:dataTable>
+  <cs:downBar>
+    <cs:lnRef idx="0"/>
+    <cs:fillRef idx="0"/>
+    <cs:effectRef idx="0"/>
+    <cs:fontRef idx="minor">
+      <a:schemeClr val="tx1"/>
+    </cs:fontRef>
+    <cs:spPr>
+      <a:solidFill>
+        <a:schemeClr val="dk1">
+          <a:lumMod val="75000"/>
+          <a:lumOff val="25000"/>
+        </a:schemeClr>
+      </a:solidFill>
+      <a:ln w="9525" cap="flat" cmpd="sng" algn="ctr">
+        <a:solidFill>
+          <a:schemeClr val="tx1">
+            <a:lumMod val="65000"/>
+            <a:lumOff val="35000"/>
+          </a:schemeClr>
+        </a:solidFill>
+        <a:round/>
+      </a:ln>
+    </cs:spPr>
+  </cs:downBar>
+  <cs:dropLine>
+    <cs:lnRef idx="0"/>
+    <cs:fillRef idx="0"/>
+    <cs:effectRef idx="0"/>
+    <cs:fontRef idx="minor">
+      <a:schemeClr val="tx1"/>
+    </cs:fontRef>
+    <cs:spPr>
+      <a:ln w="9525" cap="flat" cmpd="sng" algn="ctr">
+        <a:solidFill>
+          <a:schemeClr val="tx1">
+            <a:lumMod val="35000"/>
+            <a:lumOff val="65000"/>
+          </a:schemeClr>
+        </a:solidFill>
+        <a:round/>
+      </a:ln>
+    </cs:spPr>
+  </cs:dropLine>
+  <cs:errorBar>
+    <cs:lnRef idx="0"/>
+    <cs:fillRef idx="0"/>
+    <cs:effectRef idx="0"/>
+    <cs:fontRef idx="minor">
+      <a:schemeClr val="tx1"/>
+    </cs:fontRef>
+    <cs:spPr>
+      <a:ln w="9525" cap="flat" cmpd="sng" algn="ctr">
+        <a:solidFill>
+          <a:schemeClr val="tx1">
+            <a:lumMod val="65000"/>
+            <a:lumOff val="35000"/>
+          </a:schemeClr>
+        </a:solidFill>
+        <a:round/>
+      </a:ln>
+    </cs:spPr>
+  </cs:errorBar>
+  <cs:floor>
+    <cs:lnRef idx="0"/>
+    <cs:fillRef idx="0"/>
+    <cs:effectRef idx="0"/>
+    <cs:fontRef idx="minor">
+      <a:schemeClr val="tx1"/>
+    </cs:fontRef>
+    <cs:spPr>
+      <a:noFill/>
+      <a:ln>
+        <a:noFill/>
+      </a:ln>
+    </cs:spPr>
+  </cs:floor>
+  <cs:gridlineMajor>
+    <cs:lnRef idx="0"/>
+    <cs:fillRef idx="0"/>
+    <cs:effectRef idx="0"/>
+    <cs:fontRef idx="minor">
+      <a:schemeClr val="tx1"/>
+    </cs:fontRef>
+    <cs:spPr>
+      <a:ln w="9525" cap="flat" cmpd="sng" algn="ctr">
+        <a:solidFill>
+          <a:schemeClr val="tx1">
+            <a:lumMod val="15000"/>
+            <a:lumOff val="85000"/>
+          </a:schemeClr>
+        </a:solidFill>
+        <a:round/>
+      </a:ln>
+    </cs:spPr>
+  </cs:gridlineMajor>
+  <cs:gridlineMinor>
+    <cs:lnRef idx="0"/>
+    <cs:fillRef idx="0"/>
+    <cs:effectRef idx="0"/>
+    <cs:fontRef idx="minor">
+      <a:schemeClr val="tx1"/>
+    </cs:fontRef>
+    <cs:spPr>
+      <a:ln w="9525" cap="flat" cmpd="sng" algn="ctr">
+        <a:solidFill>
+          <a:schemeClr val="tx1">
+            <a:lumMod val="5000"/>
+            <a:lumOff val="95000"/>
+          </a:schemeClr>
+        </a:solidFill>
+        <a:round/>
+      </a:ln>
+    </cs:spPr>
+  </cs:gridlineMinor>
+  <cs:hiLoLine>
+    <cs:lnRef idx="0"/>
+    <cs:fillRef idx="0"/>
+    <cs:effectRef idx="0"/>
+    <cs:fontRef idx="minor">
+      <a:schemeClr val="tx1"/>
+    </cs:fontRef>
+    <cs:spPr>
+      <a:ln w="9525" cap="flat" cmpd="sng" algn="ctr">
+        <a:solidFill>
+          <a:schemeClr val="tx1">
+            <a:lumMod val="50000"/>
+            <a:lumOff val="50000"/>
+          </a:schemeClr>
+        </a:solidFill>
+        <a:round/>
+      </a:ln>
+    </cs:spPr>
+  </cs:hiLoLine>
+  <cs:leaderLine>
+    <cs:lnRef idx="0"/>
+    <cs:fillRef idx="0"/>
+    <cs:effectRef idx="0"/>
+    <cs:fontRef idx="minor">
+      <a:schemeClr val="tx1"/>
+    </cs:fontRef>
+    <cs:spPr>
+      <a:ln w="9525" cap="flat" cmpd="sng" algn="ctr">
+        <a:solidFill>
+          <a:schemeClr val="tx1">
+            <a:lumMod val="35000"/>
+            <a:lumOff val="65000"/>
+          </a:schemeClr>
+        </a:solidFill>
+        <a:round/>
+      </a:ln>
+    </cs:spPr>
+  </cs:leaderLine>
+  <cs:legend>
+    <cs:lnRef idx="0"/>
+    <cs:fillRef idx="0"/>
+    <cs:effectRef idx="0"/>
+    <cs:fontRef idx="minor">
+      <a:schemeClr val="tx1">
+        <a:lumMod val="65000"/>
+        <a:lumOff val="35000"/>
+      </a:schemeClr>
+    </cs:fontRef>
+    <cs:defRPr sz="900" kern="1200"/>
+  </cs:legend>
+  <cs:plotArea mods="allowNoFillOverride allowNoLineOverride">
+    <cs:lnRef idx="0"/>
+    <cs:fillRef idx="0"/>
+    <cs:effectRef idx="0"/>
+    <cs:fontRef idx="minor">
+      <a:schemeClr val="tx1"/>
+    </cs:fontRef>
+  </cs:plotArea>
+  <cs:plotArea3D mods="allowNoFillOverride allowNoLineOverride">
+    <cs:lnRef idx="0"/>
+    <cs:fillRef idx="0"/>
+    <cs:effectRef idx="0"/>
+    <cs:fontRef idx="minor">
+      <a:schemeClr val="tx1"/>
+    </cs:fontRef>
+  </cs:plotArea3D>
+  <cs:seriesAxis>
+    <cs:lnRef idx="0"/>
+    <cs:fillRef idx="0"/>
+    <cs:effectRef idx="0"/>
+    <cs:fontRef idx="minor">
+      <a:schemeClr val="tx1">
+        <a:lumMod val="65000"/>
+        <a:lumOff val="35000"/>
+      </a:schemeClr>
+    </cs:fontRef>
+    <cs:defRPr sz="900" kern="1200"/>
+  </cs:seriesAxis>
+  <cs:seriesLine>
+    <cs:lnRef idx="0"/>
+    <cs:fillRef idx="0"/>
+    <cs:effectRef idx="0"/>
+    <cs:fontRef idx="minor">
+      <a:schemeClr val="tx1"/>
+    </cs:fontRef>
+    <cs:spPr>
+      <a:ln w="9525" cap="flat" cmpd="sng" algn="ctr">
+        <a:solidFill>
+          <a:schemeClr val="tx1">
+            <a:lumMod val="35000"/>
+            <a:lumOff val="65000"/>
+          </a:schemeClr>
+        </a:solidFill>
+        <a:round/>
+      </a:ln>
+    </cs:spPr>
+  </cs:seriesLine>
+  <cs:title>
+    <cs:lnRef idx="0"/>
+    <cs:fillRef idx="0"/>
+    <cs:effectRef idx="0"/>
+    <cs:fontRef idx="minor">
+      <a:schemeClr val="tx1">
+        <a:lumMod val="65000"/>
+        <a:lumOff val="35000"/>
+      </a:schemeClr>
+    </cs:fontRef>
+    <cs:defRPr sz="1400" b="0" kern="1200" spc="0" baseline="0"/>
+  </cs:title>
+  <cs:trendline>
+    <cs:lnRef idx="0">
+      <cs:styleClr val="auto"/>
+    </cs:lnRef>
+    <cs:fillRef idx="0"/>
+    <cs:effectRef idx="0"/>
+    <cs:fontRef idx="minor">
+      <a:schemeClr val="tx1"/>
+    </cs:fontRef>
+    <cs:spPr>
+      <a:ln w="19050" cap="rnd">
+        <a:solidFill>
+          <a:schemeClr val="phClr"/>
+        </a:solidFill>
+        <a:prstDash val="sysDot"/>
+      </a:ln>
+    </cs:spPr>
+  </cs:trendline>
+  <cs:trendlineLabel>
+    <cs:lnRef idx="0"/>
+    <cs:fillRef idx="0"/>
+    <cs:effectRef idx="0"/>
+    <cs:fontRef idx="minor">
+      <a:schemeClr val="tx1">
+        <a:lumMod val="65000"/>
+        <a:lumOff val="35000"/>
+      </a:schemeClr>
+    </cs:fontRef>
+    <cs:defRPr sz="900" kern="1200"/>
+  </cs:trendlineLabel>
+  <cs:upBar>
+    <cs:lnRef idx="0"/>
+    <cs:fillRef idx="0"/>
+    <cs:effectRef idx="0"/>
+    <cs:fontRef idx="minor">
+      <a:schemeClr val="tx1"/>
+    </cs:fontRef>
+    <cs:spPr>
+      <a:solidFill>
+        <a:schemeClr val="lt1"/>
+      </a:solidFill>
+      <a:ln w="9525" cap="flat" cmpd="sng" algn="ctr">
+        <a:solidFill>
+          <a:schemeClr val="tx1">
+            <a:lumMod val="65000"/>
+            <a:lumOff val="35000"/>
+          </a:schemeClr>
+        </a:solidFill>
+        <a:round/>
+      </a:ln>
+    </cs:spPr>
+  </cs:upBar>
+  <cs:valueAxis>
+    <cs:lnRef idx="0"/>
+    <cs:fillRef idx="0"/>
+    <cs:effectRef idx="0"/>
+    <cs:fontRef idx="minor">
+      <a:schemeClr val="tx1">
+        <a:lumMod val="65000"/>
+        <a:lumOff val="35000"/>
+      </a:schemeClr>
+    </cs:fontRef>
+    <cs:defRPr sz="900" kern="1200"/>
+  </cs:valueAxis>
+  <cs:wall>
+    <cs:lnRef idx="0"/>
+    <cs:fillRef idx="0"/>
+    <cs:effectRef idx="0"/>
+    <cs:fontRef idx="minor">
+      <a:schemeClr val="tx1"/>
+    </cs:fontRef>
+    <cs:spPr>
+      <a:noFill/>
+      <a:ln>
+        <a:noFill/>
+      </a:ln>
+    </cs:spPr>
+  </cs:wall>
+</cs:chartStyle>
+</file>
+
+<file path=ppt/charts/style2.xml><?xml version="1.0" encoding="utf-8"?>
 <cs:chartStyle xmlns:cs="http://schemas.microsoft.com/office/drawing/2012/chartStyle" xmlns:a="http://schemas.openxmlformats.org/drawingml/2006/main" id="215">
   <cs:axisTitle>
     <cs:lnRef idx="0"/>
@@ -2048,7 +3146,7 @@
 </cs:chartStyle>
 </file>
 
-<file path=ppt/charts/style2.xml><?xml version="1.0" encoding="utf-8"?>
+<file path=ppt/charts/style3.xml><?xml version="1.0" encoding="utf-8"?>
 <cs:chartStyle xmlns:cs="http://schemas.microsoft.com/office/drawing/2012/chartStyle" xmlns:a="http://schemas.openxmlformats.org/drawingml/2006/main" id="215">
   <cs:axisTitle>
     <cs:lnRef idx="0"/>
@@ -2597,7 +3695,7 @@
           <a:noFill/>
           <a:extLst>
             <a:ext uri="{909E8E84-426E-40dd-AFC4-6F175D3DCCD1}">
-              <a14:hiddenFill xmlns="" xmlns:a14="http://schemas.microsoft.com/office/drawing/2010/main">
+              <a14:hiddenFill xmlns:a14="http://schemas.microsoft.com/office/drawing/2010/main" xmlns="">
                 <a:solidFill>
                   <a:srgbClr val="FFFFFF"/>
                 </a:solidFill>
@@ -2656,7 +3754,7 @@
             </a:ln>
             <a:extLst>
               <a:ext uri="{91240B29-F687-4f45-9708-019B960494DF}">
-                <a14:hiddenLine xmlns="" xmlns:a14="http://schemas.microsoft.com/office/drawing/2010/main" w="9525">
+                <a14:hiddenLine xmlns:a14="http://schemas.microsoft.com/office/drawing/2010/main" xmlns="" w="9525">
                   <a:solidFill>
                     <a:srgbClr val="000000"/>
                   </a:solidFill>
@@ -2746,7 +3844,7 @@
             </a:ln>
             <a:extLst>
               <a:ext uri="{91240B29-F687-4f45-9708-019B960494DF}">
-                <a14:hiddenLine xmlns="" xmlns:a14="http://schemas.microsoft.com/office/drawing/2010/main" w="9525">
+                <a14:hiddenLine xmlns:a14="http://schemas.microsoft.com/office/drawing/2010/main" xmlns="" w="9525">
                   <a:solidFill>
                     <a:srgbClr val="000000"/>
                   </a:solidFill>
@@ -2836,7 +3934,7 @@
             </a:ln>
             <a:extLst>
               <a:ext uri="{91240B29-F687-4f45-9708-019B960494DF}">
-                <a14:hiddenLine xmlns="" xmlns:a14="http://schemas.microsoft.com/office/drawing/2010/main" w="9525">
+                <a14:hiddenLine xmlns:a14="http://schemas.microsoft.com/office/drawing/2010/main" xmlns="" w="9525">
                   <a:solidFill>
                     <a:srgbClr val="000000"/>
                   </a:solidFill>
@@ -2870,7 +3968,7 @@
             </a:ln>
             <a:extLst>
               <a:ext uri="{91240B29-F687-4f45-9708-019B960494DF}">
-                <a14:hiddenLine xmlns="" xmlns:a14="http://schemas.microsoft.com/office/drawing/2010/main" w="9525">
+                <a14:hiddenLine xmlns:a14="http://schemas.microsoft.com/office/drawing/2010/main" xmlns="" w="9525">
                   <a:solidFill>
                     <a:srgbClr val="000000"/>
                   </a:solidFill>
@@ -2960,7 +4058,7 @@
             </a:ln>
             <a:extLst>
               <a:ext uri="{91240B29-F687-4f45-9708-019B960494DF}">
-                <a14:hiddenLine xmlns="" xmlns:a14="http://schemas.microsoft.com/office/drawing/2010/main" w="9525">
+                <a14:hiddenLine xmlns:a14="http://schemas.microsoft.com/office/drawing/2010/main" xmlns="" w="9525">
                   <a:solidFill>
                     <a:srgbClr val="000000"/>
                   </a:solidFill>
@@ -3022,7 +4120,7 @@
             </a:ln>
             <a:extLst>
               <a:ext uri="{91240B29-F687-4f45-9708-019B960494DF}">
-                <a14:hiddenLine xmlns="" xmlns:a14="http://schemas.microsoft.com/office/drawing/2010/main" w="9525">
+                <a14:hiddenLine xmlns:a14="http://schemas.microsoft.com/office/drawing/2010/main" xmlns="" w="9525">
                   <a:solidFill>
                     <a:srgbClr val="000000"/>
                   </a:solidFill>
@@ -3084,7 +4182,7 @@
             </a:ln>
             <a:extLst>
               <a:ext uri="{91240B29-F687-4f45-9708-019B960494DF}">
-                <a14:hiddenLine xmlns="" xmlns:a14="http://schemas.microsoft.com/office/drawing/2010/main" w="9525">
+                <a14:hiddenLine xmlns:a14="http://schemas.microsoft.com/office/drawing/2010/main" xmlns="" w="9525">
                   <a:solidFill>
                     <a:srgbClr val="000000"/>
                   </a:solidFill>
@@ -3174,7 +4272,7 @@
             </a:ln>
             <a:extLst>
               <a:ext uri="{91240B29-F687-4f45-9708-019B960494DF}">
-                <a14:hiddenLine xmlns="" xmlns:a14="http://schemas.microsoft.com/office/drawing/2010/main" w="9525">
+                <a14:hiddenLine xmlns:a14="http://schemas.microsoft.com/office/drawing/2010/main" xmlns="" w="9525">
                   <a:solidFill>
                     <a:srgbClr val="000000"/>
                   </a:solidFill>
@@ -3236,7 +4334,7 @@
             </a:ln>
             <a:extLst>
               <a:ext uri="{91240B29-F687-4f45-9708-019B960494DF}">
-                <a14:hiddenLine xmlns="" xmlns:a14="http://schemas.microsoft.com/office/drawing/2010/main" w="9525">
+                <a14:hiddenLine xmlns:a14="http://schemas.microsoft.com/office/drawing/2010/main" xmlns="" w="9525">
                   <a:solidFill>
                     <a:srgbClr val="000000"/>
                   </a:solidFill>
@@ -3298,7 +4396,7 @@
             </a:ln>
             <a:extLst>
               <a:ext uri="{91240B29-F687-4f45-9708-019B960494DF}">
-                <a14:hiddenLine xmlns="" xmlns:a14="http://schemas.microsoft.com/office/drawing/2010/main" w="9525">
+                <a14:hiddenLine xmlns:a14="http://schemas.microsoft.com/office/drawing/2010/main" xmlns="" w="9525">
                   <a:solidFill>
                     <a:srgbClr val="000000"/>
                   </a:solidFill>
@@ -3388,7 +4486,7 @@
             </a:ln>
             <a:extLst>
               <a:ext uri="{91240B29-F687-4f45-9708-019B960494DF}">
-                <a14:hiddenLine xmlns="" xmlns:a14="http://schemas.microsoft.com/office/drawing/2010/main" w="9525">
+                <a14:hiddenLine xmlns:a14="http://schemas.microsoft.com/office/drawing/2010/main" xmlns="" w="9525">
                   <a:solidFill>
                     <a:srgbClr val="000000"/>
                   </a:solidFill>
@@ -3478,7 +4576,7 @@
             </a:ln>
             <a:extLst>
               <a:ext uri="{91240B29-F687-4f45-9708-019B960494DF}">
-                <a14:hiddenLine xmlns="" xmlns:a14="http://schemas.microsoft.com/office/drawing/2010/main" w="9525">
+                <a14:hiddenLine xmlns:a14="http://schemas.microsoft.com/office/drawing/2010/main" xmlns="" w="9525">
                   <a:solidFill>
                     <a:srgbClr val="000000"/>
                   </a:solidFill>
@@ -3540,7 +4638,7 @@
             </a:ln>
             <a:extLst>
               <a:ext uri="{91240B29-F687-4f45-9708-019B960494DF}">
-                <a14:hiddenLine xmlns="" xmlns:a14="http://schemas.microsoft.com/office/drawing/2010/main" w="9525">
+                <a14:hiddenLine xmlns:a14="http://schemas.microsoft.com/office/drawing/2010/main" xmlns="" w="9525">
                   <a:solidFill>
                     <a:srgbClr val="000000"/>
                   </a:solidFill>
@@ -3650,7 +4748,7 @@
             </a:ln>
             <a:extLst>
               <a:ext uri="{91240B29-F687-4f45-9708-019B960494DF}">
-                <a14:hiddenLine xmlns="" xmlns:a14="http://schemas.microsoft.com/office/drawing/2010/main" w="9525">
+                <a14:hiddenLine xmlns:a14="http://schemas.microsoft.com/office/drawing/2010/main" xmlns="" w="9525">
                   <a:solidFill>
                     <a:srgbClr val="000000"/>
                   </a:solidFill>
@@ -3712,7 +4810,7 @@
             </a:ln>
             <a:extLst>
               <a:ext uri="{91240B29-F687-4f45-9708-019B960494DF}">
-                <a14:hiddenLine xmlns="" xmlns:a14="http://schemas.microsoft.com/office/drawing/2010/main" w="9525">
+                <a14:hiddenLine xmlns:a14="http://schemas.microsoft.com/office/drawing/2010/main" xmlns="" w="9525">
                   <a:solidFill>
                     <a:srgbClr val="000000"/>
                   </a:solidFill>
@@ -3802,7 +4900,7 @@
             </a:ln>
             <a:extLst>
               <a:ext uri="{91240B29-F687-4f45-9708-019B960494DF}">
-                <a14:hiddenLine xmlns="" xmlns:a14="http://schemas.microsoft.com/office/drawing/2010/main" w="9525">
+                <a14:hiddenLine xmlns:a14="http://schemas.microsoft.com/office/drawing/2010/main" xmlns="" w="9525">
                   <a:solidFill>
                     <a:srgbClr val="000000"/>
                   </a:solidFill>
@@ -3892,7 +4990,7 @@
             </a:ln>
             <a:extLst>
               <a:ext uri="{91240B29-F687-4f45-9708-019B960494DF}">
-                <a14:hiddenLine xmlns="" xmlns:a14="http://schemas.microsoft.com/office/drawing/2010/main" w="9525">
+                <a14:hiddenLine xmlns:a14="http://schemas.microsoft.com/office/drawing/2010/main" xmlns="" w="9525">
                   <a:solidFill>
                     <a:srgbClr val="000000"/>
                   </a:solidFill>
@@ -3954,7 +5052,7 @@
             </a:ln>
             <a:extLst>
               <a:ext uri="{91240B29-F687-4f45-9708-019B960494DF}">
-                <a14:hiddenLine xmlns="" xmlns:a14="http://schemas.microsoft.com/office/drawing/2010/main" w="9525">
+                <a14:hiddenLine xmlns:a14="http://schemas.microsoft.com/office/drawing/2010/main" xmlns="" w="9525">
                   <a:solidFill>
                     <a:srgbClr val="000000"/>
                   </a:solidFill>
@@ -4044,7 +5142,7 @@
             </a:ln>
             <a:extLst>
               <a:ext uri="{91240B29-F687-4f45-9708-019B960494DF}">
-                <a14:hiddenLine xmlns="" xmlns:a14="http://schemas.microsoft.com/office/drawing/2010/main" w="9525">
+                <a14:hiddenLine xmlns:a14="http://schemas.microsoft.com/office/drawing/2010/main" xmlns="" w="9525">
                   <a:solidFill>
                     <a:srgbClr val="000000"/>
                   </a:solidFill>
@@ -4134,7 +5232,7 @@
             </a:ln>
             <a:extLst>
               <a:ext uri="{91240B29-F687-4f45-9708-019B960494DF}">
-                <a14:hiddenLine xmlns="" xmlns:a14="http://schemas.microsoft.com/office/drawing/2010/main" w="9525">
+                <a14:hiddenLine xmlns:a14="http://schemas.microsoft.com/office/drawing/2010/main" xmlns="" w="9525">
                   <a:solidFill>
                     <a:srgbClr val="000000"/>
                   </a:solidFill>
@@ -4190,7 +5288,7 @@
             </a:ln>
             <a:extLst>
               <a:ext uri="{91240B29-F687-4f45-9708-019B960494DF}">
-                <a14:hiddenLine xmlns="" xmlns:a14="http://schemas.microsoft.com/office/drawing/2010/main" w="9525">
+                <a14:hiddenLine xmlns:a14="http://schemas.microsoft.com/office/drawing/2010/main" xmlns="" w="9525">
                   <a:solidFill>
                     <a:srgbClr val="000000"/>
                   </a:solidFill>
@@ -4280,7 +5378,7 @@
             </a:ln>
             <a:extLst>
               <a:ext uri="{91240B29-F687-4f45-9708-019B960494DF}">
-                <a14:hiddenLine xmlns="" xmlns:a14="http://schemas.microsoft.com/office/drawing/2010/main" w="9525">
+                <a14:hiddenLine xmlns:a14="http://schemas.microsoft.com/office/drawing/2010/main" xmlns="" w="9525">
                   <a:solidFill>
                     <a:srgbClr val="000000"/>
                   </a:solidFill>
@@ -4336,7 +5434,7 @@
             </a:ln>
             <a:extLst>
               <a:ext uri="{91240B29-F687-4f45-9708-019B960494DF}">
-                <a14:hiddenLine xmlns="" xmlns:a14="http://schemas.microsoft.com/office/drawing/2010/main" w="9525">
+                <a14:hiddenLine xmlns:a14="http://schemas.microsoft.com/office/drawing/2010/main" xmlns="" w="9525">
                   <a:solidFill>
                     <a:srgbClr val="000000"/>
                   </a:solidFill>
@@ -4426,7 +5524,7 @@
             </a:ln>
             <a:extLst>
               <a:ext uri="{91240B29-F687-4f45-9708-019B960494DF}">
-                <a14:hiddenLine xmlns="" xmlns:a14="http://schemas.microsoft.com/office/drawing/2010/main" w="9525">
+                <a14:hiddenLine xmlns:a14="http://schemas.microsoft.com/office/drawing/2010/main" xmlns="" w="9525">
                   <a:solidFill>
                     <a:srgbClr val="000000"/>
                   </a:solidFill>
@@ -4494,7 +5592,7 @@
             </a:ln>
             <a:extLst>
               <a:ext uri="{91240B29-F687-4f45-9708-019B960494DF}">
-                <a14:hiddenLine xmlns="" xmlns:a14="http://schemas.microsoft.com/office/drawing/2010/main" w="9525">
+                <a14:hiddenLine xmlns:a14="http://schemas.microsoft.com/office/drawing/2010/main" xmlns="" w="9525">
                   <a:solidFill>
                     <a:srgbClr val="000000"/>
                   </a:solidFill>
@@ -4584,7 +5682,7 @@
             </a:ln>
             <a:extLst>
               <a:ext uri="{91240B29-F687-4f45-9708-019B960494DF}">
-                <a14:hiddenLine xmlns="" xmlns:a14="http://schemas.microsoft.com/office/drawing/2010/main" w="9525">
+                <a14:hiddenLine xmlns:a14="http://schemas.microsoft.com/office/drawing/2010/main" xmlns="" w="9525">
                   <a:solidFill>
                     <a:srgbClr val="000000"/>
                   </a:solidFill>
@@ -4652,7 +5750,7 @@
             </a:ln>
             <a:extLst>
               <a:ext uri="{91240B29-F687-4f45-9708-019B960494DF}">
-                <a14:hiddenLine xmlns="" xmlns:a14="http://schemas.microsoft.com/office/drawing/2010/main" w="9525">
+                <a14:hiddenLine xmlns:a14="http://schemas.microsoft.com/office/drawing/2010/main" xmlns="" w="9525">
                   <a:solidFill>
                     <a:srgbClr val="000000"/>
                   </a:solidFill>
@@ -4742,7 +5840,7 @@
             </a:ln>
             <a:extLst>
               <a:ext uri="{91240B29-F687-4f45-9708-019B960494DF}">
-                <a14:hiddenLine xmlns="" xmlns:a14="http://schemas.microsoft.com/office/drawing/2010/main" w="9525">
+                <a14:hiddenLine xmlns:a14="http://schemas.microsoft.com/office/drawing/2010/main" xmlns="" w="9525">
                   <a:solidFill>
                     <a:srgbClr val="000000"/>
                   </a:solidFill>
@@ -4776,7 +5874,7 @@
             </a:ln>
             <a:extLst>
               <a:ext uri="{91240B29-F687-4f45-9708-019B960494DF}">
-                <a14:hiddenLine xmlns="" xmlns:a14="http://schemas.microsoft.com/office/drawing/2010/main" w="9525">
+                <a14:hiddenLine xmlns:a14="http://schemas.microsoft.com/office/drawing/2010/main" xmlns="" w="9525">
                   <a:solidFill>
                     <a:srgbClr val="000000"/>
                   </a:solidFill>
@@ -4866,7 +5964,7 @@
             </a:ln>
             <a:extLst>
               <a:ext uri="{91240B29-F687-4f45-9708-019B960494DF}">
-                <a14:hiddenLine xmlns="" xmlns:a14="http://schemas.microsoft.com/office/drawing/2010/main" w="9525">
+                <a14:hiddenLine xmlns:a14="http://schemas.microsoft.com/office/drawing/2010/main" xmlns="" w="9525">
                   <a:solidFill>
                     <a:srgbClr val="000000"/>
                   </a:solidFill>
@@ -4928,7 +6026,7 @@
             </a:ln>
             <a:extLst>
               <a:ext uri="{91240B29-F687-4f45-9708-019B960494DF}">
-                <a14:hiddenLine xmlns="" xmlns:a14="http://schemas.microsoft.com/office/drawing/2010/main" w="9525">
+                <a14:hiddenLine xmlns:a14="http://schemas.microsoft.com/office/drawing/2010/main" xmlns="" w="9525">
                   <a:solidFill>
                     <a:srgbClr val="000000"/>
                   </a:solidFill>
@@ -4990,7 +6088,7 @@
             </a:ln>
             <a:extLst>
               <a:ext uri="{91240B29-F687-4f45-9708-019B960494DF}">
-                <a14:hiddenLine xmlns="" xmlns:a14="http://schemas.microsoft.com/office/drawing/2010/main" w="9525">
+                <a14:hiddenLine xmlns:a14="http://schemas.microsoft.com/office/drawing/2010/main" xmlns="" w="9525">
                   <a:solidFill>
                     <a:srgbClr val="000000"/>
                   </a:solidFill>
@@ -5080,7 +6178,7 @@
             </a:ln>
             <a:extLst>
               <a:ext uri="{91240B29-F687-4f45-9708-019B960494DF}">
-                <a14:hiddenLine xmlns="" xmlns:a14="http://schemas.microsoft.com/office/drawing/2010/main" w="9525">
+                <a14:hiddenLine xmlns:a14="http://schemas.microsoft.com/office/drawing/2010/main" xmlns="" w="9525">
                   <a:solidFill>
                     <a:srgbClr val="000000"/>
                   </a:solidFill>
@@ -5148,7 +6246,7 @@
             </a:ln>
             <a:extLst>
               <a:ext uri="{91240B29-F687-4f45-9708-019B960494DF}">
-                <a14:hiddenLine xmlns="" xmlns:a14="http://schemas.microsoft.com/office/drawing/2010/main" w="9525">
+                <a14:hiddenLine xmlns:a14="http://schemas.microsoft.com/office/drawing/2010/main" xmlns="" w="9525">
                   <a:solidFill>
                     <a:srgbClr val="000000"/>
                   </a:solidFill>
@@ -5210,7 +6308,7 @@
             </a:ln>
             <a:extLst>
               <a:ext uri="{91240B29-F687-4f45-9708-019B960494DF}">
-                <a14:hiddenLine xmlns="" xmlns:a14="http://schemas.microsoft.com/office/drawing/2010/main" w="9525">
+                <a14:hiddenLine xmlns:a14="http://schemas.microsoft.com/office/drawing/2010/main" xmlns="" w="9525">
                   <a:solidFill>
                     <a:srgbClr val="000000"/>
                   </a:solidFill>
@@ -5300,7 +6398,7 @@
             </a:ln>
             <a:extLst>
               <a:ext uri="{91240B29-F687-4f45-9708-019B960494DF}">
-                <a14:hiddenLine xmlns="" xmlns:a14="http://schemas.microsoft.com/office/drawing/2010/main" w="9525">
+                <a14:hiddenLine xmlns:a14="http://schemas.microsoft.com/office/drawing/2010/main" xmlns="" w="9525">
                   <a:solidFill>
                     <a:srgbClr val="000000"/>
                   </a:solidFill>
@@ -5362,7 +6460,7 @@
             </a:ln>
             <a:extLst>
               <a:ext uri="{91240B29-F687-4f45-9708-019B960494DF}">
-                <a14:hiddenLine xmlns="" xmlns:a14="http://schemas.microsoft.com/office/drawing/2010/main" w="9525">
+                <a14:hiddenLine xmlns:a14="http://schemas.microsoft.com/office/drawing/2010/main" xmlns="" w="9525">
                   <a:solidFill>
                     <a:srgbClr val="000000"/>
                   </a:solidFill>
@@ -5452,7 +6550,7 @@
             </a:ln>
             <a:extLst>
               <a:ext uri="{91240B29-F687-4f45-9708-019B960494DF}">
-                <a14:hiddenLine xmlns="" xmlns:a14="http://schemas.microsoft.com/office/drawing/2010/main" w="9525">
+                <a14:hiddenLine xmlns:a14="http://schemas.microsoft.com/office/drawing/2010/main" xmlns="" w="9525">
                   <a:solidFill>
                     <a:srgbClr val="000000"/>
                   </a:solidFill>
@@ -5514,7 +6612,7 @@
             </a:ln>
             <a:extLst>
               <a:ext uri="{91240B29-F687-4f45-9708-019B960494DF}">
-                <a14:hiddenLine xmlns="" xmlns:a14="http://schemas.microsoft.com/office/drawing/2010/main" w="9525">
+                <a14:hiddenLine xmlns:a14="http://schemas.microsoft.com/office/drawing/2010/main" xmlns="" w="9525">
                   <a:solidFill>
                     <a:srgbClr val="000000"/>
                   </a:solidFill>
@@ -5604,7 +6702,7 @@
             </a:ln>
             <a:extLst>
               <a:ext uri="{91240B29-F687-4f45-9708-019B960494DF}">
-                <a14:hiddenLine xmlns="" xmlns:a14="http://schemas.microsoft.com/office/drawing/2010/main" w="9525">
+                <a14:hiddenLine xmlns:a14="http://schemas.microsoft.com/office/drawing/2010/main" xmlns="" w="9525">
                   <a:solidFill>
                     <a:srgbClr val="000000"/>
                   </a:solidFill>
@@ -5638,7 +6736,7 @@
             </a:ln>
             <a:extLst>
               <a:ext uri="{91240B29-F687-4f45-9708-019B960494DF}">
-                <a14:hiddenLine xmlns="" xmlns:a14="http://schemas.microsoft.com/office/drawing/2010/main" w="9525">
+                <a14:hiddenLine xmlns:a14="http://schemas.microsoft.com/office/drawing/2010/main" xmlns="" w="9525">
                   <a:solidFill>
                     <a:srgbClr val="000000"/>
                   </a:solidFill>
@@ -5703,7 +6801,7 @@
             </a:ln>
             <a:extLst>
               <a:ext uri="{91240B29-F687-4f45-9708-019B960494DF}">
-                <a14:hiddenLine xmlns="" xmlns:a14="http://schemas.microsoft.com/office/drawing/2010/main" w="9525">
+                <a14:hiddenLine xmlns:a14="http://schemas.microsoft.com/office/drawing/2010/main" xmlns="" w="9525">
                   <a:solidFill>
                     <a:srgbClr val="000000"/>
                   </a:solidFill>
@@ -5793,7 +6891,7 @@
             </a:ln>
             <a:extLst>
               <a:ext uri="{91240B29-F687-4f45-9708-019B960494DF}">
-                <a14:hiddenLine xmlns="" xmlns:a14="http://schemas.microsoft.com/office/drawing/2010/main" w="9525">
+                <a14:hiddenLine xmlns:a14="http://schemas.microsoft.com/office/drawing/2010/main" xmlns="" w="9525">
                   <a:solidFill>
                     <a:srgbClr val="000000"/>
                   </a:solidFill>
@@ -5855,7 +6953,7 @@
             </a:ln>
             <a:extLst>
               <a:ext uri="{91240B29-F687-4f45-9708-019B960494DF}">
-                <a14:hiddenLine xmlns="" xmlns:a14="http://schemas.microsoft.com/office/drawing/2010/main" w="9525">
+                <a14:hiddenLine xmlns:a14="http://schemas.microsoft.com/office/drawing/2010/main" xmlns="" w="9525">
                   <a:solidFill>
                     <a:srgbClr val="000000"/>
                   </a:solidFill>
@@ -5945,7 +7043,7 @@
             </a:ln>
             <a:extLst>
               <a:ext uri="{91240B29-F687-4f45-9708-019B960494DF}">
-                <a14:hiddenLine xmlns="" xmlns:a14="http://schemas.microsoft.com/office/drawing/2010/main" w="9525">
+                <a14:hiddenLine xmlns:a14="http://schemas.microsoft.com/office/drawing/2010/main" xmlns="" w="9525">
                   <a:solidFill>
                     <a:srgbClr val="000000"/>
                   </a:solidFill>
@@ -6035,7 +7133,7 @@
             </a:ln>
             <a:extLst>
               <a:ext uri="{91240B29-F687-4f45-9708-019B960494DF}">
-                <a14:hiddenLine xmlns="" xmlns:a14="http://schemas.microsoft.com/office/drawing/2010/main" w="9525">
+                <a14:hiddenLine xmlns:a14="http://schemas.microsoft.com/office/drawing/2010/main" xmlns="" w="9525">
                   <a:solidFill>
                     <a:srgbClr val="000000"/>
                   </a:solidFill>
@@ -6100,7 +7198,7 @@
             </a:ln>
             <a:extLst>
               <a:ext uri="{91240B29-F687-4f45-9708-019B960494DF}">
-                <a14:hiddenLine xmlns="" xmlns:a14="http://schemas.microsoft.com/office/drawing/2010/main" w="9525">
+                <a14:hiddenLine xmlns:a14="http://schemas.microsoft.com/office/drawing/2010/main" xmlns="" w="9525">
                   <a:solidFill>
                     <a:srgbClr val="000000"/>
                   </a:solidFill>
@@ -6162,7 +7260,7 @@
             </a:ln>
             <a:extLst>
               <a:ext uri="{91240B29-F687-4f45-9708-019B960494DF}">
-                <a14:hiddenLine xmlns="" xmlns:a14="http://schemas.microsoft.com/office/drawing/2010/main" w="9525">
+                <a14:hiddenLine xmlns:a14="http://schemas.microsoft.com/office/drawing/2010/main" xmlns="" w="9525">
                   <a:solidFill>
                     <a:srgbClr val="000000"/>
                   </a:solidFill>
@@ -6252,7 +7350,7 @@
             </a:ln>
             <a:extLst>
               <a:ext uri="{91240B29-F687-4f45-9708-019B960494DF}">
-                <a14:hiddenLine xmlns="" xmlns:a14="http://schemas.microsoft.com/office/drawing/2010/main" w="9525">
+                <a14:hiddenLine xmlns:a14="http://schemas.microsoft.com/office/drawing/2010/main" xmlns="" w="9525">
                   <a:solidFill>
                     <a:srgbClr val="000000"/>
                   </a:solidFill>
@@ -6342,7 +7440,7 @@
             </a:ln>
             <a:extLst>
               <a:ext uri="{91240B29-F687-4f45-9708-019B960494DF}">
-                <a14:hiddenLine xmlns="" xmlns:a14="http://schemas.microsoft.com/office/drawing/2010/main" w="9525">
+                <a14:hiddenLine xmlns:a14="http://schemas.microsoft.com/office/drawing/2010/main" xmlns="" w="9525">
                   <a:solidFill>
                     <a:srgbClr val="000000"/>
                   </a:solidFill>
@@ -6404,7 +7502,7 @@
             </a:ln>
             <a:extLst>
               <a:ext uri="{91240B29-F687-4f45-9708-019B960494DF}">
-                <a14:hiddenLine xmlns="" xmlns:a14="http://schemas.microsoft.com/office/drawing/2010/main" w="9525">
+                <a14:hiddenLine xmlns:a14="http://schemas.microsoft.com/office/drawing/2010/main" xmlns="" w="9525">
                   <a:solidFill>
                     <a:srgbClr val="000000"/>
                   </a:solidFill>
@@ -6524,7 +7622,7 @@
             </a:ln>
             <a:extLst>
               <a:ext uri="{91240B29-F687-4f45-9708-019B960494DF}">
-                <a14:hiddenLine xmlns="" xmlns:a14="http://schemas.microsoft.com/office/drawing/2010/main" w="9525">
+                <a14:hiddenLine xmlns:a14="http://schemas.microsoft.com/office/drawing/2010/main" xmlns="" w="9525">
                   <a:solidFill>
                     <a:srgbClr val="000000"/>
                   </a:solidFill>
@@ -6592,7 +7690,7 @@
             </a:ln>
             <a:extLst>
               <a:ext uri="{91240B29-F687-4f45-9708-019B960494DF}">
-                <a14:hiddenLine xmlns="" xmlns:a14="http://schemas.microsoft.com/office/drawing/2010/main" w="9525">
+                <a14:hiddenLine xmlns:a14="http://schemas.microsoft.com/office/drawing/2010/main" xmlns="" w="9525">
                   <a:solidFill>
                     <a:srgbClr val="000000"/>
                   </a:solidFill>
@@ -6682,7 +7780,7 @@
             </a:ln>
             <a:extLst>
               <a:ext uri="{91240B29-F687-4f45-9708-019B960494DF}">
-                <a14:hiddenLine xmlns="" xmlns:a14="http://schemas.microsoft.com/office/drawing/2010/main" w="9525">
+                <a14:hiddenLine xmlns:a14="http://schemas.microsoft.com/office/drawing/2010/main" xmlns="" w="9525">
                   <a:solidFill>
                     <a:srgbClr val="000000"/>
                   </a:solidFill>
@@ -6822,7 +7920,7 @@
           <a:p>
             <a:fld id="{48A87A34-81AB-432B-8DAE-1953F412C126}" type="datetimeFigureOut">
               <a:rPr lang="en-US" dirty="0"/>
-              <a:t>7/10/2021</a:t>
+              <a:t>7/11/2021</a:t>
             </a:fld>
             <a:endParaRPr lang="en-US" dirty="0"/>
           </a:p>
@@ -7084,7 +8182,7 @@
           <a:p>
             <a:fld id="{48A87A34-81AB-432B-8DAE-1953F412C126}" type="datetimeFigureOut">
               <a:rPr lang="en-US" dirty="0"/>
-              <a:t>7/10/2021</a:t>
+              <a:t>7/11/2021</a:t>
             </a:fld>
             <a:endParaRPr lang="en-US" dirty="0"/>
           </a:p>
@@ -7275,7 +8373,7 @@
           <a:p>
             <a:fld id="{48A87A34-81AB-432B-8DAE-1953F412C126}" type="datetimeFigureOut">
               <a:rPr lang="en-US" dirty="0"/>
-              <a:t>7/10/2021</a:t>
+              <a:t>7/11/2021</a:t>
             </a:fld>
             <a:endParaRPr lang="en-US" dirty="0"/>
           </a:p>
@@ -7533,7 +8631,7 @@
           <a:p>
             <a:fld id="{48A87A34-81AB-432B-8DAE-1953F412C126}" type="datetimeFigureOut">
               <a:rPr lang="en-US" dirty="0"/>
-              <a:t>7/10/2021</a:t>
+              <a:t>7/11/2021</a:t>
             </a:fld>
             <a:endParaRPr lang="en-US" dirty="0"/>
           </a:p>
@@ -7962,7 +9060,7 @@
           <a:p>
             <a:fld id="{48A87A34-81AB-432B-8DAE-1953F412C126}" type="datetimeFigureOut">
               <a:rPr lang="en-US" dirty="0"/>
-              <a:t>7/10/2021</a:t>
+              <a:t>7/11/2021</a:t>
             </a:fld>
             <a:endParaRPr lang="en-US" dirty="0"/>
           </a:p>
@@ -8503,7 +9601,7 @@
           <a:p>
             <a:fld id="{48A87A34-81AB-432B-8DAE-1953F412C126}" type="datetimeFigureOut">
               <a:rPr lang="en-US" dirty="0"/>
-              <a:t>7/10/2021</a:t>
+              <a:t>7/11/2021</a:t>
             </a:fld>
             <a:endParaRPr lang="en-US" dirty="0"/>
           </a:p>
@@ -9218,7 +10316,7 @@
           <a:p>
             <a:fld id="{48A87A34-81AB-432B-8DAE-1953F412C126}" type="datetimeFigureOut">
               <a:rPr lang="en-US" dirty="0"/>
-              <a:t>7/10/2021</a:t>
+              <a:t>7/11/2021</a:t>
             </a:fld>
             <a:endParaRPr lang="en-US" dirty="0"/>
           </a:p>
@@ -9383,7 +10481,7 @@
           <a:p>
             <a:fld id="{48A87A34-81AB-432B-8DAE-1953F412C126}" type="datetimeFigureOut">
               <a:rPr lang="en-US" dirty="0"/>
-              <a:t>7/10/2021</a:t>
+              <a:t>7/11/2021</a:t>
             </a:fld>
             <a:endParaRPr lang="en-US" dirty="0"/>
           </a:p>
@@ -9558,7 +10656,7 @@
           <a:p>
             <a:fld id="{48A87A34-81AB-432B-8DAE-1953F412C126}" type="datetimeFigureOut">
               <a:rPr lang="en-US" dirty="0"/>
-              <a:t>7/10/2021</a:t>
+              <a:t>7/11/2021</a:t>
             </a:fld>
             <a:endParaRPr lang="en-US" dirty="0"/>
           </a:p>
@@ -10015,7 +11113,7 @@
           <a:p>
             <a:fld id="{48A87A34-81AB-432B-8DAE-1953F412C126}" type="datetimeFigureOut">
               <a:rPr lang="en-US" dirty="0"/>
-              <a:t>7/10/2021</a:t>
+              <a:t>7/11/2021</a:t>
             </a:fld>
             <a:endParaRPr lang="en-US" dirty="0"/>
           </a:p>
@@ -10260,7 +11358,7 @@
           <a:p>
             <a:fld id="{48A87A34-81AB-432B-8DAE-1953F412C126}" type="datetimeFigureOut">
               <a:rPr lang="en-US" dirty="0"/>
-              <a:t>7/10/2021</a:t>
+              <a:t>7/11/2021</a:t>
             </a:fld>
             <a:endParaRPr lang="en-US" dirty="0"/>
           </a:p>
@@ -10487,7 +11585,7 @@
           <a:p>
             <a:fld id="{48A87A34-81AB-432B-8DAE-1953F412C126}" type="datetimeFigureOut">
               <a:rPr lang="en-US" dirty="0"/>
-              <a:t>7/10/2021</a:t>
+              <a:t>7/11/2021</a:t>
             </a:fld>
             <a:endParaRPr lang="en-US" dirty="0"/>
           </a:p>
@@ -10863,7 +11961,7 @@
           <a:p>
             <a:fld id="{48A87A34-81AB-432B-8DAE-1953F412C126}" type="datetimeFigureOut">
               <a:rPr lang="en-US" dirty="0"/>
-              <a:t>7/10/2021</a:t>
+              <a:t>7/11/2021</a:t>
             </a:fld>
             <a:endParaRPr lang="en-US" dirty="0"/>
           </a:p>
@@ -10976,7 +12074,7 @@
           <a:p>
             <a:fld id="{48A87A34-81AB-432B-8DAE-1953F412C126}" type="datetimeFigureOut">
               <a:rPr lang="en-US" dirty="0"/>
-              <a:t>7/10/2021</a:t>
+              <a:t>7/11/2021</a:t>
             </a:fld>
             <a:endParaRPr lang="en-US" dirty="0"/>
           </a:p>
@@ -11066,7 +12164,7 @@
           <a:p>
             <a:fld id="{48A87A34-81AB-432B-8DAE-1953F412C126}" type="datetimeFigureOut">
               <a:rPr lang="en-US" dirty="0"/>
-              <a:t>7/10/2021</a:t>
+              <a:t>7/11/2021</a:t>
             </a:fld>
             <a:endParaRPr lang="en-US" dirty="0"/>
           </a:p>
@@ -11310,7 +12408,7 @@
           <a:p>
             <a:fld id="{48A87A34-81AB-432B-8DAE-1953F412C126}" type="datetimeFigureOut">
               <a:rPr lang="en-US" dirty="0"/>
-              <a:t>7/10/2021</a:t>
+              <a:t>7/11/2021</a:t>
             </a:fld>
             <a:endParaRPr lang="en-US" dirty="0"/>
           </a:p>
@@ -11585,7 +12683,7 @@
           <a:p>
             <a:fld id="{48A87A34-81AB-432B-8DAE-1953F412C126}" type="datetimeFigureOut">
               <a:rPr lang="en-US" dirty="0"/>
-              <a:t>7/10/2021</a:t>
+              <a:t>7/11/2021</a:t>
             </a:fld>
             <a:endParaRPr lang="en-US" dirty="0"/>
           </a:p>
@@ -11703,7 +12801,7 @@
           <a:noFill/>
           <a:extLst>
             <a:ext uri="{909E8E84-426E-40dd-AFC4-6F175D3DCCD1}">
-              <a14:hiddenFill xmlns="" xmlns:a14="http://schemas.microsoft.com/office/drawing/2010/main">
+              <a14:hiddenFill xmlns:a14="http://schemas.microsoft.com/office/drawing/2010/main" xmlns="">
                 <a:solidFill>
                   <a:srgbClr val="FFFFFF"/>
                 </a:solidFill>
@@ -11777,7 +12875,7 @@
               </a:ln>
               <a:extLst>
                 <a:ext uri="{91240B29-F687-4f45-9708-019B960494DF}">
-                  <a14:hiddenLine xmlns="" xmlns:a14="http://schemas.microsoft.com/office/drawing/2010/main" w="9525">
+                  <a14:hiddenLine xmlns:a14="http://schemas.microsoft.com/office/drawing/2010/main" xmlns="" w="9525">
                     <a:solidFill>
                       <a:srgbClr val="000000"/>
                     </a:solidFill>
@@ -11867,7 +12965,7 @@
               </a:ln>
               <a:extLst>
                 <a:ext uri="{91240B29-F687-4f45-9708-019B960494DF}">
-                  <a14:hiddenLine xmlns="" xmlns:a14="http://schemas.microsoft.com/office/drawing/2010/main" w="9525">
+                  <a14:hiddenLine xmlns:a14="http://schemas.microsoft.com/office/drawing/2010/main" xmlns="" w="9525">
                     <a:solidFill>
                       <a:srgbClr val="000000"/>
                     </a:solidFill>
@@ -11957,7 +13055,7 @@
               </a:ln>
               <a:extLst>
                 <a:ext uri="{91240B29-F687-4f45-9708-019B960494DF}">
-                  <a14:hiddenLine xmlns="" xmlns:a14="http://schemas.microsoft.com/office/drawing/2010/main" w="9525">
+                  <a14:hiddenLine xmlns:a14="http://schemas.microsoft.com/office/drawing/2010/main" xmlns="" w="9525">
                     <a:solidFill>
                       <a:srgbClr val="000000"/>
                     </a:solidFill>
@@ -12019,7 +13117,7 @@
               </a:ln>
               <a:extLst>
                 <a:ext uri="{91240B29-F687-4f45-9708-019B960494DF}">
-                  <a14:hiddenLine xmlns="" xmlns:a14="http://schemas.microsoft.com/office/drawing/2010/main" w="9525">
+                  <a14:hiddenLine xmlns:a14="http://schemas.microsoft.com/office/drawing/2010/main" xmlns="" w="9525">
                     <a:solidFill>
                       <a:srgbClr val="000000"/>
                     </a:solidFill>
@@ -12109,7 +13207,7 @@
               </a:ln>
               <a:extLst>
                 <a:ext uri="{91240B29-F687-4f45-9708-019B960494DF}">
-                  <a14:hiddenLine xmlns="" xmlns:a14="http://schemas.microsoft.com/office/drawing/2010/main" w="9525">
+                  <a14:hiddenLine xmlns:a14="http://schemas.microsoft.com/office/drawing/2010/main" xmlns="" w="9525">
                     <a:solidFill>
                       <a:srgbClr val="000000"/>
                     </a:solidFill>
@@ -12171,7 +13269,7 @@
               </a:ln>
               <a:extLst>
                 <a:ext uri="{91240B29-F687-4f45-9708-019B960494DF}">
-                  <a14:hiddenLine xmlns="" xmlns:a14="http://schemas.microsoft.com/office/drawing/2010/main" w="9525">
+                  <a14:hiddenLine xmlns:a14="http://schemas.microsoft.com/office/drawing/2010/main" xmlns="" w="9525">
                     <a:solidFill>
                       <a:srgbClr val="000000"/>
                     </a:solidFill>
@@ -12233,7 +13331,7 @@
               </a:ln>
               <a:extLst>
                 <a:ext uri="{91240B29-F687-4f45-9708-019B960494DF}">
-                  <a14:hiddenLine xmlns="" xmlns:a14="http://schemas.microsoft.com/office/drawing/2010/main" w="9525">
+                  <a14:hiddenLine xmlns:a14="http://schemas.microsoft.com/office/drawing/2010/main" xmlns="" w="9525">
                     <a:solidFill>
                       <a:srgbClr val="000000"/>
                     </a:solidFill>
@@ -12323,7 +13421,7 @@
               </a:ln>
               <a:extLst>
                 <a:ext uri="{91240B29-F687-4f45-9708-019B960494DF}">
-                  <a14:hiddenLine xmlns="" xmlns:a14="http://schemas.microsoft.com/office/drawing/2010/main" w="9525">
+                  <a14:hiddenLine xmlns:a14="http://schemas.microsoft.com/office/drawing/2010/main" xmlns="" w="9525">
                     <a:solidFill>
                       <a:srgbClr val="000000"/>
                     </a:solidFill>
@@ -12413,7 +13511,7 @@
               </a:ln>
               <a:extLst>
                 <a:ext uri="{91240B29-F687-4f45-9708-019B960494DF}">
-                  <a14:hiddenLine xmlns="" xmlns:a14="http://schemas.microsoft.com/office/drawing/2010/main" w="9525">
+                  <a14:hiddenLine xmlns:a14="http://schemas.microsoft.com/office/drawing/2010/main" xmlns="" w="9525">
                     <a:solidFill>
                       <a:srgbClr val="000000"/>
                     </a:solidFill>
@@ -12475,7 +13573,7 @@
               </a:ln>
               <a:extLst>
                 <a:ext uri="{91240B29-F687-4f45-9708-019B960494DF}">
-                  <a14:hiddenLine xmlns="" xmlns:a14="http://schemas.microsoft.com/office/drawing/2010/main" w="9525">
+                  <a14:hiddenLine xmlns:a14="http://schemas.microsoft.com/office/drawing/2010/main" xmlns="" w="9525">
                     <a:solidFill>
                       <a:srgbClr val="000000"/>
                     </a:solidFill>
@@ -12585,7 +13683,7 @@
               </a:ln>
               <a:extLst>
                 <a:ext uri="{91240B29-F687-4f45-9708-019B960494DF}">
-                  <a14:hiddenLine xmlns="" xmlns:a14="http://schemas.microsoft.com/office/drawing/2010/main" w="9525">
+                  <a14:hiddenLine xmlns:a14="http://schemas.microsoft.com/office/drawing/2010/main" xmlns="" w="9525">
                     <a:solidFill>
                       <a:srgbClr val="000000"/>
                     </a:solidFill>
@@ -12669,7 +13767,7 @@
               </a:ln>
               <a:extLst>
                 <a:ext uri="{91240B29-F687-4f45-9708-019B960494DF}">
-                  <a14:hiddenLine xmlns="" xmlns:a14="http://schemas.microsoft.com/office/drawing/2010/main" w="9525">
+                  <a14:hiddenLine xmlns:a14="http://schemas.microsoft.com/office/drawing/2010/main" xmlns="" w="9525">
                     <a:solidFill>
                       <a:srgbClr val="000000"/>
                     </a:solidFill>
@@ -12731,7 +13829,7 @@
               </a:ln>
               <a:extLst>
                 <a:ext uri="{91240B29-F687-4f45-9708-019B960494DF}">
-                  <a14:hiddenLine xmlns="" xmlns:a14="http://schemas.microsoft.com/office/drawing/2010/main" w="9525">
+                  <a14:hiddenLine xmlns:a14="http://schemas.microsoft.com/office/drawing/2010/main" xmlns="" w="9525">
                     <a:solidFill>
                       <a:srgbClr val="000000"/>
                     </a:solidFill>
@@ -12793,7 +13891,7 @@
               </a:ln>
               <a:extLst>
                 <a:ext uri="{91240B29-F687-4f45-9708-019B960494DF}">
-                  <a14:hiddenLine xmlns="" xmlns:a14="http://schemas.microsoft.com/office/drawing/2010/main" w="9525">
+                  <a14:hiddenLine xmlns:a14="http://schemas.microsoft.com/office/drawing/2010/main" xmlns="" w="9525">
                     <a:solidFill>
                       <a:srgbClr val="000000"/>
                     </a:solidFill>
@@ -12883,7 +13981,7 @@
               </a:ln>
               <a:extLst>
                 <a:ext uri="{91240B29-F687-4f45-9708-019B960494DF}">
-                  <a14:hiddenLine xmlns="" xmlns:a14="http://schemas.microsoft.com/office/drawing/2010/main" w="9525">
+                  <a14:hiddenLine xmlns:a14="http://schemas.microsoft.com/office/drawing/2010/main" xmlns="" w="9525">
                     <a:solidFill>
                       <a:srgbClr val="000000"/>
                     </a:solidFill>
@@ -12917,7 +14015,7 @@
               </a:ln>
               <a:extLst>
                 <a:ext uri="{91240B29-F687-4f45-9708-019B960494DF}">
-                  <a14:hiddenLine xmlns="" xmlns:a14="http://schemas.microsoft.com/office/drawing/2010/main" w="9525">
+                  <a14:hiddenLine xmlns:a14="http://schemas.microsoft.com/office/drawing/2010/main" xmlns="" w="9525">
                     <a:solidFill>
                       <a:srgbClr val="000000"/>
                     </a:solidFill>
@@ -12982,7 +14080,7 @@
               </a:ln>
               <a:extLst>
                 <a:ext uri="{91240B29-F687-4f45-9708-019B960494DF}">
-                  <a14:hiddenLine xmlns="" xmlns:a14="http://schemas.microsoft.com/office/drawing/2010/main" w="9525">
+                  <a14:hiddenLine xmlns:a14="http://schemas.microsoft.com/office/drawing/2010/main" xmlns="" w="9525">
                     <a:solidFill>
                       <a:srgbClr val="000000"/>
                     </a:solidFill>
@@ -13072,7 +14170,7 @@
               </a:ln>
               <a:extLst>
                 <a:ext uri="{91240B29-F687-4f45-9708-019B960494DF}">
-                  <a14:hiddenLine xmlns="" xmlns:a14="http://schemas.microsoft.com/office/drawing/2010/main" w="9525">
+                  <a14:hiddenLine xmlns:a14="http://schemas.microsoft.com/office/drawing/2010/main" xmlns="" w="9525">
                     <a:solidFill>
                       <a:srgbClr val="000000"/>
                     </a:solidFill>
@@ -13134,7 +14232,7 @@
               </a:ln>
               <a:extLst>
                 <a:ext uri="{91240B29-F687-4f45-9708-019B960494DF}">
-                  <a14:hiddenLine xmlns="" xmlns:a14="http://schemas.microsoft.com/office/drawing/2010/main" w="9525">
+                  <a14:hiddenLine xmlns:a14="http://schemas.microsoft.com/office/drawing/2010/main" xmlns="" w="9525">
                     <a:solidFill>
                       <a:srgbClr val="000000"/>
                     </a:solidFill>
@@ -13224,7 +14322,7 @@
               </a:ln>
               <a:extLst>
                 <a:ext uri="{91240B29-F687-4f45-9708-019B960494DF}">
-                  <a14:hiddenLine xmlns="" xmlns:a14="http://schemas.microsoft.com/office/drawing/2010/main" w="9525">
+                  <a14:hiddenLine xmlns:a14="http://schemas.microsoft.com/office/drawing/2010/main" xmlns="" w="9525">
                     <a:solidFill>
                       <a:srgbClr val="000000"/>
                     </a:solidFill>
@@ -13289,7 +14387,7 @@
               </a:ln>
               <a:extLst>
                 <a:ext uri="{91240B29-F687-4f45-9708-019B960494DF}">
-                  <a14:hiddenLine xmlns="" xmlns:a14="http://schemas.microsoft.com/office/drawing/2010/main" w="9525">
+                  <a14:hiddenLine xmlns:a14="http://schemas.microsoft.com/office/drawing/2010/main" xmlns="" w="9525">
                     <a:solidFill>
                       <a:srgbClr val="000000"/>
                     </a:solidFill>
@@ -13351,7 +14449,7 @@
               </a:ln>
               <a:extLst>
                 <a:ext uri="{91240B29-F687-4f45-9708-019B960494DF}">
-                  <a14:hiddenLine xmlns="" xmlns:a14="http://schemas.microsoft.com/office/drawing/2010/main" w="9525">
+                  <a14:hiddenLine xmlns:a14="http://schemas.microsoft.com/office/drawing/2010/main" xmlns="" w="9525">
                     <a:solidFill>
                       <a:srgbClr val="000000"/>
                     </a:solidFill>
@@ -13441,7 +14539,7 @@
               </a:ln>
               <a:extLst>
                 <a:ext uri="{91240B29-F687-4f45-9708-019B960494DF}">
-                  <a14:hiddenLine xmlns="" xmlns:a14="http://schemas.microsoft.com/office/drawing/2010/main" w="9525">
+                  <a14:hiddenLine xmlns:a14="http://schemas.microsoft.com/office/drawing/2010/main" xmlns="" w="9525">
                     <a:solidFill>
                       <a:srgbClr val="000000"/>
                     </a:solidFill>
@@ -13531,7 +14629,7 @@
               </a:ln>
               <a:extLst>
                 <a:ext uri="{91240B29-F687-4f45-9708-019B960494DF}">
-                  <a14:hiddenLine xmlns="" xmlns:a14="http://schemas.microsoft.com/office/drawing/2010/main" w="9525">
+                  <a14:hiddenLine xmlns:a14="http://schemas.microsoft.com/office/drawing/2010/main" xmlns="" w="9525">
                     <a:solidFill>
                       <a:srgbClr val="000000"/>
                     </a:solidFill>
@@ -13596,7 +14694,7 @@
               </a:ln>
               <a:extLst>
                 <a:ext uri="{91240B29-F687-4f45-9708-019B960494DF}">
-                  <a14:hiddenLine xmlns="" xmlns:a14="http://schemas.microsoft.com/office/drawing/2010/main" w="9525">
+                  <a14:hiddenLine xmlns:a14="http://schemas.microsoft.com/office/drawing/2010/main" xmlns="" w="9525">
                     <a:solidFill>
                       <a:srgbClr val="000000"/>
                     </a:solidFill>
@@ -13716,7 +14814,7 @@
               </a:ln>
               <a:extLst>
                 <a:ext uri="{91240B29-F687-4f45-9708-019B960494DF}">
-                  <a14:hiddenLine xmlns="" xmlns:a14="http://schemas.microsoft.com/office/drawing/2010/main" w="9525">
+                  <a14:hiddenLine xmlns:a14="http://schemas.microsoft.com/office/drawing/2010/main" xmlns="" w="9525">
                     <a:solidFill>
                       <a:srgbClr val="000000"/>
                     </a:solidFill>
@@ -13797,7 +14895,7 @@
               </a:ln>
               <a:extLst>
                 <a:ext uri="{91240B29-F687-4f45-9708-019B960494DF}">
-                  <a14:hiddenLine xmlns="" xmlns:a14="http://schemas.microsoft.com/office/drawing/2010/main" w="9525">
+                  <a14:hiddenLine xmlns:a14="http://schemas.microsoft.com/office/drawing/2010/main" xmlns="" w="9525">
                     <a:solidFill>
                       <a:srgbClr val="000000"/>
                     </a:solidFill>
@@ -13912,7 +15010,7 @@
               </a:ln>
               <a:extLst>
                 <a:ext uri="{91240B29-F687-4f45-9708-019B960494DF}">
-                  <a14:hiddenLine xmlns="" xmlns:a14="http://schemas.microsoft.com/office/drawing/2010/main" w="9525">
+                  <a14:hiddenLine xmlns:a14="http://schemas.microsoft.com/office/drawing/2010/main" xmlns="" w="9525">
                     <a:solidFill>
                       <a:srgbClr val="000000"/>
                     </a:solidFill>
@@ -14002,7 +15100,7 @@
               </a:ln>
               <a:extLst>
                 <a:ext uri="{91240B29-F687-4f45-9708-019B960494DF}">
-                  <a14:hiddenLine xmlns="" xmlns:a14="http://schemas.microsoft.com/office/drawing/2010/main" w="9525">
+                  <a14:hiddenLine xmlns:a14="http://schemas.microsoft.com/office/drawing/2010/main" xmlns="" w="9525">
                     <a:solidFill>
                       <a:srgbClr val="000000"/>
                     </a:solidFill>
@@ -14067,7 +15165,7 @@
               </a:ln>
               <a:extLst>
                 <a:ext uri="{91240B29-F687-4f45-9708-019B960494DF}">
-                  <a14:hiddenLine xmlns="" xmlns:a14="http://schemas.microsoft.com/office/drawing/2010/main" w="9525">
+                  <a14:hiddenLine xmlns:a14="http://schemas.microsoft.com/office/drawing/2010/main" xmlns="" w="9525">
                     <a:solidFill>
                       <a:srgbClr val="000000"/>
                     </a:solidFill>
@@ -14157,7 +15255,7 @@
               </a:ln>
               <a:extLst>
                 <a:ext uri="{91240B29-F687-4f45-9708-019B960494DF}">
-                  <a14:hiddenLine xmlns="" xmlns:a14="http://schemas.microsoft.com/office/drawing/2010/main" w="9525">
+                  <a14:hiddenLine xmlns:a14="http://schemas.microsoft.com/office/drawing/2010/main" xmlns="" w="9525">
                     <a:solidFill>
                       <a:srgbClr val="000000"/>
                     </a:solidFill>
@@ -14225,7 +15323,7 @@
               </a:ln>
               <a:extLst>
                 <a:ext uri="{91240B29-F687-4f45-9708-019B960494DF}">
-                  <a14:hiddenLine xmlns="" xmlns:a14="http://schemas.microsoft.com/office/drawing/2010/main" w="9525">
+                  <a14:hiddenLine xmlns:a14="http://schemas.microsoft.com/office/drawing/2010/main" xmlns="" w="9525">
                     <a:solidFill>
                       <a:srgbClr val="000000"/>
                     </a:solidFill>
@@ -14315,7 +15413,7 @@
               </a:ln>
               <a:extLst>
                 <a:ext uri="{91240B29-F687-4f45-9708-019B960494DF}">
-                  <a14:hiddenLine xmlns="" xmlns:a14="http://schemas.microsoft.com/office/drawing/2010/main" w="9525">
+                  <a14:hiddenLine xmlns:a14="http://schemas.microsoft.com/office/drawing/2010/main" xmlns="" w="9525">
                     <a:solidFill>
                       <a:srgbClr val="000000"/>
                     </a:solidFill>
@@ -14383,7 +15481,7 @@
               </a:ln>
               <a:extLst>
                 <a:ext uri="{91240B29-F687-4f45-9708-019B960494DF}">
-                  <a14:hiddenLine xmlns="" xmlns:a14="http://schemas.microsoft.com/office/drawing/2010/main" w="9525">
+                  <a14:hiddenLine xmlns:a14="http://schemas.microsoft.com/office/drawing/2010/main" xmlns="" w="9525">
                     <a:solidFill>
                       <a:srgbClr val="000000"/>
                     </a:solidFill>
@@ -14473,7 +15571,7 @@
               </a:ln>
               <a:extLst>
                 <a:ext uri="{91240B29-F687-4f45-9708-019B960494DF}">
-                  <a14:hiddenLine xmlns="" xmlns:a14="http://schemas.microsoft.com/office/drawing/2010/main" w="9525">
+                  <a14:hiddenLine xmlns:a14="http://schemas.microsoft.com/office/drawing/2010/main" xmlns="" w="9525">
                     <a:solidFill>
                       <a:srgbClr val="000000"/>
                     </a:solidFill>
@@ -14507,7 +15605,7 @@
               </a:ln>
               <a:extLst>
                 <a:ext uri="{91240B29-F687-4f45-9708-019B960494DF}">
-                  <a14:hiddenLine xmlns="" xmlns:a14="http://schemas.microsoft.com/office/drawing/2010/main" w="9525">
+                  <a14:hiddenLine xmlns:a14="http://schemas.microsoft.com/office/drawing/2010/main" xmlns="" w="9525">
                     <a:solidFill>
                       <a:srgbClr val="000000"/>
                     </a:solidFill>
@@ -14648,7 +15746,7 @@
             <a:fld id="{48A87A34-81AB-432B-8DAE-1953F412C126}" type="datetimeFigureOut">
               <a:rPr lang="en-US" dirty="0"/>
               <a:pPr/>
-              <a:t>7/10/2021</a:t>
+              <a:t>7/11/2021</a:t>
             </a:fld>
             <a:endParaRPr lang="en-US" dirty="0"/>
           </a:p>
@@ -15069,6 +16167,17 @@
                 <a:lumMod val="90000"/>
               </a:schemeClr>
             </a:duotone>
+            <a:extLst>
+              <a:ext uri="{BEBA8EAE-BF5A-486C-A8C5-ECC9F3942E4B}">
+                <a14:imgProps xmlns:a14="http://schemas.microsoft.com/office/drawing/2010/main">
+                  <a14:imgLayer r:embed="rId3">
+                    <a14:imgEffect>
+                      <a14:artisticLightScreen/>
+                    </a14:imgEffect>
+                  </a14:imgLayer>
+                </a14:imgProps>
+              </a:ext>
+            </a:extLst>
           </a:blip>
           <a:stretch/>
         </a:blipFill>
@@ -15202,7 +16311,7 @@
             </p:nvPr>
           </p:nvPicPr>
           <p:blipFill>
-            <a:blip r:embed="rId3">
+            <a:blip r:embed="rId4">
               <a:alphaModFix amt="30000"/>
               <a:duotone>
                 <a:prstClr val="black"/>
@@ -15233,7 +16342,7 @@
             <a:noFill/>
             <a:extLst>
               <a:ext uri="{909E8E84-426E-40dd-AFC4-6F175D3DCCD1}">
-                <a14:hiddenFill xmlns:p14="http://schemas.microsoft.com/office/powerpoint/2010/main" xmlns:a14="http://schemas.microsoft.com/office/drawing/2010/main" xmlns:a16="http://schemas.microsoft.com/office/drawing/2014/main" xmlns="">
+                <a14:hiddenFill xmlns="" xmlns:a16="http://schemas.microsoft.com/office/drawing/2014/main" xmlns:a14="http://schemas.microsoft.com/office/drawing/2010/main" xmlns:p14="http://schemas.microsoft.com/office/powerpoint/2010/main">
                   <a:solidFill>
                     <a:srgbClr val="FFFFFF"/>
                   </a:solidFill>
@@ -15390,7 +16499,7 @@
             </a:ln>
             <a:extLst>
               <a:ext uri="{91240B29-F687-4f45-9708-019B960494DF}">
-                <a14:hiddenLine xmlns:p14="http://schemas.microsoft.com/office/powerpoint/2010/main" xmlns:a14="http://schemas.microsoft.com/office/drawing/2010/main" xmlns:a16="http://schemas.microsoft.com/office/drawing/2014/main" xmlns="" w="9525">
+                <a14:hiddenLine xmlns="" xmlns:a16="http://schemas.microsoft.com/office/drawing/2014/main" xmlns:a14="http://schemas.microsoft.com/office/drawing/2010/main" xmlns:p14="http://schemas.microsoft.com/office/powerpoint/2010/main" w="9525">
                   <a:solidFill>
                     <a:srgbClr val="000000"/>
                   </a:solidFill>
@@ -15495,7 +16604,7 @@
             </a:ln>
             <a:extLst>
               <a:ext uri="{91240B29-F687-4f45-9708-019B960494DF}">
-                <a14:hiddenLine xmlns:p14="http://schemas.microsoft.com/office/powerpoint/2010/main" xmlns:a14="http://schemas.microsoft.com/office/drawing/2010/main" xmlns:a16="http://schemas.microsoft.com/office/drawing/2014/main" xmlns="" w="9525">
+                <a14:hiddenLine xmlns="" xmlns:a16="http://schemas.microsoft.com/office/drawing/2014/main" xmlns:a14="http://schemas.microsoft.com/office/drawing/2010/main" xmlns:p14="http://schemas.microsoft.com/office/powerpoint/2010/main" w="9525">
                   <a:solidFill>
                     <a:srgbClr val="000000"/>
                   </a:solidFill>
@@ -15600,7 +16709,7 @@
             </a:ln>
             <a:extLst>
               <a:ext uri="{91240B29-F687-4f45-9708-019B960494DF}">
-                <a14:hiddenLine xmlns:p14="http://schemas.microsoft.com/office/powerpoint/2010/main" xmlns:a14="http://schemas.microsoft.com/office/drawing/2010/main" xmlns:a16="http://schemas.microsoft.com/office/drawing/2014/main" xmlns="" w="9525">
+                <a14:hiddenLine xmlns="" xmlns:a16="http://schemas.microsoft.com/office/drawing/2014/main" xmlns:a14="http://schemas.microsoft.com/office/drawing/2010/main" xmlns:p14="http://schemas.microsoft.com/office/powerpoint/2010/main" w="9525">
                   <a:solidFill>
                     <a:srgbClr val="000000"/>
                   </a:solidFill>
@@ -15649,7 +16758,7 @@
             </a:ln>
             <a:extLst>
               <a:ext uri="{91240B29-F687-4f45-9708-019B960494DF}">
-                <a14:hiddenLine xmlns:p14="http://schemas.microsoft.com/office/powerpoint/2010/main" xmlns:a14="http://schemas.microsoft.com/office/drawing/2010/main" xmlns:a16="http://schemas.microsoft.com/office/drawing/2014/main" xmlns="" w="9525">
+                <a14:hiddenLine xmlns="" xmlns:a16="http://schemas.microsoft.com/office/drawing/2014/main" xmlns:a14="http://schemas.microsoft.com/office/drawing/2010/main" xmlns:p14="http://schemas.microsoft.com/office/powerpoint/2010/main" w="9525">
                   <a:solidFill>
                     <a:srgbClr val="000000"/>
                   </a:solidFill>
@@ -15754,7 +16863,7 @@
             </a:ln>
             <a:extLst>
               <a:ext uri="{91240B29-F687-4f45-9708-019B960494DF}">
-                <a14:hiddenLine xmlns:p14="http://schemas.microsoft.com/office/powerpoint/2010/main" xmlns:a14="http://schemas.microsoft.com/office/drawing/2010/main" xmlns:a16="http://schemas.microsoft.com/office/drawing/2014/main" xmlns="" w="9525">
+                <a14:hiddenLine xmlns="" xmlns:a16="http://schemas.microsoft.com/office/drawing/2014/main" xmlns:a14="http://schemas.microsoft.com/office/drawing/2010/main" xmlns:p14="http://schemas.microsoft.com/office/powerpoint/2010/main" w="9525">
                   <a:solidFill>
                     <a:srgbClr val="000000"/>
                   </a:solidFill>
@@ -15831,7 +16940,7 @@
             </a:ln>
             <a:extLst>
               <a:ext uri="{91240B29-F687-4f45-9708-019B960494DF}">
-                <a14:hiddenLine xmlns:p14="http://schemas.microsoft.com/office/powerpoint/2010/main" xmlns:a14="http://schemas.microsoft.com/office/drawing/2010/main" xmlns:a16="http://schemas.microsoft.com/office/drawing/2014/main" xmlns="" w="9525">
+                <a14:hiddenLine xmlns="" xmlns:a16="http://schemas.microsoft.com/office/drawing/2014/main" xmlns:a14="http://schemas.microsoft.com/office/drawing/2010/main" xmlns:p14="http://schemas.microsoft.com/office/powerpoint/2010/main" w="9525">
                   <a:solidFill>
                     <a:srgbClr val="000000"/>
                   </a:solidFill>
@@ -15908,7 +17017,7 @@
             </a:ln>
             <a:extLst>
               <a:ext uri="{91240B29-F687-4f45-9708-019B960494DF}">
-                <a14:hiddenLine xmlns:p14="http://schemas.microsoft.com/office/powerpoint/2010/main" xmlns:a14="http://schemas.microsoft.com/office/drawing/2010/main" xmlns:a16="http://schemas.microsoft.com/office/drawing/2014/main" xmlns="" w="9525">
+                <a14:hiddenLine xmlns="" xmlns:a16="http://schemas.microsoft.com/office/drawing/2014/main" xmlns:a14="http://schemas.microsoft.com/office/drawing/2010/main" xmlns:p14="http://schemas.microsoft.com/office/powerpoint/2010/main" w="9525">
                   <a:solidFill>
                     <a:srgbClr val="000000"/>
                   </a:solidFill>
@@ -16013,7 +17122,7 @@
             </a:ln>
             <a:extLst>
               <a:ext uri="{91240B29-F687-4f45-9708-019B960494DF}">
-                <a14:hiddenLine xmlns:p14="http://schemas.microsoft.com/office/powerpoint/2010/main" xmlns:a14="http://schemas.microsoft.com/office/drawing/2010/main" xmlns:a16="http://schemas.microsoft.com/office/drawing/2014/main" xmlns="" w="9525">
+                <a14:hiddenLine xmlns="" xmlns:a16="http://schemas.microsoft.com/office/drawing/2014/main" xmlns:a14="http://schemas.microsoft.com/office/drawing/2010/main" xmlns:p14="http://schemas.microsoft.com/office/powerpoint/2010/main" w="9525">
                   <a:solidFill>
                     <a:srgbClr val="000000"/>
                   </a:solidFill>
@@ -16090,7 +17199,7 @@
             </a:ln>
             <a:extLst>
               <a:ext uri="{91240B29-F687-4f45-9708-019B960494DF}">
-                <a14:hiddenLine xmlns:p14="http://schemas.microsoft.com/office/powerpoint/2010/main" xmlns:a14="http://schemas.microsoft.com/office/drawing/2010/main" xmlns:a16="http://schemas.microsoft.com/office/drawing/2014/main" xmlns="" w="9525">
+                <a14:hiddenLine xmlns="" xmlns:a16="http://schemas.microsoft.com/office/drawing/2014/main" xmlns:a14="http://schemas.microsoft.com/office/drawing/2010/main" xmlns:p14="http://schemas.microsoft.com/office/powerpoint/2010/main" w="9525">
                   <a:solidFill>
                     <a:srgbClr val="000000"/>
                   </a:solidFill>
@@ -16167,7 +17276,7 @@
             </a:ln>
             <a:extLst>
               <a:ext uri="{91240B29-F687-4f45-9708-019B960494DF}">
-                <a14:hiddenLine xmlns:p14="http://schemas.microsoft.com/office/powerpoint/2010/main" xmlns:a14="http://schemas.microsoft.com/office/drawing/2010/main" xmlns:a16="http://schemas.microsoft.com/office/drawing/2014/main" xmlns="" w="9525">
+                <a14:hiddenLine xmlns="" xmlns:a16="http://schemas.microsoft.com/office/drawing/2014/main" xmlns:a14="http://schemas.microsoft.com/office/drawing/2010/main" xmlns:p14="http://schemas.microsoft.com/office/powerpoint/2010/main" w="9525">
                   <a:solidFill>
                     <a:srgbClr val="000000"/>
                   </a:solidFill>
@@ -16272,7 +17381,7 @@
             </a:ln>
             <a:extLst>
               <a:ext uri="{91240B29-F687-4f45-9708-019B960494DF}">
-                <a14:hiddenLine xmlns:p14="http://schemas.microsoft.com/office/powerpoint/2010/main" xmlns:a14="http://schemas.microsoft.com/office/drawing/2010/main" xmlns:a16="http://schemas.microsoft.com/office/drawing/2014/main" xmlns="" w="9525">
+                <a14:hiddenLine xmlns="" xmlns:a16="http://schemas.microsoft.com/office/drawing/2014/main" xmlns:a14="http://schemas.microsoft.com/office/drawing/2010/main" xmlns:p14="http://schemas.microsoft.com/office/powerpoint/2010/main" w="9525">
                   <a:solidFill>
                     <a:srgbClr val="000000"/>
                   </a:solidFill>
@@ -16377,7 +17486,7 @@
             </a:ln>
             <a:extLst>
               <a:ext uri="{91240B29-F687-4f45-9708-019B960494DF}">
-                <a14:hiddenLine xmlns:p14="http://schemas.microsoft.com/office/powerpoint/2010/main" xmlns:a14="http://schemas.microsoft.com/office/drawing/2010/main" xmlns:a16="http://schemas.microsoft.com/office/drawing/2014/main" xmlns="" w="9525">
+                <a14:hiddenLine xmlns="" xmlns:a16="http://schemas.microsoft.com/office/drawing/2014/main" xmlns:a14="http://schemas.microsoft.com/office/drawing/2010/main" xmlns:p14="http://schemas.microsoft.com/office/powerpoint/2010/main" w="9525">
                   <a:solidFill>
                     <a:srgbClr val="000000"/>
                   </a:solidFill>
@@ -16454,7 +17563,7 @@
             </a:ln>
             <a:extLst>
               <a:ext uri="{91240B29-F687-4f45-9708-019B960494DF}">
-                <a14:hiddenLine xmlns:p14="http://schemas.microsoft.com/office/powerpoint/2010/main" xmlns:a14="http://schemas.microsoft.com/office/drawing/2010/main" xmlns:a16="http://schemas.microsoft.com/office/drawing/2014/main" xmlns="" w="9525">
+                <a14:hiddenLine xmlns="" xmlns:a16="http://schemas.microsoft.com/office/drawing/2014/main" xmlns:a14="http://schemas.microsoft.com/office/drawing/2010/main" xmlns:p14="http://schemas.microsoft.com/office/powerpoint/2010/main" w="9525">
                   <a:solidFill>
                     <a:srgbClr val="000000"/>
                   </a:solidFill>
@@ -16579,7 +17688,7 @@
             </a:ln>
             <a:extLst>
               <a:ext uri="{91240B29-F687-4f45-9708-019B960494DF}">
-                <a14:hiddenLine xmlns:p14="http://schemas.microsoft.com/office/powerpoint/2010/main" xmlns:a14="http://schemas.microsoft.com/office/drawing/2010/main" xmlns:a16="http://schemas.microsoft.com/office/drawing/2014/main" xmlns="" w="9525">
+                <a14:hiddenLine xmlns="" xmlns:a16="http://schemas.microsoft.com/office/drawing/2014/main" xmlns:a14="http://schemas.microsoft.com/office/drawing/2010/main" xmlns:p14="http://schemas.microsoft.com/office/powerpoint/2010/main" w="9525">
                   <a:solidFill>
                     <a:srgbClr val="000000"/>
                   </a:solidFill>
@@ -16656,7 +17765,7 @@
             </a:ln>
             <a:extLst>
               <a:ext uri="{91240B29-F687-4f45-9708-019B960494DF}">
-                <a14:hiddenLine xmlns:p14="http://schemas.microsoft.com/office/powerpoint/2010/main" xmlns:a14="http://schemas.microsoft.com/office/drawing/2010/main" xmlns:a16="http://schemas.microsoft.com/office/drawing/2014/main" xmlns="" w="9525">
+                <a14:hiddenLine xmlns="" xmlns:a16="http://schemas.microsoft.com/office/drawing/2014/main" xmlns:a14="http://schemas.microsoft.com/office/drawing/2010/main" xmlns:p14="http://schemas.microsoft.com/office/powerpoint/2010/main" w="9525">
                   <a:solidFill>
                     <a:srgbClr val="000000"/>
                   </a:solidFill>
@@ -16761,7 +17870,7 @@
             </a:ln>
             <a:extLst>
               <a:ext uri="{91240B29-F687-4f45-9708-019B960494DF}">
-                <a14:hiddenLine xmlns:p14="http://schemas.microsoft.com/office/powerpoint/2010/main" xmlns:a14="http://schemas.microsoft.com/office/drawing/2010/main" xmlns:a16="http://schemas.microsoft.com/office/drawing/2014/main" xmlns="" w="9525">
+                <a14:hiddenLine xmlns="" xmlns:a16="http://schemas.microsoft.com/office/drawing/2014/main" xmlns:a14="http://schemas.microsoft.com/office/drawing/2010/main" xmlns:p14="http://schemas.microsoft.com/office/powerpoint/2010/main" w="9525">
                   <a:solidFill>
                     <a:srgbClr val="000000"/>
                   </a:solidFill>
@@ -16866,7 +17975,7 @@
             </a:ln>
             <a:extLst>
               <a:ext uri="{91240B29-F687-4f45-9708-019B960494DF}">
-                <a14:hiddenLine xmlns:p14="http://schemas.microsoft.com/office/powerpoint/2010/main" xmlns:a14="http://schemas.microsoft.com/office/drawing/2010/main" xmlns:a16="http://schemas.microsoft.com/office/drawing/2014/main" xmlns="" w="9525">
+                <a14:hiddenLine xmlns="" xmlns:a16="http://schemas.microsoft.com/office/drawing/2014/main" xmlns:a14="http://schemas.microsoft.com/office/drawing/2010/main" xmlns:p14="http://schemas.microsoft.com/office/powerpoint/2010/main" w="9525">
                   <a:solidFill>
                     <a:srgbClr val="000000"/>
                   </a:solidFill>
@@ -16943,7 +18052,7 @@
             </a:ln>
             <a:extLst>
               <a:ext uri="{91240B29-F687-4f45-9708-019B960494DF}">
-                <a14:hiddenLine xmlns:p14="http://schemas.microsoft.com/office/powerpoint/2010/main" xmlns:a14="http://schemas.microsoft.com/office/drawing/2010/main" xmlns:a16="http://schemas.microsoft.com/office/drawing/2014/main" xmlns="" w="9525">
+                <a14:hiddenLine xmlns="" xmlns:a16="http://schemas.microsoft.com/office/drawing/2014/main" xmlns:a14="http://schemas.microsoft.com/office/drawing/2010/main" xmlns:p14="http://schemas.microsoft.com/office/powerpoint/2010/main" w="9525">
                   <a:solidFill>
                     <a:srgbClr val="000000"/>
                   </a:solidFill>
@@ -17048,7 +18157,7 @@
             </a:ln>
             <a:extLst>
               <a:ext uri="{91240B29-F687-4f45-9708-019B960494DF}">
-                <a14:hiddenLine xmlns:p14="http://schemas.microsoft.com/office/powerpoint/2010/main" xmlns:a14="http://schemas.microsoft.com/office/drawing/2010/main" xmlns:a16="http://schemas.microsoft.com/office/drawing/2014/main" xmlns="" w="9525">
+                <a14:hiddenLine xmlns="" xmlns:a16="http://schemas.microsoft.com/office/drawing/2014/main" xmlns:a14="http://schemas.microsoft.com/office/drawing/2010/main" xmlns:p14="http://schemas.microsoft.com/office/powerpoint/2010/main" w="9525">
                   <a:solidFill>
                     <a:srgbClr val="000000"/>
                   </a:solidFill>
@@ -17153,7 +18262,7 @@
             </a:ln>
             <a:extLst>
               <a:ext uri="{91240B29-F687-4f45-9708-019B960494DF}">
-                <a14:hiddenLine xmlns:p14="http://schemas.microsoft.com/office/powerpoint/2010/main" xmlns:a14="http://schemas.microsoft.com/office/drawing/2010/main" xmlns:a16="http://schemas.microsoft.com/office/drawing/2014/main" xmlns="" w="9525">
+                <a14:hiddenLine xmlns="" xmlns:a16="http://schemas.microsoft.com/office/drawing/2014/main" xmlns:a14="http://schemas.microsoft.com/office/drawing/2010/main" xmlns:p14="http://schemas.microsoft.com/office/powerpoint/2010/main" w="9525">
                   <a:solidFill>
                     <a:srgbClr val="000000"/>
                   </a:solidFill>
@@ -17224,7 +18333,7 @@
             </a:ln>
             <a:extLst>
               <a:ext uri="{91240B29-F687-4f45-9708-019B960494DF}">
-                <a14:hiddenLine xmlns:p14="http://schemas.microsoft.com/office/powerpoint/2010/main" xmlns:a14="http://schemas.microsoft.com/office/drawing/2010/main" xmlns:a16="http://schemas.microsoft.com/office/drawing/2014/main" xmlns="" w="9525">
+                <a14:hiddenLine xmlns="" xmlns:a16="http://schemas.microsoft.com/office/drawing/2014/main" xmlns:a14="http://schemas.microsoft.com/office/drawing/2010/main" xmlns:p14="http://schemas.microsoft.com/office/powerpoint/2010/main" w="9525">
                   <a:solidFill>
                     <a:srgbClr val="000000"/>
                   </a:solidFill>
@@ -17329,7 +18438,7 @@
             </a:ln>
             <a:extLst>
               <a:ext uri="{91240B29-F687-4f45-9708-019B960494DF}">
-                <a14:hiddenLine xmlns:p14="http://schemas.microsoft.com/office/powerpoint/2010/main" xmlns:a14="http://schemas.microsoft.com/office/drawing/2010/main" xmlns:a16="http://schemas.microsoft.com/office/drawing/2014/main" xmlns="" w="9525">
+                <a14:hiddenLine xmlns="" xmlns:a16="http://schemas.microsoft.com/office/drawing/2014/main" xmlns:a14="http://schemas.microsoft.com/office/drawing/2010/main" xmlns:p14="http://schemas.microsoft.com/office/powerpoint/2010/main" w="9525">
                   <a:solidFill>
                     <a:srgbClr val="000000"/>
                   </a:solidFill>
@@ -17400,7 +18509,7 @@
             </a:ln>
             <a:extLst>
               <a:ext uri="{91240B29-F687-4f45-9708-019B960494DF}">
-                <a14:hiddenLine xmlns:p14="http://schemas.microsoft.com/office/powerpoint/2010/main" xmlns:a14="http://schemas.microsoft.com/office/drawing/2010/main" xmlns:a16="http://schemas.microsoft.com/office/drawing/2014/main" xmlns="" w="9525">
+                <a14:hiddenLine xmlns="" xmlns:a16="http://schemas.microsoft.com/office/drawing/2014/main" xmlns:a14="http://schemas.microsoft.com/office/drawing/2010/main" xmlns:p14="http://schemas.microsoft.com/office/powerpoint/2010/main" w="9525">
                   <a:solidFill>
                     <a:srgbClr val="000000"/>
                   </a:solidFill>
@@ -17505,7 +18614,7 @@
             </a:ln>
             <a:extLst>
               <a:ext uri="{91240B29-F687-4f45-9708-019B960494DF}">
-                <a14:hiddenLine xmlns:p14="http://schemas.microsoft.com/office/powerpoint/2010/main" xmlns:a14="http://schemas.microsoft.com/office/drawing/2010/main" xmlns:a16="http://schemas.microsoft.com/office/drawing/2014/main" xmlns="" w="9525">
+                <a14:hiddenLine xmlns="" xmlns:a16="http://schemas.microsoft.com/office/drawing/2014/main" xmlns:a14="http://schemas.microsoft.com/office/drawing/2010/main" xmlns:p14="http://schemas.microsoft.com/office/powerpoint/2010/main" w="9525">
                   <a:solidFill>
                     <a:srgbClr val="000000"/>
                   </a:solidFill>
@@ -17588,7 +18697,7 @@
             </a:ln>
             <a:extLst>
               <a:ext uri="{91240B29-F687-4f45-9708-019B960494DF}">
-                <a14:hiddenLine xmlns:p14="http://schemas.microsoft.com/office/powerpoint/2010/main" xmlns:a14="http://schemas.microsoft.com/office/drawing/2010/main" xmlns:a16="http://schemas.microsoft.com/office/drawing/2014/main" xmlns="" w="9525">
+                <a14:hiddenLine xmlns="" xmlns:a16="http://schemas.microsoft.com/office/drawing/2014/main" xmlns:a14="http://schemas.microsoft.com/office/drawing/2010/main" xmlns:p14="http://schemas.microsoft.com/office/powerpoint/2010/main" w="9525">
                   <a:solidFill>
                     <a:srgbClr val="000000"/>
                   </a:solidFill>
@@ -17693,7 +18802,7 @@
             </a:ln>
             <a:extLst>
               <a:ext uri="{91240B29-F687-4f45-9708-019B960494DF}">
-                <a14:hiddenLine xmlns:p14="http://schemas.microsoft.com/office/powerpoint/2010/main" xmlns:a14="http://schemas.microsoft.com/office/drawing/2010/main" xmlns:a16="http://schemas.microsoft.com/office/drawing/2014/main" xmlns="" w="9525">
+                <a14:hiddenLine xmlns="" xmlns:a16="http://schemas.microsoft.com/office/drawing/2014/main" xmlns:a14="http://schemas.microsoft.com/office/drawing/2010/main" xmlns:p14="http://schemas.microsoft.com/office/powerpoint/2010/main" w="9525">
                   <a:solidFill>
                     <a:srgbClr val="000000"/>
                   </a:solidFill>
@@ -17776,7 +18885,7 @@
             </a:ln>
             <a:extLst>
               <a:ext uri="{91240B29-F687-4f45-9708-019B960494DF}">
-                <a14:hiddenLine xmlns:p14="http://schemas.microsoft.com/office/powerpoint/2010/main" xmlns:a14="http://schemas.microsoft.com/office/drawing/2010/main" xmlns:a16="http://schemas.microsoft.com/office/drawing/2014/main" xmlns="" w="9525">
+                <a14:hiddenLine xmlns="" xmlns:a16="http://schemas.microsoft.com/office/drawing/2014/main" xmlns:a14="http://schemas.microsoft.com/office/drawing/2010/main" xmlns:p14="http://schemas.microsoft.com/office/powerpoint/2010/main" w="9525">
                   <a:solidFill>
                     <a:srgbClr val="000000"/>
                   </a:solidFill>
@@ -17881,7 +18990,7 @@
             </a:ln>
             <a:extLst>
               <a:ext uri="{91240B29-F687-4f45-9708-019B960494DF}">
-                <a14:hiddenLine xmlns:p14="http://schemas.microsoft.com/office/powerpoint/2010/main" xmlns:a14="http://schemas.microsoft.com/office/drawing/2010/main" xmlns:a16="http://schemas.microsoft.com/office/drawing/2014/main" xmlns="" w="9525">
+                <a14:hiddenLine xmlns="" xmlns:a16="http://schemas.microsoft.com/office/drawing/2014/main" xmlns:a14="http://schemas.microsoft.com/office/drawing/2010/main" xmlns:p14="http://schemas.microsoft.com/office/powerpoint/2010/main" w="9525">
                   <a:solidFill>
                     <a:srgbClr val="000000"/>
                   </a:solidFill>
@@ -17930,7 +19039,7 @@
             </a:ln>
             <a:extLst>
               <a:ext uri="{91240B29-F687-4f45-9708-019B960494DF}">
-                <a14:hiddenLine xmlns:p14="http://schemas.microsoft.com/office/powerpoint/2010/main" xmlns:a14="http://schemas.microsoft.com/office/drawing/2010/main" xmlns:a16="http://schemas.microsoft.com/office/drawing/2014/main" xmlns="" w="9525">
+                <a14:hiddenLine xmlns="" xmlns:a16="http://schemas.microsoft.com/office/drawing/2014/main" xmlns:a14="http://schemas.microsoft.com/office/drawing/2010/main" xmlns:p14="http://schemas.microsoft.com/office/powerpoint/2010/main" w="9525">
                   <a:solidFill>
                     <a:srgbClr val="000000"/>
                   </a:solidFill>
@@ -18035,7 +19144,7 @@
             </a:ln>
             <a:extLst>
               <a:ext uri="{91240B29-F687-4f45-9708-019B960494DF}">
-                <a14:hiddenLine xmlns:p14="http://schemas.microsoft.com/office/powerpoint/2010/main" xmlns:a14="http://schemas.microsoft.com/office/drawing/2010/main" xmlns:a16="http://schemas.microsoft.com/office/drawing/2014/main" xmlns="" w="9525">
+                <a14:hiddenLine xmlns="" xmlns:a16="http://schemas.microsoft.com/office/drawing/2014/main" xmlns:a14="http://schemas.microsoft.com/office/drawing/2010/main" xmlns:p14="http://schemas.microsoft.com/office/powerpoint/2010/main" w="9525">
                   <a:solidFill>
                     <a:srgbClr val="000000"/>
                   </a:solidFill>
@@ -18112,7 +19221,7 @@
             </a:ln>
             <a:extLst>
               <a:ext uri="{91240B29-F687-4f45-9708-019B960494DF}">
-                <a14:hiddenLine xmlns:p14="http://schemas.microsoft.com/office/powerpoint/2010/main" xmlns:a14="http://schemas.microsoft.com/office/drawing/2010/main" xmlns:a16="http://schemas.microsoft.com/office/drawing/2014/main" xmlns="" w="9525">
+                <a14:hiddenLine xmlns="" xmlns:a16="http://schemas.microsoft.com/office/drawing/2014/main" xmlns:a14="http://schemas.microsoft.com/office/drawing/2010/main" xmlns:p14="http://schemas.microsoft.com/office/powerpoint/2010/main" w="9525">
                   <a:solidFill>
                     <a:srgbClr val="000000"/>
                   </a:solidFill>
@@ -18189,7 +19298,7 @@
             </a:ln>
             <a:extLst>
               <a:ext uri="{91240B29-F687-4f45-9708-019B960494DF}">
-                <a14:hiddenLine xmlns:p14="http://schemas.microsoft.com/office/powerpoint/2010/main" xmlns:a14="http://schemas.microsoft.com/office/drawing/2010/main" xmlns:a16="http://schemas.microsoft.com/office/drawing/2014/main" xmlns="" w="9525">
+                <a14:hiddenLine xmlns="" xmlns:a16="http://schemas.microsoft.com/office/drawing/2014/main" xmlns:a14="http://schemas.microsoft.com/office/drawing/2010/main" xmlns:p14="http://schemas.microsoft.com/office/powerpoint/2010/main" w="9525">
                   <a:solidFill>
                     <a:srgbClr val="000000"/>
                   </a:solidFill>
@@ -18294,7 +19403,7 @@
             </a:ln>
             <a:extLst>
               <a:ext uri="{91240B29-F687-4f45-9708-019B960494DF}">
-                <a14:hiddenLine xmlns:p14="http://schemas.microsoft.com/office/powerpoint/2010/main" xmlns:a14="http://schemas.microsoft.com/office/drawing/2010/main" xmlns:a16="http://schemas.microsoft.com/office/drawing/2014/main" xmlns="" w="9525">
+                <a14:hiddenLine xmlns="" xmlns:a16="http://schemas.microsoft.com/office/drawing/2014/main" xmlns:a14="http://schemas.microsoft.com/office/drawing/2010/main" xmlns:p14="http://schemas.microsoft.com/office/powerpoint/2010/main" w="9525">
                   <a:solidFill>
                     <a:srgbClr val="000000"/>
                   </a:solidFill>
@@ -18377,7 +19486,7 @@
             </a:ln>
             <a:extLst>
               <a:ext uri="{91240B29-F687-4f45-9708-019B960494DF}">
-                <a14:hiddenLine xmlns:p14="http://schemas.microsoft.com/office/powerpoint/2010/main" xmlns:a14="http://schemas.microsoft.com/office/drawing/2010/main" xmlns:a16="http://schemas.microsoft.com/office/drawing/2014/main" xmlns="" w="9525">
+                <a14:hiddenLine xmlns="" xmlns:a16="http://schemas.microsoft.com/office/drawing/2014/main" xmlns:a14="http://schemas.microsoft.com/office/drawing/2010/main" xmlns:p14="http://schemas.microsoft.com/office/powerpoint/2010/main" w="9525">
                   <a:solidFill>
                     <a:srgbClr val="000000"/>
                   </a:solidFill>
@@ -18454,7 +19563,7 @@
             </a:ln>
             <a:extLst>
               <a:ext uri="{91240B29-F687-4f45-9708-019B960494DF}">
-                <a14:hiddenLine xmlns:p14="http://schemas.microsoft.com/office/powerpoint/2010/main" xmlns:a14="http://schemas.microsoft.com/office/drawing/2010/main" xmlns:a16="http://schemas.microsoft.com/office/drawing/2014/main" xmlns="" w="9525">
+                <a14:hiddenLine xmlns="" xmlns:a16="http://schemas.microsoft.com/office/drawing/2014/main" xmlns:a14="http://schemas.microsoft.com/office/drawing/2010/main" xmlns:p14="http://schemas.microsoft.com/office/powerpoint/2010/main" w="9525">
                   <a:solidFill>
                     <a:srgbClr val="000000"/>
                   </a:solidFill>
@@ -18559,7 +19668,7 @@
             </a:ln>
             <a:extLst>
               <a:ext uri="{91240B29-F687-4f45-9708-019B960494DF}">
-                <a14:hiddenLine xmlns:p14="http://schemas.microsoft.com/office/powerpoint/2010/main" xmlns:a14="http://schemas.microsoft.com/office/drawing/2010/main" xmlns:a16="http://schemas.microsoft.com/office/drawing/2014/main" xmlns="" w="9525">
+                <a14:hiddenLine xmlns="" xmlns:a16="http://schemas.microsoft.com/office/drawing/2014/main" xmlns:a14="http://schemas.microsoft.com/office/drawing/2010/main" xmlns:p14="http://schemas.microsoft.com/office/powerpoint/2010/main" w="9525">
                   <a:solidFill>
                     <a:srgbClr val="000000"/>
                   </a:solidFill>
@@ -18636,7 +19745,7 @@
             </a:ln>
             <a:extLst>
               <a:ext uri="{91240B29-F687-4f45-9708-019B960494DF}">
-                <a14:hiddenLine xmlns:p14="http://schemas.microsoft.com/office/powerpoint/2010/main" xmlns:a14="http://schemas.microsoft.com/office/drawing/2010/main" xmlns:a16="http://schemas.microsoft.com/office/drawing/2014/main" xmlns="" w="9525">
+                <a14:hiddenLine xmlns="" xmlns:a16="http://schemas.microsoft.com/office/drawing/2014/main" xmlns:a14="http://schemas.microsoft.com/office/drawing/2010/main" xmlns:p14="http://schemas.microsoft.com/office/powerpoint/2010/main" w="9525">
                   <a:solidFill>
                     <a:srgbClr val="000000"/>
                   </a:solidFill>
@@ -18741,7 +19850,7 @@
             </a:ln>
             <a:extLst>
               <a:ext uri="{91240B29-F687-4f45-9708-019B960494DF}">
-                <a14:hiddenLine xmlns:p14="http://schemas.microsoft.com/office/powerpoint/2010/main" xmlns:a14="http://schemas.microsoft.com/office/drawing/2010/main" xmlns:a16="http://schemas.microsoft.com/office/drawing/2014/main" xmlns="" w="9525">
+                <a14:hiddenLine xmlns="" xmlns:a16="http://schemas.microsoft.com/office/drawing/2014/main" xmlns:a14="http://schemas.microsoft.com/office/drawing/2010/main" xmlns:p14="http://schemas.microsoft.com/office/powerpoint/2010/main" w="9525">
                   <a:solidFill>
                     <a:srgbClr val="000000"/>
                   </a:solidFill>
@@ -18818,7 +19927,7 @@
             </a:ln>
             <a:extLst>
               <a:ext uri="{91240B29-F687-4f45-9708-019B960494DF}">
-                <a14:hiddenLine xmlns:p14="http://schemas.microsoft.com/office/powerpoint/2010/main" xmlns:a14="http://schemas.microsoft.com/office/drawing/2010/main" xmlns:a16="http://schemas.microsoft.com/office/drawing/2014/main" xmlns="" w="9525">
+                <a14:hiddenLine xmlns="" xmlns:a16="http://schemas.microsoft.com/office/drawing/2014/main" xmlns:a14="http://schemas.microsoft.com/office/drawing/2010/main" xmlns:p14="http://schemas.microsoft.com/office/powerpoint/2010/main" w="9525">
                   <a:solidFill>
                     <a:srgbClr val="000000"/>
                   </a:solidFill>
@@ -18923,7 +20032,7 @@
             </a:ln>
             <a:extLst>
               <a:ext uri="{91240B29-F687-4f45-9708-019B960494DF}">
-                <a14:hiddenLine xmlns:p14="http://schemas.microsoft.com/office/powerpoint/2010/main" xmlns:a14="http://schemas.microsoft.com/office/drawing/2010/main" xmlns:a16="http://schemas.microsoft.com/office/drawing/2014/main" xmlns="" w="9525">
+                <a14:hiddenLine xmlns="" xmlns:a16="http://schemas.microsoft.com/office/drawing/2014/main" xmlns:a14="http://schemas.microsoft.com/office/drawing/2010/main" xmlns:p14="http://schemas.microsoft.com/office/powerpoint/2010/main" w="9525">
                   <a:solidFill>
                     <a:srgbClr val="000000"/>
                   </a:solidFill>
@@ -18972,7 +20081,7 @@
             </a:ln>
             <a:extLst>
               <a:ext uri="{91240B29-F687-4f45-9708-019B960494DF}">
-                <a14:hiddenLine xmlns:p14="http://schemas.microsoft.com/office/powerpoint/2010/main" xmlns:a14="http://schemas.microsoft.com/office/drawing/2010/main" xmlns:a16="http://schemas.microsoft.com/office/drawing/2014/main" xmlns="" w="9525">
+                <a14:hiddenLine xmlns="" xmlns:a16="http://schemas.microsoft.com/office/drawing/2014/main" xmlns:a14="http://schemas.microsoft.com/office/drawing/2010/main" xmlns:p14="http://schemas.microsoft.com/office/powerpoint/2010/main" w="9525">
                   <a:solidFill>
                     <a:srgbClr val="000000"/>
                   </a:solidFill>
@@ -19052,7 +20161,7 @@
             </a:ln>
             <a:extLst>
               <a:ext uri="{91240B29-F687-4f45-9708-019B960494DF}">
-                <a14:hiddenLine xmlns:p14="http://schemas.microsoft.com/office/powerpoint/2010/main" xmlns:a14="http://schemas.microsoft.com/office/drawing/2010/main" xmlns:a16="http://schemas.microsoft.com/office/drawing/2014/main" xmlns="" w="9525">
+                <a14:hiddenLine xmlns="" xmlns:a16="http://schemas.microsoft.com/office/drawing/2014/main" xmlns:a14="http://schemas.microsoft.com/office/drawing/2010/main" xmlns:p14="http://schemas.microsoft.com/office/powerpoint/2010/main" w="9525">
                   <a:solidFill>
                     <a:srgbClr val="000000"/>
                   </a:solidFill>
@@ -19157,7 +20266,7 @@
             </a:ln>
             <a:extLst>
               <a:ext uri="{91240B29-F687-4f45-9708-019B960494DF}">
-                <a14:hiddenLine xmlns:p14="http://schemas.microsoft.com/office/powerpoint/2010/main" xmlns:a14="http://schemas.microsoft.com/office/drawing/2010/main" xmlns:a16="http://schemas.microsoft.com/office/drawing/2014/main" xmlns="" w="9525">
+                <a14:hiddenLine xmlns="" xmlns:a16="http://schemas.microsoft.com/office/drawing/2014/main" xmlns:a14="http://schemas.microsoft.com/office/drawing/2010/main" xmlns:p14="http://schemas.microsoft.com/office/powerpoint/2010/main" w="9525">
                   <a:solidFill>
                     <a:srgbClr val="000000"/>
                   </a:solidFill>
@@ -19234,7 +20343,7 @@
             </a:ln>
             <a:extLst>
               <a:ext uri="{91240B29-F687-4f45-9708-019B960494DF}">
-                <a14:hiddenLine xmlns:p14="http://schemas.microsoft.com/office/powerpoint/2010/main" xmlns:a14="http://schemas.microsoft.com/office/drawing/2010/main" xmlns:a16="http://schemas.microsoft.com/office/drawing/2014/main" xmlns="" w="9525">
+                <a14:hiddenLine xmlns="" xmlns:a16="http://schemas.microsoft.com/office/drawing/2014/main" xmlns:a14="http://schemas.microsoft.com/office/drawing/2010/main" xmlns:p14="http://schemas.microsoft.com/office/powerpoint/2010/main" w="9525">
                   <a:solidFill>
                     <a:srgbClr val="000000"/>
                   </a:solidFill>
@@ -19339,7 +20448,7 @@
             </a:ln>
             <a:extLst>
               <a:ext uri="{91240B29-F687-4f45-9708-019B960494DF}">
-                <a14:hiddenLine xmlns:p14="http://schemas.microsoft.com/office/powerpoint/2010/main" xmlns:a14="http://schemas.microsoft.com/office/drawing/2010/main" xmlns:a16="http://schemas.microsoft.com/office/drawing/2014/main" xmlns="" w="9525">
+                <a14:hiddenLine xmlns="" xmlns:a16="http://schemas.microsoft.com/office/drawing/2014/main" xmlns:a14="http://schemas.microsoft.com/office/drawing/2010/main" xmlns:p14="http://schemas.microsoft.com/office/powerpoint/2010/main" w="9525">
                   <a:solidFill>
                     <a:srgbClr val="000000"/>
                   </a:solidFill>
@@ -19444,7 +20553,7 @@
             </a:ln>
             <a:extLst>
               <a:ext uri="{91240B29-F687-4f45-9708-019B960494DF}">
-                <a14:hiddenLine xmlns:p14="http://schemas.microsoft.com/office/powerpoint/2010/main" xmlns:a14="http://schemas.microsoft.com/office/drawing/2010/main" xmlns:a16="http://schemas.microsoft.com/office/drawing/2014/main" xmlns="" w="9525">
+                <a14:hiddenLine xmlns="" xmlns:a16="http://schemas.microsoft.com/office/drawing/2014/main" xmlns:a14="http://schemas.microsoft.com/office/drawing/2010/main" xmlns:p14="http://schemas.microsoft.com/office/powerpoint/2010/main" w="9525">
                   <a:solidFill>
                     <a:srgbClr val="000000"/>
                   </a:solidFill>
@@ -19524,7 +20633,7 @@
             </a:ln>
             <a:extLst>
               <a:ext uri="{91240B29-F687-4f45-9708-019B960494DF}">
-                <a14:hiddenLine xmlns:p14="http://schemas.microsoft.com/office/powerpoint/2010/main" xmlns:a14="http://schemas.microsoft.com/office/drawing/2010/main" xmlns:a16="http://schemas.microsoft.com/office/drawing/2014/main" xmlns="" w="9525">
+                <a14:hiddenLine xmlns="" xmlns:a16="http://schemas.microsoft.com/office/drawing/2014/main" xmlns:a14="http://schemas.microsoft.com/office/drawing/2010/main" xmlns:p14="http://schemas.microsoft.com/office/powerpoint/2010/main" w="9525">
                   <a:solidFill>
                     <a:srgbClr val="000000"/>
                   </a:solidFill>
@@ -19601,7 +20710,7 @@
             </a:ln>
             <a:extLst>
               <a:ext uri="{91240B29-F687-4f45-9708-019B960494DF}">
-                <a14:hiddenLine xmlns:p14="http://schemas.microsoft.com/office/powerpoint/2010/main" xmlns:a14="http://schemas.microsoft.com/office/drawing/2010/main" xmlns:a16="http://schemas.microsoft.com/office/drawing/2014/main" xmlns="" w="9525">
+                <a14:hiddenLine xmlns="" xmlns:a16="http://schemas.microsoft.com/office/drawing/2014/main" xmlns:a14="http://schemas.microsoft.com/office/drawing/2010/main" xmlns:p14="http://schemas.microsoft.com/office/powerpoint/2010/main" w="9525">
                   <a:solidFill>
                     <a:srgbClr val="000000"/>
                   </a:solidFill>
@@ -19706,7 +20815,7 @@
             </a:ln>
             <a:extLst>
               <a:ext uri="{91240B29-F687-4f45-9708-019B960494DF}">
-                <a14:hiddenLine xmlns:p14="http://schemas.microsoft.com/office/powerpoint/2010/main" xmlns:a14="http://schemas.microsoft.com/office/drawing/2010/main" xmlns:a16="http://schemas.microsoft.com/office/drawing/2014/main" xmlns="" w="9525">
+                <a14:hiddenLine xmlns="" xmlns:a16="http://schemas.microsoft.com/office/drawing/2014/main" xmlns:a14="http://schemas.microsoft.com/office/drawing/2010/main" xmlns:p14="http://schemas.microsoft.com/office/powerpoint/2010/main" w="9525">
                   <a:solidFill>
                     <a:srgbClr val="000000"/>
                   </a:solidFill>
@@ -19811,7 +20920,7 @@
             </a:ln>
             <a:extLst>
               <a:ext uri="{91240B29-F687-4f45-9708-019B960494DF}">
-                <a14:hiddenLine xmlns:p14="http://schemas.microsoft.com/office/powerpoint/2010/main" xmlns:a14="http://schemas.microsoft.com/office/drawing/2010/main" xmlns:a16="http://schemas.microsoft.com/office/drawing/2014/main" xmlns="" w="9525">
+                <a14:hiddenLine xmlns="" xmlns:a16="http://schemas.microsoft.com/office/drawing/2014/main" xmlns:a14="http://schemas.microsoft.com/office/drawing/2010/main" xmlns:p14="http://schemas.microsoft.com/office/powerpoint/2010/main" w="9525">
                   <a:solidFill>
                     <a:srgbClr val="000000"/>
                   </a:solidFill>
@@ -19888,7 +20997,7 @@
             </a:ln>
             <a:extLst>
               <a:ext uri="{91240B29-F687-4f45-9708-019B960494DF}">
-                <a14:hiddenLine xmlns:p14="http://schemas.microsoft.com/office/powerpoint/2010/main" xmlns:a14="http://schemas.microsoft.com/office/drawing/2010/main" xmlns:a16="http://schemas.microsoft.com/office/drawing/2014/main" xmlns="" w="9525">
+                <a14:hiddenLine xmlns="" xmlns:a16="http://schemas.microsoft.com/office/drawing/2014/main" xmlns:a14="http://schemas.microsoft.com/office/drawing/2010/main" xmlns:p14="http://schemas.microsoft.com/office/powerpoint/2010/main" w="9525">
                   <a:solidFill>
                     <a:srgbClr val="000000"/>
                   </a:solidFill>
@@ -20023,7 +21132,7 @@
             </a:ln>
             <a:extLst>
               <a:ext uri="{91240B29-F687-4f45-9708-019B960494DF}">
-                <a14:hiddenLine xmlns:p14="http://schemas.microsoft.com/office/powerpoint/2010/main" xmlns:a14="http://schemas.microsoft.com/office/drawing/2010/main" xmlns:a16="http://schemas.microsoft.com/office/drawing/2014/main" xmlns="" w="9525">
+                <a14:hiddenLine xmlns="" xmlns:a16="http://schemas.microsoft.com/office/drawing/2014/main" xmlns:a14="http://schemas.microsoft.com/office/drawing/2010/main" xmlns:p14="http://schemas.microsoft.com/office/powerpoint/2010/main" w="9525">
                   <a:solidFill>
                     <a:srgbClr val="000000"/>
                   </a:solidFill>
@@ -20106,7 +21215,7 @@
             </a:ln>
             <a:extLst>
               <a:ext uri="{91240B29-F687-4f45-9708-019B960494DF}">
-                <a14:hiddenLine xmlns:p14="http://schemas.microsoft.com/office/powerpoint/2010/main" xmlns:a14="http://schemas.microsoft.com/office/drawing/2010/main" xmlns:a16="http://schemas.microsoft.com/office/drawing/2014/main" xmlns="" w="9525">
+                <a14:hiddenLine xmlns="" xmlns:a16="http://schemas.microsoft.com/office/drawing/2014/main" xmlns:a14="http://schemas.microsoft.com/office/drawing/2010/main" xmlns:p14="http://schemas.microsoft.com/office/powerpoint/2010/main" w="9525">
                   <a:solidFill>
                     <a:srgbClr val="000000"/>
                   </a:solidFill>
@@ -20211,7 +21320,7 @@
             </a:ln>
             <a:extLst>
               <a:ext uri="{91240B29-F687-4f45-9708-019B960494DF}">
-                <a14:hiddenLine xmlns:p14="http://schemas.microsoft.com/office/powerpoint/2010/main" xmlns:a14="http://schemas.microsoft.com/office/drawing/2010/main" xmlns:a16="http://schemas.microsoft.com/office/drawing/2014/main" xmlns="" w="9525">
+                <a14:hiddenLine xmlns="" xmlns:a16="http://schemas.microsoft.com/office/drawing/2014/main" xmlns:a14="http://schemas.microsoft.com/office/drawing/2010/main" xmlns:p14="http://schemas.microsoft.com/office/powerpoint/2010/main" w="9525">
                   <a:solidFill>
                     <a:srgbClr val="000000"/>
                   </a:solidFill>
@@ -20341,7 +21450,7 @@
             </a:ln>
             <a:extLst>
               <a:ext uri="{91240B29-F687-4f45-9708-019B960494DF}">
-                <a14:hiddenLine xmlns:p14="http://schemas.microsoft.com/office/powerpoint/2010/main" xmlns:a14="http://schemas.microsoft.com/office/drawing/2010/main" xmlns:a16="http://schemas.microsoft.com/office/drawing/2014/main" xmlns="" w="9525">
+                <a14:hiddenLine xmlns="" xmlns:a16="http://schemas.microsoft.com/office/drawing/2014/main" xmlns:a14="http://schemas.microsoft.com/office/drawing/2010/main" xmlns:p14="http://schemas.microsoft.com/office/powerpoint/2010/main" w="9525">
                   <a:solidFill>
                     <a:srgbClr val="000000"/>
                   </a:solidFill>
@@ -20471,7 +21580,7 @@
             </a:ln>
             <a:extLst>
               <a:ext uri="{91240B29-F687-4f45-9708-019B960494DF}">
-                <a14:hiddenLine xmlns:p14="http://schemas.microsoft.com/office/powerpoint/2010/main" xmlns:a14="http://schemas.microsoft.com/office/drawing/2010/main" xmlns:a16="http://schemas.microsoft.com/office/drawing/2014/main" xmlns="" w="9525">
+                <a14:hiddenLine xmlns="" xmlns:a16="http://schemas.microsoft.com/office/drawing/2014/main" xmlns:a14="http://schemas.microsoft.com/office/drawing/2010/main" xmlns:p14="http://schemas.microsoft.com/office/powerpoint/2010/main" w="9525">
                   <a:solidFill>
                     <a:srgbClr val="000000"/>
                   </a:solidFill>
@@ -20576,7 +21685,7 @@
             </a:ln>
             <a:extLst>
               <a:ext uri="{91240B29-F687-4f45-9708-019B960494DF}">
-                <a14:hiddenLine xmlns:p14="http://schemas.microsoft.com/office/powerpoint/2010/main" xmlns:a14="http://schemas.microsoft.com/office/drawing/2010/main" xmlns:a16="http://schemas.microsoft.com/office/drawing/2014/main" xmlns="" w="9525">
+                <a14:hiddenLine xmlns="" xmlns:a16="http://schemas.microsoft.com/office/drawing/2014/main" xmlns:a14="http://schemas.microsoft.com/office/drawing/2010/main" xmlns:p14="http://schemas.microsoft.com/office/powerpoint/2010/main" w="9525">
                   <a:solidFill>
                     <a:srgbClr val="000000"/>
                   </a:solidFill>
@@ -20656,7 +21765,7 @@
             </a:ln>
             <a:extLst>
               <a:ext uri="{91240B29-F687-4f45-9708-019B960494DF}">
-                <a14:hiddenLine xmlns:p14="http://schemas.microsoft.com/office/powerpoint/2010/main" xmlns:a14="http://schemas.microsoft.com/office/drawing/2010/main" xmlns:a16="http://schemas.microsoft.com/office/drawing/2014/main" xmlns="" w="9525">
+                <a14:hiddenLine xmlns="" xmlns:a16="http://schemas.microsoft.com/office/drawing/2014/main" xmlns:a14="http://schemas.microsoft.com/office/drawing/2010/main" xmlns:p14="http://schemas.microsoft.com/office/powerpoint/2010/main" w="9525">
                   <a:solidFill>
                     <a:srgbClr val="000000"/>
                   </a:solidFill>
@@ -20761,7 +21870,7 @@
             </a:ln>
             <a:extLst>
               <a:ext uri="{91240B29-F687-4f45-9708-019B960494DF}">
-                <a14:hiddenLine xmlns:p14="http://schemas.microsoft.com/office/powerpoint/2010/main" xmlns:a14="http://schemas.microsoft.com/office/drawing/2010/main" xmlns:a16="http://schemas.microsoft.com/office/drawing/2014/main" xmlns="" w="9525">
+                <a14:hiddenLine xmlns="" xmlns:a16="http://schemas.microsoft.com/office/drawing/2014/main" xmlns:a14="http://schemas.microsoft.com/office/drawing/2010/main" xmlns:p14="http://schemas.microsoft.com/office/powerpoint/2010/main" w="9525">
                   <a:solidFill>
                     <a:srgbClr val="000000"/>
                   </a:solidFill>
@@ -20844,7 +21953,7 @@
             </a:ln>
             <a:extLst>
               <a:ext uri="{91240B29-F687-4f45-9708-019B960494DF}">
-                <a14:hiddenLine xmlns:p14="http://schemas.microsoft.com/office/powerpoint/2010/main" xmlns:a14="http://schemas.microsoft.com/office/drawing/2010/main" xmlns:a16="http://schemas.microsoft.com/office/drawing/2014/main" xmlns="" w="9525">
+                <a14:hiddenLine xmlns="" xmlns:a16="http://schemas.microsoft.com/office/drawing/2014/main" xmlns:a14="http://schemas.microsoft.com/office/drawing/2010/main" xmlns:p14="http://schemas.microsoft.com/office/powerpoint/2010/main" w="9525">
                   <a:solidFill>
                     <a:srgbClr val="000000"/>
                   </a:solidFill>
@@ -20949,7 +22058,7 @@
             </a:ln>
             <a:extLst>
               <a:ext uri="{91240B29-F687-4f45-9708-019B960494DF}">
-                <a14:hiddenLine xmlns:p14="http://schemas.microsoft.com/office/powerpoint/2010/main" xmlns:a14="http://schemas.microsoft.com/office/drawing/2010/main" xmlns:a16="http://schemas.microsoft.com/office/drawing/2014/main" xmlns="" w="9525">
+                <a14:hiddenLine xmlns="" xmlns:a16="http://schemas.microsoft.com/office/drawing/2014/main" xmlns:a14="http://schemas.microsoft.com/office/drawing/2010/main" xmlns:p14="http://schemas.microsoft.com/office/powerpoint/2010/main" w="9525">
                   <a:solidFill>
                     <a:srgbClr val="000000"/>
                   </a:solidFill>
@@ -21032,7 +22141,7 @@
             </a:ln>
             <a:extLst>
               <a:ext uri="{91240B29-F687-4f45-9708-019B960494DF}">
-                <a14:hiddenLine xmlns:p14="http://schemas.microsoft.com/office/powerpoint/2010/main" xmlns:a14="http://schemas.microsoft.com/office/drawing/2010/main" xmlns:a16="http://schemas.microsoft.com/office/drawing/2014/main" xmlns="" w="9525">
+                <a14:hiddenLine xmlns="" xmlns:a16="http://schemas.microsoft.com/office/drawing/2014/main" xmlns:a14="http://schemas.microsoft.com/office/drawing/2010/main" xmlns:p14="http://schemas.microsoft.com/office/powerpoint/2010/main" w="9525">
                   <a:solidFill>
                     <a:srgbClr val="000000"/>
                   </a:solidFill>
@@ -21137,7 +22246,7 @@
             </a:ln>
             <a:extLst>
               <a:ext uri="{91240B29-F687-4f45-9708-019B960494DF}">
-                <a14:hiddenLine xmlns:p14="http://schemas.microsoft.com/office/powerpoint/2010/main" xmlns:a14="http://schemas.microsoft.com/office/drawing/2010/main" xmlns:a16="http://schemas.microsoft.com/office/drawing/2014/main" xmlns="" w="9525">
+                <a14:hiddenLine xmlns="" xmlns:a16="http://schemas.microsoft.com/office/drawing/2014/main" xmlns:a14="http://schemas.microsoft.com/office/drawing/2010/main" xmlns:p14="http://schemas.microsoft.com/office/powerpoint/2010/main" w="9525">
                   <a:solidFill>
                     <a:srgbClr val="000000"/>
                   </a:solidFill>
@@ -21186,7 +22295,7 @@
             </a:ln>
             <a:extLst>
               <a:ext uri="{91240B29-F687-4f45-9708-019B960494DF}">
-                <a14:hiddenLine xmlns:p14="http://schemas.microsoft.com/office/powerpoint/2010/main" xmlns:a14="http://schemas.microsoft.com/office/drawing/2010/main" xmlns:a16="http://schemas.microsoft.com/office/drawing/2014/main" xmlns="" w="9525">
+                <a14:hiddenLine xmlns="" xmlns:a16="http://schemas.microsoft.com/office/drawing/2014/main" xmlns:a14="http://schemas.microsoft.com/office/drawing/2010/main" xmlns:p14="http://schemas.microsoft.com/office/powerpoint/2010/main" w="9525">
                   <a:solidFill>
                     <a:srgbClr val="000000"/>
                   </a:solidFill>
@@ -21217,7 +22326,7 @@
           <p:nvPr/>
         </p:nvPicPr>
         <p:blipFill rotWithShape="1">
-          <a:blip r:embed="rId4" cstate="screen">
+          <a:blip r:embed="rId5" cstate="screen">
             <a:extLst>
               <a:ext uri="{28A0092B-C50C-407E-A947-70E740481C1C}">
                 <a14:useLocalDpi xmlns:a14="http://schemas.microsoft.com/office/drawing/2010/main"/>
@@ -21250,7 +22359,455 @@
 </p:sld>
 </file>
 
+<file path=ppt/slides/slide10.xml><?xml version="1.0" encoding="utf-8"?>
+<p:sld xmlns:a="http://schemas.openxmlformats.org/drawingml/2006/main" xmlns:r="http://schemas.openxmlformats.org/officeDocument/2006/relationships" xmlns:p="http://schemas.openxmlformats.org/presentationml/2006/main">
+  <p:cSld>
+    <p:spTree>
+      <p:nvGrpSpPr>
+        <p:cNvPr id="1" name=""/>
+        <p:cNvGrpSpPr/>
+        <p:nvPr/>
+      </p:nvGrpSpPr>
+      <p:grpSpPr>
+        <a:xfrm>
+          <a:off x="0" y="0"/>
+          <a:ext cx="0" cy="0"/>
+          <a:chOff x="0" y="0"/>
+          <a:chExt cx="0" cy="0"/>
+        </a:xfrm>
+      </p:grpSpPr>
+      <p:sp>
+        <p:nvSpPr>
+          <p:cNvPr id="2" name="Title 1">
+            <a:extLst>
+              <a:ext uri="{FF2B5EF4-FFF2-40B4-BE49-F238E27FC236}">
+                <a16:creationId xmlns:a16="http://schemas.microsoft.com/office/drawing/2014/main" id="{460CC986-6E9C-45CB-8313-5E7E3ACDAE66}"/>
+              </a:ext>
+            </a:extLst>
+          </p:cNvPr>
+          <p:cNvSpPr>
+            <a:spLocks noGrp="1"/>
+          </p:cNvSpPr>
+          <p:nvPr>
+            <p:ph type="title"/>
+          </p:nvPr>
+        </p:nvSpPr>
+        <p:spPr>
+          <a:xfrm>
+            <a:off x="1143001" y="773084"/>
+            <a:ext cx="9905998" cy="1085591"/>
+          </a:xfrm>
+        </p:spPr>
+        <p:txBody>
+          <a:bodyPr/>
+          <a:lstStyle/>
+          <a:p>
+            <a:pPr algn="ctr"/>
+            <a:r>
+              <a:rPr lang="en-US" dirty="0"/>
+              <a:t>V2 along RBD-Up Proteins at 400 and 600 Scanning lengths</a:t>
+            </a:r>
+          </a:p>
+        </p:txBody>
+      </p:sp>
+      <p:pic>
+        <p:nvPicPr>
+          <p:cNvPr id="6" name="Content Placeholder 5">
+            <a:extLst>
+              <a:ext uri="{FF2B5EF4-FFF2-40B4-BE49-F238E27FC236}">
+                <a16:creationId xmlns:a16="http://schemas.microsoft.com/office/drawing/2014/main" id="{810A33BA-B2D5-40F9-AA4F-ECBC134F77F1}"/>
+              </a:ext>
+            </a:extLst>
+          </p:cNvPr>
+          <p:cNvPicPr>
+            <a:picLocks noGrp="1" noChangeAspect="1"/>
+          </p:cNvPicPr>
+          <p:nvPr>
+            <p:ph sz="half" idx="1"/>
+          </p:nvPr>
+        </p:nvPicPr>
+        <p:blipFill>
+          <a:blip r:embed="rId2"/>
+          <a:srcRect/>
+          <a:stretch/>
+        </p:blipFill>
+        <p:spPr>
+          <a:xfrm>
+            <a:off x="-3" y="2046770"/>
+            <a:ext cx="6316747" cy="4038146"/>
+          </a:xfrm>
+        </p:spPr>
+      </p:pic>
+      <p:pic>
+        <p:nvPicPr>
+          <p:cNvPr id="8" name="Content Placeholder 7">
+            <a:extLst>
+              <a:ext uri="{FF2B5EF4-FFF2-40B4-BE49-F238E27FC236}">
+                <a16:creationId xmlns:a16="http://schemas.microsoft.com/office/drawing/2014/main" id="{79C85902-B13D-4741-9398-46C2799F3C8B}"/>
+              </a:ext>
+            </a:extLst>
+          </p:cNvPr>
+          <p:cNvPicPr>
+            <a:picLocks noGrp="1" noChangeAspect="1"/>
+          </p:cNvPicPr>
+          <p:nvPr>
+            <p:ph sz="half" idx="2"/>
+          </p:nvPr>
+        </p:nvPicPr>
+        <p:blipFill>
+          <a:blip r:embed="rId3"/>
+          <a:srcRect/>
+          <a:stretch/>
+        </p:blipFill>
+        <p:spPr>
+          <a:xfrm>
+            <a:off x="5875249" y="2046770"/>
+            <a:ext cx="6316750" cy="4038146"/>
+          </a:xfrm>
+        </p:spPr>
+      </p:pic>
+    </p:spTree>
+    <p:extLst>
+      <p:ext uri="{BB962C8B-B14F-4D97-AF65-F5344CB8AC3E}">
+        <p14:creationId xmlns:p14="http://schemas.microsoft.com/office/powerpoint/2010/main" val="1727561536"/>
+      </p:ext>
+    </p:extLst>
+  </p:cSld>
+  <p:clrMapOvr>
+    <a:masterClrMapping/>
+  </p:clrMapOvr>
+</p:sld>
+</file>
+
+<file path=ppt/slides/slide11.xml><?xml version="1.0" encoding="utf-8"?>
+<p:sld xmlns:a="http://schemas.openxmlformats.org/drawingml/2006/main" xmlns:r="http://schemas.openxmlformats.org/officeDocument/2006/relationships" xmlns:p="http://schemas.openxmlformats.org/presentationml/2006/main">
+  <p:cSld>
+    <p:spTree>
+      <p:nvGrpSpPr>
+        <p:cNvPr id="1" name=""/>
+        <p:cNvGrpSpPr/>
+        <p:nvPr/>
+      </p:nvGrpSpPr>
+      <p:grpSpPr>
+        <a:xfrm>
+          <a:off x="0" y="0"/>
+          <a:ext cx="0" cy="0"/>
+          <a:chOff x="0" y="0"/>
+          <a:chExt cx="0" cy="0"/>
+        </a:xfrm>
+      </p:grpSpPr>
+      <p:pic>
+        <p:nvPicPr>
+          <p:cNvPr id="9" name="Picture Placeholder 8" descr="Abstract organic polygons blurred">
+            <a:extLst>
+              <a:ext uri="{FF2B5EF4-FFF2-40B4-BE49-F238E27FC236}">
+                <a16:creationId xmlns:a16="http://schemas.microsoft.com/office/drawing/2014/main" id="{2D73DA0F-7DB4-4B1A-8B34-4F00DA6DD026}"/>
+              </a:ext>
+            </a:extLst>
+          </p:cNvPr>
+          <p:cNvPicPr>
+            <a:picLocks noGrp="1" noChangeAspect="1"/>
+          </p:cNvPicPr>
+          <p:nvPr>
+            <p:ph type="pic" sz="quarter" idx="16"/>
+          </p:nvPr>
+        </p:nvPicPr>
+        <p:blipFill rotWithShape="1">
+          <a:blip r:embed="rId2" cstate="screen">
+            <a:extLst>
+              <a:ext uri="{28A0092B-C50C-407E-A947-70E740481C1C}">
+                <a14:useLocalDpi xmlns:a14="http://schemas.microsoft.com/office/drawing/2010/main"/>
+              </a:ext>
+            </a:extLst>
+          </a:blip>
+          <a:srcRect/>
+          <a:stretch/>
+        </p:blipFill>
+        <p:spPr>
+          <a:xfrm>
+            <a:off x="-1" y="-1"/>
+            <a:ext cx="5858933" cy="6858219"/>
+          </a:xfrm>
+        </p:spPr>
+      </p:pic>
+      <p:sp>
+        <p:nvSpPr>
+          <p:cNvPr id="2" name="Title 1">
+            <a:extLst>
+              <a:ext uri="{FF2B5EF4-FFF2-40B4-BE49-F238E27FC236}">
+                <a16:creationId xmlns:a16="http://schemas.microsoft.com/office/drawing/2014/main" id="{A6BA76B3-D03C-4451-8EB4-18D3076077B3}"/>
+              </a:ext>
+            </a:extLst>
+          </p:cNvPr>
+          <p:cNvSpPr>
+            <a:spLocks noGrp="1"/>
+          </p:cNvSpPr>
+          <p:nvPr>
+            <p:ph type="title"/>
+          </p:nvPr>
+        </p:nvSpPr>
+        <p:spPr>
+          <a:xfrm>
+            <a:off x="6095999" y="766533"/>
+            <a:ext cx="5046134" cy="1305158"/>
+          </a:xfrm>
+        </p:spPr>
+        <p:txBody>
+          <a:bodyPr>
+            <a:normAutofit/>
+          </a:bodyPr>
+          <a:lstStyle/>
+          <a:p>
+            <a:r>
+              <a:rPr lang="en-US" sz="7200" dirty="0"/>
+              <a:t>THANK YOU</a:t>
+            </a:r>
+          </a:p>
+        </p:txBody>
+      </p:sp>
+      <p:sp>
+        <p:nvSpPr>
+          <p:cNvPr id="4" name="Content Placeholder 3">
+            <a:extLst>
+              <a:ext uri="{FF2B5EF4-FFF2-40B4-BE49-F238E27FC236}">
+                <a16:creationId xmlns:a16="http://schemas.microsoft.com/office/drawing/2014/main" id="{5F0977C3-BD7D-4617-8DF1-56211456D512}"/>
+              </a:ext>
+            </a:extLst>
+          </p:cNvPr>
+          <p:cNvSpPr>
+            <a:spLocks noGrp="1"/>
+          </p:cNvSpPr>
+          <p:nvPr>
+            <p:ph sz="half" idx="1"/>
+          </p:nvPr>
+        </p:nvSpPr>
+        <p:spPr>
+          <a:xfrm>
+            <a:off x="6095999" y="2589839"/>
+            <a:ext cx="4611758" cy="3620161"/>
+          </a:xfrm>
+        </p:spPr>
+        <p:txBody>
+          <a:bodyPr/>
+          <a:lstStyle/>
+          <a:p>
+            <a:pPr marL="91440" indent="-365760"/>
+            <a:r>
+              <a:rPr lang="en-US" dirty="0">
+                <a:hlinkClick r:id="rId3">
+                  <a:extLst>
+                    <a:ext uri="{A12FA001-AC4F-418D-AE19-62706E023703}">
+                      <ahyp:hlinkClr xmlns:ahyp="http://schemas.microsoft.com/office/drawing/2018/hyperlinkcolor" val="tx"/>
+                    </a:ext>
+                  </a:extLst>
+                </a:hlinkClick>
+              </a:rPr>
+              <a:t>https://github.com/jmidrichards/iCompBio-Summer2021</a:t>
+            </a:r>
+            <a:endParaRPr lang="en-US" dirty="0"/>
+          </a:p>
+          <a:p>
+            <a:pPr marL="91440" indent="-365760"/>
+            <a:r>
+              <a:rPr lang="en-US" dirty="0">
+                <a:hlinkClick r:id="rId4">
+                  <a:extLst>
+                    <a:ext uri="{A12FA001-AC4F-418D-AE19-62706E023703}">
+                      <ahyp:hlinkClr xmlns:ahyp="http://schemas.microsoft.com/office/drawing/2018/hyperlinkcolor" val="tx"/>
+                    </a:ext>
+                  </a:extLst>
+                </a:hlinkClick>
+              </a:rPr>
+              <a:t>jmidrichards@gmail.com</a:t>
+            </a:r>
+            <a:endParaRPr lang="en-US" dirty="0"/>
+          </a:p>
+        </p:txBody>
+      </p:sp>
+    </p:spTree>
+    <p:extLst>
+      <p:ext uri="{BB962C8B-B14F-4D97-AF65-F5344CB8AC3E}">
+        <p14:creationId xmlns:p14="http://schemas.microsoft.com/office/powerpoint/2010/main" val="3050793910"/>
+      </p:ext>
+    </p:extLst>
+  </p:cSld>
+  <p:clrMapOvr>
+    <a:masterClrMapping/>
+  </p:clrMapOvr>
+</p:sld>
+</file>
+
 <file path=ppt/slides/slide2.xml><?xml version="1.0" encoding="utf-8"?>
+<p:sld xmlns:a="http://schemas.openxmlformats.org/drawingml/2006/main" xmlns:r="http://schemas.openxmlformats.org/officeDocument/2006/relationships" xmlns:p="http://schemas.openxmlformats.org/presentationml/2006/main">
+  <p:cSld>
+    <p:spTree>
+      <p:nvGrpSpPr>
+        <p:cNvPr id="1" name=""/>
+        <p:cNvGrpSpPr/>
+        <p:nvPr/>
+      </p:nvGrpSpPr>
+      <p:grpSpPr>
+        <a:xfrm>
+          <a:off x="0" y="0"/>
+          <a:ext cx="0" cy="0"/>
+          <a:chOff x="0" y="0"/>
+          <a:chExt cx="0" cy="0"/>
+        </a:xfrm>
+      </p:grpSpPr>
+      <p:sp>
+        <p:nvSpPr>
+          <p:cNvPr id="2" name="Title 1">
+            <a:extLst>
+              <a:ext uri="{FF2B5EF4-FFF2-40B4-BE49-F238E27FC236}">
+                <a16:creationId xmlns:a16="http://schemas.microsoft.com/office/drawing/2014/main" id="{85A902B5-BD51-4A7D-B477-AEC271B1311D}"/>
+              </a:ext>
+            </a:extLst>
+          </p:cNvPr>
+          <p:cNvSpPr>
+            <a:spLocks noGrp="1"/>
+          </p:cNvSpPr>
+          <p:nvPr>
+            <p:ph type="title"/>
+          </p:nvPr>
+        </p:nvSpPr>
+        <p:spPr>
+          <a:xfrm>
+            <a:off x="1143000" y="308344"/>
+            <a:ext cx="9905998" cy="984995"/>
+          </a:xfrm>
+        </p:spPr>
+        <p:txBody>
+          <a:bodyPr/>
+          <a:lstStyle/>
+          <a:p>
+            <a:pPr algn="ctr"/>
+            <a:r>
+              <a:rPr lang="en-US" b="1" dirty="0"/>
+              <a:t>Code Example</a:t>
+            </a:r>
+          </a:p>
+        </p:txBody>
+      </p:sp>
+      <p:pic>
+        <p:nvPicPr>
+          <p:cNvPr id="5" name="Content Placeholder 4">
+            <a:extLst>
+              <a:ext uri="{FF2B5EF4-FFF2-40B4-BE49-F238E27FC236}">
+                <a16:creationId xmlns:a16="http://schemas.microsoft.com/office/drawing/2014/main" id="{9E6B4610-E15A-4BB0-9586-626B16A1BAA4}"/>
+              </a:ext>
+            </a:extLst>
+          </p:cNvPr>
+          <p:cNvPicPr>
+            <a:picLocks noGrp="1" noChangeAspect="1"/>
+          </p:cNvPicPr>
+          <p:nvPr>
+            <p:ph idx="1"/>
+          </p:nvPr>
+        </p:nvPicPr>
+        <p:blipFill>
+          <a:blip r:embed="rId2"/>
+          <a:srcRect/>
+          <a:stretch/>
+        </p:blipFill>
+        <p:spPr>
+          <a:xfrm>
+            <a:off x="1946108" y="1301265"/>
+            <a:ext cx="8299783" cy="5248391"/>
+          </a:xfrm>
+          <a:prstGeom prst="rect">
+            <a:avLst/>
+          </a:prstGeom>
+          <a:ln w="57150" cap="sq" cmpd="thickThin">
+            <a:solidFill>
+              <a:srgbClr val="000000"/>
+            </a:solidFill>
+            <a:prstDash val="solid"/>
+            <a:bevel/>
+          </a:ln>
+          <a:effectLst>
+            <a:outerShdw blurRad="50800" dist="38100" dir="2700000" algn="tl" rotWithShape="0">
+              <a:srgbClr val="000000">
+                <a:alpha val="43000"/>
+              </a:srgbClr>
+            </a:outerShdw>
+          </a:effectLst>
+        </p:spPr>
+      </p:pic>
+    </p:spTree>
+    <p:extLst>
+      <p:ext uri="{BB962C8B-B14F-4D97-AF65-F5344CB8AC3E}">
+        <p14:creationId xmlns:p14="http://schemas.microsoft.com/office/powerpoint/2010/main" val="3037934964"/>
+      </p:ext>
+    </p:extLst>
+  </p:cSld>
+  <p:clrMapOvr>
+    <a:masterClrMapping/>
+  </p:clrMapOvr>
+</p:sld>
+</file>
+
+<file path=ppt/slides/slide3.xml><?xml version="1.0" encoding="utf-8"?>
+<p:sld xmlns:a="http://schemas.openxmlformats.org/drawingml/2006/main" xmlns:r="http://schemas.openxmlformats.org/officeDocument/2006/relationships" xmlns:p="http://schemas.openxmlformats.org/presentationml/2006/main">
+  <p:cSld>
+    <p:spTree>
+      <p:nvGrpSpPr>
+        <p:cNvPr id="1" name=""/>
+        <p:cNvGrpSpPr/>
+        <p:nvPr/>
+      </p:nvGrpSpPr>
+      <p:grpSpPr>
+        <a:xfrm>
+          <a:off x="0" y="0"/>
+          <a:ext cx="0" cy="0"/>
+          <a:chOff x="0" y="0"/>
+          <a:chExt cx="0" cy="0"/>
+        </a:xfrm>
+      </p:grpSpPr>
+      <p:graphicFrame>
+        <p:nvGraphicFramePr>
+          <p:cNvPr id="4" name="Content Placeholder 3">
+            <a:extLst>
+              <a:ext uri="{FF2B5EF4-FFF2-40B4-BE49-F238E27FC236}">
+                <a16:creationId xmlns:a16="http://schemas.microsoft.com/office/drawing/2014/main" id="{6EFA361D-71C1-4B25-BAFB-EBBC7863C809}"/>
+              </a:ext>
+            </a:extLst>
+          </p:cNvPr>
+          <p:cNvGraphicFramePr>
+            <a:graphicFrameLocks noGrp="1"/>
+          </p:cNvGraphicFramePr>
+          <p:nvPr>
+            <p:ph idx="1"/>
+            <p:extLst>
+              <p:ext uri="{D42A27DB-BD31-4B8C-83A1-F6EECF244321}">
+                <p14:modId xmlns:p14="http://schemas.microsoft.com/office/powerpoint/2010/main" val="3837899662"/>
+              </p:ext>
+            </p:extLst>
+          </p:nvPr>
+        </p:nvGraphicFramePr>
+        <p:xfrm>
+          <a:off x="1036119" y="400051"/>
+          <a:ext cx="10119761" cy="6199532"/>
+        </p:xfrm>
+        <a:graphic>
+          <a:graphicData uri="http://schemas.openxmlformats.org/drawingml/2006/chart">
+            <c:chart xmlns:c="http://schemas.openxmlformats.org/drawingml/2006/chart" xmlns:r="http://schemas.openxmlformats.org/officeDocument/2006/relationships" r:id="rId2"/>
+          </a:graphicData>
+        </a:graphic>
+      </p:graphicFrame>
+    </p:spTree>
+    <p:extLst>
+      <p:ext uri="{BB962C8B-B14F-4D97-AF65-F5344CB8AC3E}">
+        <p14:creationId xmlns:p14="http://schemas.microsoft.com/office/powerpoint/2010/main" val="119355397"/>
+      </p:ext>
+    </p:extLst>
+  </p:cSld>
+  <p:clrMapOvr>
+    <a:masterClrMapping/>
+  </p:clrMapOvr>
+</p:sld>
+</file>
+
+<file path=ppt/slides/slide4.xml><?xml version="1.0" encoding="utf-8"?>
 <p:sld xmlns:a="http://schemas.openxmlformats.org/drawingml/2006/main" xmlns:r="http://schemas.openxmlformats.org/officeDocument/2006/relationships" xmlns:p="http://schemas.openxmlformats.org/presentationml/2006/main">
   <p:cSld>
     <p:bg>
@@ -21309,7 +22866,7 @@
         </p:nvSpPr>
         <p:spPr>
           <a:xfrm>
-            <a:off x="1141413" y="553430"/>
+            <a:off x="1141411" y="410555"/>
             <a:ext cx="9905998" cy="1478570"/>
           </a:xfrm>
         </p:spPr>
@@ -21321,15 +22878,15 @@
           <a:p>
             <a:pPr algn="ctr"/>
             <a:r>
-              <a:rPr lang="en-US" dirty="0"/>
-              <a:t>Total Values of V2 for Proteins At 100 </a:t>
+              <a:rPr lang="en-US" b="1" cap="none" dirty="0"/>
+              <a:t>Total Values Of V2 For Proteins At 100 </a:t>
             </a:r>
             <a:br>
-              <a:rPr lang="en-US" dirty="0"/>
+              <a:rPr lang="en-US" b="1" cap="none" dirty="0"/>
             </a:br>
             <a:r>
-              <a:rPr lang="en-US" dirty="0"/>
-              <a:t>and 1000 Projection Sizes</a:t>
+              <a:rPr lang="en-US" b="1" cap="none" dirty="0"/>
+              <a:t>And 1000 Projection Sizes</a:t>
             </a:r>
           </a:p>
         </p:txBody>
@@ -21350,14 +22907,14 @@
             <p:ph idx="1"/>
             <p:extLst>
               <p:ext uri="{D42A27DB-BD31-4B8C-83A1-F6EECF244321}">
-                <p14:modId xmlns:p14="http://schemas.microsoft.com/office/powerpoint/2010/main" val="3554641124"/>
+                <p14:modId xmlns:p14="http://schemas.microsoft.com/office/powerpoint/2010/main" val="341086242"/>
               </p:ext>
             </p:extLst>
           </p:nvPr>
         </p:nvGraphicFramePr>
         <p:xfrm>
-          <a:off x="1141411" y="1921933"/>
-          <a:ext cx="9906000" cy="4673600"/>
+          <a:off x="1141411" y="1271588"/>
+          <a:ext cx="9906000" cy="5323945"/>
         </p:xfrm>
         <a:graphic>
           <a:graphicData uri="http://schemas.openxmlformats.org/drawingml/2006/chart">
@@ -21378,7 +22935,7 @@
 </p:sld>
 </file>
 
-<file path=ppt/slides/slide3.xml><?xml version="1.0" encoding="utf-8"?>
+<file path=ppt/slides/slide5.xml><?xml version="1.0" encoding="utf-8"?>
 <p:sld xmlns:a="http://schemas.openxmlformats.org/drawingml/2006/main" xmlns:r="http://schemas.openxmlformats.org/officeDocument/2006/relationships" xmlns:p="http://schemas.openxmlformats.org/presentationml/2006/main">
   <p:cSld>
     <p:bg>
@@ -21437,7 +22994,7 @@
         </p:nvSpPr>
         <p:spPr>
           <a:xfrm>
-            <a:off x="1141413" y="553430"/>
+            <a:off x="1141415" y="417963"/>
             <a:ext cx="9905998" cy="1478570"/>
           </a:xfrm>
         </p:spPr>
@@ -21449,15 +23006,15 @@
           <a:p>
             <a:pPr algn="ctr"/>
             <a:r>
-              <a:rPr lang="en-US" dirty="0"/>
-              <a:t>Total Values of V2 for Proteins At 1000 </a:t>
+              <a:rPr lang="en-US" b="1" cap="none" dirty="0"/>
+              <a:t>Total Values Of V2 For Proteins At 1000 </a:t>
             </a:r>
             <a:br>
-              <a:rPr lang="en-US" dirty="0"/>
+              <a:rPr lang="en-US" b="1" cap="none" dirty="0"/>
             </a:br>
             <a:r>
-              <a:rPr lang="en-US" dirty="0"/>
-              <a:t>and 2000 Projection Sizes</a:t>
+              <a:rPr lang="en-US" b="1" cap="none" dirty="0"/>
+              <a:t>And 2000 Projection Sizes</a:t>
             </a:r>
           </a:p>
         </p:txBody>
@@ -21478,14 +23035,14 @@
             <p:ph idx="1"/>
             <p:extLst>
               <p:ext uri="{D42A27DB-BD31-4B8C-83A1-F6EECF244321}">
-                <p14:modId xmlns:p14="http://schemas.microsoft.com/office/powerpoint/2010/main" val="433661735"/>
+                <p14:modId xmlns:p14="http://schemas.microsoft.com/office/powerpoint/2010/main" val="1345942409"/>
               </p:ext>
             </p:extLst>
           </p:nvPr>
         </p:nvGraphicFramePr>
         <p:xfrm>
-          <a:off x="1141413" y="1896533"/>
-          <a:ext cx="9906000" cy="4753081"/>
+          <a:off x="1141413" y="1543050"/>
+          <a:ext cx="9906000" cy="5106565"/>
         </p:xfrm>
         <a:graphic>
           <a:graphicData uri="http://schemas.openxmlformats.org/drawingml/2006/chart">
@@ -21506,7 +23063,7 @@
 </p:sld>
 </file>
 
-<file path=ppt/slides/slide4.xml><?xml version="1.0" encoding="utf-8"?>
+<file path=ppt/slides/slide6.xml><?xml version="1.0" encoding="utf-8"?>
 <p:sld xmlns:a="http://schemas.openxmlformats.org/drawingml/2006/main" xmlns:r="http://schemas.openxmlformats.org/officeDocument/2006/relationships" xmlns:p="http://schemas.openxmlformats.org/presentationml/2006/main">
   <p:cSld>
     <p:spTree>
@@ -21601,7 +23158,7 @@
 </p:sld>
 </file>
 
-<file path=ppt/slides/slide5.xml><?xml version="1.0" encoding="utf-8"?>
+<file path=ppt/slides/slide7.xml><?xml version="1.0" encoding="utf-8"?>
 <p:sld xmlns:a="http://schemas.openxmlformats.org/drawingml/2006/main" xmlns:r="http://schemas.openxmlformats.org/officeDocument/2006/relationships" xmlns:p="http://schemas.openxmlformats.org/presentationml/2006/main">
   <p:cSld>
     <p:spTree>
@@ -21694,7 +23251,7 @@
 </p:sld>
 </file>
 
-<file path=ppt/slides/slide6.xml><?xml version="1.0" encoding="utf-8"?>
+<file path=ppt/slides/slide8.xml><?xml version="1.0" encoding="utf-8"?>
 <p:sld xmlns:a="http://schemas.openxmlformats.org/drawingml/2006/main" xmlns:r="http://schemas.openxmlformats.org/officeDocument/2006/relationships" xmlns:p="http://schemas.openxmlformats.org/presentationml/2006/main">
   <p:cSld>
     <p:spTree>
@@ -21816,7 +23373,7 @@
 </p:sld>
 </file>
 
-<file path=ppt/slides/slide7.xml><?xml version="1.0" encoding="utf-8"?>
+<file path=ppt/slides/slide9.xml><?xml version="1.0" encoding="utf-8"?>
 <p:sld xmlns:a="http://schemas.openxmlformats.org/drawingml/2006/main" xmlns:r="http://schemas.openxmlformats.org/officeDocument/2006/relationships" xmlns:p="http://schemas.openxmlformats.org/presentationml/2006/main">
   <p:cSld>
     <p:spTree>
@@ -21899,258 +23456,6 @@
     <p:extLst>
       <p:ext uri="{BB962C8B-B14F-4D97-AF65-F5344CB8AC3E}">
         <p14:creationId xmlns:p14="http://schemas.microsoft.com/office/powerpoint/2010/main" val="769219942"/>
-      </p:ext>
-    </p:extLst>
-  </p:cSld>
-  <p:clrMapOvr>
-    <a:masterClrMapping/>
-  </p:clrMapOvr>
-</p:sld>
-</file>
-
-<file path=ppt/slides/slide8.xml><?xml version="1.0" encoding="utf-8"?>
-<p:sld xmlns:a="http://schemas.openxmlformats.org/drawingml/2006/main" xmlns:r="http://schemas.openxmlformats.org/officeDocument/2006/relationships" xmlns:p="http://schemas.openxmlformats.org/presentationml/2006/main">
-  <p:cSld>
-    <p:spTree>
-      <p:nvGrpSpPr>
-        <p:cNvPr id="1" name=""/>
-        <p:cNvGrpSpPr/>
-        <p:nvPr/>
-      </p:nvGrpSpPr>
-      <p:grpSpPr>
-        <a:xfrm>
-          <a:off x="0" y="0"/>
-          <a:ext cx="0" cy="0"/>
-          <a:chOff x="0" y="0"/>
-          <a:chExt cx="0" cy="0"/>
-        </a:xfrm>
-      </p:grpSpPr>
-      <p:sp>
-        <p:nvSpPr>
-          <p:cNvPr id="2" name="Title 1">
-            <a:extLst>
-              <a:ext uri="{FF2B5EF4-FFF2-40B4-BE49-F238E27FC236}">
-                <a16:creationId xmlns:a16="http://schemas.microsoft.com/office/drawing/2014/main" id="{460CC986-6E9C-45CB-8313-5E7E3ACDAE66}"/>
-              </a:ext>
-            </a:extLst>
-          </p:cNvPr>
-          <p:cNvSpPr>
-            <a:spLocks noGrp="1"/>
-          </p:cNvSpPr>
-          <p:nvPr>
-            <p:ph type="title"/>
-          </p:nvPr>
-        </p:nvSpPr>
-        <p:spPr>
-          <a:xfrm>
-            <a:off x="1143001" y="773084"/>
-            <a:ext cx="9905998" cy="1085591"/>
-          </a:xfrm>
-        </p:spPr>
-        <p:txBody>
-          <a:bodyPr/>
-          <a:lstStyle/>
-          <a:p>
-            <a:pPr algn="ctr"/>
-            <a:r>
-              <a:rPr lang="en-US" dirty="0"/>
-              <a:t>V2 along RBD-Up Proteins at 400 and 600 Scanning lengths</a:t>
-            </a:r>
-          </a:p>
-        </p:txBody>
-      </p:sp>
-      <p:pic>
-        <p:nvPicPr>
-          <p:cNvPr id="6" name="Content Placeholder 5">
-            <a:extLst>
-              <a:ext uri="{FF2B5EF4-FFF2-40B4-BE49-F238E27FC236}">
-                <a16:creationId xmlns:a16="http://schemas.microsoft.com/office/drawing/2014/main" id="{810A33BA-B2D5-40F9-AA4F-ECBC134F77F1}"/>
-              </a:ext>
-            </a:extLst>
-          </p:cNvPr>
-          <p:cNvPicPr>
-            <a:picLocks noGrp="1" noChangeAspect="1"/>
-          </p:cNvPicPr>
-          <p:nvPr>
-            <p:ph sz="half" idx="1"/>
-          </p:nvPr>
-        </p:nvPicPr>
-        <p:blipFill>
-          <a:blip r:embed="rId2"/>
-          <a:srcRect/>
-          <a:stretch/>
-        </p:blipFill>
-        <p:spPr>
-          <a:xfrm>
-            <a:off x="-3" y="2046770"/>
-            <a:ext cx="6316747" cy="4038146"/>
-          </a:xfrm>
-        </p:spPr>
-      </p:pic>
-      <p:pic>
-        <p:nvPicPr>
-          <p:cNvPr id="8" name="Content Placeholder 7">
-            <a:extLst>
-              <a:ext uri="{FF2B5EF4-FFF2-40B4-BE49-F238E27FC236}">
-                <a16:creationId xmlns:a16="http://schemas.microsoft.com/office/drawing/2014/main" id="{79C85902-B13D-4741-9398-46C2799F3C8B}"/>
-              </a:ext>
-            </a:extLst>
-          </p:cNvPr>
-          <p:cNvPicPr>
-            <a:picLocks noGrp="1" noChangeAspect="1"/>
-          </p:cNvPicPr>
-          <p:nvPr>
-            <p:ph sz="half" idx="2"/>
-          </p:nvPr>
-        </p:nvPicPr>
-        <p:blipFill>
-          <a:blip r:embed="rId3"/>
-          <a:srcRect/>
-          <a:stretch/>
-        </p:blipFill>
-        <p:spPr>
-          <a:xfrm>
-            <a:off x="5875249" y="2046770"/>
-            <a:ext cx="6316750" cy="4038146"/>
-          </a:xfrm>
-        </p:spPr>
-      </p:pic>
-    </p:spTree>
-    <p:extLst>
-      <p:ext uri="{BB962C8B-B14F-4D97-AF65-F5344CB8AC3E}">
-        <p14:creationId xmlns:p14="http://schemas.microsoft.com/office/powerpoint/2010/main" val="1727561536"/>
-      </p:ext>
-    </p:extLst>
-  </p:cSld>
-  <p:clrMapOvr>
-    <a:masterClrMapping/>
-  </p:clrMapOvr>
-</p:sld>
-</file>
-
-<file path=ppt/slides/slide9.xml><?xml version="1.0" encoding="utf-8"?>
-<p:sld xmlns:a="http://schemas.openxmlformats.org/drawingml/2006/main" xmlns:r="http://schemas.openxmlformats.org/officeDocument/2006/relationships" xmlns:p="http://schemas.openxmlformats.org/presentationml/2006/main">
-  <p:cSld>
-    <p:spTree>
-      <p:nvGrpSpPr>
-        <p:cNvPr id="1" name=""/>
-        <p:cNvGrpSpPr/>
-        <p:nvPr/>
-      </p:nvGrpSpPr>
-      <p:grpSpPr>
-        <a:xfrm>
-          <a:off x="0" y="0"/>
-          <a:ext cx="0" cy="0"/>
-          <a:chOff x="0" y="0"/>
-          <a:chExt cx="0" cy="0"/>
-        </a:xfrm>
-      </p:grpSpPr>
-      <p:pic>
-        <p:nvPicPr>
-          <p:cNvPr id="9" name="Picture Placeholder 8" descr="Abstract organic polygons blurred">
-            <a:extLst>
-              <a:ext uri="{FF2B5EF4-FFF2-40B4-BE49-F238E27FC236}">
-                <a16:creationId xmlns:a16="http://schemas.microsoft.com/office/drawing/2014/main" id="{2D73DA0F-7DB4-4B1A-8B34-4F00DA6DD026}"/>
-              </a:ext>
-            </a:extLst>
-          </p:cNvPr>
-          <p:cNvPicPr>
-            <a:picLocks noGrp="1" noChangeAspect="1"/>
-          </p:cNvPicPr>
-          <p:nvPr>
-            <p:ph type="pic" sz="quarter" idx="16"/>
-          </p:nvPr>
-        </p:nvPicPr>
-        <p:blipFill rotWithShape="1">
-          <a:blip r:embed="rId2" cstate="screen">
-            <a:extLst>
-              <a:ext uri="{28A0092B-C50C-407E-A947-70E740481C1C}">
-                <a14:useLocalDpi xmlns:a14="http://schemas.microsoft.com/office/drawing/2010/main"/>
-              </a:ext>
-            </a:extLst>
-          </a:blip>
-          <a:srcRect/>
-          <a:stretch/>
-        </p:blipFill>
-        <p:spPr>
-          <a:xfrm>
-            <a:off x="-1" y="-1"/>
-            <a:ext cx="5858933" cy="6858219"/>
-          </a:xfrm>
-        </p:spPr>
-      </p:pic>
-      <p:sp>
-        <p:nvSpPr>
-          <p:cNvPr id="2" name="Title 1">
-            <a:extLst>
-              <a:ext uri="{FF2B5EF4-FFF2-40B4-BE49-F238E27FC236}">
-                <a16:creationId xmlns:a16="http://schemas.microsoft.com/office/drawing/2014/main" id="{A6BA76B3-D03C-4451-8EB4-18D3076077B3}"/>
-              </a:ext>
-            </a:extLst>
-          </p:cNvPr>
-          <p:cNvSpPr>
-            <a:spLocks noGrp="1"/>
-          </p:cNvSpPr>
-          <p:nvPr>
-            <p:ph type="title"/>
-          </p:nvPr>
-        </p:nvSpPr>
-        <p:spPr>
-          <a:xfrm>
-            <a:off x="6095999" y="766533"/>
-            <a:ext cx="5046134" cy="1305158"/>
-          </a:xfrm>
-        </p:spPr>
-        <p:txBody>
-          <a:bodyPr>
-            <a:normAutofit/>
-          </a:bodyPr>
-          <a:lstStyle/>
-          <a:p>
-            <a:r>
-              <a:rPr lang="en-US" sz="7200" dirty="0"/>
-              <a:t>THANK YOU</a:t>
-            </a:r>
-          </a:p>
-        </p:txBody>
-      </p:sp>
-      <p:sp>
-        <p:nvSpPr>
-          <p:cNvPr id="4" name="Content Placeholder 3">
-            <a:extLst>
-              <a:ext uri="{FF2B5EF4-FFF2-40B4-BE49-F238E27FC236}">
-                <a16:creationId xmlns:a16="http://schemas.microsoft.com/office/drawing/2014/main" id="{5F0977C3-BD7D-4617-8DF1-56211456D512}"/>
-              </a:ext>
-            </a:extLst>
-          </p:cNvPr>
-          <p:cNvSpPr>
-            <a:spLocks noGrp="1"/>
-          </p:cNvSpPr>
-          <p:nvPr>
-            <p:ph sz="half" idx="1"/>
-          </p:nvPr>
-        </p:nvSpPr>
-        <p:spPr>
-          <a:xfrm>
-            <a:off x="6095999" y="2589839"/>
-            <a:ext cx="5046134" cy="3620161"/>
-          </a:xfrm>
-        </p:spPr>
-        <p:txBody>
-          <a:bodyPr/>
-          <a:lstStyle/>
-          <a:p>
-            <a:pPr marL="0" indent="0">
-              <a:buNone/>
-            </a:pPr>
-            <a:endParaRPr lang="en-US" dirty="0"/>
-          </a:p>
-        </p:txBody>
-      </p:sp>
-    </p:spTree>
-    <p:extLst>
-      <p:ext uri="{BB962C8B-B14F-4D97-AF65-F5344CB8AC3E}">
-        <p14:creationId xmlns:p14="http://schemas.microsoft.com/office/powerpoint/2010/main" val="3050793910"/>
       </p:ext>
     </p:extLst>
   </p:cSld>

--- a/Vas-Data/FinalPresentation.pptx
+++ b/Vas-Data/FinalPresentation.pptx
@@ -4,6 +4,9 @@
   <p:sldMasterIdLst>
     <p:sldMasterId id="2147483648" r:id="rId1"/>
   </p:sldMasterIdLst>
+  <p:notesMasterIdLst>
+    <p:notesMasterId r:id="rId13"/>
+  </p:notesMasterIdLst>
   <p:sldIdLst>
     <p:sldId id="256" r:id="rId2"/>
     <p:sldId id="275" r:id="rId3"/>
@@ -3638,6 +3641,355 @@
 </cs:chartStyle>
 </file>
 
+<file path=ppt/notesMasters/notesMaster1.xml><?xml version="1.0" encoding="utf-8"?>
+<p:notesMaster xmlns:a="http://schemas.openxmlformats.org/drawingml/2006/main" xmlns:r="http://schemas.openxmlformats.org/officeDocument/2006/relationships" xmlns:p="http://schemas.openxmlformats.org/presentationml/2006/main">
+  <p:cSld>
+    <p:bg>
+      <p:bgRef idx="1001">
+        <a:schemeClr val="bg1"/>
+      </p:bgRef>
+    </p:bg>
+    <p:spTree>
+      <p:nvGrpSpPr>
+        <p:cNvPr id="1" name=""/>
+        <p:cNvGrpSpPr/>
+        <p:nvPr/>
+      </p:nvGrpSpPr>
+      <p:grpSpPr>
+        <a:xfrm>
+          <a:off x="0" y="0"/>
+          <a:ext cx="0" cy="0"/>
+          <a:chOff x="0" y="0"/>
+          <a:chExt cx="0" cy="0"/>
+        </a:xfrm>
+      </p:grpSpPr>
+      <p:sp>
+        <p:nvSpPr>
+          <p:cNvPr id="2" name="Header Placeholder 1"/>
+          <p:cNvSpPr>
+            <a:spLocks noGrp="1"/>
+          </p:cNvSpPr>
+          <p:nvPr>
+            <p:ph type="hdr" sz="quarter"/>
+          </p:nvPr>
+        </p:nvSpPr>
+        <p:spPr>
+          <a:xfrm>
+            <a:off x="0" y="0"/>
+            <a:ext cx="2971800" cy="458788"/>
+          </a:xfrm>
+          <a:prstGeom prst="rect">
+            <a:avLst/>
+          </a:prstGeom>
+        </p:spPr>
+        <p:txBody>
+          <a:bodyPr vert="horz" lIns="91440" tIns="45720" rIns="91440" bIns="45720" rtlCol="0"/>
+          <a:lstStyle>
+            <a:lvl1pPr algn="l">
+              <a:defRPr sz="1200"/>
+            </a:lvl1pPr>
+          </a:lstStyle>
+          <a:p>
+            <a:endParaRPr lang="en-US"/>
+          </a:p>
+        </p:txBody>
+      </p:sp>
+      <p:sp>
+        <p:nvSpPr>
+          <p:cNvPr id="3" name="Date Placeholder 2"/>
+          <p:cNvSpPr>
+            <a:spLocks noGrp="1"/>
+          </p:cNvSpPr>
+          <p:nvPr>
+            <p:ph type="dt" idx="1"/>
+          </p:nvPr>
+        </p:nvSpPr>
+        <p:spPr>
+          <a:xfrm>
+            <a:off x="3884613" y="0"/>
+            <a:ext cx="2971800" cy="458788"/>
+          </a:xfrm>
+          <a:prstGeom prst="rect">
+            <a:avLst/>
+          </a:prstGeom>
+        </p:spPr>
+        <p:txBody>
+          <a:bodyPr vert="horz" lIns="91440" tIns="45720" rIns="91440" bIns="45720" rtlCol="0"/>
+          <a:lstStyle>
+            <a:lvl1pPr algn="r">
+              <a:defRPr sz="1200"/>
+            </a:lvl1pPr>
+          </a:lstStyle>
+          <a:p>
+            <a:fld id="{FB0D78C5-FAF4-4263-84DD-579F970B9B04}" type="datetimeFigureOut">
+              <a:rPr lang="en-US" smtClean="0"/>
+              <a:t>7/13/2021</a:t>
+            </a:fld>
+            <a:endParaRPr lang="en-US"/>
+          </a:p>
+        </p:txBody>
+      </p:sp>
+      <p:sp>
+        <p:nvSpPr>
+          <p:cNvPr id="4" name="Slide Image Placeholder 3"/>
+          <p:cNvSpPr>
+            <a:spLocks noGrp="1" noRot="1" noChangeAspect="1"/>
+          </p:cNvSpPr>
+          <p:nvPr>
+            <p:ph type="sldImg" idx="2"/>
+          </p:nvPr>
+        </p:nvSpPr>
+        <p:spPr>
+          <a:xfrm>
+            <a:off x="685800" y="1143000"/>
+            <a:ext cx="5486400" cy="3086100"/>
+          </a:xfrm>
+          <a:prstGeom prst="rect">
+            <a:avLst/>
+          </a:prstGeom>
+          <a:noFill/>
+          <a:ln w="12700">
+            <a:solidFill>
+              <a:prstClr val="black"/>
+            </a:solidFill>
+          </a:ln>
+        </p:spPr>
+        <p:txBody>
+          <a:bodyPr vert="horz" lIns="91440" tIns="45720" rIns="91440" bIns="45720" rtlCol="0" anchor="ctr"/>
+          <a:lstStyle/>
+          <a:p>
+            <a:endParaRPr lang="en-US"/>
+          </a:p>
+        </p:txBody>
+      </p:sp>
+      <p:sp>
+        <p:nvSpPr>
+          <p:cNvPr id="5" name="Notes Placeholder 4"/>
+          <p:cNvSpPr>
+            <a:spLocks noGrp="1"/>
+          </p:cNvSpPr>
+          <p:nvPr>
+            <p:ph type="body" sz="quarter" idx="3"/>
+          </p:nvPr>
+        </p:nvSpPr>
+        <p:spPr>
+          <a:xfrm>
+            <a:off x="685800" y="4400550"/>
+            <a:ext cx="5486400" cy="3600450"/>
+          </a:xfrm>
+          <a:prstGeom prst="rect">
+            <a:avLst/>
+          </a:prstGeom>
+        </p:spPr>
+        <p:txBody>
+          <a:bodyPr vert="horz" lIns="91440" tIns="45720" rIns="91440" bIns="45720" rtlCol="0"/>
+          <a:lstStyle/>
+          <a:p>
+            <a:pPr lvl="0"/>
+            <a:r>
+              <a:rPr lang="en-US"/>
+              <a:t>Click to edit Master text styles</a:t>
+            </a:r>
+          </a:p>
+          <a:p>
+            <a:pPr lvl="1"/>
+            <a:r>
+              <a:rPr lang="en-US"/>
+              <a:t>Second level</a:t>
+            </a:r>
+          </a:p>
+          <a:p>
+            <a:pPr lvl="2"/>
+            <a:r>
+              <a:rPr lang="en-US"/>
+              <a:t>Third level</a:t>
+            </a:r>
+          </a:p>
+          <a:p>
+            <a:pPr lvl="3"/>
+            <a:r>
+              <a:rPr lang="en-US"/>
+              <a:t>Fourth level</a:t>
+            </a:r>
+          </a:p>
+          <a:p>
+            <a:pPr lvl="4"/>
+            <a:r>
+              <a:rPr lang="en-US"/>
+              <a:t>Fifth level</a:t>
+            </a:r>
+          </a:p>
+        </p:txBody>
+      </p:sp>
+      <p:sp>
+        <p:nvSpPr>
+          <p:cNvPr id="6" name="Footer Placeholder 5"/>
+          <p:cNvSpPr>
+            <a:spLocks noGrp="1"/>
+          </p:cNvSpPr>
+          <p:nvPr>
+            <p:ph type="ftr" sz="quarter" idx="4"/>
+          </p:nvPr>
+        </p:nvSpPr>
+        <p:spPr>
+          <a:xfrm>
+            <a:off x="0" y="8685213"/>
+            <a:ext cx="2971800" cy="458787"/>
+          </a:xfrm>
+          <a:prstGeom prst="rect">
+            <a:avLst/>
+          </a:prstGeom>
+        </p:spPr>
+        <p:txBody>
+          <a:bodyPr vert="horz" lIns="91440" tIns="45720" rIns="91440" bIns="45720" rtlCol="0" anchor="b"/>
+          <a:lstStyle>
+            <a:lvl1pPr algn="l">
+              <a:defRPr sz="1200"/>
+            </a:lvl1pPr>
+          </a:lstStyle>
+          <a:p>
+            <a:endParaRPr lang="en-US"/>
+          </a:p>
+        </p:txBody>
+      </p:sp>
+      <p:sp>
+        <p:nvSpPr>
+          <p:cNvPr id="7" name="Slide Number Placeholder 6"/>
+          <p:cNvSpPr>
+            <a:spLocks noGrp="1"/>
+          </p:cNvSpPr>
+          <p:nvPr>
+            <p:ph type="sldNum" sz="quarter" idx="5"/>
+          </p:nvPr>
+        </p:nvSpPr>
+        <p:spPr>
+          <a:xfrm>
+            <a:off x="3884613" y="8685213"/>
+            <a:ext cx="2971800" cy="458787"/>
+          </a:xfrm>
+          <a:prstGeom prst="rect">
+            <a:avLst/>
+          </a:prstGeom>
+        </p:spPr>
+        <p:txBody>
+          <a:bodyPr vert="horz" lIns="91440" tIns="45720" rIns="91440" bIns="45720" rtlCol="0" anchor="b"/>
+          <a:lstStyle>
+            <a:lvl1pPr algn="r">
+              <a:defRPr sz="1200"/>
+            </a:lvl1pPr>
+          </a:lstStyle>
+          <a:p>
+            <a:fld id="{05E2BF2E-52C3-4B53-8A39-72F148B593BB}" type="slidenum">
+              <a:rPr lang="en-US" smtClean="0"/>
+              <a:t>‹#›</a:t>
+            </a:fld>
+            <a:endParaRPr lang="en-US"/>
+          </a:p>
+        </p:txBody>
+      </p:sp>
+    </p:spTree>
+    <p:extLst>
+      <p:ext uri="{BB962C8B-B14F-4D97-AF65-F5344CB8AC3E}">
+        <p14:creationId xmlns:p14="http://schemas.microsoft.com/office/powerpoint/2010/main" val="4101134621"/>
+      </p:ext>
+    </p:extLst>
+  </p:cSld>
+  <p:clrMap bg1="lt1" tx1="dk1" bg2="lt2" tx2="dk2" accent1="accent1" accent2="accent2" accent3="accent3" accent4="accent4" accent5="accent5" accent6="accent6" hlink="hlink" folHlink="folHlink"/>
+  <p:notesStyle>
+    <a:lvl1pPr marL="0" algn="l" defTabSz="914400" rtl="0" eaLnBrk="1" latinLnBrk="0" hangingPunct="1">
+      <a:defRPr sz="1200" kern="1200">
+        <a:solidFill>
+          <a:schemeClr val="tx1"/>
+        </a:solidFill>
+        <a:latin typeface="+mn-lt"/>
+        <a:ea typeface="+mn-ea"/>
+        <a:cs typeface="+mn-cs"/>
+      </a:defRPr>
+    </a:lvl1pPr>
+    <a:lvl2pPr marL="457200" algn="l" defTabSz="914400" rtl="0" eaLnBrk="1" latinLnBrk="0" hangingPunct="1">
+      <a:defRPr sz="1200" kern="1200">
+        <a:solidFill>
+          <a:schemeClr val="tx1"/>
+        </a:solidFill>
+        <a:latin typeface="+mn-lt"/>
+        <a:ea typeface="+mn-ea"/>
+        <a:cs typeface="+mn-cs"/>
+      </a:defRPr>
+    </a:lvl2pPr>
+    <a:lvl3pPr marL="914400" algn="l" defTabSz="914400" rtl="0" eaLnBrk="1" latinLnBrk="0" hangingPunct="1">
+      <a:defRPr sz="1200" kern="1200">
+        <a:solidFill>
+          <a:schemeClr val="tx1"/>
+        </a:solidFill>
+        <a:latin typeface="+mn-lt"/>
+        <a:ea typeface="+mn-ea"/>
+        <a:cs typeface="+mn-cs"/>
+      </a:defRPr>
+    </a:lvl3pPr>
+    <a:lvl4pPr marL="1371600" algn="l" defTabSz="914400" rtl="0" eaLnBrk="1" latinLnBrk="0" hangingPunct="1">
+      <a:defRPr sz="1200" kern="1200">
+        <a:solidFill>
+          <a:schemeClr val="tx1"/>
+        </a:solidFill>
+        <a:latin typeface="+mn-lt"/>
+        <a:ea typeface="+mn-ea"/>
+        <a:cs typeface="+mn-cs"/>
+      </a:defRPr>
+    </a:lvl4pPr>
+    <a:lvl5pPr marL="1828800" algn="l" defTabSz="914400" rtl="0" eaLnBrk="1" latinLnBrk="0" hangingPunct="1">
+      <a:defRPr sz="1200" kern="1200">
+        <a:solidFill>
+          <a:schemeClr val="tx1"/>
+        </a:solidFill>
+        <a:latin typeface="+mn-lt"/>
+        <a:ea typeface="+mn-ea"/>
+        <a:cs typeface="+mn-cs"/>
+      </a:defRPr>
+    </a:lvl5pPr>
+    <a:lvl6pPr marL="2286000" algn="l" defTabSz="914400" rtl="0" eaLnBrk="1" latinLnBrk="0" hangingPunct="1">
+      <a:defRPr sz="1200" kern="1200">
+        <a:solidFill>
+          <a:schemeClr val="tx1"/>
+        </a:solidFill>
+        <a:latin typeface="+mn-lt"/>
+        <a:ea typeface="+mn-ea"/>
+        <a:cs typeface="+mn-cs"/>
+      </a:defRPr>
+    </a:lvl6pPr>
+    <a:lvl7pPr marL="2743200" algn="l" defTabSz="914400" rtl="0" eaLnBrk="1" latinLnBrk="0" hangingPunct="1">
+      <a:defRPr sz="1200" kern="1200">
+        <a:solidFill>
+          <a:schemeClr val="tx1"/>
+        </a:solidFill>
+        <a:latin typeface="+mn-lt"/>
+        <a:ea typeface="+mn-ea"/>
+        <a:cs typeface="+mn-cs"/>
+      </a:defRPr>
+    </a:lvl7pPr>
+    <a:lvl8pPr marL="3200400" algn="l" defTabSz="914400" rtl="0" eaLnBrk="1" latinLnBrk="0" hangingPunct="1">
+      <a:defRPr sz="1200" kern="1200">
+        <a:solidFill>
+          <a:schemeClr val="tx1"/>
+        </a:solidFill>
+        <a:latin typeface="+mn-lt"/>
+        <a:ea typeface="+mn-ea"/>
+        <a:cs typeface="+mn-cs"/>
+      </a:defRPr>
+    </a:lvl8pPr>
+    <a:lvl9pPr marL="3657600" algn="l" defTabSz="914400" rtl="0" eaLnBrk="1" latinLnBrk="0" hangingPunct="1">
+      <a:defRPr sz="1200" kern="1200">
+        <a:solidFill>
+          <a:schemeClr val="tx1"/>
+        </a:solidFill>
+        <a:latin typeface="+mn-lt"/>
+        <a:ea typeface="+mn-ea"/>
+        <a:cs typeface="+mn-cs"/>
+      </a:defRPr>
+    </a:lvl9pPr>
+  </p:notesStyle>
+</p:notesMaster>
+</file>
+
 <file path=ppt/slideLayouts/slideLayout1.xml><?xml version="1.0" encoding="utf-8"?>
 <p:sldLayout xmlns:a="http://schemas.openxmlformats.org/drawingml/2006/main" xmlns:r="http://schemas.openxmlformats.org/officeDocument/2006/relationships" xmlns:p="http://schemas.openxmlformats.org/presentationml/2006/main" showMasterSp="0" type="title" preserve="1">
   <p:cSld name="Title Slide">
@@ -3695,7 +4047,7 @@
           <a:noFill/>
           <a:extLst>
             <a:ext uri="{909E8E84-426E-40dd-AFC4-6F175D3DCCD1}">
-              <a14:hiddenFill xmlns:a14="http://schemas.microsoft.com/office/drawing/2010/main" xmlns="">
+              <a14:hiddenFill xmlns="" xmlns:a14="http://schemas.microsoft.com/office/drawing/2010/main">
                 <a:solidFill>
                   <a:srgbClr val="FFFFFF"/>
                 </a:solidFill>
@@ -3754,7 +4106,7 @@
             </a:ln>
             <a:extLst>
               <a:ext uri="{91240B29-F687-4f45-9708-019B960494DF}">
-                <a14:hiddenLine xmlns:a14="http://schemas.microsoft.com/office/drawing/2010/main" xmlns="" w="9525">
+                <a14:hiddenLine xmlns="" xmlns:a14="http://schemas.microsoft.com/office/drawing/2010/main" w="9525">
                   <a:solidFill>
                     <a:srgbClr val="000000"/>
                   </a:solidFill>
@@ -3844,7 +4196,7 @@
             </a:ln>
             <a:extLst>
               <a:ext uri="{91240B29-F687-4f45-9708-019B960494DF}">
-                <a14:hiddenLine xmlns:a14="http://schemas.microsoft.com/office/drawing/2010/main" xmlns="" w="9525">
+                <a14:hiddenLine xmlns="" xmlns:a14="http://schemas.microsoft.com/office/drawing/2010/main" w="9525">
                   <a:solidFill>
                     <a:srgbClr val="000000"/>
                   </a:solidFill>
@@ -3934,7 +4286,7 @@
             </a:ln>
             <a:extLst>
               <a:ext uri="{91240B29-F687-4f45-9708-019B960494DF}">
-                <a14:hiddenLine xmlns:a14="http://schemas.microsoft.com/office/drawing/2010/main" xmlns="" w="9525">
+                <a14:hiddenLine xmlns="" xmlns:a14="http://schemas.microsoft.com/office/drawing/2010/main" w="9525">
                   <a:solidFill>
                     <a:srgbClr val="000000"/>
                   </a:solidFill>
@@ -3968,7 +4320,7 @@
             </a:ln>
             <a:extLst>
               <a:ext uri="{91240B29-F687-4f45-9708-019B960494DF}">
-                <a14:hiddenLine xmlns:a14="http://schemas.microsoft.com/office/drawing/2010/main" xmlns="" w="9525">
+                <a14:hiddenLine xmlns="" xmlns:a14="http://schemas.microsoft.com/office/drawing/2010/main" w="9525">
                   <a:solidFill>
                     <a:srgbClr val="000000"/>
                   </a:solidFill>
@@ -4058,7 +4410,7 @@
             </a:ln>
             <a:extLst>
               <a:ext uri="{91240B29-F687-4f45-9708-019B960494DF}">
-                <a14:hiddenLine xmlns:a14="http://schemas.microsoft.com/office/drawing/2010/main" xmlns="" w="9525">
+                <a14:hiddenLine xmlns="" xmlns:a14="http://schemas.microsoft.com/office/drawing/2010/main" w="9525">
                   <a:solidFill>
                     <a:srgbClr val="000000"/>
                   </a:solidFill>
@@ -4120,7 +4472,7 @@
             </a:ln>
             <a:extLst>
               <a:ext uri="{91240B29-F687-4f45-9708-019B960494DF}">
-                <a14:hiddenLine xmlns:a14="http://schemas.microsoft.com/office/drawing/2010/main" xmlns="" w="9525">
+                <a14:hiddenLine xmlns="" xmlns:a14="http://schemas.microsoft.com/office/drawing/2010/main" w="9525">
                   <a:solidFill>
                     <a:srgbClr val="000000"/>
                   </a:solidFill>
@@ -4182,7 +4534,7 @@
             </a:ln>
             <a:extLst>
               <a:ext uri="{91240B29-F687-4f45-9708-019B960494DF}">
-                <a14:hiddenLine xmlns:a14="http://schemas.microsoft.com/office/drawing/2010/main" xmlns="" w="9525">
+                <a14:hiddenLine xmlns="" xmlns:a14="http://schemas.microsoft.com/office/drawing/2010/main" w="9525">
                   <a:solidFill>
                     <a:srgbClr val="000000"/>
                   </a:solidFill>
@@ -4272,7 +4624,7 @@
             </a:ln>
             <a:extLst>
               <a:ext uri="{91240B29-F687-4f45-9708-019B960494DF}">
-                <a14:hiddenLine xmlns:a14="http://schemas.microsoft.com/office/drawing/2010/main" xmlns="" w="9525">
+                <a14:hiddenLine xmlns="" xmlns:a14="http://schemas.microsoft.com/office/drawing/2010/main" w="9525">
                   <a:solidFill>
                     <a:srgbClr val="000000"/>
                   </a:solidFill>
@@ -4334,7 +4686,7 @@
             </a:ln>
             <a:extLst>
               <a:ext uri="{91240B29-F687-4f45-9708-019B960494DF}">
-                <a14:hiddenLine xmlns:a14="http://schemas.microsoft.com/office/drawing/2010/main" xmlns="" w="9525">
+                <a14:hiddenLine xmlns="" xmlns:a14="http://schemas.microsoft.com/office/drawing/2010/main" w="9525">
                   <a:solidFill>
                     <a:srgbClr val="000000"/>
                   </a:solidFill>
@@ -4396,7 +4748,7 @@
             </a:ln>
             <a:extLst>
               <a:ext uri="{91240B29-F687-4f45-9708-019B960494DF}">
-                <a14:hiddenLine xmlns:a14="http://schemas.microsoft.com/office/drawing/2010/main" xmlns="" w="9525">
+                <a14:hiddenLine xmlns="" xmlns:a14="http://schemas.microsoft.com/office/drawing/2010/main" w="9525">
                   <a:solidFill>
                     <a:srgbClr val="000000"/>
                   </a:solidFill>
@@ -4486,7 +4838,7 @@
             </a:ln>
             <a:extLst>
               <a:ext uri="{91240B29-F687-4f45-9708-019B960494DF}">
-                <a14:hiddenLine xmlns:a14="http://schemas.microsoft.com/office/drawing/2010/main" xmlns="" w="9525">
+                <a14:hiddenLine xmlns="" xmlns:a14="http://schemas.microsoft.com/office/drawing/2010/main" w="9525">
                   <a:solidFill>
                     <a:srgbClr val="000000"/>
                   </a:solidFill>
@@ -4576,7 +4928,7 @@
             </a:ln>
             <a:extLst>
               <a:ext uri="{91240B29-F687-4f45-9708-019B960494DF}">
-                <a14:hiddenLine xmlns:a14="http://schemas.microsoft.com/office/drawing/2010/main" xmlns="" w="9525">
+                <a14:hiddenLine xmlns="" xmlns:a14="http://schemas.microsoft.com/office/drawing/2010/main" w="9525">
                   <a:solidFill>
                     <a:srgbClr val="000000"/>
                   </a:solidFill>
@@ -4638,7 +4990,7 @@
             </a:ln>
             <a:extLst>
               <a:ext uri="{91240B29-F687-4f45-9708-019B960494DF}">
-                <a14:hiddenLine xmlns:a14="http://schemas.microsoft.com/office/drawing/2010/main" xmlns="" w="9525">
+                <a14:hiddenLine xmlns="" xmlns:a14="http://schemas.microsoft.com/office/drawing/2010/main" w="9525">
                   <a:solidFill>
                     <a:srgbClr val="000000"/>
                   </a:solidFill>
@@ -4748,7 +5100,7 @@
             </a:ln>
             <a:extLst>
               <a:ext uri="{91240B29-F687-4f45-9708-019B960494DF}">
-                <a14:hiddenLine xmlns:a14="http://schemas.microsoft.com/office/drawing/2010/main" xmlns="" w="9525">
+                <a14:hiddenLine xmlns="" xmlns:a14="http://schemas.microsoft.com/office/drawing/2010/main" w="9525">
                   <a:solidFill>
                     <a:srgbClr val="000000"/>
                   </a:solidFill>
@@ -4810,7 +5162,7 @@
             </a:ln>
             <a:extLst>
               <a:ext uri="{91240B29-F687-4f45-9708-019B960494DF}">
-                <a14:hiddenLine xmlns:a14="http://schemas.microsoft.com/office/drawing/2010/main" xmlns="" w="9525">
+                <a14:hiddenLine xmlns="" xmlns:a14="http://schemas.microsoft.com/office/drawing/2010/main" w="9525">
                   <a:solidFill>
                     <a:srgbClr val="000000"/>
                   </a:solidFill>
@@ -4900,7 +5252,7 @@
             </a:ln>
             <a:extLst>
               <a:ext uri="{91240B29-F687-4f45-9708-019B960494DF}">
-                <a14:hiddenLine xmlns:a14="http://schemas.microsoft.com/office/drawing/2010/main" xmlns="" w="9525">
+                <a14:hiddenLine xmlns="" xmlns:a14="http://schemas.microsoft.com/office/drawing/2010/main" w="9525">
                   <a:solidFill>
                     <a:srgbClr val="000000"/>
                   </a:solidFill>
@@ -4990,7 +5342,7 @@
             </a:ln>
             <a:extLst>
               <a:ext uri="{91240B29-F687-4f45-9708-019B960494DF}">
-                <a14:hiddenLine xmlns:a14="http://schemas.microsoft.com/office/drawing/2010/main" xmlns="" w="9525">
+                <a14:hiddenLine xmlns="" xmlns:a14="http://schemas.microsoft.com/office/drawing/2010/main" w="9525">
                   <a:solidFill>
                     <a:srgbClr val="000000"/>
                   </a:solidFill>
@@ -5052,7 +5404,7 @@
             </a:ln>
             <a:extLst>
               <a:ext uri="{91240B29-F687-4f45-9708-019B960494DF}">
-                <a14:hiddenLine xmlns:a14="http://schemas.microsoft.com/office/drawing/2010/main" xmlns="" w="9525">
+                <a14:hiddenLine xmlns="" xmlns:a14="http://schemas.microsoft.com/office/drawing/2010/main" w="9525">
                   <a:solidFill>
                     <a:srgbClr val="000000"/>
                   </a:solidFill>
@@ -5142,7 +5494,7 @@
             </a:ln>
             <a:extLst>
               <a:ext uri="{91240B29-F687-4f45-9708-019B960494DF}">
-                <a14:hiddenLine xmlns:a14="http://schemas.microsoft.com/office/drawing/2010/main" xmlns="" w="9525">
+                <a14:hiddenLine xmlns="" xmlns:a14="http://schemas.microsoft.com/office/drawing/2010/main" w="9525">
                   <a:solidFill>
                     <a:srgbClr val="000000"/>
                   </a:solidFill>
@@ -5232,7 +5584,7 @@
             </a:ln>
             <a:extLst>
               <a:ext uri="{91240B29-F687-4f45-9708-019B960494DF}">
-                <a14:hiddenLine xmlns:a14="http://schemas.microsoft.com/office/drawing/2010/main" xmlns="" w="9525">
+                <a14:hiddenLine xmlns="" xmlns:a14="http://schemas.microsoft.com/office/drawing/2010/main" w="9525">
                   <a:solidFill>
                     <a:srgbClr val="000000"/>
                   </a:solidFill>
@@ -5288,7 +5640,7 @@
             </a:ln>
             <a:extLst>
               <a:ext uri="{91240B29-F687-4f45-9708-019B960494DF}">
-                <a14:hiddenLine xmlns:a14="http://schemas.microsoft.com/office/drawing/2010/main" xmlns="" w="9525">
+                <a14:hiddenLine xmlns="" xmlns:a14="http://schemas.microsoft.com/office/drawing/2010/main" w="9525">
                   <a:solidFill>
                     <a:srgbClr val="000000"/>
                   </a:solidFill>
@@ -5378,7 +5730,7 @@
             </a:ln>
             <a:extLst>
               <a:ext uri="{91240B29-F687-4f45-9708-019B960494DF}">
-                <a14:hiddenLine xmlns:a14="http://schemas.microsoft.com/office/drawing/2010/main" xmlns="" w="9525">
+                <a14:hiddenLine xmlns="" xmlns:a14="http://schemas.microsoft.com/office/drawing/2010/main" w="9525">
                   <a:solidFill>
                     <a:srgbClr val="000000"/>
                   </a:solidFill>
@@ -5434,7 +5786,7 @@
             </a:ln>
             <a:extLst>
               <a:ext uri="{91240B29-F687-4f45-9708-019B960494DF}">
-                <a14:hiddenLine xmlns:a14="http://schemas.microsoft.com/office/drawing/2010/main" xmlns="" w="9525">
+                <a14:hiddenLine xmlns="" xmlns:a14="http://schemas.microsoft.com/office/drawing/2010/main" w="9525">
                   <a:solidFill>
                     <a:srgbClr val="000000"/>
                   </a:solidFill>
@@ -5524,7 +5876,7 @@
             </a:ln>
             <a:extLst>
               <a:ext uri="{91240B29-F687-4f45-9708-019B960494DF}">
-                <a14:hiddenLine xmlns:a14="http://schemas.microsoft.com/office/drawing/2010/main" xmlns="" w="9525">
+                <a14:hiddenLine xmlns="" xmlns:a14="http://schemas.microsoft.com/office/drawing/2010/main" w="9525">
                   <a:solidFill>
                     <a:srgbClr val="000000"/>
                   </a:solidFill>
@@ -5592,7 +5944,7 @@
             </a:ln>
             <a:extLst>
               <a:ext uri="{91240B29-F687-4f45-9708-019B960494DF}">
-                <a14:hiddenLine xmlns:a14="http://schemas.microsoft.com/office/drawing/2010/main" xmlns="" w="9525">
+                <a14:hiddenLine xmlns="" xmlns:a14="http://schemas.microsoft.com/office/drawing/2010/main" w="9525">
                   <a:solidFill>
                     <a:srgbClr val="000000"/>
                   </a:solidFill>
@@ -5682,7 +6034,7 @@
             </a:ln>
             <a:extLst>
               <a:ext uri="{91240B29-F687-4f45-9708-019B960494DF}">
-                <a14:hiddenLine xmlns:a14="http://schemas.microsoft.com/office/drawing/2010/main" xmlns="" w="9525">
+                <a14:hiddenLine xmlns="" xmlns:a14="http://schemas.microsoft.com/office/drawing/2010/main" w="9525">
                   <a:solidFill>
                     <a:srgbClr val="000000"/>
                   </a:solidFill>
@@ -5750,7 +6102,7 @@
             </a:ln>
             <a:extLst>
               <a:ext uri="{91240B29-F687-4f45-9708-019B960494DF}">
-                <a14:hiddenLine xmlns:a14="http://schemas.microsoft.com/office/drawing/2010/main" xmlns="" w="9525">
+                <a14:hiddenLine xmlns="" xmlns:a14="http://schemas.microsoft.com/office/drawing/2010/main" w="9525">
                   <a:solidFill>
                     <a:srgbClr val="000000"/>
                   </a:solidFill>
@@ -5840,7 +6192,7 @@
             </a:ln>
             <a:extLst>
               <a:ext uri="{91240B29-F687-4f45-9708-019B960494DF}">
-                <a14:hiddenLine xmlns:a14="http://schemas.microsoft.com/office/drawing/2010/main" xmlns="" w="9525">
+                <a14:hiddenLine xmlns="" xmlns:a14="http://schemas.microsoft.com/office/drawing/2010/main" w="9525">
                   <a:solidFill>
                     <a:srgbClr val="000000"/>
                   </a:solidFill>
@@ -5874,7 +6226,7 @@
             </a:ln>
             <a:extLst>
               <a:ext uri="{91240B29-F687-4f45-9708-019B960494DF}">
-                <a14:hiddenLine xmlns:a14="http://schemas.microsoft.com/office/drawing/2010/main" xmlns="" w="9525">
+                <a14:hiddenLine xmlns="" xmlns:a14="http://schemas.microsoft.com/office/drawing/2010/main" w="9525">
                   <a:solidFill>
                     <a:srgbClr val="000000"/>
                   </a:solidFill>
@@ -5964,7 +6316,7 @@
             </a:ln>
             <a:extLst>
               <a:ext uri="{91240B29-F687-4f45-9708-019B960494DF}">
-                <a14:hiddenLine xmlns:a14="http://schemas.microsoft.com/office/drawing/2010/main" xmlns="" w="9525">
+                <a14:hiddenLine xmlns="" xmlns:a14="http://schemas.microsoft.com/office/drawing/2010/main" w="9525">
                   <a:solidFill>
                     <a:srgbClr val="000000"/>
                   </a:solidFill>
@@ -6026,7 +6378,7 @@
             </a:ln>
             <a:extLst>
               <a:ext uri="{91240B29-F687-4f45-9708-019B960494DF}">
-                <a14:hiddenLine xmlns:a14="http://schemas.microsoft.com/office/drawing/2010/main" xmlns="" w="9525">
+                <a14:hiddenLine xmlns="" xmlns:a14="http://schemas.microsoft.com/office/drawing/2010/main" w="9525">
                   <a:solidFill>
                     <a:srgbClr val="000000"/>
                   </a:solidFill>
@@ -6088,7 +6440,7 @@
             </a:ln>
             <a:extLst>
               <a:ext uri="{91240B29-F687-4f45-9708-019B960494DF}">
-                <a14:hiddenLine xmlns:a14="http://schemas.microsoft.com/office/drawing/2010/main" xmlns="" w="9525">
+                <a14:hiddenLine xmlns="" xmlns:a14="http://schemas.microsoft.com/office/drawing/2010/main" w="9525">
                   <a:solidFill>
                     <a:srgbClr val="000000"/>
                   </a:solidFill>
@@ -6178,7 +6530,7 @@
             </a:ln>
             <a:extLst>
               <a:ext uri="{91240B29-F687-4f45-9708-019B960494DF}">
-                <a14:hiddenLine xmlns:a14="http://schemas.microsoft.com/office/drawing/2010/main" xmlns="" w="9525">
+                <a14:hiddenLine xmlns="" xmlns:a14="http://schemas.microsoft.com/office/drawing/2010/main" w="9525">
                   <a:solidFill>
                     <a:srgbClr val="000000"/>
                   </a:solidFill>
@@ -6246,7 +6598,7 @@
             </a:ln>
             <a:extLst>
               <a:ext uri="{91240B29-F687-4f45-9708-019B960494DF}">
-                <a14:hiddenLine xmlns:a14="http://schemas.microsoft.com/office/drawing/2010/main" xmlns="" w="9525">
+                <a14:hiddenLine xmlns="" xmlns:a14="http://schemas.microsoft.com/office/drawing/2010/main" w="9525">
                   <a:solidFill>
                     <a:srgbClr val="000000"/>
                   </a:solidFill>
@@ -6308,7 +6660,7 @@
             </a:ln>
             <a:extLst>
               <a:ext uri="{91240B29-F687-4f45-9708-019B960494DF}">
-                <a14:hiddenLine xmlns:a14="http://schemas.microsoft.com/office/drawing/2010/main" xmlns="" w="9525">
+                <a14:hiddenLine xmlns="" xmlns:a14="http://schemas.microsoft.com/office/drawing/2010/main" w="9525">
                   <a:solidFill>
                     <a:srgbClr val="000000"/>
                   </a:solidFill>
@@ -6398,7 +6750,7 @@
             </a:ln>
             <a:extLst>
               <a:ext uri="{91240B29-F687-4f45-9708-019B960494DF}">
-                <a14:hiddenLine xmlns:a14="http://schemas.microsoft.com/office/drawing/2010/main" xmlns="" w="9525">
+                <a14:hiddenLine xmlns="" xmlns:a14="http://schemas.microsoft.com/office/drawing/2010/main" w="9525">
                   <a:solidFill>
                     <a:srgbClr val="000000"/>
                   </a:solidFill>
@@ -6460,7 +6812,7 @@
             </a:ln>
             <a:extLst>
               <a:ext uri="{91240B29-F687-4f45-9708-019B960494DF}">
-                <a14:hiddenLine xmlns:a14="http://schemas.microsoft.com/office/drawing/2010/main" xmlns="" w="9525">
+                <a14:hiddenLine xmlns="" xmlns:a14="http://schemas.microsoft.com/office/drawing/2010/main" w="9525">
                   <a:solidFill>
                     <a:srgbClr val="000000"/>
                   </a:solidFill>
@@ -6550,7 +6902,7 @@
             </a:ln>
             <a:extLst>
               <a:ext uri="{91240B29-F687-4f45-9708-019B960494DF}">
-                <a14:hiddenLine xmlns:a14="http://schemas.microsoft.com/office/drawing/2010/main" xmlns="" w="9525">
+                <a14:hiddenLine xmlns="" xmlns:a14="http://schemas.microsoft.com/office/drawing/2010/main" w="9525">
                   <a:solidFill>
                     <a:srgbClr val="000000"/>
                   </a:solidFill>
@@ -6612,7 +6964,7 @@
             </a:ln>
             <a:extLst>
               <a:ext uri="{91240B29-F687-4f45-9708-019B960494DF}">
-                <a14:hiddenLine xmlns:a14="http://schemas.microsoft.com/office/drawing/2010/main" xmlns="" w="9525">
+                <a14:hiddenLine xmlns="" xmlns:a14="http://schemas.microsoft.com/office/drawing/2010/main" w="9525">
                   <a:solidFill>
                     <a:srgbClr val="000000"/>
                   </a:solidFill>
@@ -6702,7 +7054,7 @@
             </a:ln>
             <a:extLst>
               <a:ext uri="{91240B29-F687-4f45-9708-019B960494DF}">
-                <a14:hiddenLine xmlns:a14="http://schemas.microsoft.com/office/drawing/2010/main" xmlns="" w="9525">
+                <a14:hiddenLine xmlns="" xmlns:a14="http://schemas.microsoft.com/office/drawing/2010/main" w="9525">
                   <a:solidFill>
                     <a:srgbClr val="000000"/>
                   </a:solidFill>
@@ -6736,7 +7088,7 @@
             </a:ln>
             <a:extLst>
               <a:ext uri="{91240B29-F687-4f45-9708-019B960494DF}">
-                <a14:hiddenLine xmlns:a14="http://schemas.microsoft.com/office/drawing/2010/main" xmlns="" w="9525">
+                <a14:hiddenLine xmlns="" xmlns:a14="http://schemas.microsoft.com/office/drawing/2010/main" w="9525">
                   <a:solidFill>
                     <a:srgbClr val="000000"/>
                   </a:solidFill>
@@ -6801,7 +7153,7 @@
             </a:ln>
             <a:extLst>
               <a:ext uri="{91240B29-F687-4f45-9708-019B960494DF}">
-                <a14:hiddenLine xmlns:a14="http://schemas.microsoft.com/office/drawing/2010/main" xmlns="" w="9525">
+                <a14:hiddenLine xmlns="" xmlns:a14="http://schemas.microsoft.com/office/drawing/2010/main" w="9525">
                   <a:solidFill>
                     <a:srgbClr val="000000"/>
                   </a:solidFill>
@@ -6891,7 +7243,7 @@
             </a:ln>
             <a:extLst>
               <a:ext uri="{91240B29-F687-4f45-9708-019B960494DF}">
-                <a14:hiddenLine xmlns:a14="http://schemas.microsoft.com/office/drawing/2010/main" xmlns="" w="9525">
+                <a14:hiddenLine xmlns="" xmlns:a14="http://schemas.microsoft.com/office/drawing/2010/main" w="9525">
                   <a:solidFill>
                     <a:srgbClr val="000000"/>
                   </a:solidFill>
@@ -6953,7 +7305,7 @@
             </a:ln>
             <a:extLst>
               <a:ext uri="{91240B29-F687-4f45-9708-019B960494DF}">
-                <a14:hiddenLine xmlns:a14="http://schemas.microsoft.com/office/drawing/2010/main" xmlns="" w="9525">
+                <a14:hiddenLine xmlns="" xmlns:a14="http://schemas.microsoft.com/office/drawing/2010/main" w="9525">
                   <a:solidFill>
                     <a:srgbClr val="000000"/>
                   </a:solidFill>
@@ -7043,7 +7395,7 @@
             </a:ln>
             <a:extLst>
               <a:ext uri="{91240B29-F687-4f45-9708-019B960494DF}">
-                <a14:hiddenLine xmlns:a14="http://schemas.microsoft.com/office/drawing/2010/main" xmlns="" w="9525">
+                <a14:hiddenLine xmlns="" xmlns:a14="http://schemas.microsoft.com/office/drawing/2010/main" w="9525">
                   <a:solidFill>
                     <a:srgbClr val="000000"/>
                   </a:solidFill>
@@ -7133,7 +7485,7 @@
             </a:ln>
             <a:extLst>
               <a:ext uri="{91240B29-F687-4f45-9708-019B960494DF}">
-                <a14:hiddenLine xmlns:a14="http://schemas.microsoft.com/office/drawing/2010/main" xmlns="" w="9525">
+                <a14:hiddenLine xmlns="" xmlns:a14="http://schemas.microsoft.com/office/drawing/2010/main" w="9525">
                   <a:solidFill>
                     <a:srgbClr val="000000"/>
                   </a:solidFill>
@@ -7198,7 +7550,7 @@
             </a:ln>
             <a:extLst>
               <a:ext uri="{91240B29-F687-4f45-9708-019B960494DF}">
-                <a14:hiddenLine xmlns:a14="http://schemas.microsoft.com/office/drawing/2010/main" xmlns="" w="9525">
+                <a14:hiddenLine xmlns="" xmlns:a14="http://schemas.microsoft.com/office/drawing/2010/main" w="9525">
                   <a:solidFill>
                     <a:srgbClr val="000000"/>
                   </a:solidFill>
@@ -7260,7 +7612,7 @@
             </a:ln>
             <a:extLst>
               <a:ext uri="{91240B29-F687-4f45-9708-019B960494DF}">
-                <a14:hiddenLine xmlns:a14="http://schemas.microsoft.com/office/drawing/2010/main" xmlns="" w="9525">
+                <a14:hiddenLine xmlns="" xmlns:a14="http://schemas.microsoft.com/office/drawing/2010/main" w="9525">
                   <a:solidFill>
                     <a:srgbClr val="000000"/>
                   </a:solidFill>
@@ -7350,7 +7702,7 @@
             </a:ln>
             <a:extLst>
               <a:ext uri="{91240B29-F687-4f45-9708-019B960494DF}">
-                <a14:hiddenLine xmlns:a14="http://schemas.microsoft.com/office/drawing/2010/main" xmlns="" w="9525">
+                <a14:hiddenLine xmlns="" xmlns:a14="http://schemas.microsoft.com/office/drawing/2010/main" w="9525">
                   <a:solidFill>
                     <a:srgbClr val="000000"/>
                   </a:solidFill>
@@ -7440,7 +7792,7 @@
             </a:ln>
             <a:extLst>
               <a:ext uri="{91240B29-F687-4f45-9708-019B960494DF}">
-                <a14:hiddenLine xmlns:a14="http://schemas.microsoft.com/office/drawing/2010/main" xmlns="" w="9525">
+                <a14:hiddenLine xmlns="" xmlns:a14="http://schemas.microsoft.com/office/drawing/2010/main" w="9525">
                   <a:solidFill>
                     <a:srgbClr val="000000"/>
                   </a:solidFill>
@@ -7502,7 +7854,7 @@
             </a:ln>
             <a:extLst>
               <a:ext uri="{91240B29-F687-4f45-9708-019B960494DF}">
-                <a14:hiddenLine xmlns:a14="http://schemas.microsoft.com/office/drawing/2010/main" xmlns="" w="9525">
+                <a14:hiddenLine xmlns="" xmlns:a14="http://schemas.microsoft.com/office/drawing/2010/main" w="9525">
                   <a:solidFill>
                     <a:srgbClr val="000000"/>
                   </a:solidFill>
@@ -7622,7 +7974,7 @@
             </a:ln>
             <a:extLst>
               <a:ext uri="{91240B29-F687-4f45-9708-019B960494DF}">
-                <a14:hiddenLine xmlns:a14="http://schemas.microsoft.com/office/drawing/2010/main" xmlns="" w="9525">
+                <a14:hiddenLine xmlns="" xmlns:a14="http://schemas.microsoft.com/office/drawing/2010/main" w="9525">
                   <a:solidFill>
                     <a:srgbClr val="000000"/>
                   </a:solidFill>
@@ -7690,7 +8042,7 @@
             </a:ln>
             <a:extLst>
               <a:ext uri="{91240B29-F687-4f45-9708-019B960494DF}">
-                <a14:hiddenLine xmlns:a14="http://schemas.microsoft.com/office/drawing/2010/main" xmlns="" w="9525">
+                <a14:hiddenLine xmlns="" xmlns:a14="http://schemas.microsoft.com/office/drawing/2010/main" w="9525">
                   <a:solidFill>
                     <a:srgbClr val="000000"/>
                   </a:solidFill>
@@ -7780,7 +8132,7 @@
             </a:ln>
             <a:extLst>
               <a:ext uri="{91240B29-F687-4f45-9708-019B960494DF}">
-                <a14:hiddenLine xmlns:a14="http://schemas.microsoft.com/office/drawing/2010/main" xmlns="" w="9525">
+                <a14:hiddenLine xmlns="" xmlns:a14="http://schemas.microsoft.com/office/drawing/2010/main" w="9525">
                   <a:solidFill>
                     <a:srgbClr val="000000"/>
                   </a:solidFill>
@@ -7920,7 +8272,7 @@
           <a:p>
             <a:fld id="{48A87A34-81AB-432B-8DAE-1953F412C126}" type="datetimeFigureOut">
               <a:rPr lang="en-US" dirty="0"/>
-              <a:t>7/11/2021</a:t>
+              <a:t>7/13/2021</a:t>
             </a:fld>
             <a:endParaRPr lang="en-US" dirty="0"/>
           </a:p>
@@ -8182,7 +8534,7 @@
           <a:p>
             <a:fld id="{48A87A34-81AB-432B-8DAE-1953F412C126}" type="datetimeFigureOut">
               <a:rPr lang="en-US" dirty="0"/>
-              <a:t>7/11/2021</a:t>
+              <a:t>7/13/2021</a:t>
             </a:fld>
             <a:endParaRPr lang="en-US" dirty="0"/>
           </a:p>
@@ -8373,7 +8725,7 @@
           <a:p>
             <a:fld id="{48A87A34-81AB-432B-8DAE-1953F412C126}" type="datetimeFigureOut">
               <a:rPr lang="en-US" dirty="0"/>
-              <a:t>7/11/2021</a:t>
+              <a:t>7/13/2021</a:t>
             </a:fld>
             <a:endParaRPr lang="en-US" dirty="0"/>
           </a:p>
@@ -8631,7 +8983,7 @@
           <a:p>
             <a:fld id="{48A87A34-81AB-432B-8DAE-1953F412C126}" type="datetimeFigureOut">
               <a:rPr lang="en-US" dirty="0"/>
-              <a:t>7/11/2021</a:t>
+              <a:t>7/13/2021</a:t>
             </a:fld>
             <a:endParaRPr lang="en-US" dirty="0"/>
           </a:p>
@@ -9060,7 +9412,7 @@
           <a:p>
             <a:fld id="{48A87A34-81AB-432B-8DAE-1953F412C126}" type="datetimeFigureOut">
               <a:rPr lang="en-US" dirty="0"/>
-              <a:t>7/11/2021</a:t>
+              <a:t>7/13/2021</a:t>
             </a:fld>
             <a:endParaRPr lang="en-US" dirty="0"/>
           </a:p>
@@ -9601,7 +9953,7 @@
           <a:p>
             <a:fld id="{48A87A34-81AB-432B-8DAE-1953F412C126}" type="datetimeFigureOut">
               <a:rPr lang="en-US" dirty="0"/>
-              <a:t>7/11/2021</a:t>
+              <a:t>7/13/2021</a:t>
             </a:fld>
             <a:endParaRPr lang="en-US" dirty="0"/>
           </a:p>
@@ -10316,7 +10668,7 @@
           <a:p>
             <a:fld id="{48A87A34-81AB-432B-8DAE-1953F412C126}" type="datetimeFigureOut">
               <a:rPr lang="en-US" dirty="0"/>
-              <a:t>7/11/2021</a:t>
+              <a:t>7/13/2021</a:t>
             </a:fld>
             <a:endParaRPr lang="en-US" dirty="0"/>
           </a:p>
@@ -10481,7 +10833,7 @@
           <a:p>
             <a:fld id="{48A87A34-81AB-432B-8DAE-1953F412C126}" type="datetimeFigureOut">
               <a:rPr lang="en-US" dirty="0"/>
-              <a:t>7/11/2021</a:t>
+              <a:t>7/13/2021</a:t>
             </a:fld>
             <a:endParaRPr lang="en-US" dirty="0"/>
           </a:p>
@@ -10656,7 +11008,7 @@
           <a:p>
             <a:fld id="{48A87A34-81AB-432B-8DAE-1953F412C126}" type="datetimeFigureOut">
               <a:rPr lang="en-US" dirty="0"/>
-              <a:t>7/11/2021</a:t>
+              <a:t>7/13/2021</a:t>
             </a:fld>
             <a:endParaRPr lang="en-US" dirty="0"/>
           </a:p>
@@ -11113,7 +11465,7 @@
           <a:p>
             <a:fld id="{48A87A34-81AB-432B-8DAE-1953F412C126}" type="datetimeFigureOut">
               <a:rPr lang="en-US" dirty="0"/>
-              <a:t>7/11/2021</a:t>
+              <a:t>7/13/2021</a:t>
             </a:fld>
             <a:endParaRPr lang="en-US" dirty="0"/>
           </a:p>
@@ -11358,7 +11710,7 @@
           <a:p>
             <a:fld id="{48A87A34-81AB-432B-8DAE-1953F412C126}" type="datetimeFigureOut">
               <a:rPr lang="en-US" dirty="0"/>
-              <a:t>7/11/2021</a:t>
+              <a:t>7/13/2021</a:t>
             </a:fld>
             <a:endParaRPr lang="en-US" dirty="0"/>
           </a:p>
@@ -11585,7 +11937,7 @@
           <a:p>
             <a:fld id="{48A87A34-81AB-432B-8DAE-1953F412C126}" type="datetimeFigureOut">
               <a:rPr lang="en-US" dirty="0"/>
-              <a:t>7/11/2021</a:t>
+              <a:t>7/13/2021</a:t>
             </a:fld>
             <a:endParaRPr lang="en-US" dirty="0"/>
           </a:p>
@@ -11961,7 +12313,7 @@
           <a:p>
             <a:fld id="{48A87A34-81AB-432B-8DAE-1953F412C126}" type="datetimeFigureOut">
               <a:rPr lang="en-US" dirty="0"/>
-              <a:t>7/11/2021</a:t>
+              <a:t>7/13/2021</a:t>
             </a:fld>
             <a:endParaRPr lang="en-US" dirty="0"/>
           </a:p>
@@ -12074,7 +12426,7 @@
           <a:p>
             <a:fld id="{48A87A34-81AB-432B-8DAE-1953F412C126}" type="datetimeFigureOut">
               <a:rPr lang="en-US" dirty="0"/>
-              <a:t>7/11/2021</a:t>
+              <a:t>7/13/2021</a:t>
             </a:fld>
             <a:endParaRPr lang="en-US" dirty="0"/>
           </a:p>
@@ -12164,7 +12516,7 @@
           <a:p>
             <a:fld id="{48A87A34-81AB-432B-8DAE-1953F412C126}" type="datetimeFigureOut">
               <a:rPr lang="en-US" dirty="0"/>
-              <a:t>7/11/2021</a:t>
+              <a:t>7/13/2021</a:t>
             </a:fld>
             <a:endParaRPr lang="en-US" dirty="0"/>
           </a:p>
@@ -12408,7 +12760,7 @@
           <a:p>
             <a:fld id="{48A87A34-81AB-432B-8DAE-1953F412C126}" type="datetimeFigureOut">
               <a:rPr lang="en-US" dirty="0"/>
-              <a:t>7/11/2021</a:t>
+              <a:t>7/13/2021</a:t>
             </a:fld>
             <a:endParaRPr lang="en-US" dirty="0"/>
           </a:p>
@@ -12683,7 +13035,7 @@
           <a:p>
             <a:fld id="{48A87A34-81AB-432B-8DAE-1953F412C126}" type="datetimeFigureOut">
               <a:rPr lang="en-US" dirty="0"/>
-              <a:t>7/11/2021</a:t>
+              <a:t>7/13/2021</a:t>
             </a:fld>
             <a:endParaRPr lang="en-US" dirty="0"/>
           </a:p>
@@ -12801,7 +13153,7 @@
           <a:noFill/>
           <a:extLst>
             <a:ext uri="{909E8E84-426E-40dd-AFC4-6F175D3DCCD1}">
-              <a14:hiddenFill xmlns:a14="http://schemas.microsoft.com/office/drawing/2010/main" xmlns="">
+              <a14:hiddenFill xmlns="" xmlns:a14="http://schemas.microsoft.com/office/drawing/2010/main">
                 <a:solidFill>
                   <a:srgbClr val="FFFFFF"/>
                 </a:solidFill>
@@ -12875,7 +13227,7 @@
               </a:ln>
               <a:extLst>
                 <a:ext uri="{91240B29-F687-4f45-9708-019B960494DF}">
-                  <a14:hiddenLine xmlns:a14="http://schemas.microsoft.com/office/drawing/2010/main" xmlns="" w="9525">
+                  <a14:hiddenLine xmlns="" xmlns:a14="http://schemas.microsoft.com/office/drawing/2010/main" w="9525">
                     <a:solidFill>
                       <a:srgbClr val="000000"/>
                     </a:solidFill>
@@ -12965,7 +13317,7 @@
               </a:ln>
               <a:extLst>
                 <a:ext uri="{91240B29-F687-4f45-9708-019B960494DF}">
-                  <a14:hiddenLine xmlns:a14="http://schemas.microsoft.com/office/drawing/2010/main" xmlns="" w="9525">
+                  <a14:hiddenLine xmlns="" xmlns:a14="http://schemas.microsoft.com/office/drawing/2010/main" w="9525">
                     <a:solidFill>
                       <a:srgbClr val="000000"/>
                     </a:solidFill>
@@ -13055,7 +13407,7 @@
               </a:ln>
               <a:extLst>
                 <a:ext uri="{91240B29-F687-4f45-9708-019B960494DF}">
-                  <a14:hiddenLine xmlns:a14="http://schemas.microsoft.com/office/drawing/2010/main" xmlns="" w="9525">
+                  <a14:hiddenLine xmlns="" xmlns:a14="http://schemas.microsoft.com/office/drawing/2010/main" w="9525">
                     <a:solidFill>
                       <a:srgbClr val="000000"/>
                     </a:solidFill>
@@ -13117,7 +13469,7 @@
               </a:ln>
               <a:extLst>
                 <a:ext uri="{91240B29-F687-4f45-9708-019B960494DF}">
-                  <a14:hiddenLine xmlns:a14="http://schemas.microsoft.com/office/drawing/2010/main" xmlns="" w="9525">
+                  <a14:hiddenLine xmlns="" xmlns:a14="http://schemas.microsoft.com/office/drawing/2010/main" w="9525">
                     <a:solidFill>
                       <a:srgbClr val="000000"/>
                     </a:solidFill>
@@ -13207,7 +13559,7 @@
               </a:ln>
               <a:extLst>
                 <a:ext uri="{91240B29-F687-4f45-9708-019B960494DF}">
-                  <a14:hiddenLine xmlns:a14="http://schemas.microsoft.com/office/drawing/2010/main" xmlns="" w="9525">
+                  <a14:hiddenLine xmlns="" xmlns:a14="http://schemas.microsoft.com/office/drawing/2010/main" w="9525">
                     <a:solidFill>
                       <a:srgbClr val="000000"/>
                     </a:solidFill>
@@ -13269,7 +13621,7 @@
               </a:ln>
               <a:extLst>
                 <a:ext uri="{91240B29-F687-4f45-9708-019B960494DF}">
-                  <a14:hiddenLine xmlns:a14="http://schemas.microsoft.com/office/drawing/2010/main" xmlns="" w="9525">
+                  <a14:hiddenLine xmlns="" xmlns:a14="http://schemas.microsoft.com/office/drawing/2010/main" w="9525">
                     <a:solidFill>
                       <a:srgbClr val="000000"/>
                     </a:solidFill>
@@ -13331,7 +13683,7 @@
               </a:ln>
               <a:extLst>
                 <a:ext uri="{91240B29-F687-4f45-9708-019B960494DF}">
-                  <a14:hiddenLine xmlns:a14="http://schemas.microsoft.com/office/drawing/2010/main" xmlns="" w="9525">
+                  <a14:hiddenLine xmlns="" xmlns:a14="http://schemas.microsoft.com/office/drawing/2010/main" w="9525">
                     <a:solidFill>
                       <a:srgbClr val="000000"/>
                     </a:solidFill>
@@ -13421,7 +13773,7 @@
               </a:ln>
               <a:extLst>
                 <a:ext uri="{91240B29-F687-4f45-9708-019B960494DF}">
-                  <a14:hiddenLine xmlns:a14="http://schemas.microsoft.com/office/drawing/2010/main" xmlns="" w="9525">
+                  <a14:hiddenLine xmlns="" xmlns:a14="http://schemas.microsoft.com/office/drawing/2010/main" w="9525">
                     <a:solidFill>
                       <a:srgbClr val="000000"/>
                     </a:solidFill>
@@ -13511,7 +13863,7 @@
               </a:ln>
               <a:extLst>
                 <a:ext uri="{91240B29-F687-4f45-9708-019B960494DF}">
-                  <a14:hiddenLine xmlns:a14="http://schemas.microsoft.com/office/drawing/2010/main" xmlns="" w="9525">
+                  <a14:hiddenLine xmlns="" xmlns:a14="http://schemas.microsoft.com/office/drawing/2010/main" w="9525">
                     <a:solidFill>
                       <a:srgbClr val="000000"/>
                     </a:solidFill>
@@ -13573,7 +13925,7 @@
               </a:ln>
               <a:extLst>
                 <a:ext uri="{91240B29-F687-4f45-9708-019B960494DF}">
-                  <a14:hiddenLine xmlns:a14="http://schemas.microsoft.com/office/drawing/2010/main" xmlns="" w="9525">
+                  <a14:hiddenLine xmlns="" xmlns:a14="http://schemas.microsoft.com/office/drawing/2010/main" w="9525">
                     <a:solidFill>
                       <a:srgbClr val="000000"/>
                     </a:solidFill>
@@ -13683,7 +14035,7 @@
               </a:ln>
               <a:extLst>
                 <a:ext uri="{91240B29-F687-4f45-9708-019B960494DF}">
-                  <a14:hiddenLine xmlns:a14="http://schemas.microsoft.com/office/drawing/2010/main" xmlns="" w="9525">
+                  <a14:hiddenLine xmlns="" xmlns:a14="http://schemas.microsoft.com/office/drawing/2010/main" w="9525">
                     <a:solidFill>
                       <a:srgbClr val="000000"/>
                     </a:solidFill>
@@ -13767,7 +14119,7 @@
               </a:ln>
               <a:extLst>
                 <a:ext uri="{91240B29-F687-4f45-9708-019B960494DF}">
-                  <a14:hiddenLine xmlns:a14="http://schemas.microsoft.com/office/drawing/2010/main" xmlns="" w="9525">
+                  <a14:hiddenLine xmlns="" xmlns:a14="http://schemas.microsoft.com/office/drawing/2010/main" w="9525">
                     <a:solidFill>
                       <a:srgbClr val="000000"/>
                     </a:solidFill>
@@ -13829,7 +14181,7 @@
               </a:ln>
               <a:extLst>
                 <a:ext uri="{91240B29-F687-4f45-9708-019B960494DF}">
-                  <a14:hiddenLine xmlns:a14="http://schemas.microsoft.com/office/drawing/2010/main" xmlns="" w="9525">
+                  <a14:hiddenLine xmlns="" xmlns:a14="http://schemas.microsoft.com/office/drawing/2010/main" w="9525">
                     <a:solidFill>
                       <a:srgbClr val="000000"/>
                     </a:solidFill>
@@ -13891,7 +14243,7 @@
               </a:ln>
               <a:extLst>
                 <a:ext uri="{91240B29-F687-4f45-9708-019B960494DF}">
-                  <a14:hiddenLine xmlns:a14="http://schemas.microsoft.com/office/drawing/2010/main" xmlns="" w="9525">
+                  <a14:hiddenLine xmlns="" xmlns:a14="http://schemas.microsoft.com/office/drawing/2010/main" w="9525">
                     <a:solidFill>
                       <a:srgbClr val="000000"/>
                     </a:solidFill>
@@ -13981,7 +14333,7 @@
               </a:ln>
               <a:extLst>
                 <a:ext uri="{91240B29-F687-4f45-9708-019B960494DF}">
-                  <a14:hiddenLine xmlns:a14="http://schemas.microsoft.com/office/drawing/2010/main" xmlns="" w="9525">
+                  <a14:hiddenLine xmlns="" xmlns:a14="http://schemas.microsoft.com/office/drawing/2010/main" w="9525">
                     <a:solidFill>
                       <a:srgbClr val="000000"/>
                     </a:solidFill>
@@ -14015,7 +14367,7 @@
               </a:ln>
               <a:extLst>
                 <a:ext uri="{91240B29-F687-4f45-9708-019B960494DF}">
-                  <a14:hiddenLine xmlns:a14="http://schemas.microsoft.com/office/drawing/2010/main" xmlns="" w="9525">
+                  <a14:hiddenLine xmlns="" xmlns:a14="http://schemas.microsoft.com/office/drawing/2010/main" w="9525">
                     <a:solidFill>
                       <a:srgbClr val="000000"/>
                     </a:solidFill>
@@ -14080,7 +14432,7 @@
               </a:ln>
               <a:extLst>
                 <a:ext uri="{91240B29-F687-4f45-9708-019B960494DF}">
-                  <a14:hiddenLine xmlns:a14="http://schemas.microsoft.com/office/drawing/2010/main" xmlns="" w="9525">
+                  <a14:hiddenLine xmlns="" xmlns:a14="http://schemas.microsoft.com/office/drawing/2010/main" w="9525">
                     <a:solidFill>
                       <a:srgbClr val="000000"/>
                     </a:solidFill>
@@ -14170,7 +14522,7 @@
               </a:ln>
               <a:extLst>
                 <a:ext uri="{91240B29-F687-4f45-9708-019B960494DF}">
-                  <a14:hiddenLine xmlns:a14="http://schemas.microsoft.com/office/drawing/2010/main" xmlns="" w="9525">
+                  <a14:hiddenLine xmlns="" xmlns:a14="http://schemas.microsoft.com/office/drawing/2010/main" w="9525">
                     <a:solidFill>
                       <a:srgbClr val="000000"/>
                     </a:solidFill>
@@ -14232,7 +14584,7 @@
               </a:ln>
               <a:extLst>
                 <a:ext uri="{91240B29-F687-4f45-9708-019B960494DF}">
-                  <a14:hiddenLine xmlns:a14="http://schemas.microsoft.com/office/drawing/2010/main" xmlns="" w="9525">
+                  <a14:hiddenLine xmlns="" xmlns:a14="http://schemas.microsoft.com/office/drawing/2010/main" w="9525">
                     <a:solidFill>
                       <a:srgbClr val="000000"/>
                     </a:solidFill>
@@ -14322,7 +14674,7 @@
               </a:ln>
               <a:extLst>
                 <a:ext uri="{91240B29-F687-4f45-9708-019B960494DF}">
-                  <a14:hiddenLine xmlns:a14="http://schemas.microsoft.com/office/drawing/2010/main" xmlns="" w="9525">
+                  <a14:hiddenLine xmlns="" xmlns:a14="http://schemas.microsoft.com/office/drawing/2010/main" w="9525">
                     <a:solidFill>
                       <a:srgbClr val="000000"/>
                     </a:solidFill>
@@ -14387,7 +14739,7 @@
               </a:ln>
               <a:extLst>
                 <a:ext uri="{91240B29-F687-4f45-9708-019B960494DF}">
-                  <a14:hiddenLine xmlns:a14="http://schemas.microsoft.com/office/drawing/2010/main" xmlns="" w="9525">
+                  <a14:hiddenLine xmlns="" xmlns:a14="http://schemas.microsoft.com/office/drawing/2010/main" w="9525">
                     <a:solidFill>
                       <a:srgbClr val="000000"/>
                     </a:solidFill>
@@ -14449,7 +14801,7 @@
               </a:ln>
               <a:extLst>
                 <a:ext uri="{91240B29-F687-4f45-9708-019B960494DF}">
-                  <a14:hiddenLine xmlns:a14="http://schemas.microsoft.com/office/drawing/2010/main" xmlns="" w="9525">
+                  <a14:hiddenLine xmlns="" xmlns:a14="http://schemas.microsoft.com/office/drawing/2010/main" w="9525">
                     <a:solidFill>
                       <a:srgbClr val="000000"/>
                     </a:solidFill>
@@ -14539,7 +14891,7 @@
               </a:ln>
               <a:extLst>
                 <a:ext uri="{91240B29-F687-4f45-9708-019B960494DF}">
-                  <a14:hiddenLine xmlns:a14="http://schemas.microsoft.com/office/drawing/2010/main" xmlns="" w="9525">
+                  <a14:hiddenLine xmlns="" xmlns:a14="http://schemas.microsoft.com/office/drawing/2010/main" w="9525">
                     <a:solidFill>
                       <a:srgbClr val="000000"/>
                     </a:solidFill>
@@ -14629,7 +14981,7 @@
               </a:ln>
               <a:extLst>
                 <a:ext uri="{91240B29-F687-4f45-9708-019B960494DF}">
-                  <a14:hiddenLine xmlns:a14="http://schemas.microsoft.com/office/drawing/2010/main" xmlns="" w="9525">
+                  <a14:hiddenLine xmlns="" xmlns:a14="http://schemas.microsoft.com/office/drawing/2010/main" w="9525">
                     <a:solidFill>
                       <a:srgbClr val="000000"/>
                     </a:solidFill>
@@ -14694,7 +15046,7 @@
               </a:ln>
               <a:extLst>
                 <a:ext uri="{91240B29-F687-4f45-9708-019B960494DF}">
-                  <a14:hiddenLine xmlns:a14="http://schemas.microsoft.com/office/drawing/2010/main" xmlns="" w="9525">
+                  <a14:hiddenLine xmlns="" xmlns:a14="http://schemas.microsoft.com/office/drawing/2010/main" w="9525">
                     <a:solidFill>
                       <a:srgbClr val="000000"/>
                     </a:solidFill>
@@ -14814,7 +15166,7 @@
               </a:ln>
               <a:extLst>
                 <a:ext uri="{91240B29-F687-4f45-9708-019B960494DF}">
-                  <a14:hiddenLine xmlns:a14="http://schemas.microsoft.com/office/drawing/2010/main" xmlns="" w="9525">
+                  <a14:hiddenLine xmlns="" xmlns:a14="http://schemas.microsoft.com/office/drawing/2010/main" w="9525">
                     <a:solidFill>
                       <a:srgbClr val="000000"/>
                     </a:solidFill>
@@ -14895,7 +15247,7 @@
               </a:ln>
               <a:extLst>
                 <a:ext uri="{91240B29-F687-4f45-9708-019B960494DF}">
-                  <a14:hiddenLine xmlns:a14="http://schemas.microsoft.com/office/drawing/2010/main" xmlns="" w="9525">
+                  <a14:hiddenLine xmlns="" xmlns:a14="http://schemas.microsoft.com/office/drawing/2010/main" w="9525">
                     <a:solidFill>
                       <a:srgbClr val="000000"/>
                     </a:solidFill>
@@ -15010,7 +15362,7 @@
               </a:ln>
               <a:extLst>
                 <a:ext uri="{91240B29-F687-4f45-9708-019B960494DF}">
-                  <a14:hiddenLine xmlns:a14="http://schemas.microsoft.com/office/drawing/2010/main" xmlns="" w="9525">
+                  <a14:hiddenLine xmlns="" xmlns:a14="http://schemas.microsoft.com/office/drawing/2010/main" w="9525">
                     <a:solidFill>
                       <a:srgbClr val="000000"/>
                     </a:solidFill>
@@ -15100,7 +15452,7 @@
               </a:ln>
               <a:extLst>
                 <a:ext uri="{91240B29-F687-4f45-9708-019B960494DF}">
-                  <a14:hiddenLine xmlns:a14="http://schemas.microsoft.com/office/drawing/2010/main" xmlns="" w="9525">
+                  <a14:hiddenLine xmlns="" xmlns:a14="http://schemas.microsoft.com/office/drawing/2010/main" w="9525">
                     <a:solidFill>
                       <a:srgbClr val="000000"/>
                     </a:solidFill>
@@ -15165,7 +15517,7 @@
               </a:ln>
               <a:extLst>
                 <a:ext uri="{91240B29-F687-4f45-9708-019B960494DF}">
-                  <a14:hiddenLine xmlns:a14="http://schemas.microsoft.com/office/drawing/2010/main" xmlns="" w="9525">
+                  <a14:hiddenLine xmlns="" xmlns:a14="http://schemas.microsoft.com/office/drawing/2010/main" w="9525">
                     <a:solidFill>
                       <a:srgbClr val="000000"/>
                     </a:solidFill>
@@ -15255,7 +15607,7 @@
               </a:ln>
               <a:extLst>
                 <a:ext uri="{91240B29-F687-4f45-9708-019B960494DF}">
-                  <a14:hiddenLine xmlns:a14="http://schemas.microsoft.com/office/drawing/2010/main" xmlns="" w="9525">
+                  <a14:hiddenLine xmlns="" xmlns:a14="http://schemas.microsoft.com/office/drawing/2010/main" w="9525">
                     <a:solidFill>
                       <a:srgbClr val="000000"/>
                     </a:solidFill>
@@ -15323,7 +15675,7 @@
               </a:ln>
               <a:extLst>
                 <a:ext uri="{91240B29-F687-4f45-9708-019B960494DF}">
-                  <a14:hiddenLine xmlns:a14="http://schemas.microsoft.com/office/drawing/2010/main" xmlns="" w="9525">
+                  <a14:hiddenLine xmlns="" xmlns:a14="http://schemas.microsoft.com/office/drawing/2010/main" w="9525">
                     <a:solidFill>
                       <a:srgbClr val="000000"/>
                     </a:solidFill>
@@ -15413,7 +15765,7 @@
               </a:ln>
               <a:extLst>
                 <a:ext uri="{91240B29-F687-4f45-9708-019B960494DF}">
-                  <a14:hiddenLine xmlns:a14="http://schemas.microsoft.com/office/drawing/2010/main" xmlns="" w="9525">
+                  <a14:hiddenLine xmlns="" xmlns:a14="http://schemas.microsoft.com/office/drawing/2010/main" w="9525">
                     <a:solidFill>
                       <a:srgbClr val="000000"/>
                     </a:solidFill>
@@ -15481,7 +15833,7 @@
               </a:ln>
               <a:extLst>
                 <a:ext uri="{91240B29-F687-4f45-9708-019B960494DF}">
-                  <a14:hiddenLine xmlns:a14="http://schemas.microsoft.com/office/drawing/2010/main" xmlns="" w="9525">
+                  <a14:hiddenLine xmlns="" xmlns:a14="http://schemas.microsoft.com/office/drawing/2010/main" w="9525">
                     <a:solidFill>
                       <a:srgbClr val="000000"/>
                     </a:solidFill>
@@ -15571,7 +15923,7 @@
               </a:ln>
               <a:extLst>
                 <a:ext uri="{91240B29-F687-4f45-9708-019B960494DF}">
-                  <a14:hiddenLine xmlns:a14="http://schemas.microsoft.com/office/drawing/2010/main" xmlns="" w="9525">
+                  <a14:hiddenLine xmlns="" xmlns:a14="http://schemas.microsoft.com/office/drawing/2010/main" w="9525">
                     <a:solidFill>
                       <a:srgbClr val="000000"/>
                     </a:solidFill>
@@ -15605,7 +15957,7 @@
               </a:ln>
               <a:extLst>
                 <a:ext uri="{91240B29-F687-4f45-9708-019B960494DF}">
-                  <a14:hiddenLine xmlns:a14="http://schemas.microsoft.com/office/drawing/2010/main" xmlns="" w="9525">
+                  <a14:hiddenLine xmlns="" xmlns:a14="http://schemas.microsoft.com/office/drawing/2010/main" w="9525">
                     <a:solidFill>
                       <a:srgbClr val="000000"/>
                     </a:solidFill>
@@ -15746,7 +16098,7 @@
             <a:fld id="{48A87A34-81AB-432B-8DAE-1953F412C126}" type="datetimeFigureOut">
               <a:rPr lang="en-US" dirty="0"/>
               <a:pPr/>
-              <a:t>7/11/2021</a:t>
+              <a:t>7/13/2021</a:t>
             </a:fld>
             <a:endParaRPr lang="en-US" dirty="0"/>
           </a:p>
@@ -16342,7 +16694,7 @@
             <a:noFill/>
             <a:extLst>
               <a:ext uri="{909E8E84-426E-40dd-AFC4-6F175D3DCCD1}">
-                <a14:hiddenFill xmlns="" xmlns:a16="http://schemas.microsoft.com/office/drawing/2014/main" xmlns:a14="http://schemas.microsoft.com/office/drawing/2010/main" xmlns:p14="http://schemas.microsoft.com/office/powerpoint/2010/main">
+                <a14:hiddenFill xmlns:p14="http://schemas.microsoft.com/office/powerpoint/2010/main" xmlns:a14="http://schemas.microsoft.com/office/drawing/2010/main" xmlns:a16="http://schemas.microsoft.com/office/drawing/2014/main" xmlns="">
                   <a:solidFill>
                     <a:srgbClr val="FFFFFF"/>
                   </a:solidFill>
@@ -16499,7 +16851,7 @@
             </a:ln>
             <a:extLst>
               <a:ext uri="{91240B29-F687-4f45-9708-019B960494DF}">
-                <a14:hiddenLine xmlns="" xmlns:a16="http://schemas.microsoft.com/office/drawing/2014/main" xmlns:a14="http://schemas.microsoft.com/office/drawing/2010/main" xmlns:p14="http://schemas.microsoft.com/office/powerpoint/2010/main" w="9525">
+                <a14:hiddenLine xmlns:p14="http://schemas.microsoft.com/office/powerpoint/2010/main" xmlns:a14="http://schemas.microsoft.com/office/drawing/2010/main" xmlns:a16="http://schemas.microsoft.com/office/drawing/2014/main" xmlns="" w="9525">
                   <a:solidFill>
                     <a:srgbClr val="000000"/>
                   </a:solidFill>
@@ -16604,7 +16956,7 @@
             </a:ln>
             <a:extLst>
               <a:ext uri="{91240B29-F687-4f45-9708-019B960494DF}">
-                <a14:hiddenLine xmlns="" xmlns:a16="http://schemas.microsoft.com/office/drawing/2014/main" xmlns:a14="http://schemas.microsoft.com/office/drawing/2010/main" xmlns:p14="http://schemas.microsoft.com/office/powerpoint/2010/main" w="9525">
+                <a14:hiddenLine xmlns:p14="http://schemas.microsoft.com/office/powerpoint/2010/main" xmlns:a14="http://schemas.microsoft.com/office/drawing/2010/main" xmlns:a16="http://schemas.microsoft.com/office/drawing/2014/main" xmlns="" w="9525">
                   <a:solidFill>
                     <a:srgbClr val="000000"/>
                   </a:solidFill>
@@ -16709,7 +17061,7 @@
             </a:ln>
             <a:extLst>
               <a:ext uri="{91240B29-F687-4f45-9708-019B960494DF}">
-                <a14:hiddenLine xmlns="" xmlns:a16="http://schemas.microsoft.com/office/drawing/2014/main" xmlns:a14="http://schemas.microsoft.com/office/drawing/2010/main" xmlns:p14="http://schemas.microsoft.com/office/powerpoint/2010/main" w="9525">
+                <a14:hiddenLine xmlns:p14="http://schemas.microsoft.com/office/powerpoint/2010/main" xmlns:a14="http://schemas.microsoft.com/office/drawing/2010/main" xmlns:a16="http://schemas.microsoft.com/office/drawing/2014/main" xmlns="" w="9525">
                   <a:solidFill>
                     <a:srgbClr val="000000"/>
                   </a:solidFill>
@@ -16758,7 +17110,7 @@
             </a:ln>
             <a:extLst>
               <a:ext uri="{91240B29-F687-4f45-9708-019B960494DF}">
-                <a14:hiddenLine xmlns="" xmlns:a16="http://schemas.microsoft.com/office/drawing/2014/main" xmlns:a14="http://schemas.microsoft.com/office/drawing/2010/main" xmlns:p14="http://schemas.microsoft.com/office/powerpoint/2010/main" w="9525">
+                <a14:hiddenLine xmlns:p14="http://schemas.microsoft.com/office/powerpoint/2010/main" xmlns:a14="http://schemas.microsoft.com/office/drawing/2010/main" xmlns:a16="http://schemas.microsoft.com/office/drawing/2014/main" xmlns="" w="9525">
                   <a:solidFill>
                     <a:srgbClr val="000000"/>
                   </a:solidFill>
@@ -16863,7 +17215,7 @@
             </a:ln>
             <a:extLst>
               <a:ext uri="{91240B29-F687-4f45-9708-019B960494DF}">
-                <a14:hiddenLine xmlns="" xmlns:a16="http://schemas.microsoft.com/office/drawing/2014/main" xmlns:a14="http://schemas.microsoft.com/office/drawing/2010/main" xmlns:p14="http://schemas.microsoft.com/office/powerpoint/2010/main" w="9525">
+                <a14:hiddenLine xmlns:p14="http://schemas.microsoft.com/office/powerpoint/2010/main" xmlns:a14="http://schemas.microsoft.com/office/drawing/2010/main" xmlns:a16="http://schemas.microsoft.com/office/drawing/2014/main" xmlns="" w="9525">
                   <a:solidFill>
                     <a:srgbClr val="000000"/>
                   </a:solidFill>
@@ -16940,7 +17292,7 @@
             </a:ln>
             <a:extLst>
               <a:ext uri="{91240B29-F687-4f45-9708-019B960494DF}">
-                <a14:hiddenLine xmlns="" xmlns:a16="http://schemas.microsoft.com/office/drawing/2014/main" xmlns:a14="http://schemas.microsoft.com/office/drawing/2010/main" xmlns:p14="http://schemas.microsoft.com/office/powerpoint/2010/main" w="9525">
+                <a14:hiddenLine xmlns:p14="http://schemas.microsoft.com/office/powerpoint/2010/main" xmlns:a14="http://schemas.microsoft.com/office/drawing/2010/main" xmlns:a16="http://schemas.microsoft.com/office/drawing/2014/main" xmlns="" w="9525">
                   <a:solidFill>
                     <a:srgbClr val="000000"/>
                   </a:solidFill>
@@ -17017,7 +17369,7 @@
             </a:ln>
             <a:extLst>
               <a:ext uri="{91240B29-F687-4f45-9708-019B960494DF}">
-                <a14:hiddenLine xmlns="" xmlns:a16="http://schemas.microsoft.com/office/drawing/2014/main" xmlns:a14="http://schemas.microsoft.com/office/drawing/2010/main" xmlns:p14="http://schemas.microsoft.com/office/powerpoint/2010/main" w="9525">
+                <a14:hiddenLine xmlns:p14="http://schemas.microsoft.com/office/powerpoint/2010/main" xmlns:a14="http://schemas.microsoft.com/office/drawing/2010/main" xmlns:a16="http://schemas.microsoft.com/office/drawing/2014/main" xmlns="" w="9525">
                   <a:solidFill>
                     <a:srgbClr val="000000"/>
                   </a:solidFill>
@@ -17122,7 +17474,7 @@
             </a:ln>
             <a:extLst>
               <a:ext uri="{91240B29-F687-4f45-9708-019B960494DF}">
-                <a14:hiddenLine xmlns="" xmlns:a16="http://schemas.microsoft.com/office/drawing/2014/main" xmlns:a14="http://schemas.microsoft.com/office/drawing/2010/main" xmlns:p14="http://schemas.microsoft.com/office/powerpoint/2010/main" w="9525">
+                <a14:hiddenLine xmlns:p14="http://schemas.microsoft.com/office/powerpoint/2010/main" xmlns:a14="http://schemas.microsoft.com/office/drawing/2010/main" xmlns:a16="http://schemas.microsoft.com/office/drawing/2014/main" xmlns="" w="9525">
                   <a:solidFill>
                     <a:srgbClr val="000000"/>
                   </a:solidFill>
@@ -17199,7 +17551,7 @@
             </a:ln>
             <a:extLst>
               <a:ext uri="{91240B29-F687-4f45-9708-019B960494DF}">
-                <a14:hiddenLine xmlns="" xmlns:a16="http://schemas.microsoft.com/office/drawing/2014/main" xmlns:a14="http://schemas.microsoft.com/office/drawing/2010/main" xmlns:p14="http://schemas.microsoft.com/office/powerpoint/2010/main" w="9525">
+                <a14:hiddenLine xmlns:p14="http://schemas.microsoft.com/office/powerpoint/2010/main" xmlns:a14="http://schemas.microsoft.com/office/drawing/2010/main" xmlns:a16="http://schemas.microsoft.com/office/drawing/2014/main" xmlns="" w="9525">
                   <a:solidFill>
                     <a:srgbClr val="000000"/>
                   </a:solidFill>
@@ -17276,7 +17628,7 @@
             </a:ln>
             <a:extLst>
               <a:ext uri="{91240B29-F687-4f45-9708-019B960494DF}">
-                <a14:hiddenLine xmlns="" xmlns:a16="http://schemas.microsoft.com/office/drawing/2014/main" xmlns:a14="http://schemas.microsoft.com/office/drawing/2010/main" xmlns:p14="http://schemas.microsoft.com/office/powerpoint/2010/main" w="9525">
+                <a14:hiddenLine xmlns:p14="http://schemas.microsoft.com/office/powerpoint/2010/main" xmlns:a14="http://schemas.microsoft.com/office/drawing/2010/main" xmlns:a16="http://schemas.microsoft.com/office/drawing/2014/main" xmlns="" w="9525">
                   <a:solidFill>
                     <a:srgbClr val="000000"/>
                   </a:solidFill>
@@ -17381,7 +17733,7 @@
             </a:ln>
             <a:extLst>
               <a:ext uri="{91240B29-F687-4f45-9708-019B960494DF}">
-                <a14:hiddenLine xmlns="" xmlns:a16="http://schemas.microsoft.com/office/drawing/2014/main" xmlns:a14="http://schemas.microsoft.com/office/drawing/2010/main" xmlns:p14="http://schemas.microsoft.com/office/powerpoint/2010/main" w="9525">
+                <a14:hiddenLine xmlns:p14="http://schemas.microsoft.com/office/powerpoint/2010/main" xmlns:a14="http://schemas.microsoft.com/office/drawing/2010/main" xmlns:a16="http://schemas.microsoft.com/office/drawing/2014/main" xmlns="" w="9525">
                   <a:solidFill>
                     <a:srgbClr val="000000"/>
                   </a:solidFill>
@@ -17486,7 +17838,7 @@
             </a:ln>
             <a:extLst>
               <a:ext uri="{91240B29-F687-4f45-9708-019B960494DF}">
-                <a14:hiddenLine xmlns="" xmlns:a16="http://schemas.microsoft.com/office/drawing/2014/main" xmlns:a14="http://schemas.microsoft.com/office/drawing/2010/main" xmlns:p14="http://schemas.microsoft.com/office/powerpoint/2010/main" w="9525">
+                <a14:hiddenLine xmlns:p14="http://schemas.microsoft.com/office/powerpoint/2010/main" xmlns:a14="http://schemas.microsoft.com/office/drawing/2010/main" xmlns:a16="http://schemas.microsoft.com/office/drawing/2014/main" xmlns="" w="9525">
                   <a:solidFill>
                     <a:srgbClr val="000000"/>
                   </a:solidFill>
@@ -17563,7 +17915,7 @@
             </a:ln>
             <a:extLst>
               <a:ext uri="{91240B29-F687-4f45-9708-019B960494DF}">
-                <a14:hiddenLine xmlns="" xmlns:a16="http://schemas.microsoft.com/office/drawing/2014/main" xmlns:a14="http://schemas.microsoft.com/office/drawing/2010/main" xmlns:p14="http://schemas.microsoft.com/office/powerpoint/2010/main" w="9525">
+                <a14:hiddenLine xmlns:p14="http://schemas.microsoft.com/office/powerpoint/2010/main" xmlns:a14="http://schemas.microsoft.com/office/drawing/2010/main" xmlns:a16="http://schemas.microsoft.com/office/drawing/2014/main" xmlns="" w="9525">
                   <a:solidFill>
                     <a:srgbClr val="000000"/>
                   </a:solidFill>
@@ -17688,7 +18040,7 @@
             </a:ln>
             <a:extLst>
               <a:ext uri="{91240B29-F687-4f45-9708-019B960494DF}">
-                <a14:hiddenLine xmlns="" xmlns:a16="http://schemas.microsoft.com/office/drawing/2014/main" xmlns:a14="http://schemas.microsoft.com/office/drawing/2010/main" xmlns:p14="http://schemas.microsoft.com/office/powerpoint/2010/main" w="9525">
+                <a14:hiddenLine xmlns:p14="http://schemas.microsoft.com/office/powerpoint/2010/main" xmlns:a14="http://schemas.microsoft.com/office/drawing/2010/main" xmlns:a16="http://schemas.microsoft.com/office/drawing/2014/main" xmlns="" w="9525">
                   <a:solidFill>
                     <a:srgbClr val="000000"/>
                   </a:solidFill>
@@ -17765,7 +18117,7 @@
             </a:ln>
             <a:extLst>
               <a:ext uri="{91240B29-F687-4f45-9708-019B960494DF}">
-                <a14:hiddenLine xmlns="" xmlns:a16="http://schemas.microsoft.com/office/drawing/2014/main" xmlns:a14="http://schemas.microsoft.com/office/drawing/2010/main" xmlns:p14="http://schemas.microsoft.com/office/powerpoint/2010/main" w="9525">
+                <a14:hiddenLine xmlns:p14="http://schemas.microsoft.com/office/powerpoint/2010/main" xmlns:a14="http://schemas.microsoft.com/office/drawing/2010/main" xmlns:a16="http://schemas.microsoft.com/office/drawing/2014/main" xmlns="" w="9525">
                   <a:solidFill>
                     <a:srgbClr val="000000"/>
                   </a:solidFill>
@@ -17870,7 +18222,7 @@
             </a:ln>
             <a:extLst>
               <a:ext uri="{91240B29-F687-4f45-9708-019B960494DF}">
-                <a14:hiddenLine xmlns="" xmlns:a16="http://schemas.microsoft.com/office/drawing/2014/main" xmlns:a14="http://schemas.microsoft.com/office/drawing/2010/main" xmlns:p14="http://schemas.microsoft.com/office/powerpoint/2010/main" w="9525">
+                <a14:hiddenLine xmlns:p14="http://schemas.microsoft.com/office/powerpoint/2010/main" xmlns:a14="http://schemas.microsoft.com/office/drawing/2010/main" xmlns:a16="http://schemas.microsoft.com/office/drawing/2014/main" xmlns="" w="9525">
                   <a:solidFill>
                     <a:srgbClr val="000000"/>
                   </a:solidFill>
@@ -17975,7 +18327,7 @@
             </a:ln>
             <a:extLst>
               <a:ext uri="{91240B29-F687-4f45-9708-019B960494DF}">
-                <a14:hiddenLine xmlns="" xmlns:a16="http://schemas.microsoft.com/office/drawing/2014/main" xmlns:a14="http://schemas.microsoft.com/office/drawing/2010/main" xmlns:p14="http://schemas.microsoft.com/office/powerpoint/2010/main" w="9525">
+                <a14:hiddenLine xmlns:p14="http://schemas.microsoft.com/office/powerpoint/2010/main" xmlns:a14="http://schemas.microsoft.com/office/drawing/2010/main" xmlns:a16="http://schemas.microsoft.com/office/drawing/2014/main" xmlns="" w="9525">
                   <a:solidFill>
                     <a:srgbClr val="000000"/>
                   </a:solidFill>
@@ -18052,7 +18404,7 @@
             </a:ln>
             <a:extLst>
               <a:ext uri="{91240B29-F687-4f45-9708-019B960494DF}">
-                <a14:hiddenLine xmlns="" xmlns:a16="http://schemas.microsoft.com/office/drawing/2014/main" xmlns:a14="http://schemas.microsoft.com/office/drawing/2010/main" xmlns:p14="http://schemas.microsoft.com/office/powerpoint/2010/main" w="9525">
+                <a14:hiddenLine xmlns:p14="http://schemas.microsoft.com/office/powerpoint/2010/main" xmlns:a14="http://schemas.microsoft.com/office/drawing/2010/main" xmlns:a16="http://schemas.microsoft.com/office/drawing/2014/main" xmlns="" w="9525">
                   <a:solidFill>
                     <a:srgbClr val="000000"/>
                   </a:solidFill>
@@ -18157,7 +18509,7 @@
             </a:ln>
             <a:extLst>
               <a:ext uri="{91240B29-F687-4f45-9708-019B960494DF}">
-                <a14:hiddenLine xmlns="" xmlns:a16="http://schemas.microsoft.com/office/drawing/2014/main" xmlns:a14="http://schemas.microsoft.com/office/drawing/2010/main" xmlns:p14="http://schemas.microsoft.com/office/powerpoint/2010/main" w="9525">
+                <a14:hiddenLine xmlns:p14="http://schemas.microsoft.com/office/powerpoint/2010/main" xmlns:a14="http://schemas.microsoft.com/office/drawing/2010/main" xmlns:a16="http://schemas.microsoft.com/office/drawing/2014/main" xmlns="" w="9525">
                   <a:solidFill>
                     <a:srgbClr val="000000"/>
                   </a:solidFill>
@@ -18262,7 +18614,7 @@
             </a:ln>
             <a:extLst>
               <a:ext uri="{91240B29-F687-4f45-9708-019B960494DF}">
-                <a14:hiddenLine xmlns="" xmlns:a16="http://schemas.microsoft.com/office/drawing/2014/main" xmlns:a14="http://schemas.microsoft.com/office/drawing/2010/main" xmlns:p14="http://schemas.microsoft.com/office/powerpoint/2010/main" w="9525">
+                <a14:hiddenLine xmlns:p14="http://schemas.microsoft.com/office/powerpoint/2010/main" xmlns:a14="http://schemas.microsoft.com/office/drawing/2010/main" xmlns:a16="http://schemas.microsoft.com/office/drawing/2014/main" xmlns="" w="9525">
                   <a:solidFill>
                     <a:srgbClr val="000000"/>
                   </a:solidFill>
@@ -18333,7 +18685,7 @@
             </a:ln>
             <a:extLst>
               <a:ext uri="{91240B29-F687-4f45-9708-019B960494DF}">
-                <a14:hiddenLine xmlns="" xmlns:a16="http://schemas.microsoft.com/office/drawing/2014/main" xmlns:a14="http://schemas.microsoft.com/office/drawing/2010/main" xmlns:p14="http://schemas.microsoft.com/office/powerpoint/2010/main" w="9525">
+                <a14:hiddenLine xmlns:p14="http://schemas.microsoft.com/office/powerpoint/2010/main" xmlns:a14="http://schemas.microsoft.com/office/drawing/2010/main" xmlns:a16="http://schemas.microsoft.com/office/drawing/2014/main" xmlns="" w="9525">
                   <a:solidFill>
                     <a:srgbClr val="000000"/>
                   </a:solidFill>
@@ -18438,7 +18790,7 @@
             </a:ln>
             <a:extLst>
               <a:ext uri="{91240B29-F687-4f45-9708-019B960494DF}">
-                <a14:hiddenLine xmlns="" xmlns:a16="http://schemas.microsoft.com/office/drawing/2014/main" xmlns:a14="http://schemas.microsoft.com/office/drawing/2010/main" xmlns:p14="http://schemas.microsoft.com/office/powerpoint/2010/main" w="9525">
+                <a14:hiddenLine xmlns:p14="http://schemas.microsoft.com/office/powerpoint/2010/main" xmlns:a14="http://schemas.microsoft.com/office/drawing/2010/main" xmlns:a16="http://schemas.microsoft.com/office/drawing/2014/main" xmlns="" w="9525">
                   <a:solidFill>
                     <a:srgbClr val="000000"/>
                   </a:solidFill>
@@ -18509,7 +18861,7 @@
             </a:ln>
             <a:extLst>
               <a:ext uri="{91240B29-F687-4f45-9708-019B960494DF}">
-                <a14:hiddenLine xmlns="" xmlns:a16="http://schemas.microsoft.com/office/drawing/2014/main" xmlns:a14="http://schemas.microsoft.com/office/drawing/2010/main" xmlns:p14="http://schemas.microsoft.com/office/powerpoint/2010/main" w="9525">
+                <a14:hiddenLine xmlns:p14="http://schemas.microsoft.com/office/powerpoint/2010/main" xmlns:a14="http://schemas.microsoft.com/office/drawing/2010/main" xmlns:a16="http://schemas.microsoft.com/office/drawing/2014/main" xmlns="" w="9525">
                   <a:solidFill>
                     <a:srgbClr val="000000"/>
                   </a:solidFill>
@@ -18614,7 +18966,7 @@
             </a:ln>
             <a:extLst>
               <a:ext uri="{91240B29-F687-4f45-9708-019B960494DF}">
-                <a14:hiddenLine xmlns="" xmlns:a16="http://schemas.microsoft.com/office/drawing/2014/main" xmlns:a14="http://schemas.microsoft.com/office/drawing/2010/main" xmlns:p14="http://schemas.microsoft.com/office/powerpoint/2010/main" w="9525">
+                <a14:hiddenLine xmlns:p14="http://schemas.microsoft.com/office/powerpoint/2010/main" xmlns:a14="http://schemas.microsoft.com/office/drawing/2010/main" xmlns:a16="http://schemas.microsoft.com/office/drawing/2014/main" xmlns="" w="9525">
                   <a:solidFill>
                     <a:srgbClr val="000000"/>
                   </a:solidFill>
@@ -18697,7 +19049,7 @@
             </a:ln>
             <a:extLst>
               <a:ext uri="{91240B29-F687-4f45-9708-019B960494DF}">
-                <a14:hiddenLine xmlns="" xmlns:a16="http://schemas.microsoft.com/office/drawing/2014/main" xmlns:a14="http://schemas.microsoft.com/office/drawing/2010/main" xmlns:p14="http://schemas.microsoft.com/office/powerpoint/2010/main" w="9525">
+                <a14:hiddenLine xmlns:p14="http://schemas.microsoft.com/office/powerpoint/2010/main" xmlns:a14="http://schemas.microsoft.com/office/drawing/2010/main" xmlns:a16="http://schemas.microsoft.com/office/drawing/2014/main" xmlns="" w="9525">
                   <a:solidFill>
                     <a:srgbClr val="000000"/>
                   </a:solidFill>
@@ -18802,7 +19154,7 @@
             </a:ln>
             <a:extLst>
               <a:ext uri="{91240B29-F687-4f45-9708-019B960494DF}">
-                <a14:hiddenLine xmlns="" xmlns:a16="http://schemas.microsoft.com/office/drawing/2014/main" xmlns:a14="http://schemas.microsoft.com/office/drawing/2010/main" xmlns:p14="http://schemas.microsoft.com/office/powerpoint/2010/main" w="9525">
+                <a14:hiddenLine xmlns:p14="http://schemas.microsoft.com/office/powerpoint/2010/main" xmlns:a14="http://schemas.microsoft.com/office/drawing/2010/main" xmlns:a16="http://schemas.microsoft.com/office/drawing/2014/main" xmlns="" w="9525">
                   <a:solidFill>
                     <a:srgbClr val="000000"/>
                   </a:solidFill>
@@ -18885,7 +19237,7 @@
             </a:ln>
             <a:extLst>
               <a:ext uri="{91240B29-F687-4f45-9708-019B960494DF}">
-                <a14:hiddenLine xmlns="" xmlns:a16="http://schemas.microsoft.com/office/drawing/2014/main" xmlns:a14="http://schemas.microsoft.com/office/drawing/2010/main" xmlns:p14="http://schemas.microsoft.com/office/powerpoint/2010/main" w="9525">
+                <a14:hiddenLine xmlns:p14="http://schemas.microsoft.com/office/powerpoint/2010/main" xmlns:a14="http://schemas.microsoft.com/office/drawing/2010/main" xmlns:a16="http://schemas.microsoft.com/office/drawing/2014/main" xmlns="" w="9525">
                   <a:solidFill>
                     <a:srgbClr val="000000"/>
                   </a:solidFill>
@@ -18990,7 +19342,7 @@
             </a:ln>
             <a:extLst>
               <a:ext uri="{91240B29-F687-4f45-9708-019B960494DF}">
-                <a14:hiddenLine xmlns="" xmlns:a16="http://schemas.microsoft.com/office/drawing/2014/main" xmlns:a14="http://schemas.microsoft.com/office/drawing/2010/main" xmlns:p14="http://schemas.microsoft.com/office/powerpoint/2010/main" w="9525">
+                <a14:hiddenLine xmlns:p14="http://schemas.microsoft.com/office/powerpoint/2010/main" xmlns:a14="http://schemas.microsoft.com/office/drawing/2010/main" xmlns:a16="http://schemas.microsoft.com/office/drawing/2014/main" xmlns="" w="9525">
                   <a:solidFill>
                     <a:srgbClr val="000000"/>
                   </a:solidFill>
@@ -19039,7 +19391,7 @@
             </a:ln>
             <a:extLst>
               <a:ext uri="{91240B29-F687-4f45-9708-019B960494DF}">
-                <a14:hiddenLine xmlns="" xmlns:a16="http://schemas.microsoft.com/office/drawing/2014/main" xmlns:a14="http://schemas.microsoft.com/office/drawing/2010/main" xmlns:p14="http://schemas.microsoft.com/office/powerpoint/2010/main" w="9525">
+                <a14:hiddenLine xmlns:p14="http://schemas.microsoft.com/office/powerpoint/2010/main" xmlns:a14="http://schemas.microsoft.com/office/drawing/2010/main" xmlns:a16="http://schemas.microsoft.com/office/drawing/2014/main" xmlns="" w="9525">
                   <a:solidFill>
                     <a:srgbClr val="000000"/>
                   </a:solidFill>
@@ -19144,7 +19496,7 @@
             </a:ln>
             <a:extLst>
               <a:ext uri="{91240B29-F687-4f45-9708-019B960494DF}">
-                <a14:hiddenLine xmlns="" xmlns:a16="http://schemas.microsoft.com/office/drawing/2014/main" xmlns:a14="http://schemas.microsoft.com/office/drawing/2010/main" xmlns:p14="http://schemas.microsoft.com/office/powerpoint/2010/main" w="9525">
+                <a14:hiddenLine xmlns:p14="http://schemas.microsoft.com/office/powerpoint/2010/main" xmlns:a14="http://schemas.microsoft.com/office/drawing/2010/main" xmlns:a16="http://schemas.microsoft.com/office/drawing/2014/main" xmlns="" w="9525">
                   <a:solidFill>
                     <a:srgbClr val="000000"/>
                   </a:solidFill>
@@ -19221,7 +19573,7 @@
             </a:ln>
             <a:extLst>
               <a:ext uri="{91240B29-F687-4f45-9708-019B960494DF}">
-                <a14:hiddenLine xmlns="" xmlns:a16="http://schemas.microsoft.com/office/drawing/2014/main" xmlns:a14="http://schemas.microsoft.com/office/drawing/2010/main" xmlns:p14="http://schemas.microsoft.com/office/powerpoint/2010/main" w="9525">
+                <a14:hiddenLine xmlns:p14="http://schemas.microsoft.com/office/powerpoint/2010/main" xmlns:a14="http://schemas.microsoft.com/office/drawing/2010/main" xmlns:a16="http://schemas.microsoft.com/office/drawing/2014/main" xmlns="" w="9525">
                   <a:solidFill>
                     <a:srgbClr val="000000"/>
                   </a:solidFill>
@@ -19298,7 +19650,7 @@
             </a:ln>
             <a:extLst>
               <a:ext uri="{91240B29-F687-4f45-9708-019B960494DF}">
-                <a14:hiddenLine xmlns="" xmlns:a16="http://schemas.microsoft.com/office/drawing/2014/main" xmlns:a14="http://schemas.microsoft.com/office/drawing/2010/main" xmlns:p14="http://schemas.microsoft.com/office/powerpoint/2010/main" w="9525">
+                <a14:hiddenLine xmlns:p14="http://schemas.microsoft.com/office/powerpoint/2010/main" xmlns:a14="http://schemas.microsoft.com/office/drawing/2010/main" xmlns:a16="http://schemas.microsoft.com/office/drawing/2014/main" xmlns="" w="9525">
                   <a:solidFill>
                     <a:srgbClr val="000000"/>
                   </a:solidFill>
@@ -19403,7 +19755,7 @@
             </a:ln>
             <a:extLst>
               <a:ext uri="{91240B29-F687-4f45-9708-019B960494DF}">
-                <a14:hiddenLine xmlns="" xmlns:a16="http://schemas.microsoft.com/office/drawing/2014/main" xmlns:a14="http://schemas.microsoft.com/office/drawing/2010/main" xmlns:p14="http://schemas.microsoft.com/office/powerpoint/2010/main" w="9525">
+                <a14:hiddenLine xmlns:p14="http://schemas.microsoft.com/office/powerpoint/2010/main" xmlns:a14="http://schemas.microsoft.com/office/drawing/2010/main" xmlns:a16="http://schemas.microsoft.com/office/drawing/2014/main" xmlns="" w="9525">
                   <a:solidFill>
                     <a:srgbClr val="000000"/>
                   </a:solidFill>
@@ -19486,7 +19838,7 @@
             </a:ln>
             <a:extLst>
               <a:ext uri="{91240B29-F687-4f45-9708-019B960494DF}">
-                <a14:hiddenLine xmlns="" xmlns:a16="http://schemas.microsoft.com/office/drawing/2014/main" xmlns:a14="http://schemas.microsoft.com/office/drawing/2010/main" xmlns:p14="http://schemas.microsoft.com/office/powerpoint/2010/main" w="9525">
+                <a14:hiddenLine xmlns:p14="http://schemas.microsoft.com/office/powerpoint/2010/main" xmlns:a14="http://schemas.microsoft.com/office/drawing/2010/main" xmlns:a16="http://schemas.microsoft.com/office/drawing/2014/main" xmlns="" w="9525">
                   <a:solidFill>
                     <a:srgbClr val="000000"/>
                   </a:solidFill>
@@ -19563,7 +19915,7 @@
             </a:ln>
             <a:extLst>
               <a:ext uri="{91240B29-F687-4f45-9708-019B960494DF}">
-                <a14:hiddenLine xmlns="" xmlns:a16="http://schemas.microsoft.com/office/drawing/2014/main" xmlns:a14="http://schemas.microsoft.com/office/drawing/2010/main" xmlns:p14="http://schemas.microsoft.com/office/powerpoint/2010/main" w="9525">
+                <a14:hiddenLine xmlns:p14="http://schemas.microsoft.com/office/powerpoint/2010/main" xmlns:a14="http://schemas.microsoft.com/office/drawing/2010/main" xmlns:a16="http://schemas.microsoft.com/office/drawing/2014/main" xmlns="" w="9525">
                   <a:solidFill>
                     <a:srgbClr val="000000"/>
                   </a:solidFill>
@@ -19668,7 +20020,7 @@
             </a:ln>
             <a:extLst>
               <a:ext uri="{91240B29-F687-4f45-9708-019B960494DF}">
-                <a14:hiddenLine xmlns="" xmlns:a16="http://schemas.microsoft.com/office/drawing/2014/main" xmlns:a14="http://schemas.microsoft.com/office/drawing/2010/main" xmlns:p14="http://schemas.microsoft.com/office/powerpoint/2010/main" w="9525">
+                <a14:hiddenLine xmlns:p14="http://schemas.microsoft.com/office/powerpoint/2010/main" xmlns:a14="http://schemas.microsoft.com/office/drawing/2010/main" xmlns:a16="http://schemas.microsoft.com/office/drawing/2014/main" xmlns="" w="9525">
                   <a:solidFill>
                     <a:srgbClr val="000000"/>
                   </a:solidFill>
@@ -19745,7 +20097,7 @@
             </a:ln>
             <a:extLst>
               <a:ext uri="{91240B29-F687-4f45-9708-019B960494DF}">
-                <a14:hiddenLine xmlns="" xmlns:a16="http://schemas.microsoft.com/office/drawing/2014/main" xmlns:a14="http://schemas.microsoft.com/office/drawing/2010/main" xmlns:p14="http://schemas.microsoft.com/office/powerpoint/2010/main" w="9525">
+                <a14:hiddenLine xmlns:p14="http://schemas.microsoft.com/office/powerpoint/2010/main" xmlns:a14="http://schemas.microsoft.com/office/drawing/2010/main" xmlns:a16="http://schemas.microsoft.com/office/drawing/2014/main" xmlns="" w="9525">
                   <a:solidFill>
                     <a:srgbClr val="000000"/>
                   </a:solidFill>
@@ -19850,7 +20202,7 @@
             </a:ln>
             <a:extLst>
               <a:ext uri="{91240B29-F687-4f45-9708-019B960494DF}">
-                <a14:hiddenLine xmlns="" xmlns:a16="http://schemas.microsoft.com/office/drawing/2014/main" xmlns:a14="http://schemas.microsoft.com/office/drawing/2010/main" xmlns:p14="http://schemas.microsoft.com/office/powerpoint/2010/main" w="9525">
+                <a14:hiddenLine xmlns:p14="http://schemas.microsoft.com/office/powerpoint/2010/main" xmlns:a14="http://schemas.microsoft.com/office/drawing/2010/main" xmlns:a16="http://schemas.microsoft.com/office/drawing/2014/main" xmlns="" w="9525">
                   <a:solidFill>
                     <a:srgbClr val="000000"/>
                   </a:solidFill>
@@ -19927,7 +20279,7 @@
             </a:ln>
             <a:extLst>
               <a:ext uri="{91240B29-F687-4f45-9708-019B960494DF}">
-                <a14:hiddenLine xmlns="" xmlns:a16="http://schemas.microsoft.com/office/drawing/2014/main" xmlns:a14="http://schemas.microsoft.com/office/drawing/2010/main" xmlns:p14="http://schemas.microsoft.com/office/powerpoint/2010/main" w="9525">
+                <a14:hiddenLine xmlns:p14="http://schemas.microsoft.com/office/powerpoint/2010/main" xmlns:a14="http://schemas.microsoft.com/office/drawing/2010/main" xmlns:a16="http://schemas.microsoft.com/office/drawing/2014/main" xmlns="" w="9525">
                   <a:solidFill>
                     <a:srgbClr val="000000"/>
                   </a:solidFill>
@@ -20032,7 +20384,7 @@
             </a:ln>
             <a:extLst>
               <a:ext uri="{91240B29-F687-4f45-9708-019B960494DF}">
-                <a14:hiddenLine xmlns="" xmlns:a16="http://schemas.microsoft.com/office/drawing/2014/main" xmlns:a14="http://schemas.microsoft.com/office/drawing/2010/main" xmlns:p14="http://schemas.microsoft.com/office/powerpoint/2010/main" w="9525">
+                <a14:hiddenLine xmlns:p14="http://schemas.microsoft.com/office/powerpoint/2010/main" xmlns:a14="http://schemas.microsoft.com/office/drawing/2010/main" xmlns:a16="http://schemas.microsoft.com/office/drawing/2014/main" xmlns="" w="9525">
                   <a:solidFill>
                     <a:srgbClr val="000000"/>
                   </a:solidFill>
@@ -20081,7 +20433,7 @@
             </a:ln>
             <a:extLst>
               <a:ext uri="{91240B29-F687-4f45-9708-019B960494DF}">
-                <a14:hiddenLine xmlns="" xmlns:a16="http://schemas.microsoft.com/office/drawing/2014/main" xmlns:a14="http://schemas.microsoft.com/office/drawing/2010/main" xmlns:p14="http://schemas.microsoft.com/office/powerpoint/2010/main" w="9525">
+                <a14:hiddenLine xmlns:p14="http://schemas.microsoft.com/office/powerpoint/2010/main" xmlns:a14="http://schemas.microsoft.com/office/drawing/2010/main" xmlns:a16="http://schemas.microsoft.com/office/drawing/2014/main" xmlns="" w="9525">
                   <a:solidFill>
                     <a:srgbClr val="000000"/>
                   </a:solidFill>
@@ -20161,7 +20513,7 @@
             </a:ln>
             <a:extLst>
               <a:ext uri="{91240B29-F687-4f45-9708-019B960494DF}">
-                <a14:hiddenLine xmlns="" xmlns:a16="http://schemas.microsoft.com/office/drawing/2014/main" xmlns:a14="http://schemas.microsoft.com/office/drawing/2010/main" xmlns:p14="http://schemas.microsoft.com/office/powerpoint/2010/main" w="9525">
+                <a14:hiddenLine xmlns:p14="http://schemas.microsoft.com/office/powerpoint/2010/main" xmlns:a14="http://schemas.microsoft.com/office/drawing/2010/main" xmlns:a16="http://schemas.microsoft.com/office/drawing/2014/main" xmlns="" w="9525">
                   <a:solidFill>
                     <a:srgbClr val="000000"/>
                   </a:solidFill>
@@ -20266,7 +20618,7 @@
             </a:ln>
             <a:extLst>
               <a:ext uri="{91240B29-F687-4f45-9708-019B960494DF}">
-                <a14:hiddenLine xmlns="" xmlns:a16="http://schemas.microsoft.com/office/drawing/2014/main" xmlns:a14="http://schemas.microsoft.com/office/drawing/2010/main" xmlns:p14="http://schemas.microsoft.com/office/powerpoint/2010/main" w="9525">
+                <a14:hiddenLine xmlns:p14="http://schemas.microsoft.com/office/powerpoint/2010/main" xmlns:a14="http://schemas.microsoft.com/office/drawing/2010/main" xmlns:a16="http://schemas.microsoft.com/office/drawing/2014/main" xmlns="" w="9525">
                   <a:solidFill>
                     <a:srgbClr val="000000"/>
                   </a:solidFill>
@@ -20343,7 +20695,7 @@
             </a:ln>
             <a:extLst>
               <a:ext uri="{91240B29-F687-4f45-9708-019B960494DF}">
-                <a14:hiddenLine xmlns="" xmlns:a16="http://schemas.microsoft.com/office/drawing/2014/main" xmlns:a14="http://schemas.microsoft.com/office/drawing/2010/main" xmlns:p14="http://schemas.microsoft.com/office/powerpoint/2010/main" w="9525">
+                <a14:hiddenLine xmlns:p14="http://schemas.microsoft.com/office/powerpoint/2010/main" xmlns:a14="http://schemas.microsoft.com/office/drawing/2010/main" xmlns:a16="http://schemas.microsoft.com/office/drawing/2014/main" xmlns="" w="9525">
                   <a:solidFill>
                     <a:srgbClr val="000000"/>
                   </a:solidFill>
@@ -20448,7 +20800,7 @@
             </a:ln>
             <a:extLst>
               <a:ext uri="{91240B29-F687-4f45-9708-019B960494DF}">
-                <a14:hiddenLine xmlns="" xmlns:a16="http://schemas.microsoft.com/office/drawing/2014/main" xmlns:a14="http://schemas.microsoft.com/office/drawing/2010/main" xmlns:p14="http://schemas.microsoft.com/office/powerpoint/2010/main" w="9525">
+                <a14:hiddenLine xmlns:p14="http://schemas.microsoft.com/office/powerpoint/2010/main" xmlns:a14="http://schemas.microsoft.com/office/drawing/2010/main" xmlns:a16="http://schemas.microsoft.com/office/drawing/2014/main" xmlns="" w="9525">
                   <a:solidFill>
                     <a:srgbClr val="000000"/>
                   </a:solidFill>
@@ -20553,7 +20905,7 @@
             </a:ln>
             <a:extLst>
               <a:ext uri="{91240B29-F687-4f45-9708-019B960494DF}">
-                <a14:hiddenLine xmlns="" xmlns:a16="http://schemas.microsoft.com/office/drawing/2014/main" xmlns:a14="http://schemas.microsoft.com/office/drawing/2010/main" xmlns:p14="http://schemas.microsoft.com/office/powerpoint/2010/main" w="9525">
+                <a14:hiddenLine xmlns:p14="http://schemas.microsoft.com/office/powerpoint/2010/main" xmlns:a14="http://schemas.microsoft.com/office/drawing/2010/main" xmlns:a16="http://schemas.microsoft.com/office/drawing/2014/main" xmlns="" w="9525">
                   <a:solidFill>
                     <a:srgbClr val="000000"/>
                   </a:solidFill>
@@ -20633,7 +20985,7 @@
             </a:ln>
             <a:extLst>
               <a:ext uri="{91240B29-F687-4f45-9708-019B960494DF}">
-                <a14:hiddenLine xmlns="" xmlns:a16="http://schemas.microsoft.com/office/drawing/2014/main" xmlns:a14="http://schemas.microsoft.com/office/drawing/2010/main" xmlns:p14="http://schemas.microsoft.com/office/powerpoint/2010/main" w="9525">
+                <a14:hiddenLine xmlns:p14="http://schemas.microsoft.com/office/powerpoint/2010/main" xmlns:a14="http://schemas.microsoft.com/office/drawing/2010/main" xmlns:a16="http://schemas.microsoft.com/office/drawing/2014/main" xmlns="" w="9525">
                   <a:solidFill>
                     <a:srgbClr val="000000"/>
                   </a:solidFill>
@@ -20710,7 +21062,7 @@
             </a:ln>
             <a:extLst>
               <a:ext uri="{91240B29-F687-4f45-9708-019B960494DF}">
-                <a14:hiddenLine xmlns="" xmlns:a16="http://schemas.microsoft.com/office/drawing/2014/main" xmlns:a14="http://schemas.microsoft.com/office/drawing/2010/main" xmlns:p14="http://schemas.microsoft.com/office/powerpoint/2010/main" w="9525">
+                <a14:hiddenLine xmlns:p14="http://schemas.microsoft.com/office/powerpoint/2010/main" xmlns:a14="http://schemas.microsoft.com/office/drawing/2010/main" xmlns:a16="http://schemas.microsoft.com/office/drawing/2014/main" xmlns="" w="9525">
                   <a:solidFill>
                     <a:srgbClr val="000000"/>
                   </a:solidFill>
@@ -20815,7 +21167,7 @@
             </a:ln>
             <a:extLst>
               <a:ext uri="{91240B29-F687-4f45-9708-019B960494DF}">
-                <a14:hiddenLine xmlns="" xmlns:a16="http://schemas.microsoft.com/office/drawing/2014/main" xmlns:a14="http://schemas.microsoft.com/office/drawing/2010/main" xmlns:p14="http://schemas.microsoft.com/office/powerpoint/2010/main" w="9525">
+                <a14:hiddenLine xmlns:p14="http://schemas.microsoft.com/office/powerpoint/2010/main" xmlns:a14="http://schemas.microsoft.com/office/drawing/2010/main" xmlns:a16="http://schemas.microsoft.com/office/drawing/2014/main" xmlns="" w="9525">
                   <a:solidFill>
                     <a:srgbClr val="000000"/>
                   </a:solidFill>
@@ -20920,7 +21272,7 @@
             </a:ln>
             <a:extLst>
               <a:ext uri="{91240B29-F687-4f45-9708-019B960494DF}">
-                <a14:hiddenLine xmlns="" xmlns:a16="http://schemas.microsoft.com/office/drawing/2014/main" xmlns:a14="http://schemas.microsoft.com/office/drawing/2010/main" xmlns:p14="http://schemas.microsoft.com/office/powerpoint/2010/main" w="9525">
+                <a14:hiddenLine xmlns:p14="http://schemas.microsoft.com/office/powerpoint/2010/main" xmlns:a14="http://schemas.microsoft.com/office/drawing/2010/main" xmlns:a16="http://schemas.microsoft.com/office/drawing/2014/main" xmlns="" w="9525">
                   <a:solidFill>
                     <a:srgbClr val="000000"/>
                   </a:solidFill>
@@ -20997,7 +21349,7 @@
             </a:ln>
             <a:extLst>
               <a:ext uri="{91240B29-F687-4f45-9708-019B960494DF}">
-                <a14:hiddenLine xmlns="" xmlns:a16="http://schemas.microsoft.com/office/drawing/2014/main" xmlns:a14="http://schemas.microsoft.com/office/drawing/2010/main" xmlns:p14="http://schemas.microsoft.com/office/powerpoint/2010/main" w="9525">
+                <a14:hiddenLine xmlns:p14="http://schemas.microsoft.com/office/powerpoint/2010/main" xmlns:a14="http://schemas.microsoft.com/office/drawing/2010/main" xmlns:a16="http://schemas.microsoft.com/office/drawing/2014/main" xmlns="" w="9525">
                   <a:solidFill>
                     <a:srgbClr val="000000"/>
                   </a:solidFill>
@@ -21132,7 +21484,7 @@
             </a:ln>
             <a:extLst>
               <a:ext uri="{91240B29-F687-4f45-9708-019B960494DF}">
-                <a14:hiddenLine xmlns="" xmlns:a16="http://schemas.microsoft.com/office/drawing/2014/main" xmlns:a14="http://schemas.microsoft.com/office/drawing/2010/main" xmlns:p14="http://schemas.microsoft.com/office/powerpoint/2010/main" w="9525">
+                <a14:hiddenLine xmlns:p14="http://schemas.microsoft.com/office/powerpoint/2010/main" xmlns:a14="http://schemas.microsoft.com/office/drawing/2010/main" xmlns:a16="http://schemas.microsoft.com/office/drawing/2014/main" xmlns="" w="9525">
                   <a:solidFill>
                     <a:srgbClr val="000000"/>
                   </a:solidFill>
@@ -21215,7 +21567,7 @@
             </a:ln>
             <a:extLst>
               <a:ext uri="{91240B29-F687-4f45-9708-019B960494DF}">
-                <a14:hiddenLine xmlns="" xmlns:a16="http://schemas.microsoft.com/office/drawing/2014/main" xmlns:a14="http://schemas.microsoft.com/office/drawing/2010/main" xmlns:p14="http://schemas.microsoft.com/office/powerpoint/2010/main" w="9525">
+                <a14:hiddenLine xmlns:p14="http://schemas.microsoft.com/office/powerpoint/2010/main" xmlns:a14="http://schemas.microsoft.com/office/drawing/2010/main" xmlns:a16="http://schemas.microsoft.com/office/drawing/2014/main" xmlns="" w="9525">
                   <a:solidFill>
                     <a:srgbClr val="000000"/>
                   </a:solidFill>
@@ -21320,7 +21672,7 @@
             </a:ln>
             <a:extLst>
               <a:ext uri="{91240B29-F687-4f45-9708-019B960494DF}">
-                <a14:hiddenLine xmlns="" xmlns:a16="http://schemas.microsoft.com/office/drawing/2014/main" xmlns:a14="http://schemas.microsoft.com/office/drawing/2010/main" xmlns:p14="http://schemas.microsoft.com/office/powerpoint/2010/main" w="9525">
+                <a14:hiddenLine xmlns:p14="http://schemas.microsoft.com/office/powerpoint/2010/main" xmlns:a14="http://schemas.microsoft.com/office/drawing/2010/main" xmlns:a16="http://schemas.microsoft.com/office/drawing/2014/main" xmlns="" w="9525">
                   <a:solidFill>
                     <a:srgbClr val="000000"/>
                   </a:solidFill>
@@ -21450,7 +21802,7 @@
             </a:ln>
             <a:extLst>
               <a:ext uri="{91240B29-F687-4f45-9708-019B960494DF}">
-                <a14:hiddenLine xmlns="" xmlns:a16="http://schemas.microsoft.com/office/drawing/2014/main" xmlns:a14="http://schemas.microsoft.com/office/drawing/2010/main" xmlns:p14="http://schemas.microsoft.com/office/powerpoint/2010/main" w="9525">
+                <a14:hiddenLine xmlns:p14="http://schemas.microsoft.com/office/powerpoint/2010/main" xmlns:a14="http://schemas.microsoft.com/office/drawing/2010/main" xmlns:a16="http://schemas.microsoft.com/office/drawing/2014/main" xmlns="" w="9525">
                   <a:solidFill>
                     <a:srgbClr val="000000"/>
                   </a:solidFill>
@@ -21580,7 +21932,7 @@
             </a:ln>
             <a:extLst>
               <a:ext uri="{91240B29-F687-4f45-9708-019B960494DF}">
-                <a14:hiddenLine xmlns="" xmlns:a16="http://schemas.microsoft.com/office/drawing/2014/main" xmlns:a14="http://schemas.microsoft.com/office/drawing/2010/main" xmlns:p14="http://schemas.microsoft.com/office/powerpoint/2010/main" w="9525">
+                <a14:hiddenLine xmlns:p14="http://schemas.microsoft.com/office/powerpoint/2010/main" xmlns:a14="http://schemas.microsoft.com/office/drawing/2010/main" xmlns:a16="http://schemas.microsoft.com/office/drawing/2014/main" xmlns="" w="9525">
                   <a:solidFill>
                     <a:srgbClr val="000000"/>
                   </a:solidFill>
@@ -21685,7 +22037,7 @@
             </a:ln>
             <a:extLst>
               <a:ext uri="{91240B29-F687-4f45-9708-019B960494DF}">
-                <a14:hiddenLine xmlns="" xmlns:a16="http://schemas.microsoft.com/office/drawing/2014/main" xmlns:a14="http://schemas.microsoft.com/office/drawing/2010/main" xmlns:p14="http://schemas.microsoft.com/office/powerpoint/2010/main" w="9525">
+                <a14:hiddenLine xmlns:p14="http://schemas.microsoft.com/office/powerpoint/2010/main" xmlns:a14="http://schemas.microsoft.com/office/drawing/2010/main" xmlns:a16="http://schemas.microsoft.com/office/drawing/2014/main" xmlns="" w="9525">
                   <a:solidFill>
                     <a:srgbClr val="000000"/>
                   </a:solidFill>
@@ -21765,7 +22117,7 @@
             </a:ln>
             <a:extLst>
               <a:ext uri="{91240B29-F687-4f45-9708-019B960494DF}">
-                <a14:hiddenLine xmlns="" xmlns:a16="http://schemas.microsoft.com/office/drawing/2014/main" xmlns:a14="http://schemas.microsoft.com/office/drawing/2010/main" xmlns:p14="http://schemas.microsoft.com/office/powerpoint/2010/main" w="9525">
+                <a14:hiddenLine xmlns:p14="http://schemas.microsoft.com/office/powerpoint/2010/main" xmlns:a14="http://schemas.microsoft.com/office/drawing/2010/main" xmlns:a16="http://schemas.microsoft.com/office/drawing/2014/main" xmlns="" w="9525">
                   <a:solidFill>
                     <a:srgbClr val="000000"/>
                   </a:solidFill>
@@ -21870,7 +22222,7 @@
             </a:ln>
             <a:extLst>
               <a:ext uri="{91240B29-F687-4f45-9708-019B960494DF}">
-                <a14:hiddenLine xmlns="" xmlns:a16="http://schemas.microsoft.com/office/drawing/2014/main" xmlns:a14="http://schemas.microsoft.com/office/drawing/2010/main" xmlns:p14="http://schemas.microsoft.com/office/powerpoint/2010/main" w="9525">
+                <a14:hiddenLine xmlns:p14="http://schemas.microsoft.com/office/powerpoint/2010/main" xmlns:a14="http://schemas.microsoft.com/office/drawing/2010/main" xmlns:a16="http://schemas.microsoft.com/office/drawing/2014/main" xmlns="" w="9525">
                   <a:solidFill>
                     <a:srgbClr val="000000"/>
                   </a:solidFill>
@@ -21953,7 +22305,7 @@
             </a:ln>
             <a:extLst>
               <a:ext uri="{91240B29-F687-4f45-9708-019B960494DF}">
-                <a14:hiddenLine xmlns="" xmlns:a16="http://schemas.microsoft.com/office/drawing/2014/main" xmlns:a14="http://schemas.microsoft.com/office/drawing/2010/main" xmlns:p14="http://schemas.microsoft.com/office/powerpoint/2010/main" w="9525">
+                <a14:hiddenLine xmlns:p14="http://schemas.microsoft.com/office/powerpoint/2010/main" xmlns:a14="http://schemas.microsoft.com/office/drawing/2010/main" xmlns:a16="http://schemas.microsoft.com/office/drawing/2014/main" xmlns="" w="9525">
                   <a:solidFill>
                     <a:srgbClr val="000000"/>
                   </a:solidFill>
@@ -22058,7 +22410,7 @@
             </a:ln>
             <a:extLst>
               <a:ext uri="{91240B29-F687-4f45-9708-019B960494DF}">
-                <a14:hiddenLine xmlns="" xmlns:a16="http://schemas.microsoft.com/office/drawing/2014/main" xmlns:a14="http://schemas.microsoft.com/office/drawing/2010/main" xmlns:p14="http://schemas.microsoft.com/office/powerpoint/2010/main" w="9525">
+                <a14:hiddenLine xmlns:p14="http://schemas.microsoft.com/office/powerpoint/2010/main" xmlns:a14="http://schemas.microsoft.com/office/drawing/2010/main" xmlns:a16="http://schemas.microsoft.com/office/drawing/2014/main" xmlns="" w="9525">
                   <a:solidFill>
                     <a:srgbClr val="000000"/>
                   </a:solidFill>
@@ -22141,7 +22493,7 @@
             </a:ln>
             <a:extLst>
               <a:ext uri="{91240B29-F687-4f45-9708-019B960494DF}">
-                <a14:hiddenLine xmlns="" xmlns:a16="http://schemas.microsoft.com/office/drawing/2014/main" xmlns:a14="http://schemas.microsoft.com/office/drawing/2010/main" xmlns:p14="http://schemas.microsoft.com/office/powerpoint/2010/main" w="9525">
+                <a14:hiddenLine xmlns:p14="http://schemas.microsoft.com/office/powerpoint/2010/main" xmlns:a14="http://schemas.microsoft.com/office/drawing/2010/main" xmlns:a16="http://schemas.microsoft.com/office/drawing/2014/main" xmlns="" w="9525">
                   <a:solidFill>
                     <a:srgbClr val="000000"/>
                   </a:solidFill>
@@ -22246,7 +22598,7 @@
             </a:ln>
             <a:extLst>
               <a:ext uri="{91240B29-F687-4f45-9708-019B960494DF}">
-                <a14:hiddenLine xmlns="" xmlns:a16="http://schemas.microsoft.com/office/drawing/2014/main" xmlns:a14="http://schemas.microsoft.com/office/drawing/2010/main" xmlns:p14="http://schemas.microsoft.com/office/powerpoint/2010/main" w="9525">
+                <a14:hiddenLine xmlns:p14="http://schemas.microsoft.com/office/powerpoint/2010/main" xmlns:a14="http://schemas.microsoft.com/office/drawing/2010/main" xmlns:a16="http://schemas.microsoft.com/office/drawing/2014/main" xmlns="" w="9525">
                   <a:solidFill>
                     <a:srgbClr val="000000"/>
                   </a:solidFill>
@@ -22295,7 +22647,7 @@
             </a:ln>
             <a:extLst>
               <a:ext uri="{91240B29-F687-4f45-9708-019B960494DF}">
-                <a14:hiddenLine xmlns="" xmlns:a16="http://schemas.microsoft.com/office/drawing/2014/main" xmlns:a14="http://schemas.microsoft.com/office/drawing/2010/main" xmlns:p14="http://schemas.microsoft.com/office/powerpoint/2010/main" w="9525">
+                <a14:hiddenLine xmlns:p14="http://schemas.microsoft.com/office/powerpoint/2010/main" xmlns:a14="http://schemas.microsoft.com/office/drawing/2010/main" xmlns:a16="http://schemas.microsoft.com/office/drawing/2014/main" xmlns="" w="9525">
                   <a:solidFill>
                     <a:srgbClr val="000000"/>
                   </a:solidFill>
@@ -22498,7 +22850,7 @@
       </p:grpSpPr>
       <p:pic>
         <p:nvPicPr>
-          <p:cNvPr id="9" name="Picture Placeholder 8" descr="Abstract organic polygons blurred">
+          <p:cNvPr id="9" name="Picture Placeholder 8" descr="Close-up of circuit board">
             <a:extLst>
               <a:ext uri="{FF2B5EF4-FFF2-40B4-BE49-F238E27FC236}">
                 <a16:creationId xmlns:a16="http://schemas.microsoft.com/office/drawing/2014/main" id="{2D73DA0F-7DB4-4B1A-8B34-4F00DA6DD026}"/>
@@ -22512,21 +22864,15 @@
             <p:ph type="pic" sz="quarter" idx="16"/>
           </p:nvPr>
         </p:nvPicPr>
-        <p:blipFill rotWithShape="1">
-          <a:blip r:embed="rId2" cstate="screen">
-            <a:extLst>
-              <a:ext uri="{28A0092B-C50C-407E-A947-70E740481C1C}">
-                <a14:useLocalDpi xmlns:a14="http://schemas.microsoft.com/office/drawing/2010/main"/>
-              </a:ext>
-            </a:extLst>
-          </a:blip>
+        <p:blipFill>
+          <a:blip r:embed="rId2"/>
           <a:srcRect/>
           <a:stretch/>
         </p:blipFill>
         <p:spPr>
-          <a:xfrm>
-            <a:off x="-1" y="-1"/>
-            <a:ext cx="5858933" cy="6858219"/>
+          <a:xfrm rot="5400000">
+            <a:off x="-882513" y="357008"/>
+            <a:ext cx="7383503" cy="5618481"/>
           </a:xfrm>
         </p:spPr>
       </p:pic>
@@ -22583,8 +22929,8 @@
         </p:nvSpPr>
         <p:spPr>
           <a:xfrm>
-            <a:off x="6095999" y="2589839"/>
-            <a:ext cx="4611758" cy="3620161"/>
+            <a:off x="6095999" y="2315520"/>
+            <a:ext cx="4611758" cy="1691216"/>
           </a:xfrm>
         </p:spPr>
         <p:txBody>
@@ -22621,6 +22967,74 @@
               <a:t>jmidrichards@gmail.com</a:t>
             </a:r>
             <a:endParaRPr lang="en-US" dirty="0"/>
+          </a:p>
+        </p:txBody>
+      </p:sp>
+      <p:sp>
+        <p:nvSpPr>
+          <p:cNvPr id="7" name="TextBox 6">
+            <a:extLst>
+              <a:ext uri="{FF2B5EF4-FFF2-40B4-BE49-F238E27FC236}">
+                <a16:creationId xmlns:a16="http://schemas.microsoft.com/office/drawing/2014/main" id="{4D265F7B-4739-4C48-966F-DC0C82710984}"/>
+              </a:ext>
+            </a:extLst>
+          </p:cNvPr>
+          <p:cNvSpPr txBox="1"/>
+          <p:nvPr/>
+        </p:nvSpPr>
+        <p:spPr>
+          <a:xfrm>
+            <a:off x="348670" y="409698"/>
+            <a:ext cx="4921135" cy="2000548"/>
+          </a:xfrm>
+          <a:prstGeom prst="rect">
+            <a:avLst/>
+          </a:prstGeom>
+          <a:noFill/>
+        </p:spPr>
+        <p:txBody>
+          <a:bodyPr wrap="square">
+            <a:spAutoFit/>
+          </a:bodyPr>
+          <a:lstStyle/>
+          <a:p>
+            <a:r>
+              <a:rPr lang="en-US" sz="2400" b="1" dirty="0"/>
+              <a:t>References:</a:t>
+            </a:r>
+            <a:endParaRPr lang="en-US" sz="600" b="1" dirty="0"/>
+          </a:p>
+          <a:p>
+            <a:pPr marL="342900" indent="-342900">
+              <a:spcBef>
+                <a:spcPts val="600"/>
+              </a:spcBef>
+              <a:buAutoNum type="arabicPeriod"/>
+            </a:pPr>
+            <a:r>
+              <a:rPr lang="en-US" dirty="0"/>
+              <a:t>Xia X. Domains and Functions of Spike Protein in Sars-Cov-2 in the Context of Vaccine Design. Viruses. 2021 Jan 14;13(1):109. </a:t>
+            </a:r>
+            <a:r>
+              <a:rPr lang="en-US" dirty="0" err="1"/>
+              <a:t>doi</a:t>
+            </a:r>
+            <a:r>
+              <a:rPr lang="en-US" dirty="0"/>
+              <a:t>: 10.3390/v13010109.</a:t>
+            </a:r>
+          </a:p>
+          <a:p>
+            <a:pPr marL="342900" indent="-342900">
+              <a:spcBef>
+                <a:spcPts val="600"/>
+              </a:spcBef>
+              <a:buAutoNum type="arabicPeriod"/>
+            </a:pPr>
+            <a:r>
+              <a:rPr lang="en-US" dirty="0"/>
+              <a:t>Other references here</a:t>
+            </a:r>
           </a:p>
         </p:txBody>
       </p:sp>
@@ -23096,51 +23510,106 @@
             <p:ph type="title"/>
           </p:nvPr>
         </p:nvSpPr>
-        <p:spPr/>
+        <p:spPr>
+          <a:xfrm>
+            <a:off x="1143001" y="425478"/>
+            <a:ext cx="9905998" cy="1078202"/>
+          </a:xfrm>
+        </p:spPr>
         <p:txBody>
-          <a:bodyPr/>
+          <a:bodyPr>
+            <a:normAutofit fontScale="90000"/>
+          </a:bodyPr>
           <a:lstStyle/>
           <a:p>
             <a:pPr algn="ctr"/>
             <a:r>
-              <a:rPr lang="en-US" dirty="0"/>
-              <a:t>Protein Structure and Domains</a:t>
+              <a:rPr lang="en-US" b="1" dirty="0"/>
+              <a:t>Protein Structure and</a:t>
+            </a:r>
+            <a:br>
+              <a:rPr lang="en-US" b="1" dirty="0"/>
+            </a:br>
+            <a:r>
+              <a:rPr lang="en-US" b="1" dirty="0"/>
+              <a:t>Approximate Domains</a:t>
             </a:r>
           </a:p>
         </p:txBody>
       </p:sp>
-      <p:sp>
-        <p:nvSpPr>
-          <p:cNvPr id="3" name="Content Placeholder 2">
+      <p:pic>
+        <p:nvPicPr>
+          <p:cNvPr id="7" name="Content Placeholder 6">
             <a:extLst>
               <a:ext uri="{FF2B5EF4-FFF2-40B4-BE49-F238E27FC236}">
-                <a16:creationId xmlns:a16="http://schemas.microsoft.com/office/drawing/2014/main" id="{53274F13-FA89-4BB9-BE9D-33722F0F966D}"/>
+                <a16:creationId xmlns:a16="http://schemas.microsoft.com/office/drawing/2014/main" id="{AF0BB68C-8C73-4E90-B642-24F9929EDA4B}"/>
               </a:ext>
             </a:extLst>
           </p:cNvPr>
-          <p:cNvSpPr>
-            <a:spLocks noGrp="1"/>
-          </p:cNvSpPr>
+          <p:cNvPicPr>
+            <a:picLocks noGrp="1" noChangeAspect="1"/>
+          </p:cNvPicPr>
           <p:nvPr>
             <p:ph idx="1"/>
           </p:nvPr>
+        </p:nvPicPr>
+        <p:blipFill>
+          <a:blip r:embed="rId2"/>
+          <a:srcRect/>
+          <a:stretch/>
+        </p:blipFill>
+        <p:spPr>
+          <a:xfrm>
+            <a:off x="405733" y="1665099"/>
+            <a:ext cx="11380533" cy="4002060"/>
+          </a:xfrm>
+          <a:prstGeom prst="roundRect">
+            <a:avLst>
+              <a:gd name="adj" fmla="val 8594"/>
+            </a:avLst>
+          </a:prstGeom>
+          <a:solidFill>
+            <a:srgbClr val="FFFFFF">
+              <a:shade val="85000"/>
+            </a:srgbClr>
+          </a:solidFill>
+          <a:ln>
+            <a:noFill/>
+          </a:ln>
+          <a:effectLst/>
+        </p:spPr>
+      </p:pic>
+      <p:sp>
+        <p:nvSpPr>
+          <p:cNvPr id="10" name="TextBox 9">
+            <a:extLst>
+              <a:ext uri="{FF2B5EF4-FFF2-40B4-BE49-F238E27FC236}">
+                <a16:creationId xmlns:a16="http://schemas.microsoft.com/office/drawing/2014/main" id="{210FBD5B-CED2-4858-B20B-5690C77E4FF5}"/>
+              </a:ext>
+            </a:extLst>
+          </p:cNvPr>
+          <p:cNvSpPr txBox="1"/>
+          <p:nvPr/>
         </p:nvSpPr>
-        <p:spPr/>
+        <p:spPr>
+          <a:xfrm>
+            <a:off x="7489768" y="5853516"/>
+            <a:ext cx="3865418" cy="369332"/>
+          </a:xfrm>
+          <a:prstGeom prst="rect">
+            <a:avLst/>
+          </a:prstGeom>
+          <a:noFill/>
+        </p:spPr>
         <p:txBody>
-          <a:bodyPr/>
+          <a:bodyPr wrap="square" rtlCol="0">
+            <a:spAutoFit/>
+          </a:bodyPr>
           <a:lstStyle/>
           <a:p>
             <a:r>
               <a:rPr lang="en-US" dirty="0"/>
-              <a:t>Receptor Binding Domain (</a:t>
-            </a:r>
-            <a:r>
-              <a:rPr lang="en-US" u="sng" dirty="0"/>
-              <a:t>RBD</a:t>
-            </a:r>
-            <a:r>
-              <a:rPr lang="en-US" dirty="0"/>
-              <a:t>) is at amino acids 327-529</a:t>
+              <a:t>Source: [1], graph truncated for space</a:t>
             </a:r>
           </a:p>
         </p:txBody>
@@ -23714,4 +24183,299 @@
     </a:ext>
   </a:extLst>
 </a:theme>
+</file>
+
+<file path=ppt/theme/theme2.xml><?xml version="1.0" encoding="utf-8"?>
+<a:theme xmlns:a="http://schemas.openxmlformats.org/drawingml/2006/main" name="Office Theme">
+  <a:themeElements>
+    <a:clrScheme name="Office">
+      <a:dk1>
+        <a:sysClr val="windowText" lastClr="000000"/>
+      </a:dk1>
+      <a:lt1>
+        <a:sysClr val="window" lastClr="FFFFFF"/>
+      </a:lt1>
+      <a:dk2>
+        <a:srgbClr val="44546A"/>
+      </a:dk2>
+      <a:lt2>
+        <a:srgbClr val="E7E6E6"/>
+      </a:lt2>
+      <a:accent1>
+        <a:srgbClr val="4472C4"/>
+      </a:accent1>
+      <a:accent2>
+        <a:srgbClr val="ED7D31"/>
+      </a:accent2>
+      <a:accent3>
+        <a:srgbClr val="A5A5A5"/>
+      </a:accent3>
+      <a:accent4>
+        <a:srgbClr val="FFC000"/>
+      </a:accent4>
+      <a:accent5>
+        <a:srgbClr val="5B9BD5"/>
+      </a:accent5>
+      <a:accent6>
+        <a:srgbClr val="70AD47"/>
+      </a:accent6>
+      <a:hlink>
+        <a:srgbClr val="0563C1"/>
+      </a:hlink>
+      <a:folHlink>
+        <a:srgbClr val="954F72"/>
+      </a:folHlink>
+    </a:clrScheme>
+    <a:fontScheme name="Office">
+      <a:majorFont>
+        <a:latin typeface="Calibri Light" panose="020F0302020204030204"/>
+        <a:ea typeface=""/>
+        <a:cs typeface=""/>
+        <a:font script="Jpan" typeface="游ゴシック Light"/>
+        <a:font script="Hang" typeface="맑은 고딕"/>
+        <a:font script="Hans" typeface="等线 Light"/>
+        <a:font script="Hant" typeface="新細明體"/>
+        <a:font script="Arab" typeface="Times New Roman"/>
+        <a:font script="Hebr" typeface="Times New Roman"/>
+        <a:font script="Thai" typeface="Angsana New"/>
+        <a:font script="Ethi" typeface="Nyala"/>
+        <a:font script="Beng" typeface="Vrinda"/>
+        <a:font script="Gujr" typeface="Shruti"/>
+        <a:font script="Khmr" typeface="MoolBoran"/>
+        <a:font script="Knda" typeface="Tunga"/>
+        <a:font script="Guru" typeface="Raavi"/>
+        <a:font script="Cans" typeface="Euphemia"/>
+        <a:font script="Cher" typeface="Plantagenet Cherokee"/>
+        <a:font script="Yiii" typeface="Microsoft Yi Baiti"/>
+        <a:font script="Tibt" typeface="Microsoft Himalaya"/>
+        <a:font script="Thaa" typeface="MV Boli"/>
+        <a:font script="Deva" typeface="Mangal"/>
+        <a:font script="Telu" typeface="Gautami"/>
+        <a:font script="Taml" typeface="Latha"/>
+        <a:font script="Syrc" typeface="Estrangelo Edessa"/>
+        <a:font script="Orya" typeface="Kalinga"/>
+        <a:font script="Mlym" typeface="Kartika"/>
+        <a:font script="Laoo" typeface="DokChampa"/>
+        <a:font script="Sinh" typeface="Iskoola Pota"/>
+        <a:font script="Mong" typeface="Mongolian Baiti"/>
+        <a:font script="Viet" typeface="Times New Roman"/>
+        <a:font script="Uigh" typeface="Microsoft Uighur"/>
+        <a:font script="Geor" typeface="Sylfaen"/>
+        <a:font script="Armn" typeface="Arial"/>
+        <a:font script="Bugi" typeface="Leelawadee UI"/>
+        <a:font script="Bopo" typeface="Microsoft JhengHei"/>
+        <a:font script="Java" typeface="Javanese Text"/>
+        <a:font script="Lisu" typeface="Segoe UI"/>
+        <a:font script="Mymr" typeface="Myanmar Text"/>
+        <a:font script="Nkoo" typeface="Ebrima"/>
+        <a:font script="Olck" typeface="Nirmala UI"/>
+        <a:font script="Osma" typeface="Ebrima"/>
+        <a:font script="Phag" typeface="Phagspa"/>
+        <a:font script="Syrn" typeface="Estrangelo Edessa"/>
+        <a:font script="Syrj" typeface="Estrangelo Edessa"/>
+        <a:font script="Syre" typeface="Estrangelo Edessa"/>
+        <a:font script="Sora" typeface="Nirmala UI"/>
+        <a:font script="Tale" typeface="Microsoft Tai Le"/>
+        <a:font script="Talu" typeface="Microsoft New Tai Lue"/>
+        <a:font script="Tfng" typeface="Ebrima"/>
+      </a:majorFont>
+      <a:minorFont>
+        <a:latin typeface="Calibri" panose="020F0502020204030204"/>
+        <a:ea typeface=""/>
+        <a:cs typeface=""/>
+        <a:font script="Jpan" typeface="游ゴシック"/>
+        <a:font script="Hang" typeface="맑은 고딕"/>
+        <a:font script="Hans" typeface="等线"/>
+        <a:font script="Hant" typeface="新細明體"/>
+        <a:font script="Arab" typeface="Arial"/>
+        <a:font script="Hebr" typeface="Arial"/>
+        <a:font script="Thai" typeface="Cordia New"/>
+        <a:font script="Ethi" typeface="Nyala"/>
+        <a:font script="Beng" typeface="Vrinda"/>
+        <a:font script="Gujr" typeface="Shruti"/>
+        <a:font script="Khmr" typeface="DaunPenh"/>
+        <a:font script="Knda" typeface="Tunga"/>
+        <a:font script="Guru" typeface="Raavi"/>
+        <a:font script="Cans" typeface="Euphemia"/>
+        <a:font script="Cher" typeface="Plantagenet Cherokee"/>
+        <a:font script="Yiii" typeface="Microsoft Yi Baiti"/>
+        <a:font script="Tibt" typeface="Microsoft Himalaya"/>
+        <a:font script="Thaa" typeface="MV Boli"/>
+        <a:font script="Deva" typeface="Mangal"/>
+        <a:font script="Telu" typeface="Gautami"/>
+        <a:font script="Taml" typeface="Latha"/>
+        <a:font script="Syrc" typeface="Estrangelo Edessa"/>
+        <a:font script="Orya" typeface="Kalinga"/>
+        <a:font script="Mlym" typeface="Kartika"/>
+        <a:font script="Laoo" typeface="DokChampa"/>
+        <a:font script="Sinh" typeface="Iskoola Pota"/>
+        <a:font script="Mong" typeface="Mongolian Baiti"/>
+        <a:font script="Viet" typeface="Arial"/>
+        <a:font script="Uigh" typeface="Microsoft Uighur"/>
+        <a:font script="Geor" typeface="Sylfaen"/>
+        <a:font script="Armn" typeface="Arial"/>
+        <a:font script="Bugi" typeface="Leelawadee UI"/>
+        <a:font script="Bopo" typeface="Microsoft JhengHei"/>
+        <a:font script="Java" typeface="Javanese Text"/>
+        <a:font script="Lisu" typeface="Segoe UI"/>
+        <a:font script="Mymr" typeface="Myanmar Text"/>
+        <a:font script="Nkoo" typeface="Ebrima"/>
+        <a:font script="Olck" typeface="Nirmala UI"/>
+        <a:font script="Osma" typeface="Ebrima"/>
+        <a:font script="Phag" typeface="Phagspa"/>
+        <a:font script="Syrn" typeface="Estrangelo Edessa"/>
+        <a:font script="Syrj" typeface="Estrangelo Edessa"/>
+        <a:font script="Syre" typeface="Estrangelo Edessa"/>
+        <a:font script="Sora" typeface="Nirmala UI"/>
+        <a:font script="Tale" typeface="Microsoft Tai Le"/>
+        <a:font script="Talu" typeface="Microsoft New Tai Lue"/>
+        <a:font script="Tfng" typeface="Ebrima"/>
+      </a:minorFont>
+    </a:fontScheme>
+    <a:fmtScheme name="Office">
+      <a:fillStyleLst>
+        <a:solidFill>
+          <a:schemeClr val="phClr"/>
+        </a:solidFill>
+        <a:gradFill rotWithShape="1">
+          <a:gsLst>
+            <a:gs pos="0">
+              <a:schemeClr val="phClr">
+                <a:lumMod val="110000"/>
+                <a:satMod val="105000"/>
+                <a:tint val="67000"/>
+              </a:schemeClr>
+            </a:gs>
+            <a:gs pos="50000">
+              <a:schemeClr val="phClr">
+                <a:lumMod val="105000"/>
+                <a:satMod val="103000"/>
+                <a:tint val="73000"/>
+              </a:schemeClr>
+            </a:gs>
+            <a:gs pos="100000">
+              <a:schemeClr val="phClr">
+                <a:lumMod val="105000"/>
+                <a:satMod val="109000"/>
+                <a:tint val="81000"/>
+              </a:schemeClr>
+            </a:gs>
+          </a:gsLst>
+          <a:lin ang="5400000" scaled="0"/>
+        </a:gradFill>
+        <a:gradFill rotWithShape="1">
+          <a:gsLst>
+            <a:gs pos="0">
+              <a:schemeClr val="phClr">
+                <a:satMod val="103000"/>
+                <a:lumMod val="102000"/>
+                <a:tint val="94000"/>
+              </a:schemeClr>
+            </a:gs>
+            <a:gs pos="50000">
+              <a:schemeClr val="phClr">
+                <a:satMod val="110000"/>
+                <a:lumMod val="100000"/>
+                <a:shade val="100000"/>
+              </a:schemeClr>
+            </a:gs>
+            <a:gs pos="100000">
+              <a:schemeClr val="phClr">
+                <a:lumMod val="99000"/>
+                <a:satMod val="120000"/>
+                <a:shade val="78000"/>
+              </a:schemeClr>
+            </a:gs>
+          </a:gsLst>
+          <a:lin ang="5400000" scaled="0"/>
+        </a:gradFill>
+      </a:fillStyleLst>
+      <a:lnStyleLst>
+        <a:ln w="6350" cap="flat" cmpd="sng" algn="ctr">
+          <a:solidFill>
+            <a:schemeClr val="phClr"/>
+          </a:solidFill>
+          <a:prstDash val="solid"/>
+          <a:miter lim="800000"/>
+        </a:ln>
+        <a:ln w="12700" cap="flat" cmpd="sng" algn="ctr">
+          <a:solidFill>
+            <a:schemeClr val="phClr"/>
+          </a:solidFill>
+          <a:prstDash val="solid"/>
+          <a:miter lim="800000"/>
+        </a:ln>
+        <a:ln w="19050" cap="flat" cmpd="sng" algn="ctr">
+          <a:solidFill>
+            <a:schemeClr val="phClr"/>
+          </a:solidFill>
+          <a:prstDash val="solid"/>
+          <a:miter lim="800000"/>
+        </a:ln>
+      </a:lnStyleLst>
+      <a:effectStyleLst>
+        <a:effectStyle>
+          <a:effectLst/>
+        </a:effectStyle>
+        <a:effectStyle>
+          <a:effectLst/>
+        </a:effectStyle>
+        <a:effectStyle>
+          <a:effectLst>
+            <a:outerShdw blurRad="57150" dist="19050" dir="5400000" algn="ctr" rotWithShape="0">
+              <a:srgbClr val="000000">
+                <a:alpha val="63000"/>
+              </a:srgbClr>
+            </a:outerShdw>
+          </a:effectLst>
+        </a:effectStyle>
+      </a:effectStyleLst>
+      <a:bgFillStyleLst>
+        <a:solidFill>
+          <a:schemeClr val="phClr"/>
+        </a:solidFill>
+        <a:solidFill>
+          <a:schemeClr val="phClr">
+            <a:tint val="95000"/>
+            <a:satMod val="170000"/>
+          </a:schemeClr>
+        </a:solidFill>
+        <a:gradFill rotWithShape="1">
+          <a:gsLst>
+            <a:gs pos="0">
+              <a:schemeClr val="phClr">
+                <a:tint val="93000"/>
+                <a:satMod val="150000"/>
+                <a:shade val="98000"/>
+                <a:lumMod val="102000"/>
+              </a:schemeClr>
+            </a:gs>
+            <a:gs pos="50000">
+              <a:schemeClr val="phClr">
+                <a:tint val="98000"/>
+                <a:satMod val="130000"/>
+                <a:shade val="90000"/>
+                <a:lumMod val="103000"/>
+              </a:schemeClr>
+            </a:gs>
+            <a:gs pos="100000">
+              <a:schemeClr val="phClr">
+                <a:shade val="63000"/>
+                <a:satMod val="120000"/>
+              </a:schemeClr>
+            </a:gs>
+          </a:gsLst>
+          <a:lin ang="5400000" scaled="0"/>
+        </a:gradFill>
+      </a:bgFillStyleLst>
+    </a:fmtScheme>
+  </a:themeElements>
+  <a:objectDefaults/>
+  <a:extraClrSchemeLst/>
+  <a:extLst>
+    <a:ext uri="{05A4C25C-085E-4340-85A3-A5531E510DB2}">
+      <thm15:themeFamily xmlns:thm15="http://schemas.microsoft.com/office/thememl/2012/main" name="Office Theme" id="{62F939B6-93AF-4DB8-9C6B-D6C7DFDC589F}" vid="{4A3C46E8-61CC-4603-A589-7422A47A8E4A}"/>
+    </a:ext>
+  </a:extLst>
+</a:theme>
 </file>
--- a/Vas-Data/FinalPresentation.pptx
+++ b/Vas-Data/FinalPresentation.pptx
@@ -5,7 +5,7 @@
     <p:sldMasterId id="2147483648" r:id="rId1"/>
   </p:sldMasterIdLst>
   <p:notesMasterIdLst>
-    <p:notesMasterId r:id="rId13"/>
+    <p:notesMasterId r:id="rId14"/>
   </p:notesMasterIdLst>
   <p:sldIdLst>
     <p:sldId id="256" r:id="rId2"/>
@@ -18,7 +18,8 @@
     <p:sldId id="257" r:id="rId9"/>
     <p:sldId id="260" r:id="rId10"/>
     <p:sldId id="258" r:id="rId11"/>
-    <p:sldId id="271" r:id="rId12"/>
+    <p:sldId id="277" r:id="rId12"/>
+    <p:sldId id="271" r:id="rId13"/>
   </p:sldIdLst>
   <p:sldSz cx="12192000" cy="6858000"/>
   <p:notesSz cx="6858000" cy="9144000"/>
@@ -3723,7 +3724,7 @@
           <a:p>
             <a:fld id="{FB0D78C5-FAF4-4263-84DD-579F970B9B04}" type="datetimeFigureOut">
               <a:rPr lang="en-US" smtClean="0"/>
-              <a:t>7/13/2021</a:t>
+              <a:t>7/19/2021</a:t>
             </a:fld>
             <a:endParaRPr lang="en-US"/>
           </a:p>
@@ -8272,7 +8273,7 @@
           <a:p>
             <a:fld id="{48A87A34-81AB-432B-8DAE-1953F412C126}" type="datetimeFigureOut">
               <a:rPr lang="en-US" dirty="0"/>
-              <a:t>7/13/2021</a:t>
+              <a:t>7/19/2021</a:t>
             </a:fld>
             <a:endParaRPr lang="en-US" dirty="0"/>
           </a:p>
@@ -8534,7 +8535,7 @@
           <a:p>
             <a:fld id="{48A87A34-81AB-432B-8DAE-1953F412C126}" type="datetimeFigureOut">
               <a:rPr lang="en-US" dirty="0"/>
-              <a:t>7/13/2021</a:t>
+              <a:t>7/19/2021</a:t>
             </a:fld>
             <a:endParaRPr lang="en-US" dirty="0"/>
           </a:p>
@@ -8725,7 +8726,7 @@
           <a:p>
             <a:fld id="{48A87A34-81AB-432B-8DAE-1953F412C126}" type="datetimeFigureOut">
               <a:rPr lang="en-US" dirty="0"/>
-              <a:t>7/13/2021</a:t>
+              <a:t>7/19/2021</a:t>
             </a:fld>
             <a:endParaRPr lang="en-US" dirty="0"/>
           </a:p>
@@ -8983,7 +8984,7 @@
           <a:p>
             <a:fld id="{48A87A34-81AB-432B-8DAE-1953F412C126}" type="datetimeFigureOut">
               <a:rPr lang="en-US" dirty="0"/>
-              <a:t>7/13/2021</a:t>
+              <a:t>7/19/2021</a:t>
             </a:fld>
             <a:endParaRPr lang="en-US" dirty="0"/>
           </a:p>
@@ -9412,7 +9413,7 @@
           <a:p>
             <a:fld id="{48A87A34-81AB-432B-8DAE-1953F412C126}" type="datetimeFigureOut">
               <a:rPr lang="en-US" dirty="0"/>
-              <a:t>7/13/2021</a:t>
+              <a:t>7/19/2021</a:t>
             </a:fld>
             <a:endParaRPr lang="en-US" dirty="0"/>
           </a:p>
@@ -9953,7 +9954,7 @@
           <a:p>
             <a:fld id="{48A87A34-81AB-432B-8DAE-1953F412C126}" type="datetimeFigureOut">
               <a:rPr lang="en-US" dirty="0"/>
-              <a:t>7/13/2021</a:t>
+              <a:t>7/19/2021</a:t>
             </a:fld>
             <a:endParaRPr lang="en-US" dirty="0"/>
           </a:p>
@@ -10668,7 +10669,7 @@
           <a:p>
             <a:fld id="{48A87A34-81AB-432B-8DAE-1953F412C126}" type="datetimeFigureOut">
               <a:rPr lang="en-US" dirty="0"/>
-              <a:t>7/13/2021</a:t>
+              <a:t>7/19/2021</a:t>
             </a:fld>
             <a:endParaRPr lang="en-US" dirty="0"/>
           </a:p>
@@ -10833,7 +10834,7 @@
           <a:p>
             <a:fld id="{48A87A34-81AB-432B-8DAE-1953F412C126}" type="datetimeFigureOut">
               <a:rPr lang="en-US" dirty="0"/>
-              <a:t>7/13/2021</a:t>
+              <a:t>7/19/2021</a:t>
             </a:fld>
             <a:endParaRPr lang="en-US" dirty="0"/>
           </a:p>
@@ -11008,7 +11009,7 @@
           <a:p>
             <a:fld id="{48A87A34-81AB-432B-8DAE-1953F412C126}" type="datetimeFigureOut">
               <a:rPr lang="en-US" dirty="0"/>
-              <a:t>7/13/2021</a:t>
+              <a:t>7/19/2021</a:t>
             </a:fld>
             <a:endParaRPr lang="en-US" dirty="0"/>
           </a:p>
@@ -11465,7 +11466,7 @@
           <a:p>
             <a:fld id="{48A87A34-81AB-432B-8DAE-1953F412C126}" type="datetimeFigureOut">
               <a:rPr lang="en-US" dirty="0"/>
-              <a:t>7/13/2021</a:t>
+              <a:t>7/19/2021</a:t>
             </a:fld>
             <a:endParaRPr lang="en-US" dirty="0"/>
           </a:p>
@@ -11710,7 +11711,7 @@
           <a:p>
             <a:fld id="{48A87A34-81AB-432B-8DAE-1953F412C126}" type="datetimeFigureOut">
               <a:rPr lang="en-US" dirty="0"/>
-              <a:t>7/13/2021</a:t>
+              <a:t>7/19/2021</a:t>
             </a:fld>
             <a:endParaRPr lang="en-US" dirty="0"/>
           </a:p>
@@ -11937,7 +11938,7 @@
           <a:p>
             <a:fld id="{48A87A34-81AB-432B-8DAE-1953F412C126}" type="datetimeFigureOut">
               <a:rPr lang="en-US" dirty="0"/>
-              <a:t>7/13/2021</a:t>
+              <a:t>7/19/2021</a:t>
             </a:fld>
             <a:endParaRPr lang="en-US" dirty="0"/>
           </a:p>
@@ -12313,7 +12314,7 @@
           <a:p>
             <a:fld id="{48A87A34-81AB-432B-8DAE-1953F412C126}" type="datetimeFigureOut">
               <a:rPr lang="en-US" dirty="0"/>
-              <a:t>7/13/2021</a:t>
+              <a:t>7/19/2021</a:t>
             </a:fld>
             <a:endParaRPr lang="en-US" dirty="0"/>
           </a:p>
@@ -12426,7 +12427,7 @@
           <a:p>
             <a:fld id="{48A87A34-81AB-432B-8DAE-1953F412C126}" type="datetimeFigureOut">
               <a:rPr lang="en-US" dirty="0"/>
-              <a:t>7/13/2021</a:t>
+              <a:t>7/19/2021</a:t>
             </a:fld>
             <a:endParaRPr lang="en-US" dirty="0"/>
           </a:p>
@@ -12516,7 +12517,7 @@
           <a:p>
             <a:fld id="{48A87A34-81AB-432B-8DAE-1953F412C126}" type="datetimeFigureOut">
               <a:rPr lang="en-US" dirty="0"/>
-              <a:t>7/13/2021</a:t>
+              <a:t>7/19/2021</a:t>
             </a:fld>
             <a:endParaRPr lang="en-US" dirty="0"/>
           </a:p>
@@ -12760,7 +12761,7 @@
           <a:p>
             <a:fld id="{48A87A34-81AB-432B-8DAE-1953F412C126}" type="datetimeFigureOut">
               <a:rPr lang="en-US" dirty="0"/>
-              <a:t>7/13/2021</a:t>
+              <a:t>7/19/2021</a:t>
             </a:fld>
             <a:endParaRPr lang="en-US" dirty="0"/>
           </a:p>
@@ -13035,7 +13036,7 @@
           <a:p>
             <a:fld id="{48A87A34-81AB-432B-8DAE-1953F412C126}" type="datetimeFigureOut">
               <a:rPr lang="en-US" dirty="0"/>
-              <a:t>7/13/2021</a:t>
+              <a:t>7/19/2021</a:t>
             </a:fld>
             <a:endParaRPr lang="en-US" dirty="0"/>
           </a:p>
@@ -16098,7 +16099,7 @@
             <a:fld id="{48A87A34-81AB-432B-8DAE-1953F412C126}" type="datetimeFigureOut">
               <a:rPr lang="en-US" dirty="0"/>
               <a:pPr/>
-              <a:t>7/13/2021</a:t>
+              <a:t>7/19/2021</a:t>
             </a:fld>
             <a:endParaRPr lang="en-US" dirty="0"/>
           </a:p>
@@ -16733,7 +16734,7 @@
           <a:lstStyle/>
           <a:p>
             <a:r>
-              <a:rPr lang="en-US" sz="3700" dirty="0"/>
+              <a:rPr lang="en-US" sz="3700" b="1" dirty="0"/>
               <a:t>SARS-Cov-2 Spike Protein Analysis using second Vassiliev Measure</a:t>
             </a:r>
           </a:p>
@@ -16757,8 +16758,8 @@
         </p:nvSpPr>
         <p:spPr>
           <a:xfrm>
-            <a:off x="6597650" y="3767138"/>
-            <a:ext cx="4189412" cy="2278062"/>
+            <a:off x="6597649" y="3767138"/>
+            <a:ext cx="4481511" cy="1655762"/>
           </a:xfrm>
         </p:spPr>
         <p:txBody>
@@ -16767,12 +16768,48 @@
           </a:bodyPr>
           <a:lstStyle/>
           <a:p>
-            <a:endParaRPr lang="en-US" dirty="0"/>
+            <a:pPr>
+              <a:spcBef>
+                <a:spcPts val="0"/>
+              </a:spcBef>
+            </a:pPr>
+            <a:r>
+              <a:rPr lang="en-US" sz="2400" cap="none" dirty="0">
+                <a:solidFill>
+                  <a:schemeClr val="tx1"/>
+                </a:solidFill>
+              </a:rPr>
+              <a:t>UTC iCompBio REU 2021</a:t>
+            </a:r>
           </a:p>
           <a:p>
+            <a:pPr>
+              <a:spcBef>
+                <a:spcPts val="0"/>
+              </a:spcBef>
+            </a:pPr>
             <a:r>
-              <a:rPr lang="en-US" dirty="0"/>
-              <a:t>Subtitle</a:t>
+              <a:rPr lang="en-US" sz="2400" cap="none" dirty="0">
+                <a:solidFill>
+                  <a:schemeClr val="tx1"/>
+                </a:solidFill>
+              </a:rPr>
+              <a:t>Jason Middlebrook</a:t>
+            </a:r>
+          </a:p>
+          <a:p>
+            <a:pPr>
+              <a:spcBef>
+                <a:spcPts val="0"/>
+              </a:spcBef>
+            </a:pPr>
+            <a:r>
+              <a:rPr lang="en-US" sz="2400" cap="none" dirty="0">
+                <a:solidFill>
+                  <a:schemeClr val="tx1"/>
+                </a:solidFill>
+              </a:rPr>
+              <a:t>Professor Eleni Panagiotou</a:t>
             </a:r>
           </a:p>
         </p:txBody>
@@ -22850,6 +22887,100 @@
       </p:grpSpPr>
       <p:pic>
         <p:nvPicPr>
+          <p:cNvPr id="6" name="Content Placeholder 5" descr="Chart&#10;&#10;Description automatically generated">
+            <a:extLst>
+              <a:ext uri="{FF2B5EF4-FFF2-40B4-BE49-F238E27FC236}">
+                <a16:creationId xmlns:a16="http://schemas.microsoft.com/office/drawing/2014/main" id="{2D3C7CE3-12C1-492F-ADA7-FFFF25732F21}"/>
+              </a:ext>
+            </a:extLst>
+          </p:cNvPr>
+          <p:cNvPicPr>
+            <a:picLocks noGrp="1" noChangeAspect="1"/>
+          </p:cNvPicPr>
+          <p:nvPr>
+            <p:ph sz="half" idx="1"/>
+          </p:nvPr>
+        </p:nvPicPr>
+        <p:blipFill rotWithShape="1">
+          <a:blip r:embed="rId2"/>
+          <a:srcRect l="7162" r="7033"/>
+          <a:stretch/>
+        </p:blipFill>
+        <p:spPr>
+          <a:xfrm>
+            <a:off x="1814" y="0"/>
+            <a:ext cx="7685299" cy="6858000"/>
+          </a:xfrm>
+        </p:spPr>
+      </p:pic>
+      <p:sp>
+        <p:nvSpPr>
+          <p:cNvPr id="7" name="Title 1">
+            <a:extLst>
+              <a:ext uri="{FF2B5EF4-FFF2-40B4-BE49-F238E27FC236}">
+                <a16:creationId xmlns:a16="http://schemas.microsoft.com/office/drawing/2014/main" id="{922E2F90-C9D1-4C0C-9D1E-D8A08DD87DFF}"/>
+              </a:ext>
+            </a:extLst>
+          </p:cNvPr>
+          <p:cNvSpPr>
+            <a:spLocks noGrp="1"/>
+          </p:cNvSpPr>
+          <p:nvPr>
+            <p:ph type="title"/>
+          </p:nvPr>
+        </p:nvSpPr>
+        <p:spPr>
+          <a:xfrm>
+            <a:off x="7734300" y="1422400"/>
+            <a:ext cx="4138386" cy="3780971"/>
+          </a:xfrm>
+        </p:spPr>
+        <p:txBody>
+          <a:bodyPr>
+            <a:normAutofit/>
+          </a:bodyPr>
+          <a:lstStyle/>
+          <a:p>
+            <a:pPr algn="ctr"/>
+            <a:r>
+              <a:rPr lang="en-US" b="1" cap="none" dirty="0"/>
+              <a:t>Difference Distance Matrix (DDM) for the V2 values Of The Uncleaved Closed S Protein For SARS-CoV-2 (PDB: 6zge)</a:t>
+            </a:r>
+          </a:p>
+        </p:txBody>
+      </p:sp>
+    </p:spTree>
+    <p:extLst>
+      <p:ext uri="{BB962C8B-B14F-4D97-AF65-F5344CB8AC3E}">
+        <p14:creationId xmlns:p14="http://schemas.microsoft.com/office/powerpoint/2010/main" val="1859357173"/>
+      </p:ext>
+    </p:extLst>
+  </p:cSld>
+  <p:clrMapOvr>
+    <a:masterClrMapping/>
+  </p:clrMapOvr>
+</p:sld>
+</file>
+
+<file path=ppt/slides/slide12.xml><?xml version="1.0" encoding="utf-8"?>
+<p:sld xmlns:a="http://schemas.openxmlformats.org/drawingml/2006/main" xmlns:r="http://schemas.openxmlformats.org/officeDocument/2006/relationships" xmlns:p="http://schemas.openxmlformats.org/presentationml/2006/main">
+  <p:cSld>
+    <p:spTree>
+      <p:nvGrpSpPr>
+        <p:cNvPr id="1" name=""/>
+        <p:cNvGrpSpPr/>
+        <p:nvPr/>
+      </p:nvGrpSpPr>
+      <p:grpSpPr>
+        <a:xfrm>
+          <a:off x="0" y="0"/>
+          <a:ext cx="0" cy="0"/>
+          <a:chOff x="0" y="0"/>
+          <a:chExt cx="0" cy="0"/>
+        </a:xfrm>
+      </p:grpSpPr>
+      <p:pic>
+        <p:nvPicPr>
           <p:cNvPr id="9" name="Picture Placeholder 8" descr="Close-up of circuit board">
             <a:extLst>
               <a:ext uri="{FF2B5EF4-FFF2-40B4-BE49-F238E27FC236}">
@@ -22929,8 +23060,8 @@
         </p:nvSpPr>
         <p:spPr>
           <a:xfrm>
-            <a:off x="6095999" y="2315520"/>
-            <a:ext cx="4611758" cy="1691216"/>
+            <a:off x="6095998" y="2315520"/>
+            <a:ext cx="4800601" cy="1691216"/>
           </a:xfrm>
         </p:spPr>
         <p:txBody>
@@ -22948,7 +23079,7 @@
                   </a:extLst>
                 </a:hlinkClick>
               </a:rPr>
-              <a:t>https://github.com/jmidrichards/iCompBio-Summer2021</a:t>
+              <a:t>https://github.com/MiddlebrookJF/iCompBio-Summer2021</a:t>
             </a:r>
             <a:endParaRPr lang="en-US" dirty="0"/>
           </a:p>
@@ -22964,7 +23095,7 @@
                   </a:extLst>
                 </a:hlinkClick>
               </a:rPr>
-              <a:t>jmidrichards@gmail.com</a:t>
+              <a:t>MiddlebrookJF@gmail.com</a:t>
             </a:r>
             <a:endParaRPr lang="en-US" dirty="0"/>
           </a:p>
@@ -22985,7 +23116,7 @@
         <p:spPr>
           <a:xfrm>
             <a:off x="348670" y="409698"/>
-            <a:ext cx="4921135" cy="2000548"/>
+            <a:ext cx="4921135" cy="2416046"/>
           </a:xfrm>
           <a:prstGeom prst="rect">
             <a:avLst/>
@@ -22998,11 +23129,16 @@
           </a:bodyPr>
           <a:lstStyle/>
           <a:p>
+            <a:pPr>
+              <a:spcAft>
+                <a:spcPts val="600"/>
+              </a:spcAft>
+            </a:pPr>
             <a:r>
-              <a:rPr lang="en-US" sz="2400" b="1" dirty="0"/>
+              <a:rPr lang="en-US" sz="2800" b="1" dirty="0"/>
               <a:t>References:</a:t>
             </a:r>
-            <a:endParaRPr lang="en-US" sz="600" b="1" dirty="0"/>
+            <a:endParaRPr lang="en-US" sz="700" b="1" dirty="0"/>
           </a:p>
           <a:p>
             <a:pPr marL="342900" indent="-342900">
@@ -23013,16 +23149,39 @@
             </a:pPr>
             <a:r>
               <a:rPr lang="en-US" dirty="0"/>
-              <a:t>Xia X. Domains and Functions of Spike Protein in Sars-Cov-2 in the Context of Vaccine Design. Viruses. 2021 Jan 14;13(1):109. </a:t>
+              <a:t>Hu, B., Guo, H., Zhou, P. </a:t>
             </a:r>
             <a:r>
-              <a:rPr lang="en-US" dirty="0" err="1"/>
-              <a:t>doi</a:t>
+              <a:rPr lang="en-US" i="1" dirty="0"/>
+              <a:t>et al.</a:t>
             </a:r>
             <a:r>
               <a:rPr lang="en-US" dirty="0"/>
-              <a:t>: 10.3390/v13010109.</a:t>
+              <a:t> Characteristics of SARS-CoV-2 and COVID-19. </a:t>
             </a:r>
+            <a:r>
+              <a:rPr lang="en-US" i="1" dirty="0"/>
+              <a:t>Nat Rev Microbiol</a:t>
+            </a:r>
+            <a:r>
+              <a:rPr lang="en-US" dirty="0"/>
+              <a:t> </a:t>
+            </a:r>
+            <a:r>
+              <a:rPr lang="en-US" b="1" dirty="0"/>
+              <a:t>19, </a:t>
+            </a:r>
+            <a:r>
+              <a:rPr lang="en-US" dirty="0"/>
+              <a:t>141–154 (2021). </a:t>
+            </a:r>
+            <a:r>
+              <a:rPr lang="en-US" dirty="0">
+                <a:hlinkClick r:id="rId5"/>
+              </a:rPr>
+              <a:t>https://doi.org/10.1038/s41579-020-00459-7</a:t>
+            </a:r>
+            <a:endParaRPr lang="en-US" dirty="0"/>
           </a:p>
           <a:p>
             <a:pPr marL="342900" indent="-342900">
@@ -23031,10 +23190,7 @@
               </a:spcBef>
               <a:buAutoNum type="arabicPeriod"/>
             </a:pPr>
-            <a:r>
-              <a:rPr lang="en-US" dirty="0"/>
-              <a:t>Other references here</a:t>
-            </a:r>
+            <a:endParaRPr lang="en-US" dirty="0"/>
           </a:p>
         </p:txBody>
       </p:sp>
@@ -23553,9 +23709,9 @@
             <p:ph idx="1"/>
           </p:nvPr>
         </p:nvPicPr>
-        <p:blipFill>
+        <p:blipFill rotWithShape="1">
           <a:blip r:embed="rId2"/>
-          <a:srcRect/>
+          <a:srcRect t="4160" b="4264"/>
           <a:stretch/>
         </p:blipFill>
         <p:spPr>
@@ -23593,8 +23749,8 @@
         </p:nvSpPr>
         <p:spPr>
           <a:xfrm>
-            <a:off x="7489768" y="5853516"/>
-            <a:ext cx="3865418" cy="369332"/>
+            <a:off x="9017000" y="5853516"/>
+            <a:ext cx="2425700" cy="400110"/>
           </a:xfrm>
           <a:prstGeom prst="rect">
             <a:avLst/>
@@ -23609,7 +23765,15 @@
           <a:p>
             <a:r>
               <a:rPr lang="en-US" dirty="0"/>
-              <a:t>Source: [1], graph truncated for space</a:t>
+              <a:t>Source: [1], </a:t>
+            </a:r>
+            <a:r>
+              <a:rPr lang="en-US" sz="2000" dirty="0"/>
+              <a:t>figure</a:t>
+            </a:r>
+            <a:r>
+              <a:rPr lang="en-US" dirty="0"/>
+              <a:t> 3a</a:t>
             </a:r>
           </a:p>
         </p:txBody>
